--- a/12장/20164091-송희령-12장 과제.pptx
+++ b/12장/20164091-송희령-12장 과제.pptx
@@ -9,8 +9,13 @@
     <p:sldId id="400" r:id="rId3"/>
     <p:sldId id="401" r:id="rId4"/>
     <p:sldId id="402" r:id="rId5"/>
-    <p:sldId id="394" r:id="rId6"/>
-    <p:sldId id="258" r:id="rId7"/>
+    <p:sldId id="403" r:id="rId6"/>
+    <p:sldId id="404" r:id="rId7"/>
+    <p:sldId id="405" r:id="rId8"/>
+    <p:sldId id="406" r:id="rId9"/>
+    <p:sldId id="407" r:id="rId10"/>
+    <p:sldId id="394" r:id="rId11"/>
+    <p:sldId id="258" r:id="rId12"/>
   </p:sldIdLst>
   <p:sldSz cx="12192000" cy="6858000"/>
   <p:notesSz cx="6858000" cy="9144000"/>
@@ -4053,6 +4058,663 @@
 </p:sld>
 </file>
 
+<file path=ppt/slides/slide10.xml><?xml version="1.0" encoding="utf-8"?>
+<p:sld xmlns:a="http://schemas.openxmlformats.org/drawingml/2006/main" xmlns:r="http://schemas.openxmlformats.org/officeDocument/2006/relationships" xmlns:p="http://schemas.openxmlformats.org/presentationml/2006/main">
+  <p:cSld>
+    <p:spTree>
+      <p:nvGrpSpPr>
+        <p:cNvPr id="1" name=""/>
+        <p:cNvGrpSpPr/>
+        <p:nvPr/>
+      </p:nvGrpSpPr>
+      <p:grpSpPr>
+        <a:xfrm>
+          <a:off x="0" y="0"/>
+          <a:ext cx="0" cy="0"/>
+          <a:chOff x="0" y="0"/>
+          <a:chExt cx="0" cy="0"/>
+        </a:xfrm>
+      </p:grpSpPr>
+      <p:sp>
+        <p:nvSpPr>
+          <p:cNvPr id="37" name="직사각형 36">
+            <a:extLst>
+              <a:ext uri="{FF2B5EF4-FFF2-40B4-BE49-F238E27FC236}">
+                <a16:creationId xmlns:a16="http://schemas.microsoft.com/office/drawing/2014/main" id="{3F15C60C-17FE-422D-AFCF-73C75A021362}"/>
+              </a:ext>
+            </a:extLst>
+          </p:cNvPr>
+          <p:cNvSpPr/>
+          <p:nvPr/>
+        </p:nvSpPr>
+        <p:spPr>
+          <a:xfrm>
+            <a:off x="3697172" y="332194"/>
+            <a:ext cx="4713765" cy="735842"/>
+          </a:xfrm>
+          <a:prstGeom prst="rect">
+            <a:avLst/>
+          </a:prstGeom>
+        </p:spPr>
+        <p:txBody>
+          <a:bodyPr wrap="square">
+            <a:spAutoFit/>
+          </a:bodyPr>
+          <a:lstStyle/>
+          <a:p>
+            <a:pPr algn="ctr" latinLnBrk="0">
+              <a:lnSpc>
+                <a:spcPct val="150000"/>
+              </a:lnSpc>
+              <a:defRPr/>
+            </a:pPr>
+            <a:r>
+              <a:rPr lang="en-US" altLang="ko-KR" sz="3200" b="1" i="1" kern="0" dirty="0">
+                <a:solidFill>
+                  <a:srgbClr val="FF7876"/>
+                </a:solidFill>
+              </a:rPr>
+              <a:t>2</a:t>
+            </a:r>
+          </a:p>
+        </p:txBody>
+      </p:sp>
+      <p:cxnSp>
+        <p:nvCxnSpPr>
+          <p:cNvPr id="38" name="직선 연결선 37">
+            <a:extLst>
+              <a:ext uri="{FF2B5EF4-FFF2-40B4-BE49-F238E27FC236}">
+                <a16:creationId xmlns:a16="http://schemas.microsoft.com/office/drawing/2014/main" id="{940134F4-F272-426A-B50B-8075427DF501}"/>
+              </a:ext>
+            </a:extLst>
+          </p:cNvPr>
+          <p:cNvCxnSpPr>
+            <a:cxnSpLocks/>
+          </p:cNvCxnSpPr>
+          <p:nvPr/>
+        </p:nvCxnSpPr>
+        <p:spPr>
+          <a:xfrm flipV="1">
+            <a:off x="843148" y="847712"/>
+            <a:ext cx="4769087" cy="1"/>
+          </a:xfrm>
+          <a:prstGeom prst="line">
+            <a:avLst/>
+          </a:prstGeom>
+          <a:ln w="6350">
+            <a:solidFill>
+              <a:srgbClr val="FF7876"/>
+            </a:solidFill>
+            <a:prstDash val="sysDash"/>
+            <a:tailEnd type="oval"/>
+          </a:ln>
+        </p:spPr>
+        <p:style>
+          <a:lnRef idx="1">
+            <a:schemeClr val="accent1"/>
+          </a:lnRef>
+          <a:fillRef idx="0">
+            <a:schemeClr val="accent1"/>
+          </a:fillRef>
+          <a:effectRef idx="0">
+            <a:schemeClr val="accent1"/>
+          </a:effectRef>
+          <a:fontRef idx="minor">
+            <a:schemeClr val="tx1"/>
+          </a:fontRef>
+        </p:style>
+      </p:cxnSp>
+      <p:cxnSp>
+        <p:nvCxnSpPr>
+          <p:cNvPr id="39" name="직선 연결선 38">
+            <a:extLst>
+              <a:ext uri="{FF2B5EF4-FFF2-40B4-BE49-F238E27FC236}">
+                <a16:creationId xmlns:a16="http://schemas.microsoft.com/office/drawing/2014/main" id="{55EBD739-0979-4546-8E6B-9CA8052FC540}"/>
+              </a:ext>
+            </a:extLst>
+          </p:cNvPr>
+          <p:cNvCxnSpPr>
+            <a:cxnSpLocks/>
+          </p:cNvCxnSpPr>
+          <p:nvPr/>
+        </p:nvCxnSpPr>
+        <p:spPr>
+          <a:xfrm flipH="1">
+            <a:off x="6579767" y="847712"/>
+            <a:ext cx="4692810" cy="0"/>
+          </a:xfrm>
+          <a:prstGeom prst="line">
+            <a:avLst/>
+          </a:prstGeom>
+          <a:ln w="6350">
+            <a:solidFill>
+              <a:srgbClr val="FF7876"/>
+            </a:solidFill>
+            <a:prstDash val="sysDash"/>
+            <a:tailEnd type="oval"/>
+          </a:ln>
+        </p:spPr>
+        <p:style>
+          <a:lnRef idx="1">
+            <a:schemeClr val="accent1"/>
+          </a:lnRef>
+          <a:fillRef idx="0">
+            <a:schemeClr val="accent1"/>
+          </a:fillRef>
+          <a:effectRef idx="0">
+            <a:schemeClr val="accent1"/>
+          </a:effectRef>
+          <a:fontRef idx="minor">
+            <a:schemeClr val="tx1"/>
+          </a:fontRef>
+        </p:style>
+      </p:cxnSp>
+      <p:sp>
+        <p:nvSpPr>
+          <p:cNvPr id="11" name="TextBox 10">
+            <a:extLst>
+              <a:ext uri="{FF2B5EF4-FFF2-40B4-BE49-F238E27FC236}">
+                <a16:creationId xmlns:a16="http://schemas.microsoft.com/office/drawing/2014/main" id="{4B825D75-47BE-4247-BE4D-F7D4F36F4B08}"/>
+              </a:ext>
+            </a:extLst>
+          </p:cNvPr>
+          <p:cNvSpPr txBox="1"/>
+          <p:nvPr/>
+        </p:nvSpPr>
+        <p:spPr>
+          <a:xfrm>
+            <a:off x="2752639" y="5463991"/>
+            <a:ext cx="6686722" cy="430887"/>
+          </a:xfrm>
+          <a:prstGeom prst="rect">
+            <a:avLst/>
+          </a:prstGeom>
+          <a:noFill/>
+          <a:ln w="12700">
+            <a:solidFill>
+              <a:srgbClr val="FF7876"/>
+            </a:solidFill>
+          </a:ln>
+        </p:spPr>
+        <p:txBody>
+          <a:bodyPr wrap="square" rtlCol="0">
+            <a:spAutoFit/>
+          </a:bodyPr>
+          <a:lstStyle/>
+          <a:p>
+            <a:pPr algn="ctr"/>
+            <a:r>
+              <a:rPr lang="ko-Kore-KR" altLang="en-US" sz="1100" dirty="0"/>
+              <a:t>이번과제의 최종 코드와 작업물들은 제 깃에서 확인 가능합니다</a:t>
+            </a:r>
+            <a:r>
+              <a:rPr lang="en-US" altLang="ko-Kore-KR" sz="1100" dirty="0"/>
+              <a:t>.</a:t>
+            </a:r>
+          </a:p>
+          <a:p>
+            <a:pPr algn="ctr"/>
+            <a:r>
+              <a:rPr lang="en-US" altLang="ko-Kore-KR" sz="1100" dirty="0"/>
+              <a:t>https://</a:t>
+            </a:r>
+            <a:r>
+              <a:rPr lang="en-US" altLang="ko-Kore-KR" sz="1100" dirty="0" err="1"/>
+              <a:t>github.com</a:t>
+            </a:r>
+            <a:r>
+              <a:rPr lang="en-US" altLang="ko-Kore-KR" sz="1100" dirty="0"/>
+              <a:t>/yooatom2200/Programing_Base_2/tree/main/10%EC%9E%A5</a:t>
+            </a:r>
+          </a:p>
+        </p:txBody>
+      </p:sp>
+      <p:sp>
+        <p:nvSpPr>
+          <p:cNvPr id="12" name="TextBox 11">
+            <a:extLst>
+              <a:ext uri="{FF2B5EF4-FFF2-40B4-BE49-F238E27FC236}">
+                <a16:creationId xmlns:a16="http://schemas.microsoft.com/office/drawing/2014/main" id="{459CFBE9-C6B1-CE4F-BF6A-3075D8B4C5EF}"/>
+              </a:ext>
+            </a:extLst>
+          </p:cNvPr>
+          <p:cNvSpPr txBox="1"/>
+          <p:nvPr/>
+        </p:nvSpPr>
+        <p:spPr>
+          <a:xfrm>
+            <a:off x="765146" y="963122"/>
+            <a:ext cx="10507430" cy="261610"/>
+          </a:xfrm>
+          <a:prstGeom prst="rect">
+            <a:avLst/>
+          </a:prstGeom>
+          <a:noFill/>
+        </p:spPr>
+        <p:txBody>
+          <a:bodyPr wrap="square" rtlCol="0">
+            <a:spAutoFit/>
+          </a:bodyPr>
+          <a:lstStyle/>
+          <a:p>
+            <a:pPr algn="ctr"/>
+            <a:r>
+              <a:rPr lang="ko-KR" altLang="en-US" sz="1100" i="1" dirty="0" err="1">
+                <a:solidFill>
+                  <a:srgbClr val="FF7876"/>
+                </a:solidFill>
+              </a:rPr>
+              <a:t>경사하강법</a:t>
+            </a:r>
+            <a:r>
+              <a:rPr lang="ko-KR" altLang="en-US" sz="1100" i="1" dirty="0">
+                <a:solidFill>
+                  <a:srgbClr val="FF7876"/>
+                </a:solidFill>
+              </a:rPr>
+              <a:t> 선형회귀분석 코드 </a:t>
+            </a:r>
+            <a:r>
+              <a:rPr lang="en-US" altLang="ko-KR" sz="1100" i="1" dirty="0">
+                <a:solidFill>
+                  <a:srgbClr val="FF7876"/>
+                </a:solidFill>
+              </a:rPr>
+              <a:t>–</a:t>
+            </a:r>
+            <a:r>
+              <a:rPr lang="ko-KR" altLang="en-US" sz="1100" i="1" dirty="0">
+                <a:solidFill>
+                  <a:srgbClr val="FF7876"/>
+                </a:solidFill>
+              </a:rPr>
+              <a:t> 예시 수정 </a:t>
+            </a:r>
+            <a:r>
+              <a:rPr lang="en-US" altLang="ko-KR" sz="1100" i="1" dirty="0">
+                <a:solidFill>
+                  <a:srgbClr val="FF7876"/>
+                </a:solidFill>
+              </a:rPr>
+              <a:t>(</a:t>
+            </a:r>
+            <a:r>
+              <a:rPr lang="ko-KR" altLang="en-US" sz="1100" i="1" dirty="0">
+                <a:solidFill>
+                  <a:srgbClr val="FF7876"/>
+                </a:solidFill>
+              </a:rPr>
+              <a:t> </a:t>
+            </a:r>
+            <a:r>
+              <a:rPr lang="ko-KR" altLang="en-US" sz="1100" i="1" dirty="0" err="1">
+                <a:solidFill>
+                  <a:srgbClr val="FF7876"/>
+                </a:solidFill>
+              </a:rPr>
+              <a:t>학습률</a:t>
+            </a:r>
+            <a:r>
+              <a:rPr lang="en-US" altLang="ko-KR" sz="1100" i="1" dirty="0">
+                <a:solidFill>
+                  <a:srgbClr val="FF7876"/>
+                </a:solidFill>
+              </a:rPr>
+              <a:t>,</a:t>
+            </a:r>
+            <a:r>
+              <a:rPr lang="ko-KR" altLang="en-US" sz="1100" i="1" dirty="0">
+                <a:solidFill>
+                  <a:srgbClr val="FF7876"/>
+                </a:solidFill>
+              </a:rPr>
+              <a:t> </a:t>
+            </a:r>
+            <a:r>
+              <a:rPr lang="ko-KR" altLang="en-US" sz="1100" i="1" dirty="0" err="1">
+                <a:solidFill>
+                  <a:srgbClr val="FF7876"/>
+                </a:solidFill>
+              </a:rPr>
+              <a:t>배치사이즈</a:t>
+            </a:r>
+            <a:r>
+              <a:rPr lang="en-US" altLang="ko-KR" sz="1100" i="1" dirty="0">
+                <a:solidFill>
+                  <a:srgbClr val="FF7876"/>
+                </a:solidFill>
+              </a:rPr>
+              <a:t>,</a:t>
+            </a:r>
+            <a:r>
+              <a:rPr lang="ko-KR" altLang="en-US" sz="1100" i="1" dirty="0">
+                <a:solidFill>
+                  <a:srgbClr val="FF7876"/>
+                </a:solidFill>
+              </a:rPr>
+              <a:t> </a:t>
+            </a:r>
+            <a:r>
+              <a:rPr lang="ko-KR" altLang="en-US" sz="1100" i="1" dirty="0" err="1">
+                <a:solidFill>
+                  <a:srgbClr val="FF7876"/>
+                </a:solidFill>
+              </a:rPr>
+              <a:t>에포크</a:t>
+            </a:r>
+            <a:r>
+              <a:rPr lang="ko-KR" altLang="en-US" sz="1100" i="1" dirty="0">
+                <a:solidFill>
+                  <a:srgbClr val="FF7876"/>
+                </a:solidFill>
+              </a:rPr>
+              <a:t> 조정 </a:t>
+            </a:r>
+            <a:r>
+              <a:rPr lang="en-US" altLang="ko-KR" sz="1100" i="1" dirty="0">
+                <a:solidFill>
+                  <a:srgbClr val="FF7876"/>
+                </a:solidFill>
+              </a:rPr>
+              <a:t>)</a:t>
+            </a:r>
+          </a:p>
+        </p:txBody>
+      </p:sp>
+      <p:pic>
+        <p:nvPicPr>
+          <p:cNvPr id="2" name="그림 1">
+            <a:extLst>
+              <a:ext uri="{FF2B5EF4-FFF2-40B4-BE49-F238E27FC236}">
+                <a16:creationId xmlns:a16="http://schemas.microsoft.com/office/drawing/2014/main" id="{82598BFB-5043-6A4F-B4CF-E860283D469A}"/>
+              </a:ext>
+            </a:extLst>
+          </p:cNvPr>
+          <p:cNvPicPr>
+            <a:picLocks noChangeAspect="1"/>
+          </p:cNvPicPr>
+          <p:nvPr/>
+        </p:nvPicPr>
+        <p:blipFill>
+          <a:blip r:embed="rId2"/>
+          <a:stretch>
+            <a:fillRect/>
+          </a:stretch>
+        </p:blipFill>
+        <p:spPr>
+          <a:xfrm>
+            <a:off x="6096000" y="1698963"/>
+            <a:ext cx="5874819" cy="3373973"/>
+          </a:xfrm>
+          <a:prstGeom prst="rect">
+            <a:avLst/>
+          </a:prstGeom>
+        </p:spPr>
+      </p:pic>
+      <p:pic>
+        <p:nvPicPr>
+          <p:cNvPr id="3" name="그림 2">
+            <a:extLst>
+              <a:ext uri="{FF2B5EF4-FFF2-40B4-BE49-F238E27FC236}">
+                <a16:creationId xmlns:a16="http://schemas.microsoft.com/office/drawing/2014/main" id="{F08E6538-5C0B-7446-911B-C3EC6868F10F}"/>
+              </a:ext>
+            </a:extLst>
+          </p:cNvPr>
+          <p:cNvPicPr>
+            <a:picLocks noChangeAspect="1"/>
+          </p:cNvPicPr>
+          <p:nvPr/>
+        </p:nvPicPr>
+        <p:blipFill>
+          <a:blip r:embed="rId3"/>
+          <a:stretch>
+            <a:fillRect/>
+          </a:stretch>
+        </p:blipFill>
+        <p:spPr>
+          <a:xfrm>
+            <a:off x="196741" y="1698963"/>
+            <a:ext cx="5899259" cy="3388009"/>
+          </a:xfrm>
+          <a:prstGeom prst="rect">
+            <a:avLst/>
+          </a:prstGeom>
+        </p:spPr>
+      </p:pic>
+    </p:spTree>
+    <p:extLst>
+      <p:ext uri="{BB962C8B-B14F-4D97-AF65-F5344CB8AC3E}">
+        <p14:creationId xmlns:p14="http://schemas.microsoft.com/office/powerpoint/2010/main" val="887750796"/>
+      </p:ext>
+    </p:extLst>
+  </p:cSld>
+  <p:clrMapOvr>
+    <a:masterClrMapping/>
+  </p:clrMapOvr>
+</p:sld>
+</file>
+
+<file path=ppt/slides/slide11.xml><?xml version="1.0" encoding="utf-8"?>
+<p:sld xmlns:a="http://schemas.openxmlformats.org/drawingml/2006/main" xmlns:r="http://schemas.openxmlformats.org/officeDocument/2006/relationships" xmlns:p="http://schemas.openxmlformats.org/presentationml/2006/main">
+  <p:cSld>
+    <p:spTree>
+      <p:nvGrpSpPr>
+        <p:cNvPr id="1" name=""/>
+        <p:cNvGrpSpPr/>
+        <p:nvPr/>
+      </p:nvGrpSpPr>
+      <p:grpSpPr>
+        <a:xfrm>
+          <a:off x="0" y="0"/>
+          <a:ext cx="0" cy="0"/>
+          <a:chOff x="0" y="0"/>
+          <a:chExt cx="0" cy="0"/>
+        </a:xfrm>
+      </p:grpSpPr>
+      <p:sp>
+        <p:nvSpPr>
+          <p:cNvPr id="105" name="직사각형 104">
+            <a:extLst>
+              <a:ext uri="{FF2B5EF4-FFF2-40B4-BE49-F238E27FC236}">
+                <a16:creationId xmlns:a16="http://schemas.microsoft.com/office/drawing/2014/main" id="{92F4E01E-679C-4D6B-8449-8DB2AF7B7D34}"/>
+              </a:ext>
+            </a:extLst>
+          </p:cNvPr>
+          <p:cNvSpPr/>
+          <p:nvPr/>
+        </p:nvSpPr>
+        <p:spPr>
+          <a:xfrm>
+            <a:off x="3739117" y="3003678"/>
+            <a:ext cx="4713765" cy="1032077"/>
+          </a:xfrm>
+          <a:prstGeom prst="rect">
+            <a:avLst/>
+          </a:prstGeom>
+        </p:spPr>
+        <p:txBody>
+          <a:bodyPr wrap="square">
+            <a:spAutoFit/>
+          </a:bodyPr>
+          <a:lstStyle/>
+          <a:p>
+            <a:pPr algn="ctr" latinLnBrk="0">
+              <a:lnSpc>
+                <a:spcPct val="150000"/>
+              </a:lnSpc>
+              <a:defRPr/>
+            </a:pPr>
+            <a:r>
+              <a:rPr lang="ko-KR" altLang="en-US" sz="3200" b="1" i="1" kern="0">
+                <a:solidFill>
+                  <a:srgbClr val="FF7876"/>
+                </a:solidFill>
+              </a:rPr>
+              <a:t>감사합니다</a:t>
+            </a:r>
+            <a:r>
+              <a:rPr lang="en-US" altLang="ko-KR" sz="3200" b="1" i="1" kern="0">
+                <a:solidFill>
+                  <a:prstClr val="black">
+                    <a:lumMod val="75000"/>
+                    <a:lumOff val="25000"/>
+                  </a:prstClr>
+                </a:solidFill>
+              </a:rPr>
+              <a:t> </a:t>
+            </a:r>
+            <a:endParaRPr lang="en-US" altLang="ko-KR" sz="3200" b="1" i="1" kern="0" dirty="0">
+              <a:solidFill>
+                <a:prstClr val="black">
+                  <a:lumMod val="75000"/>
+                  <a:lumOff val="25000"/>
+                </a:prstClr>
+              </a:solidFill>
+            </a:endParaRPr>
+          </a:p>
+          <a:p>
+            <a:pPr algn="ctr" latinLnBrk="0">
+              <a:lnSpc>
+                <a:spcPct val="150000"/>
+              </a:lnSpc>
+              <a:defRPr/>
+            </a:pPr>
+            <a:r>
+              <a:rPr lang="en-US" altLang="ko-KR" sz="900" kern="0">
+                <a:solidFill>
+                  <a:prstClr val="black">
+                    <a:lumMod val="75000"/>
+                    <a:lumOff val="25000"/>
+                  </a:prstClr>
+                </a:solidFill>
+              </a:rPr>
+              <a:t>20164091 </a:t>
+            </a:r>
+            <a:r>
+              <a:rPr lang="ko-KR" altLang="en-US" sz="900" kern="0">
+                <a:solidFill>
+                  <a:prstClr val="black">
+                    <a:lumMod val="75000"/>
+                    <a:lumOff val="25000"/>
+                  </a:prstClr>
+                </a:solidFill>
+              </a:rPr>
+              <a:t>송희령</a:t>
+            </a:r>
+            <a:endParaRPr lang="en-US" altLang="ko-KR" sz="900" kern="0" dirty="0">
+              <a:solidFill>
+                <a:prstClr val="black">
+                  <a:lumMod val="75000"/>
+                  <a:lumOff val="25000"/>
+                </a:prstClr>
+              </a:solidFill>
+            </a:endParaRPr>
+          </a:p>
+        </p:txBody>
+      </p:sp>
+      <p:cxnSp>
+        <p:nvCxnSpPr>
+          <p:cNvPr id="25" name="직선 연결선 24">
+            <a:extLst>
+              <a:ext uri="{FF2B5EF4-FFF2-40B4-BE49-F238E27FC236}">
+                <a16:creationId xmlns:a16="http://schemas.microsoft.com/office/drawing/2014/main" id="{5C950320-1D5A-4C58-BB46-CEBCD7EA92EE}"/>
+              </a:ext>
+            </a:extLst>
+          </p:cNvPr>
+          <p:cNvCxnSpPr>
+            <a:cxnSpLocks/>
+          </p:cNvCxnSpPr>
+          <p:nvPr/>
+        </p:nvCxnSpPr>
+        <p:spPr>
+          <a:xfrm flipV="1">
+            <a:off x="859926" y="3518678"/>
+            <a:ext cx="3747936" cy="519"/>
+          </a:xfrm>
+          <a:prstGeom prst="line">
+            <a:avLst/>
+          </a:prstGeom>
+          <a:ln w="6350">
+            <a:solidFill>
+              <a:srgbClr val="FF7876"/>
+            </a:solidFill>
+            <a:prstDash val="sysDash"/>
+            <a:tailEnd type="oval"/>
+          </a:ln>
+        </p:spPr>
+        <p:style>
+          <a:lnRef idx="1">
+            <a:schemeClr val="accent1"/>
+          </a:lnRef>
+          <a:fillRef idx="0">
+            <a:schemeClr val="accent1"/>
+          </a:fillRef>
+          <a:effectRef idx="0">
+            <a:schemeClr val="accent1"/>
+          </a:effectRef>
+          <a:fontRef idx="minor">
+            <a:schemeClr val="tx1"/>
+          </a:fontRef>
+        </p:style>
+      </p:cxnSp>
+      <p:cxnSp>
+        <p:nvCxnSpPr>
+          <p:cNvPr id="26" name="직선 연결선 25">
+            <a:extLst>
+              <a:ext uri="{FF2B5EF4-FFF2-40B4-BE49-F238E27FC236}">
+                <a16:creationId xmlns:a16="http://schemas.microsoft.com/office/drawing/2014/main" id="{4BADCF3C-651C-44CD-8DEE-E875CC3C1444}"/>
+              </a:ext>
+            </a:extLst>
+          </p:cNvPr>
+          <p:cNvCxnSpPr>
+            <a:cxnSpLocks/>
+          </p:cNvCxnSpPr>
+          <p:nvPr/>
+        </p:nvCxnSpPr>
+        <p:spPr>
+          <a:xfrm flipH="1">
+            <a:off x="7584140" y="3519196"/>
+            <a:ext cx="3688436" cy="0"/>
+          </a:xfrm>
+          <a:prstGeom prst="line">
+            <a:avLst/>
+          </a:prstGeom>
+          <a:ln w="6350">
+            <a:solidFill>
+              <a:srgbClr val="FF7876"/>
+            </a:solidFill>
+            <a:prstDash val="sysDash"/>
+            <a:tailEnd type="oval"/>
+          </a:ln>
+        </p:spPr>
+        <p:style>
+          <a:lnRef idx="1">
+            <a:schemeClr val="accent1"/>
+          </a:lnRef>
+          <a:fillRef idx="0">
+            <a:schemeClr val="accent1"/>
+          </a:fillRef>
+          <a:effectRef idx="0">
+            <a:schemeClr val="accent1"/>
+          </a:effectRef>
+          <a:fontRef idx="minor">
+            <a:schemeClr val="tx1"/>
+          </a:fontRef>
+        </p:style>
+      </p:cxnSp>
+    </p:spTree>
+    <p:extLst>
+      <p:ext uri="{BB962C8B-B14F-4D97-AF65-F5344CB8AC3E}">
+        <p14:creationId xmlns:p14="http://schemas.microsoft.com/office/powerpoint/2010/main" val="1066393970"/>
+      </p:ext>
+    </p:extLst>
+  </p:cSld>
+  <p:clrMapOvr>
+    <a:masterClrMapping/>
+  </p:clrMapOvr>
+</p:sld>
+</file>
+
 <file path=ppt/slides/slide2.xml><?xml version="1.0" encoding="utf-8"?>
 <p:sld xmlns:a="http://schemas.openxmlformats.org/drawingml/2006/main" xmlns:r="http://schemas.openxmlformats.org/officeDocument/2006/relationships" xmlns:p="http://schemas.openxmlformats.org/presentationml/2006/main">
   <p:cSld>
@@ -5620,10 +6282,9 @@
               <a:t> 볼 수 있습니다</a:t>
             </a:r>
             <a:r>
-              <a:rPr lang="en-US" altLang="ko-KR" sz="1100"/>
+              <a:rPr lang="en-US" altLang="ko-KR" sz="1100" dirty="0"/>
               <a:t>.</a:t>
             </a:r>
-            <a:endParaRPr lang="en-US" altLang="ko-KR" sz="1100" dirty="0"/>
           </a:p>
         </p:txBody>
       </p:sp>
@@ -5687,6 +6348,36 @@
           <a:chExt cx="0" cy="0"/>
         </a:xfrm>
       </p:grpSpPr>
+      <p:pic>
+        <p:nvPicPr>
+          <p:cNvPr id="48" name="그림 47">
+            <a:extLst>
+              <a:ext uri="{FF2B5EF4-FFF2-40B4-BE49-F238E27FC236}">
+                <a16:creationId xmlns:a16="http://schemas.microsoft.com/office/drawing/2014/main" id="{A07E4519-1E25-724A-A912-09467402FF92}"/>
+              </a:ext>
+            </a:extLst>
+          </p:cNvPr>
+          <p:cNvPicPr>
+            <a:picLocks noChangeAspect="1"/>
+          </p:cNvPicPr>
+          <p:nvPr/>
+        </p:nvPicPr>
+        <p:blipFill>
+          <a:blip r:embed="rId2"/>
+          <a:stretch>
+            <a:fillRect/>
+          </a:stretch>
+        </p:blipFill>
+        <p:spPr>
+          <a:xfrm>
+            <a:off x="238929" y="1340141"/>
+            <a:ext cx="5314057" cy="5379360"/>
+          </a:xfrm>
+          <a:prstGeom prst="rect">
+            <a:avLst/>
+          </a:prstGeom>
+        </p:spPr>
+      </p:pic>
       <p:sp>
         <p:nvSpPr>
           <p:cNvPr id="37" name="직사각형 36">
@@ -5823,10 +6514,10 @@
       </p:cxnSp>
       <p:sp>
         <p:nvSpPr>
-          <p:cNvPr id="11" name="TextBox 10">
-            <a:extLst>
-              <a:ext uri="{FF2B5EF4-FFF2-40B4-BE49-F238E27FC236}">
-                <a16:creationId xmlns:a16="http://schemas.microsoft.com/office/drawing/2014/main" id="{4B825D75-47BE-4247-BE4D-F7D4F36F4B08}"/>
+          <p:cNvPr id="8" name="TextBox 7">
+            <a:extLst>
+              <a:ext uri="{FF2B5EF4-FFF2-40B4-BE49-F238E27FC236}">
+                <a16:creationId xmlns:a16="http://schemas.microsoft.com/office/drawing/2014/main" id="{C18154B9-4F65-4277-8C17-63D9702FC25F}"/>
               </a:ext>
             </a:extLst>
           </p:cNvPr>
@@ -5835,8 +6526,85 @@
         </p:nvSpPr>
         <p:spPr>
           <a:xfrm>
-            <a:off x="2752639" y="5463991"/>
-            <a:ext cx="6686722" cy="430887"/>
+            <a:off x="765146" y="963122"/>
+            <a:ext cx="10507430" cy="261610"/>
+          </a:xfrm>
+          <a:prstGeom prst="rect">
+            <a:avLst/>
+          </a:prstGeom>
+          <a:noFill/>
+        </p:spPr>
+        <p:txBody>
+          <a:bodyPr wrap="square" rtlCol="0">
+            <a:spAutoFit/>
+          </a:bodyPr>
+          <a:lstStyle/>
+          <a:p>
+            <a:pPr algn="ctr"/>
+            <a:r>
+              <a:rPr lang="ko-KR" altLang="en-US" sz="1100" i="1" dirty="0">
+                <a:solidFill>
+                  <a:srgbClr val="FF7876"/>
+                </a:solidFill>
+              </a:rPr>
+              <a:t>공 이동과 </a:t>
+            </a:r>
+            <a:r>
+              <a:rPr lang="ko-KR" altLang="en-US" sz="1100" i="1" dirty="0" err="1">
+                <a:solidFill>
+                  <a:srgbClr val="FF7876"/>
+                </a:solidFill>
+              </a:rPr>
+              <a:t>눈내리기</a:t>
+            </a:r>
+            <a:r>
+              <a:rPr lang="ko-KR" altLang="en-US" sz="1100" i="1" dirty="0">
+                <a:solidFill>
+                  <a:srgbClr val="FF7876"/>
+                </a:solidFill>
+              </a:rPr>
+              <a:t> 애니메이션 </a:t>
+            </a:r>
+            <a:r>
+              <a:rPr lang="en-US" altLang="ko-KR" sz="1100" i="1" dirty="0">
+                <a:solidFill>
+                  <a:srgbClr val="FF7876"/>
+                </a:solidFill>
+              </a:rPr>
+              <a:t>-</a:t>
+            </a:r>
+            <a:r>
+              <a:rPr lang="ko-KR" altLang="en-US" sz="1100" i="1" dirty="0">
+                <a:solidFill>
+                  <a:srgbClr val="FF7876"/>
+                </a:solidFill>
+              </a:rPr>
+              <a:t> 클래스 공 이동</a:t>
+            </a:r>
+            <a:endParaRPr lang="en-US" altLang="ko-KR" sz="1100" i="1" dirty="0">
+              <a:solidFill>
+                <a:srgbClr val="FF7876"/>
+              </a:solidFill>
+            </a:endParaRPr>
+          </a:p>
+        </p:txBody>
+      </p:sp>
+      <p:sp>
+        <p:nvSpPr>
+          <p:cNvPr id="18" name="TextBox 17">
+            <a:extLst>
+              <a:ext uri="{FF2B5EF4-FFF2-40B4-BE49-F238E27FC236}">
+                <a16:creationId xmlns:a16="http://schemas.microsoft.com/office/drawing/2014/main" id="{6D943C5F-1424-2340-B6C8-02302E05F9D4}"/>
+              </a:ext>
+            </a:extLst>
+          </p:cNvPr>
+          <p:cNvSpPr txBox="1"/>
+          <p:nvPr/>
+        </p:nvSpPr>
+        <p:spPr>
+          <a:xfrm>
+            <a:off x="6179762" y="1815125"/>
+            <a:ext cx="3247460" cy="430887"/>
           </a:xfrm>
           <a:prstGeom prst="rect">
             <a:avLst/>
@@ -5856,37 +6624,80 @@
           <a:p>
             <a:pPr algn="ctr"/>
             <a:r>
-              <a:rPr lang="ko-Kore-KR" altLang="en-US" sz="1100" dirty="0"/>
-              <a:t>이번과제의 최종 코드와 작업물들은 제 깃에서 확인 가능합니다</a:t>
-            </a:r>
-            <a:r>
-              <a:rPr lang="en-US" altLang="ko-Kore-KR" sz="1100" dirty="0"/>
+              <a:rPr lang="ko-KR" altLang="en-US" sz="1100" dirty="0"/>
+              <a:t>두개의 공을 독립적 객체로 구성하기위해</a:t>
+            </a:r>
+            <a:endParaRPr lang="en-US" altLang="ko-KR" sz="1100" dirty="0"/>
+          </a:p>
+          <a:p>
+            <a:pPr algn="ctr"/>
+            <a:r>
+              <a:rPr lang="en-US" altLang="ko-KR" sz="1100" dirty="0"/>
+              <a:t>Ball</a:t>
+            </a:r>
+            <a:r>
+              <a:rPr lang="ko-KR" altLang="en-US" sz="1100" dirty="0"/>
+              <a:t> 클래스를 생성합니다</a:t>
+            </a:r>
+            <a:r>
+              <a:rPr lang="en-US" altLang="ko-KR" sz="1100" dirty="0"/>
               <a:t>.</a:t>
             </a:r>
           </a:p>
-          <a:p>
-            <a:pPr algn="ctr"/>
-            <a:r>
-              <a:rPr lang="en-US" altLang="ko-Kore-KR" sz="1100" dirty="0"/>
-              <a:t>https://</a:t>
-            </a:r>
-            <a:r>
-              <a:rPr lang="en-US" altLang="ko-Kore-KR" sz="1100" dirty="0" err="1"/>
-              <a:t>github.com</a:t>
-            </a:r>
-            <a:r>
-              <a:rPr lang="en-US" altLang="ko-Kore-KR" sz="1100" dirty="0"/>
-              <a:t>/yooatom2200/Programing_Base_2/tree/main/10%EC%9E%A5</a:t>
-            </a:r>
-          </a:p>
-        </p:txBody>
-      </p:sp>
-      <p:sp>
-        <p:nvSpPr>
-          <p:cNvPr id="12" name="TextBox 11">
-            <a:extLst>
-              <a:ext uri="{FF2B5EF4-FFF2-40B4-BE49-F238E27FC236}">
-                <a16:creationId xmlns:a16="http://schemas.microsoft.com/office/drawing/2014/main" id="{459CFBE9-C6B1-CE4F-BF6A-3075D8B4C5EF}"/>
+        </p:txBody>
+      </p:sp>
+      <p:cxnSp>
+        <p:nvCxnSpPr>
+          <p:cNvPr id="29" name="직선 화살표 연결선 28">
+            <a:extLst>
+              <a:ext uri="{FF2B5EF4-FFF2-40B4-BE49-F238E27FC236}">
+                <a16:creationId xmlns:a16="http://schemas.microsoft.com/office/drawing/2014/main" id="{D7876963-D856-2645-A890-56B9642502B7}"/>
+              </a:ext>
+            </a:extLst>
+          </p:cNvPr>
+          <p:cNvCxnSpPr>
+            <a:cxnSpLocks/>
+            <a:stCxn id="24" idx="3"/>
+            <a:endCxn id="18" idx="1"/>
+          </p:cNvCxnSpPr>
+          <p:nvPr/>
+        </p:nvCxnSpPr>
+        <p:spPr>
+          <a:xfrm flipV="1">
+            <a:off x="1553672" y="2030569"/>
+            <a:ext cx="4626090" cy="1117233"/>
+          </a:xfrm>
+          <a:prstGeom prst="straightConnector1">
+            <a:avLst/>
+          </a:prstGeom>
+          <a:ln w="12700">
+            <a:solidFill>
+              <a:srgbClr val="FF7876"/>
+            </a:solidFill>
+            <a:tailEnd type="triangle"/>
+          </a:ln>
+        </p:spPr>
+        <p:style>
+          <a:lnRef idx="1">
+            <a:schemeClr val="accent1"/>
+          </a:lnRef>
+          <a:fillRef idx="0">
+            <a:schemeClr val="accent1"/>
+          </a:fillRef>
+          <a:effectRef idx="0">
+            <a:schemeClr val="accent1"/>
+          </a:effectRef>
+          <a:fontRef idx="minor">
+            <a:schemeClr val="tx1"/>
+          </a:fontRef>
+        </p:style>
+      </p:cxnSp>
+      <p:sp>
+        <p:nvSpPr>
+          <p:cNvPr id="24" name="TextBox 23">
+            <a:extLst>
+              <a:ext uri="{FF2B5EF4-FFF2-40B4-BE49-F238E27FC236}">
+                <a16:creationId xmlns:a16="http://schemas.microsoft.com/office/drawing/2014/main" id="{342E3ED9-C31A-D84F-94A2-02B7B9456D65}"/>
               </a:ext>
             </a:extLst>
           </p:cNvPr>
@@ -5895,13 +6706,18 @@
         </p:nvSpPr>
         <p:spPr>
           <a:xfrm>
-            <a:off x="765146" y="963122"/>
-            <a:ext cx="10507430" cy="261610"/>
+            <a:off x="238929" y="2379058"/>
+            <a:ext cx="1314743" cy="1537488"/>
           </a:xfrm>
           <a:prstGeom prst="rect">
             <a:avLst/>
           </a:prstGeom>
           <a:noFill/>
+          <a:ln w="12700">
+            <a:solidFill>
+              <a:srgbClr val="FF7876"/>
+            </a:solidFill>
+          </a:ln>
         </p:spPr>
         <p:txBody>
           <a:bodyPr wrap="square" rtlCol="0">
@@ -5910,193 +6726,509 @@
           <a:lstStyle/>
           <a:p>
             <a:pPr algn="ctr"/>
-            <a:r>
-              <a:rPr lang="ko-KR" altLang="en-US" sz="1100" i="1" dirty="0" err="1">
-                <a:solidFill>
-                  <a:srgbClr val="FF7876"/>
-                </a:solidFill>
-              </a:rPr>
-              <a:t>경사하강법</a:t>
-            </a:r>
-            <a:r>
-              <a:rPr lang="ko-KR" altLang="en-US" sz="1100" i="1" dirty="0">
-                <a:solidFill>
-                  <a:srgbClr val="FF7876"/>
-                </a:solidFill>
-              </a:rPr>
-              <a:t> 선형회귀분석 코드 </a:t>
-            </a:r>
-            <a:r>
-              <a:rPr lang="en-US" altLang="ko-KR" sz="1100" i="1" dirty="0">
-                <a:solidFill>
-                  <a:srgbClr val="FF7876"/>
-                </a:solidFill>
-              </a:rPr>
-              <a:t>–</a:t>
-            </a:r>
-            <a:r>
-              <a:rPr lang="ko-KR" altLang="en-US" sz="1100" i="1" dirty="0">
-                <a:solidFill>
-                  <a:srgbClr val="FF7876"/>
-                </a:solidFill>
-              </a:rPr>
-              <a:t> 예시 수정 </a:t>
-            </a:r>
-            <a:r>
-              <a:rPr lang="en-US" altLang="ko-KR" sz="1100" i="1" dirty="0">
-                <a:solidFill>
-                  <a:srgbClr val="FF7876"/>
-                </a:solidFill>
-              </a:rPr>
-              <a:t>(</a:t>
-            </a:r>
-            <a:r>
-              <a:rPr lang="ko-KR" altLang="en-US" sz="1100" i="1" dirty="0">
-                <a:solidFill>
-                  <a:srgbClr val="FF7876"/>
-                </a:solidFill>
-              </a:rPr>
+            <a:endParaRPr lang="en-US" altLang="ko-Kore-KR" sz="1100" dirty="0"/>
+          </a:p>
+        </p:txBody>
+      </p:sp>
+      <p:sp>
+        <p:nvSpPr>
+          <p:cNvPr id="22" name="TextBox 21">
+            <a:extLst>
+              <a:ext uri="{FF2B5EF4-FFF2-40B4-BE49-F238E27FC236}">
+                <a16:creationId xmlns:a16="http://schemas.microsoft.com/office/drawing/2014/main" id="{6AEC83DB-3FDA-CD47-85ED-EAFD3ABC5F83}"/>
+              </a:ext>
+            </a:extLst>
+          </p:cNvPr>
+          <p:cNvSpPr txBox="1"/>
+          <p:nvPr/>
+        </p:nvSpPr>
+        <p:spPr>
+          <a:xfrm>
+            <a:off x="5678055" y="5849201"/>
+            <a:ext cx="5176576" cy="600164"/>
+          </a:xfrm>
+          <a:prstGeom prst="rect">
+            <a:avLst/>
+          </a:prstGeom>
+          <a:noFill/>
+          <a:ln w="12700">
+            <a:solidFill>
+              <a:srgbClr val="FF7876"/>
+            </a:solidFill>
+          </a:ln>
+        </p:spPr>
+        <p:txBody>
+          <a:bodyPr wrap="square" rtlCol="0">
+            <a:spAutoFit/>
+          </a:bodyPr>
+          <a:lstStyle/>
+          <a:p>
+            <a:pPr algn="ctr"/>
+            <a:r>
+              <a:rPr lang="ko-KR" altLang="en-US" sz="1100" dirty="0"/>
+              <a:t>공이 </a:t>
+            </a:r>
+            <a:r>
+              <a:rPr lang="ko-KR" altLang="en-US" sz="1100" dirty="0" err="1"/>
+              <a:t>파이게임</a:t>
+            </a:r>
+            <a:r>
+              <a:rPr lang="ko-KR" altLang="en-US" sz="1100" dirty="0"/>
+              <a:t> 프레임 외부로 나가려고 </a:t>
+            </a:r>
+            <a:r>
+              <a:rPr lang="ko-KR" altLang="en-US" sz="1100" dirty="0" err="1"/>
+              <a:t>할때</a:t>
+            </a:r>
+            <a:endParaRPr lang="en-US" altLang="ko-KR" sz="1100" dirty="0"/>
+          </a:p>
+          <a:p>
+            <a:pPr algn="ctr"/>
+            <a:r>
+              <a:rPr lang="ko-KR" altLang="en-US" sz="1100" dirty="0"/>
+              <a:t>공의 좌표가 경계선에 </a:t>
+            </a:r>
+            <a:r>
+              <a:rPr lang="ko-KR" altLang="en-US" sz="1100" dirty="0" err="1"/>
+              <a:t>있을때</a:t>
+            </a:r>
+            <a:r>
+              <a:rPr lang="ko-KR" altLang="en-US" sz="1100" dirty="0"/>
+              <a:t> 반대방향으로 </a:t>
+            </a:r>
+            <a:r>
+              <a:rPr lang="ko-KR" altLang="en-US" sz="1100" dirty="0" err="1"/>
+              <a:t>축방향들을</a:t>
+            </a:r>
+            <a:r>
+              <a:rPr lang="ko-KR" altLang="en-US" sz="1100" dirty="0"/>
+              <a:t> 지정하기위해</a:t>
+            </a:r>
+            <a:endParaRPr lang="en-US" altLang="ko-KR" sz="1100" dirty="0"/>
+          </a:p>
+          <a:p>
+            <a:pPr algn="ctr"/>
+            <a:r>
+              <a:rPr lang="ko-KR" altLang="en-US" sz="1100" dirty="0" err="1"/>
+              <a:t>이동간격에</a:t>
+            </a:r>
+            <a:r>
+              <a:rPr lang="ko-KR" altLang="en-US" sz="1100" dirty="0"/>
               <a:t> </a:t>
             </a:r>
             <a:r>
-              <a:rPr lang="ko-KR" altLang="en-US" sz="1100" i="1" dirty="0" err="1">
-                <a:solidFill>
-                  <a:srgbClr val="FF7876"/>
-                </a:solidFill>
-              </a:rPr>
-              <a:t>학습률</a:t>
-            </a:r>
-            <a:r>
-              <a:rPr lang="en-US" altLang="ko-KR" sz="1100" i="1" dirty="0">
-                <a:solidFill>
-                  <a:srgbClr val="FF7876"/>
-                </a:solidFill>
-              </a:rPr>
-              <a:t>,</a:t>
-            </a:r>
-            <a:r>
-              <a:rPr lang="ko-KR" altLang="en-US" sz="1100" i="1" dirty="0">
-                <a:solidFill>
-                  <a:srgbClr val="FF7876"/>
-                </a:solidFill>
-              </a:rPr>
-              <a:t> </a:t>
-            </a:r>
-            <a:r>
-              <a:rPr lang="ko-KR" altLang="en-US" sz="1100" i="1" dirty="0" err="1">
-                <a:solidFill>
-                  <a:srgbClr val="FF7876"/>
-                </a:solidFill>
-              </a:rPr>
-              <a:t>배치사이즈</a:t>
-            </a:r>
-            <a:r>
-              <a:rPr lang="en-US" altLang="ko-KR" sz="1100" i="1" dirty="0">
-                <a:solidFill>
-                  <a:srgbClr val="FF7876"/>
-                </a:solidFill>
-              </a:rPr>
-              <a:t>,</a:t>
-            </a:r>
-            <a:r>
-              <a:rPr lang="ko-KR" altLang="en-US" sz="1100" i="1" dirty="0">
-                <a:solidFill>
-                  <a:srgbClr val="FF7876"/>
-                </a:solidFill>
-              </a:rPr>
-              <a:t> </a:t>
-            </a:r>
-            <a:r>
-              <a:rPr lang="ko-KR" altLang="en-US" sz="1100" i="1" dirty="0" err="1">
-                <a:solidFill>
-                  <a:srgbClr val="FF7876"/>
-                </a:solidFill>
-              </a:rPr>
-              <a:t>에포크</a:t>
-            </a:r>
-            <a:r>
-              <a:rPr lang="ko-KR" altLang="en-US" sz="1100" i="1" dirty="0">
-                <a:solidFill>
-                  <a:srgbClr val="FF7876"/>
-                </a:solidFill>
-              </a:rPr>
-              <a:t> 조정 </a:t>
-            </a:r>
-            <a:r>
-              <a:rPr lang="en-US" altLang="ko-KR" sz="1100" i="1" dirty="0">
-                <a:solidFill>
-                  <a:srgbClr val="FF7876"/>
-                </a:solidFill>
-              </a:rPr>
-              <a:t>)</a:t>
-            </a:r>
-          </a:p>
-        </p:txBody>
-      </p:sp>
-      <p:pic>
-        <p:nvPicPr>
-          <p:cNvPr id="2" name="그림 1">
-            <a:extLst>
-              <a:ext uri="{FF2B5EF4-FFF2-40B4-BE49-F238E27FC236}">
-                <a16:creationId xmlns:a16="http://schemas.microsoft.com/office/drawing/2014/main" id="{82598BFB-5043-6A4F-B4CF-E860283D469A}"/>
-              </a:ext>
-            </a:extLst>
-          </p:cNvPr>
-          <p:cNvPicPr>
-            <a:picLocks noChangeAspect="1"/>
-          </p:cNvPicPr>
-          <p:nvPr/>
-        </p:nvPicPr>
-        <p:blipFill>
-          <a:blip r:embed="rId2"/>
-          <a:stretch>
-            <a:fillRect/>
-          </a:stretch>
-        </p:blipFill>
+              <a:rPr lang="en-US" altLang="ko-KR" sz="1100" dirty="0"/>
+              <a:t>-1</a:t>
+            </a:r>
+            <a:r>
+              <a:rPr lang="ko-KR" altLang="en-US" sz="1100" dirty="0"/>
+              <a:t>을 곱하게 하는 </a:t>
+            </a:r>
+            <a:r>
+              <a:rPr lang="en-US" altLang="ko-KR" sz="1100" dirty="0"/>
+              <a:t>bounce</a:t>
+            </a:r>
+            <a:r>
+              <a:rPr lang="ko-KR" altLang="en-US" sz="1100" dirty="0"/>
+              <a:t>함수를 생성합니다</a:t>
+            </a:r>
+            <a:r>
+              <a:rPr lang="en-US" altLang="ko-KR" sz="1100" dirty="0"/>
+              <a:t>.</a:t>
+            </a:r>
+          </a:p>
+        </p:txBody>
+      </p:sp>
+      <p:sp>
+        <p:nvSpPr>
+          <p:cNvPr id="23" name="TextBox 22">
+            <a:extLst>
+              <a:ext uri="{FF2B5EF4-FFF2-40B4-BE49-F238E27FC236}">
+                <a16:creationId xmlns:a16="http://schemas.microsoft.com/office/drawing/2014/main" id="{ACF17F90-2E1E-3E4A-BF98-89244B9B70BB}"/>
+              </a:ext>
+            </a:extLst>
+          </p:cNvPr>
+          <p:cNvSpPr txBox="1"/>
+          <p:nvPr/>
+        </p:nvSpPr>
         <p:spPr>
           <a:xfrm>
-            <a:off x="6096000" y="1698963"/>
-            <a:ext cx="5874819" cy="3373973"/>
+            <a:off x="507881" y="5308361"/>
+            <a:ext cx="2971693" cy="1343291"/>
           </a:xfrm>
           <a:prstGeom prst="rect">
             <a:avLst/>
           </a:prstGeom>
-        </p:spPr>
-      </p:pic>
-      <p:pic>
-        <p:nvPicPr>
-          <p:cNvPr id="3" name="그림 2">
-            <a:extLst>
-              <a:ext uri="{FF2B5EF4-FFF2-40B4-BE49-F238E27FC236}">
-                <a16:creationId xmlns:a16="http://schemas.microsoft.com/office/drawing/2014/main" id="{F08E6538-5C0B-7446-911B-C3EC6868F10F}"/>
-              </a:ext>
-            </a:extLst>
-          </p:cNvPr>
-          <p:cNvPicPr>
-            <a:picLocks noChangeAspect="1"/>
-          </p:cNvPicPr>
-          <p:nvPr/>
-        </p:nvPicPr>
-        <p:blipFill>
-          <a:blip r:embed="rId3"/>
-          <a:stretch>
-            <a:fillRect/>
-          </a:stretch>
-        </p:blipFill>
+          <a:noFill/>
+          <a:ln w="12700">
+            <a:solidFill>
+              <a:srgbClr val="FF7876"/>
+            </a:solidFill>
+          </a:ln>
+        </p:spPr>
+        <p:txBody>
+          <a:bodyPr wrap="square" rtlCol="0">
+            <a:spAutoFit/>
+          </a:bodyPr>
+          <a:lstStyle/>
+          <a:p>
+            <a:pPr algn="ctr"/>
+            <a:endParaRPr lang="en-US" altLang="ko-Kore-KR" sz="1100" dirty="0"/>
+          </a:p>
+        </p:txBody>
+      </p:sp>
+      <p:cxnSp>
+        <p:nvCxnSpPr>
+          <p:cNvPr id="25" name="직선 화살표 연결선 24">
+            <a:extLst>
+              <a:ext uri="{FF2B5EF4-FFF2-40B4-BE49-F238E27FC236}">
+                <a16:creationId xmlns:a16="http://schemas.microsoft.com/office/drawing/2014/main" id="{5DC3F944-01F3-1F43-BD4F-395B5A287585}"/>
+              </a:ext>
+            </a:extLst>
+          </p:cNvPr>
+          <p:cNvCxnSpPr>
+            <a:cxnSpLocks/>
+            <a:stCxn id="23" idx="3"/>
+            <a:endCxn id="22" idx="1"/>
+          </p:cNvCxnSpPr>
+          <p:nvPr/>
+        </p:nvCxnSpPr>
         <p:spPr>
           <a:xfrm>
-            <a:off x="196741" y="1698963"/>
-            <a:ext cx="5899259" cy="3388009"/>
+            <a:off x="3479574" y="5980007"/>
+            <a:ext cx="2198481" cy="169276"/>
+          </a:xfrm>
+          <a:prstGeom prst="straightConnector1">
+            <a:avLst/>
+          </a:prstGeom>
+          <a:ln w="12700">
+            <a:solidFill>
+              <a:srgbClr val="FF7876"/>
+            </a:solidFill>
+            <a:tailEnd type="triangle"/>
+          </a:ln>
+        </p:spPr>
+        <p:style>
+          <a:lnRef idx="1">
+            <a:schemeClr val="accent1"/>
+          </a:lnRef>
+          <a:fillRef idx="0">
+            <a:schemeClr val="accent1"/>
+          </a:fillRef>
+          <a:effectRef idx="0">
+            <a:schemeClr val="accent1"/>
+          </a:effectRef>
+          <a:fontRef idx="minor">
+            <a:schemeClr val="tx1"/>
+          </a:fontRef>
+        </p:style>
+      </p:cxnSp>
+      <p:sp>
+        <p:nvSpPr>
+          <p:cNvPr id="56" name="TextBox 55">
+            <a:extLst>
+              <a:ext uri="{FF2B5EF4-FFF2-40B4-BE49-F238E27FC236}">
+                <a16:creationId xmlns:a16="http://schemas.microsoft.com/office/drawing/2014/main" id="{F0FB0025-9684-E44B-9CB8-937078D0DE3C}"/>
+              </a:ext>
+            </a:extLst>
+          </p:cNvPr>
+          <p:cNvSpPr txBox="1"/>
+          <p:nvPr/>
+        </p:nvSpPr>
+        <p:spPr>
+          <a:xfrm>
+            <a:off x="507882" y="4029821"/>
+            <a:ext cx="5045104" cy="453167"/>
           </a:xfrm>
           <a:prstGeom prst="rect">
             <a:avLst/>
           </a:prstGeom>
-        </p:spPr>
-      </p:pic>
+          <a:noFill/>
+          <a:ln w="12700">
+            <a:solidFill>
+              <a:srgbClr val="FF7876"/>
+            </a:solidFill>
+          </a:ln>
+        </p:spPr>
+        <p:txBody>
+          <a:bodyPr wrap="square" rtlCol="0">
+            <a:spAutoFit/>
+          </a:bodyPr>
+          <a:lstStyle/>
+          <a:p>
+            <a:pPr algn="ctr"/>
+            <a:endParaRPr lang="en-US" altLang="ko-Kore-KR" sz="1100" dirty="0"/>
+          </a:p>
+        </p:txBody>
+      </p:sp>
+      <p:sp>
+        <p:nvSpPr>
+          <p:cNvPr id="57" name="TextBox 56">
+            <a:extLst>
+              <a:ext uri="{FF2B5EF4-FFF2-40B4-BE49-F238E27FC236}">
+                <a16:creationId xmlns:a16="http://schemas.microsoft.com/office/drawing/2014/main" id="{65BC88EC-E9E8-8C47-A407-A2282EE0DEA4}"/>
+              </a:ext>
+            </a:extLst>
+          </p:cNvPr>
+          <p:cNvSpPr txBox="1"/>
+          <p:nvPr/>
+        </p:nvSpPr>
+        <p:spPr>
+          <a:xfrm>
+            <a:off x="536613" y="4596263"/>
+            <a:ext cx="1939550" cy="606916"/>
+          </a:xfrm>
+          <a:prstGeom prst="rect">
+            <a:avLst/>
+          </a:prstGeom>
+          <a:noFill/>
+          <a:ln w="12700">
+            <a:solidFill>
+              <a:srgbClr val="FF7876"/>
+            </a:solidFill>
+          </a:ln>
+        </p:spPr>
+        <p:txBody>
+          <a:bodyPr wrap="square" rtlCol="0">
+            <a:spAutoFit/>
+          </a:bodyPr>
+          <a:lstStyle/>
+          <a:p>
+            <a:pPr algn="ctr"/>
+            <a:endParaRPr lang="en-US" altLang="ko-Kore-KR" sz="1100" dirty="0"/>
+          </a:p>
+        </p:txBody>
+      </p:sp>
+      <p:cxnSp>
+        <p:nvCxnSpPr>
+          <p:cNvPr id="62" name="직선 화살표 연결선 61">
+            <a:extLst>
+              <a:ext uri="{FF2B5EF4-FFF2-40B4-BE49-F238E27FC236}">
+                <a16:creationId xmlns:a16="http://schemas.microsoft.com/office/drawing/2014/main" id="{082393D7-A6C4-0C49-AFF1-0946A80BBCBC}"/>
+              </a:ext>
+            </a:extLst>
+          </p:cNvPr>
+          <p:cNvCxnSpPr>
+            <a:cxnSpLocks/>
+            <a:stCxn id="57" idx="3"/>
+            <a:endCxn id="65" idx="1"/>
+          </p:cNvCxnSpPr>
+          <p:nvPr/>
+        </p:nvCxnSpPr>
+        <p:spPr>
+          <a:xfrm flipV="1">
+            <a:off x="2476163" y="4811707"/>
+            <a:ext cx="4317335" cy="88014"/>
+          </a:xfrm>
+          <a:prstGeom prst="straightConnector1">
+            <a:avLst/>
+          </a:prstGeom>
+          <a:ln w="12700">
+            <a:solidFill>
+              <a:srgbClr val="FF7876"/>
+            </a:solidFill>
+            <a:tailEnd type="triangle"/>
+          </a:ln>
+        </p:spPr>
+        <p:style>
+          <a:lnRef idx="1">
+            <a:schemeClr val="accent1"/>
+          </a:lnRef>
+          <a:fillRef idx="0">
+            <a:schemeClr val="accent1"/>
+          </a:fillRef>
+          <a:effectRef idx="0">
+            <a:schemeClr val="accent1"/>
+          </a:effectRef>
+          <a:fontRef idx="minor">
+            <a:schemeClr val="tx1"/>
+          </a:fontRef>
+        </p:style>
+      </p:cxnSp>
+      <p:sp>
+        <p:nvSpPr>
+          <p:cNvPr id="65" name="TextBox 64">
+            <a:extLst>
+              <a:ext uri="{FF2B5EF4-FFF2-40B4-BE49-F238E27FC236}">
+                <a16:creationId xmlns:a16="http://schemas.microsoft.com/office/drawing/2014/main" id="{88F27C07-5D4E-724F-A944-0A2B104D4B38}"/>
+              </a:ext>
+            </a:extLst>
+          </p:cNvPr>
+          <p:cNvSpPr txBox="1"/>
+          <p:nvPr/>
+        </p:nvSpPr>
+        <p:spPr>
+          <a:xfrm>
+            <a:off x="6793498" y="4596263"/>
+            <a:ext cx="2945690" cy="430887"/>
+          </a:xfrm>
+          <a:prstGeom prst="rect">
+            <a:avLst/>
+          </a:prstGeom>
+          <a:noFill/>
+          <a:ln w="12700">
+            <a:solidFill>
+              <a:srgbClr val="FF7876"/>
+            </a:solidFill>
+          </a:ln>
+        </p:spPr>
+        <p:txBody>
+          <a:bodyPr wrap="square" rtlCol="0">
+            <a:spAutoFit/>
+          </a:bodyPr>
+          <a:lstStyle/>
+          <a:p>
+            <a:pPr algn="ctr"/>
+            <a:r>
+              <a:rPr lang="ko-KR" altLang="en-US" sz="1100" dirty="0"/>
+              <a:t>공의 이동할 좌표를</a:t>
+            </a:r>
+            <a:endParaRPr lang="en-US" altLang="ko-KR" sz="1100" dirty="0"/>
+          </a:p>
+          <a:p>
+            <a:pPr algn="ctr"/>
+            <a:r>
+              <a:rPr lang="ko-KR" altLang="en-US" sz="1100" dirty="0" err="1"/>
+              <a:t>변화량에</a:t>
+            </a:r>
+            <a:r>
+              <a:rPr lang="ko-KR" altLang="en-US" sz="1100" dirty="0"/>
+              <a:t> 맞게 계산할 </a:t>
+            </a:r>
+            <a:r>
+              <a:rPr lang="en-US" altLang="ko-KR" sz="1100" dirty="0"/>
+              <a:t>move </a:t>
+            </a:r>
+            <a:r>
+              <a:rPr lang="ko-KR" altLang="en-US" sz="1100" dirty="0"/>
+              <a:t>함수입니다</a:t>
+            </a:r>
+            <a:r>
+              <a:rPr lang="en-US" altLang="ko-KR" sz="1100" dirty="0"/>
+              <a:t>.</a:t>
+            </a:r>
+          </a:p>
+        </p:txBody>
+      </p:sp>
+      <p:sp>
+        <p:nvSpPr>
+          <p:cNvPr id="67" name="TextBox 66">
+            <a:extLst>
+              <a:ext uri="{FF2B5EF4-FFF2-40B4-BE49-F238E27FC236}">
+                <a16:creationId xmlns:a16="http://schemas.microsoft.com/office/drawing/2014/main" id="{44B9830A-8AAE-0547-B777-F268252B332E}"/>
+              </a:ext>
+            </a:extLst>
+          </p:cNvPr>
+          <p:cNvSpPr txBox="1"/>
+          <p:nvPr/>
+        </p:nvSpPr>
+        <p:spPr>
+          <a:xfrm>
+            <a:off x="7007296" y="3164827"/>
+            <a:ext cx="2945690" cy="430887"/>
+          </a:xfrm>
+          <a:prstGeom prst="rect">
+            <a:avLst/>
+          </a:prstGeom>
+          <a:noFill/>
+          <a:ln w="12700">
+            <a:solidFill>
+              <a:srgbClr val="FF7876"/>
+            </a:solidFill>
+          </a:ln>
+        </p:spPr>
+        <p:txBody>
+          <a:bodyPr wrap="square" rtlCol="0">
+            <a:spAutoFit/>
+          </a:bodyPr>
+          <a:lstStyle/>
+          <a:p>
+            <a:pPr algn="ctr"/>
+            <a:r>
+              <a:rPr lang="ko-KR" altLang="en-US" sz="1100" dirty="0"/>
+              <a:t>공을 화면에 표현해 줄</a:t>
+            </a:r>
+            <a:endParaRPr lang="en-US" altLang="ko-KR" sz="1100" dirty="0"/>
+          </a:p>
+          <a:p>
+            <a:pPr algn="ctr"/>
+            <a:r>
+              <a:rPr lang="ko-KR" altLang="en-US" sz="1100" dirty="0"/>
+              <a:t>공 </a:t>
+            </a:r>
+            <a:r>
+              <a:rPr lang="ko-KR" altLang="en-US" sz="1100" dirty="0" err="1"/>
+              <a:t>그리히</a:t>
+            </a:r>
+            <a:r>
+              <a:rPr lang="ko-KR" altLang="en-US" sz="1100" dirty="0"/>
+              <a:t> 함수인 </a:t>
+            </a:r>
+            <a:r>
+              <a:rPr lang="en-US" altLang="ko-KR" sz="1100" dirty="0"/>
+              <a:t>draw</a:t>
+            </a:r>
+            <a:r>
+              <a:rPr lang="ko-KR" altLang="en-US" sz="1100" dirty="0"/>
+              <a:t> 함수 입니다</a:t>
+            </a:r>
+            <a:r>
+              <a:rPr lang="en-US" altLang="ko-KR" sz="1100" dirty="0"/>
+              <a:t>.</a:t>
+            </a:r>
+          </a:p>
+        </p:txBody>
+      </p:sp>
+      <p:cxnSp>
+        <p:nvCxnSpPr>
+          <p:cNvPr id="68" name="직선 화살표 연결선 67">
+            <a:extLst>
+              <a:ext uri="{FF2B5EF4-FFF2-40B4-BE49-F238E27FC236}">
+                <a16:creationId xmlns:a16="http://schemas.microsoft.com/office/drawing/2014/main" id="{C8EF5AFA-5D87-8142-8336-0B60ADC29D0B}"/>
+              </a:ext>
+            </a:extLst>
+          </p:cNvPr>
+          <p:cNvCxnSpPr>
+            <a:cxnSpLocks/>
+            <a:stCxn id="56" idx="3"/>
+            <a:endCxn id="67" idx="1"/>
+          </p:cNvCxnSpPr>
+          <p:nvPr/>
+        </p:nvCxnSpPr>
+        <p:spPr>
+          <a:xfrm flipV="1">
+            <a:off x="5552986" y="3380271"/>
+            <a:ext cx="1454310" cy="876134"/>
+          </a:xfrm>
+          <a:prstGeom prst="straightConnector1">
+            <a:avLst/>
+          </a:prstGeom>
+          <a:ln w="12700">
+            <a:solidFill>
+              <a:srgbClr val="FF7876"/>
+            </a:solidFill>
+            <a:tailEnd type="triangle"/>
+          </a:ln>
+        </p:spPr>
+        <p:style>
+          <a:lnRef idx="1">
+            <a:schemeClr val="accent1"/>
+          </a:lnRef>
+          <a:fillRef idx="0">
+            <a:schemeClr val="accent1"/>
+          </a:fillRef>
+          <a:effectRef idx="0">
+            <a:schemeClr val="accent1"/>
+          </a:effectRef>
+          <a:fontRef idx="minor">
+            <a:schemeClr val="tx1"/>
+          </a:fontRef>
+        </p:style>
+      </p:cxnSp>
     </p:spTree>
     <p:extLst>
       <p:ext uri="{BB962C8B-B14F-4D97-AF65-F5344CB8AC3E}">
-        <p14:creationId xmlns:p14="http://schemas.microsoft.com/office/powerpoint/2010/main" val="887750796"/>
+        <p14:creationId xmlns:p14="http://schemas.microsoft.com/office/powerpoint/2010/main" val="4154506020"/>
       </p:ext>
     </p:extLst>
   </p:cSld>
@@ -6123,12 +7255,42 @@
           <a:chExt cx="0" cy="0"/>
         </a:xfrm>
       </p:grpSpPr>
-      <p:sp>
-        <p:nvSpPr>
-          <p:cNvPr id="105" name="직사각형 104">
-            <a:extLst>
-              <a:ext uri="{FF2B5EF4-FFF2-40B4-BE49-F238E27FC236}">
-                <a16:creationId xmlns:a16="http://schemas.microsoft.com/office/drawing/2014/main" id="{92F4E01E-679C-4D6B-8449-8DB2AF7B7D34}"/>
+      <p:pic>
+        <p:nvPicPr>
+          <p:cNvPr id="30" name="그림 29">
+            <a:extLst>
+              <a:ext uri="{FF2B5EF4-FFF2-40B4-BE49-F238E27FC236}">
+                <a16:creationId xmlns:a16="http://schemas.microsoft.com/office/drawing/2014/main" id="{D4AD37CE-9023-6D4C-96AF-DD1DC8363EB4}"/>
+              </a:ext>
+            </a:extLst>
+          </p:cNvPr>
+          <p:cNvPicPr>
+            <a:picLocks noChangeAspect="1"/>
+          </p:cNvPicPr>
+          <p:nvPr/>
+        </p:nvPicPr>
+        <p:blipFill>
+          <a:blip r:embed="rId2"/>
+          <a:stretch>
+            <a:fillRect/>
+          </a:stretch>
+        </p:blipFill>
+        <p:spPr>
+          <a:xfrm>
+            <a:off x="908293" y="1487601"/>
+            <a:ext cx="2960103" cy="5159036"/>
+          </a:xfrm>
+          <a:prstGeom prst="rect">
+            <a:avLst/>
+          </a:prstGeom>
+        </p:spPr>
+      </p:pic>
+      <p:sp>
+        <p:nvSpPr>
+          <p:cNvPr id="37" name="직사각형 36">
+            <a:extLst>
+              <a:ext uri="{FF2B5EF4-FFF2-40B4-BE49-F238E27FC236}">
+                <a16:creationId xmlns:a16="http://schemas.microsoft.com/office/drawing/2014/main" id="{3F15C60C-17FE-422D-AFCF-73C75A021362}"/>
               </a:ext>
             </a:extLst>
           </p:cNvPr>
@@ -6137,8 +7299,8 @@
         </p:nvSpPr>
         <p:spPr>
           <a:xfrm>
-            <a:off x="3739117" y="3003678"/>
-            <a:ext cx="4713765" cy="1032077"/>
+            <a:off x="3697172" y="332194"/>
+            <a:ext cx="4713765" cy="735842"/>
           </a:xfrm>
           <a:prstGeom prst="rect">
             <a:avLst/>
@@ -6157,79 +7319,22 @@
               <a:defRPr/>
             </a:pPr>
             <a:r>
-              <a:rPr lang="ko-KR" altLang="en-US" sz="3200" b="1" i="1" kern="0">
+              <a:rPr lang="en-US" altLang="ko-KR" sz="3200" b="1" i="1" kern="0" dirty="0">
                 <a:solidFill>
                   <a:srgbClr val="FF7876"/>
                 </a:solidFill>
               </a:rPr>
-              <a:t>감사합니다</a:t>
-            </a:r>
-            <a:r>
-              <a:rPr lang="en-US" altLang="ko-KR" sz="3200" b="1" i="1" kern="0">
-                <a:solidFill>
-                  <a:prstClr val="black">
-                    <a:lumMod val="75000"/>
-                    <a:lumOff val="25000"/>
-                  </a:prstClr>
-                </a:solidFill>
-              </a:rPr>
-              <a:t> </a:t>
-            </a:r>
-            <a:endParaRPr lang="en-US" altLang="ko-KR" sz="3200" b="1" i="1" kern="0" dirty="0">
-              <a:solidFill>
-                <a:prstClr val="black">
-                  <a:lumMod val="75000"/>
-                  <a:lumOff val="25000"/>
-                </a:prstClr>
-              </a:solidFill>
-            </a:endParaRPr>
-          </a:p>
-          <a:p>
-            <a:pPr algn="ctr" latinLnBrk="0">
-              <a:lnSpc>
-                <a:spcPct val="150000"/>
-              </a:lnSpc>
-              <a:defRPr/>
-            </a:pPr>
-            <a:r>
-              <a:rPr lang="en-US" altLang="ko-KR" sz="900" kern="0">
-                <a:solidFill>
-                  <a:prstClr val="black">
-                    <a:lumMod val="75000"/>
-                    <a:lumOff val="25000"/>
-                  </a:prstClr>
-                </a:solidFill>
-              </a:rPr>
-              <a:t>20164091 </a:t>
-            </a:r>
-            <a:r>
-              <a:rPr lang="ko-KR" altLang="en-US" sz="900" kern="0">
-                <a:solidFill>
-                  <a:prstClr val="black">
-                    <a:lumMod val="75000"/>
-                    <a:lumOff val="25000"/>
-                  </a:prstClr>
-                </a:solidFill>
-              </a:rPr>
-              <a:t>송희령</a:t>
-            </a:r>
-            <a:endParaRPr lang="en-US" altLang="ko-KR" sz="900" kern="0" dirty="0">
-              <a:solidFill>
-                <a:prstClr val="black">
-                  <a:lumMod val="75000"/>
-                  <a:lumOff val="25000"/>
-                </a:prstClr>
-              </a:solidFill>
-            </a:endParaRPr>
+              <a:t>2</a:t>
+            </a:r>
           </a:p>
         </p:txBody>
       </p:sp>
       <p:cxnSp>
         <p:nvCxnSpPr>
-          <p:cNvPr id="25" name="직선 연결선 24">
-            <a:extLst>
-              <a:ext uri="{FF2B5EF4-FFF2-40B4-BE49-F238E27FC236}">
-                <a16:creationId xmlns:a16="http://schemas.microsoft.com/office/drawing/2014/main" id="{5C950320-1D5A-4C58-BB46-CEBCD7EA92EE}"/>
+          <p:cNvPr id="38" name="직선 연결선 37">
+            <a:extLst>
+              <a:ext uri="{FF2B5EF4-FFF2-40B4-BE49-F238E27FC236}">
+                <a16:creationId xmlns:a16="http://schemas.microsoft.com/office/drawing/2014/main" id="{940134F4-F272-426A-B50B-8075427DF501}"/>
               </a:ext>
             </a:extLst>
           </p:cNvPr>
@@ -6240,8 +7345,8 @@
         </p:nvCxnSpPr>
         <p:spPr>
           <a:xfrm flipV="1">
-            <a:off x="859926" y="3518678"/>
-            <a:ext cx="3747936" cy="519"/>
+            <a:off x="843148" y="847712"/>
+            <a:ext cx="4769087" cy="1"/>
           </a:xfrm>
           <a:prstGeom prst="line">
             <a:avLst/>
@@ -6271,10 +7376,10 @@
       </p:cxnSp>
       <p:cxnSp>
         <p:nvCxnSpPr>
-          <p:cNvPr id="26" name="직선 연결선 25">
-            <a:extLst>
-              <a:ext uri="{FF2B5EF4-FFF2-40B4-BE49-F238E27FC236}">
-                <a16:creationId xmlns:a16="http://schemas.microsoft.com/office/drawing/2014/main" id="{4BADCF3C-651C-44CD-8DEE-E875CC3C1444}"/>
+          <p:cNvPr id="39" name="직선 연결선 38">
+            <a:extLst>
+              <a:ext uri="{FF2B5EF4-FFF2-40B4-BE49-F238E27FC236}">
+                <a16:creationId xmlns:a16="http://schemas.microsoft.com/office/drawing/2014/main" id="{55EBD739-0979-4546-8E6B-9CA8052FC540}"/>
               </a:ext>
             </a:extLst>
           </p:cNvPr>
@@ -6285,8 +7390,8 @@
         </p:nvCxnSpPr>
         <p:spPr>
           <a:xfrm flipH="1">
-            <a:off x="7584140" y="3519196"/>
-            <a:ext cx="3688436" cy="0"/>
+            <a:off x="6579767" y="847712"/>
+            <a:ext cx="4692810" cy="0"/>
           </a:xfrm>
           <a:prstGeom prst="line">
             <a:avLst/>
@@ -6297,6 +7402,372 @@
             </a:solidFill>
             <a:prstDash val="sysDash"/>
             <a:tailEnd type="oval"/>
+          </a:ln>
+        </p:spPr>
+        <p:style>
+          <a:lnRef idx="1">
+            <a:schemeClr val="accent1"/>
+          </a:lnRef>
+          <a:fillRef idx="0">
+            <a:schemeClr val="accent1"/>
+          </a:fillRef>
+          <a:effectRef idx="0">
+            <a:schemeClr val="accent1"/>
+          </a:effectRef>
+          <a:fontRef idx="minor">
+            <a:schemeClr val="tx1"/>
+          </a:fontRef>
+        </p:style>
+      </p:cxnSp>
+      <p:sp>
+        <p:nvSpPr>
+          <p:cNvPr id="8" name="TextBox 7">
+            <a:extLst>
+              <a:ext uri="{FF2B5EF4-FFF2-40B4-BE49-F238E27FC236}">
+                <a16:creationId xmlns:a16="http://schemas.microsoft.com/office/drawing/2014/main" id="{C18154B9-4F65-4277-8C17-63D9702FC25F}"/>
+              </a:ext>
+            </a:extLst>
+          </p:cNvPr>
+          <p:cNvSpPr txBox="1"/>
+          <p:nvPr/>
+        </p:nvSpPr>
+        <p:spPr>
+          <a:xfrm>
+            <a:off x="765146" y="963122"/>
+            <a:ext cx="10507430" cy="261610"/>
+          </a:xfrm>
+          <a:prstGeom prst="rect">
+            <a:avLst/>
+          </a:prstGeom>
+          <a:noFill/>
+        </p:spPr>
+        <p:txBody>
+          <a:bodyPr wrap="square" rtlCol="0">
+            <a:spAutoFit/>
+          </a:bodyPr>
+          <a:lstStyle/>
+          <a:p>
+            <a:pPr algn="ctr"/>
+            <a:r>
+              <a:rPr lang="ko-KR" altLang="en-US" sz="1100" i="1" dirty="0">
+                <a:solidFill>
+                  <a:srgbClr val="FF7876"/>
+                </a:solidFill>
+              </a:rPr>
+              <a:t>공 이동과 </a:t>
+            </a:r>
+            <a:r>
+              <a:rPr lang="ko-KR" altLang="en-US" sz="1100" i="1" dirty="0" err="1">
+                <a:solidFill>
+                  <a:srgbClr val="FF7876"/>
+                </a:solidFill>
+              </a:rPr>
+              <a:t>눈내리기</a:t>
+            </a:r>
+            <a:r>
+              <a:rPr lang="ko-KR" altLang="en-US" sz="1100" i="1" dirty="0">
+                <a:solidFill>
+                  <a:srgbClr val="FF7876"/>
+                </a:solidFill>
+              </a:rPr>
+              <a:t> 애니메이션 </a:t>
+            </a:r>
+            <a:r>
+              <a:rPr lang="en-US" altLang="ko-KR" sz="1100" i="1" dirty="0">
+                <a:solidFill>
+                  <a:srgbClr val="FF7876"/>
+                </a:solidFill>
+              </a:rPr>
+              <a:t>-</a:t>
+            </a:r>
+            <a:r>
+              <a:rPr lang="ko-KR" altLang="en-US" sz="1100" i="1" dirty="0">
+                <a:solidFill>
+                  <a:srgbClr val="FF7876"/>
+                </a:solidFill>
+              </a:rPr>
+              <a:t> 클래스 공 이동</a:t>
+            </a:r>
+            <a:endParaRPr lang="en-US" altLang="ko-KR" sz="1100" i="1" dirty="0">
+              <a:solidFill>
+                <a:srgbClr val="FF7876"/>
+              </a:solidFill>
+            </a:endParaRPr>
+          </a:p>
+        </p:txBody>
+      </p:sp>
+      <p:sp>
+        <p:nvSpPr>
+          <p:cNvPr id="18" name="TextBox 17">
+            <a:extLst>
+              <a:ext uri="{FF2B5EF4-FFF2-40B4-BE49-F238E27FC236}">
+                <a16:creationId xmlns:a16="http://schemas.microsoft.com/office/drawing/2014/main" id="{6D943C5F-1424-2340-B6C8-02302E05F9D4}"/>
+              </a:ext>
+            </a:extLst>
+          </p:cNvPr>
+          <p:cNvSpPr txBox="1"/>
+          <p:nvPr/>
+        </p:nvSpPr>
+        <p:spPr>
+          <a:xfrm>
+            <a:off x="5678055" y="2629766"/>
+            <a:ext cx="5158265" cy="600164"/>
+          </a:xfrm>
+          <a:prstGeom prst="rect">
+            <a:avLst/>
+          </a:prstGeom>
+          <a:noFill/>
+          <a:ln w="12700">
+            <a:solidFill>
+              <a:srgbClr val="FF7876"/>
+            </a:solidFill>
+          </a:ln>
+        </p:spPr>
+        <p:txBody>
+          <a:bodyPr wrap="square" rtlCol="0">
+            <a:spAutoFit/>
+          </a:bodyPr>
+          <a:lstStyle/>
+          <a:p>
+            <a:pPr algn="ctr"/>
+            <a:r>
+              <a:rPr lang="ko-KR" altLang="en-US" sz="1100" dirty="0"/>
+              <a:t>공 클래스를 이용하여</a:t>
+            </a:r>
+            <a:endParaRPr lang="en-US" altLang="ko-KR" sz="1100" dirty="0"/>
+          </a:p>
+          <a:p>
+            <a:pPr algn="ctr"/>
+            <a:r>
+              <a:rPr lang="ko-KR" altLang="en-US" sz="1100" dirty="0"/>
+              <a:t>각각 독립적으로 실행할 공 객체들을 생성해 줍니다</a:t>
+            </a:r>
+            <a:r>
+              <a:rPr lang="en-US" altLang="ko-KR" sz="1100" dirty="0"/>
+              <a:t>.</a:t>
+            </a:r>
+          </a:p>
+          <a:p>
+            <a:pPr algn="ctr"/>
+            <a:r>
+              <a:rPr lang="ko-KR" altLang="en-US" sz="1100" dirty="0"/>
+              <a:t>이후 각 공의 속성에 맞게 속성값들을 지정해주도록 합니다</a:t>
+            </a:r>
+            <a:r>
+              <a:rPr lang="en-US" altLang="ko-KR" sz="1100" dirty="0"/>
+              <a:t>.</a:t>
+            </a:r>
+          </a:p>
+        </p:txBody>
+      </p:sp>
+      <p:cxnSp>
+        <p:nvCxnSpPr>
+          <p:cNvPr id="29" name="직선 화살표 연결선 28">
+            <a:extLst>
+              <a:ext uri="{FF2B5EF4-FFF2-40B4-BE49-F238E27FC236}">
+                <a16:creationId xmlns:a16="http://schemas.microsoft.com/office/drawing/2014/main" id="{D7876963-D856-2645-A890-56B9642502B7}"/>
+              </a:ext>
+            </a:extLst>
+          </p:cNvPr>
+          <p:cNvCxnSpPr>
+            <a:cxnSpLocks/>
+            <a:stCxn id="24" idx="3"/>
+            <a:endCxn id="18" idx="1"/>
+          </p:cNvCxnSpPr>
+          <p:nvPr/>
+        </p:nvCxnSpPr>
+        <p:spPr>
+          <a:xfrm flipV="1">
+            <a:off x="2767476" y="2929848"/>
+            <a:ext cx="2910579" cy="72556"/>
+          </a:xfrm>
+          <a:prstGeom prst="straightConnector1">
+            <a:avLst/>
+          </a:prstGeom>
+          <a:ln w="12700">
+            <a:solidFill>
+              <a:srgbClr val="FF7876"/>
+            </a:solidFill>
+            <a:tailEnd type="triangle"/>
+          </a:ln>
+        </p:spPr>
+        <p:style>
+          <a:lnRef idx="1">
+            <a:schemeClr val="accent1"/>
+          </a:lnRef>
+          <a:fillRef idx="0">
+            <a:schemeClr val="accent1"/>
+          </a:fillRef>
+          <a:effectRef idx="0">
+            <a:schemeClr val="accent1"/>
+          </a:effectRef>
+          <a:fontRef idx="minor">
+            <a:schemeClr val="tx1"/>
+          </a:fontRef>
+        </p:style>
+      </p:cxnSp>
+      <p:sp>
+        <p:nvSpPr>
+          <p:cNvPr id="24" name="TextBox 23">
+            <a:extLst>
+              <a:ext uri="{FF2B5EF4-FFF2-40B4-BE49-F238E27FC236}">
+                <a16:creationId xmlns:a16="http://schemas.microsoft.com/office/drawing/2014/main" id="{342E3ED9-C31A-D84F-94A2-02B7B9456D65}"/>
+              </a:ext>
+            </a:extLst>
+          </p:cNvPr>
+          <p:cNvSpPr txBox="1"/>
+          <p:nvPr/>
+        </p:nvSpPr>
+        <p:spPr>
+          <a:xfrm>
+            <a:off x="908293" y="1487601"/>
+            <a:ext cx="1859183" cy="3029605"/>
+          </a:xfrm>
+          <a:prstGeom prst="rect">
+            <a:avLst/>
+          </a:prstGeom>
+          <a:noFill/>
+          <a:ln w="12700">
+            <a:solidFill>
+              <a:srgbClr val="FF7876"/>
+            </a:solidFill>
+          </a:ln>
+        </p:spPr>
+        <p:txBody>
+          <a:bodyPr wrap="square" rtlCol="0">
+            <a:spAutoFit/>
+          </a:bodyPr>
+          <a:lstStyle/>
+          <a:p>
+            <a:pPr algn="ctr"/>
+            <a:endParaRPr lang="en-US" altLang="ko-Kore-KR" sz="1100" dirty="0"/>
+          </a:p>
+        </p:txBody>
+      </p:sp>
+      <p:sp>
+        <p:nvSpPr>
+          <p:cNvPr id="22" name="TextBox 21">
+            <a:extLst>
+              <a:ext uri="{FF2B5EF4-FFF2-40B4-BE49-F238E27FC236}">
+                <a16:creationId xmlns:a16="http://schemas.microsoft.com/office/drawing/2014/main" id="{6AEC83DB-3FDA-CD47-85ED-EAFD3ABC5F83}"/>
+              </a:ext>
+            </a:extLst>
+          </p:cNvPr>
+          <p:cNvSpPr txBox="1"/>
+          <p:nvPr/>
+        </p:nvSpPr>
+        <p:spPr>
+          <a:xfrm>
+            <a:off x="5678055" y="4080966"/>
+            <a:ext cx="5176576" cy="261610"/>
+          </a:xfrm>
+          <a:prstGeom prst="rect">
+            <a:avLst/>
+          </a:prstGeom>
+          <a:noFill/>
+          <a:ln w="12700">
+            <a:solidFill>
+              <a:srgbClr val="FF7876"/>
+            </a:solidFill>
+          </a:ln>
+        </p:spPr>
+        <p:txBody>
+          <a:bodyPr wrap="square" rtlCol="0">
+            <a:spAutoFit/>
+          </a:bodyPr>
+          <a:lstStyle/>
+          <a:p>
+            <a:pPr algn="ctr"/>
+            <a:r>
+              <a:rPr lang="en-US" altLang="ko-KR" sz="1100" dirty="0"/>
+              <a:t>while</a:t>
+            </a:r>
+            <a:r>
+              <a:rPr lang="ko-KR" altLang="en-US" sz="1100" dirty="0"/>
+              <a:t>문으로 </a:t>
+            </a:r>
+            <a:r>
+              <a:rPr lang="ko-KR" altLang="en-US" sz="1100" dirty="0" err="1"/>
+              <a:t>파이게임</a:t>
+            </a:r>
+            <a:r>
+              <a:rPr lang="ko-KR" altLang="en-US" sz="1100" dirty="0"/>
+              <a:t> 객체들을 그리도록 합니다</a:t>
+            </a:r>
+            <a:r>
+              <a:rPr lang="en-US" altLang="ko-KR" sz="1100" dirty="0"/>
+              <a:t>.</a:t>
+            </a:r>
+          </a:p>
+        </p:txBody>
+      </p:sp>
+      <p:sp>
+        <p:nvSpPr>
+          <p:cNvPr id="23" name="TextBox 22">
+            <a:extLst>
+              <a:ext uri="{FF2B5EF4-FFF2-40B4-BE49-F238E27FC236}">
+                <a16:creationId xmlns:a16="http://schemas.microsoft.com/office/drawing/2014/main" id="{ACF17F90-2E1E-3E4A-BF98-89244B9B70BB}"/>
+              </a:ext>
+            </a:extLst>
+          </p:cNvPr>
+          <p:cNvSpPr txBox="1"/>
+          <p:nvPr/>
+        </p:nvSpPr>
+        <p:spPr>
+          <a:xfrm>
+            <a:off x="1165254" y="6117579"/>
+            <a:ext cx="1859184" cy="529058"/>
+          </a:xfrm>
+          <a:prstGeom prst="rect">
+            <a:avLst/>
+          </a:prstGeom>
+          <a:noFill/>
+          <a:ln w="12700">
+            <a:solidFill>
+              <a:srgbClr val="FF7876"/>
+            </a:solidFill>
+          </a:ln>
+        </p:spPr>
+        <p:txBody>
+          <a:bodyPr wrap="square" rtlCol="0">
+            <a:spAutoFit/>
+          </a:bodyPr>
+          <a:lstStyle/>
+          <a:p>
+            <a:pPr algn="ctr"/>
+            <a:endParaRPr lang="en-US" altLang="ko-Kore-KR" sz="1100" dirty="0"/>
+          </a:p>
+        </p:txBody>
+      </p:sp>
+      <p:cxnSp>
+        <p:nvCxnSpPr>
+          <p:cNvPr id="25" name="직선 화살표 연결선 24">
+            <a:extLst>
+              <a:ext uri="{FF2B5EF4-FFF2-40B4-BE49-F238E27FC236}">
+                <a16:creationId xmlns:a16="http://schemas.microsoft.com/office/drawing/2014/main" id="{5DC3F944-01F3-1F43-BD4F-395B5A287585}"/>
+              </a:ext>
+            </a:extLst>
+          </p:cNvPr>
+          <p:cNvCxnSpPr>
+            <a:cxnSpLocks/>
+            <a:stCxn id="23" idx="3"/>
+            <a:endCxn id="22" idx="1"/>
+          </p:cNvCxnSpPr>
+          <p:nvPr/>
+        </p:nvCxnSpPr>
+        <p:spPr>
+          <a:xfrm flipV="1">
+            <a:off x="3024438" y="4211771"/>
+            <a:ext cx="2653617" cy="2170337"/>
+          </a:xfrm>
+          <a:prstGeom prst="straightConnector1">
+            <a:avLst/>
+          </a:prstGeom>
+          <a:ln w="12700">
+            <a:solidFill>
+              <a:srgbClr val="FF7876"/>
+            </a:solidFill>
+            <a:tailEnd type="triangle"/>
           </a:ln>
         </p:spPr>
         <p:style>
@@ -6317,7 +7788,1482 @@
     </p:spTree>
     <p:extLst>
       <p:ext uri="{BB962C8B-B14F-4D97-AF65-F5344CB8AC3E}">
-        <p14:creationId xmlns:p14="http://schemas.microsoft.com/office/powerpoint/2010/main" val="1066393970"/>
+        <p14:creationId xmlns:p14="http://schemas.microsoft.com/office/powerpoint/2010/main" val="3638314889"/>
+      </p:ext>
+    </p:extLst>
+  </p:cSld>
+  <p:clrMapOvr>
+    <a:masterClrMapping/>
+  </p:clrMapOvr>
+</p:sld>
+</file>
+
+<file path=ppt/slides/slide7.xml><?xml version="1.0" encoding="utf-8"?>
+<p:sld xmlns:a="http://schemas.openxmlformats.org/drawingml/2006/main" xmlns:r="http://schemas.openxmlformats.org/officeDocument/2006/relationships" xmlns:p="http://schemas.openxmlformats.org/presentationml/2006/main">
+  <p:cSld>
+    <p:spTree>
+      <p:nvGrpSpPr>
+        <p:cNvPr id="1" name=""/>
+        <p:cNvGrpSpPr/>
+        <p:nvPr/>
+      </p:nvGrpSpPr>
+      <p:grpSpPr>
+        <a:xfrm>
+          <a:off x="0" y="0"/>
+          <a:ext cx="0" cy="0"/>
+          <a:chOff x="0" y="0"/>
+          <a:chExt cx="0" cy="0"/>
+        </a:xfrm>
+      </p:grpSpPr>
+      <p:sp>
+        <p:nvSpPr>
+          <p:cNvPr id="37" name="직사각형 36">
+            <a:extLst>
+              <a:ext uri="{FF2B5EF4-FFF2-40B4-BE49-F238E27FC236}">
+                <a16:creationId xmlns:a16="http://schemas.microsoft.com/office/drawing/2014/main" id="{3F15C60C-17FE-422D-AFCF-73C75A021362}"/>
+              </a:ext>
+            </a:extLst>
+          </p:cNvPr>
+          <p:cNvSpPr/>
+          <p:nvPr/>
+        </p:nvSpPr>
+        <p:spPr>
+          <a:xfrm>
+            <a:off x="3697172" y="332194"/>
+            <a:ext cx="4713765" cy="735842"/>
+          </a:xfrm>
+          <a:prstGeom prst="rect">
+            <a:avLst/>
+          </a:prstGeom>
+        </p:spPr>
+        <p:txBody>
+          <a:bodyPr wrap="square">
+            <a:spAutoFit/>
+          </a:bodyPr>
+          <a:lstStyle/>
+          <a:p>
+            <a:pPr algn="ctr" latinLnBrk="0">
+              <a:lnSpc>
+                <a:spcPct val="150000"/>
+              </a:lnSpc>
+              <a:defRPr/>
+            </a:pPr>
+            <a:r>
+              <a:rPr lang="en-US" altLang="ko-KR" sz="3200" b="1" i="1" kern="0" dirty="0">
+                <a:solidFill>
+                  <a:srgbClr val="FF7876"/>
+                </a:solidFill>
+              </a:rPr>
+              <a:t>2</a:t>
+            </a:r>
+          </a:p>
+        </p:txBody>
+      </p:sp>
+      <p:cxnSp>
+        <p:nvCxnSpPr>
+          <p:cNvPr id="38" name="직선 연결선 37">
+            <a:extLst>
+              <a:ext uri="{FF2B5EF4-FFF2-40B4-BE49-F238E27FC236}">
+                <a16:creationId xmlns:a16="http://schemas.microsoft.com/office/drawing/2014/main" id="{940134F4-F272-426A-B50B-8075427DF501}"/>
+              </a:ext>
+            </a:extLst>
+          </p:cNvPr>
+          <p:cNvCxnSpPr>
+            <a:cxnSpLocks/>
+          </p:cNvCxnSpPr>
+          <p:nvPr/>
+        </p:nvCxnSpPr>
+        <p:spPr>
+          <a:xfrm flipV="1">
+            <a:off x="843148" y="847712"/>
+            <a:ext cx="4769087" cy="1"/>
+          </a:xfrm>
+          <a:prstGeom prst="line">
+            <a:avLst/>
+          </a:prstGeom>
+          <a:ln w="6350">
+            <a:solidFill>
+              <a:srgbClr val="FF7876"/>
+            </a:solidFill>
+            <a:prstDash val="sysDash"/>
+            <a:tailEnd type="oval"/>
+          </a:ln>
+        </p:spPr>
+        <p:style>
+          <a:lnRef idx="1">
+            <a:schemeClr val="accent1"/>
+          </a:lnRef>
+          <a:fillRef idx="0">
+            <a:schemeClr val="accent1"/>
+          </a:fillRef>
+          <a:effectRef idx="0">
+            <a:schemeClr val="accent1"/>
+          </a:effectRef>
+          <a:fontRef idx="minor">
+            <a:schemeClr val="tx1"/>
+          </a:fontRef>
+        </p:style>
+      </p:cxnSp>
+      <p:cxnSp>
+        <p:nvCxnSpPr>
+          <p:cNvPr id="39" name="직선 연결선 38">
+            <a:extLst>
+              <a:ext uri="{FF2B5EF4-FFF2-40B4-BE49-F238E27FC236}">
+                <a16:creationId xmlns:a16="http://schemas.microsoft.com/office/drawing/2014/main" id="{55EBD739-0979-4546-8E6B-9CA8052FC540}"/>
+              </a:ext>
+            </a:extLst>
+          </p:cNvPr>
+          <p:cNvCxnSpPr>
+            <a:cxnSpLocks/>
+          </p:cNvCxnSpPr>
+          <p:nvPr/>
+        </p:nvCxnSpPr>
+        <p:spPr>
+          <a:xfrm flipH="1">
+            <a:off x="6579767" y="847712"/>
+            <a:ext cx="4692810" cy="0"/>
+          </a:xfrm>
+          <a:prstGeom prst="line">
+            <a:avLst/>
+          </a:prstGeom>
+          <a:ln w="6350">
+            <a:solidFill>
+              <a:srgbClr val="FF7876"/>
+            </a:solidFill>
+            <a:prstDash val="sysDash"/>
+            <a:tailEnd type="oval"/>
+          </a:ln>
+        </p:spPr>
+        <p:style>
+          <a:lnRef idx="1">
+            <a:schemeClr val="accent1"/>
+          </a:lnRef>
+          <a:fillRef idx="0">
+            <a:schemeClr val="accent1"/>
+          </a:fillRef>
+          <a:effectRef idx="0">
+            <a:schemeClr val="accent1"/>
+          </a:effectRef>
+          <a:fontRef idx="minor">
+            <a:schemeClr val="tx1"/>
+          </a:fontRef>
+        </p:style>
+      </p:cxnSp>
+      <p:sp>
+        <p:nvSpPr>
+          <p:cNvPr id="8" name="TextBox 7">
+            <a:extLst>
+              <a:ext uri="{FF2B5EF4-FFF2-40B4-BE49-F238E27FC236}">
+                <a16:creationId xmlns:a16="http://schemas.microsoft.com/office/drawing/2014/main" id="{C18154B9-4F65-4277-8C17-63D9702FC25F}"/>
+              </a:ext>
+            </a:extLst>
+          </p:cNvPr>
+          <p:cNvSpPr txBox="1"/>
+          <p:nvPr/>
+        </p:nvSpPr>
+        <p:spPr>
+          <a:xfrm>
+            <a:off x="765146" y="963122"/>
+            <a:ext cx="10507430" cy="261610"/>
+          </a:xfrm>
+          <a:prstGeom prst="rect">
+            <a:avLst/>
+          </a:prstGeom>
+          <a:noFill/>
+        </p:spPr>
+        <p:txBody>
+          <a:bodyPr wrap="square" rtlCol="0">
+            <a:spAutoFit/>
+          </a:bodyPr>
+          <a:lstStyle/>
+          <a:p>
+            <a:pPr algn="ctr"/>
+            <a:r>
+              <a:rPr lang="ko-KR" altLang="en-US" sz="1100" i="1" dirty="0">
+                <a:solidFill>
+                  <a:srgbClr val="FF7876"/>
+                </a:solidFill>
+              </a:rPr>
+              <a:t>공 이동과 </a:t>
+            </a:r>
+            <a:r>
+              <a:rPr lang="ko-KR" altLang="en-US" sz="1100" i="1" dirty="0" err="1">
+                <a:solidFill>
+                  <a:srgbClr val="FF7876"/>
+                </a:solidFill>
+              </a:rPr>
+              <a:t>눈내리기</a:t>
+            </a:r>
+            <a:r>
+              <a:rPr lang="ko-KR" altLang="en-US" sz="1100" i="1" dirty="0">
+                <a:solidFill>
+                  <a:srgbClr val="FF7876"/>
+                </a:solidFill>
+              </a:rPr>
+              <a:t> 애니메이션 </a:t>
+            </a:r>
+            <a:r>
+              <a:rPr lang="en-US" altLang="ko-KR" sz="1100" i="1" dirty="0">
+                <a:solidFill>
+                  <a:srgbClr val="FF7876"/>
+                </a:solidFill>
+              </a:rPr>
+              <a:t>-</a:t>
+            </a:r>
+            <a:r>
+              <a:rPr lang="ko-KR" altLang="en-US" sz="1100" i="1" dirty="0">
+                <a:solidFill>
+                  <a:srgbClr val="FF7876"/>
+                </a:solidFill>
+              </a:rPr>
+              <a:t> 클래스 공 이동</a:t>
+            </a:r>
+            <a:endParaRPr lang="en-US" altLang="ko-KR" sz="1100" i="1" dirty="0">
+              <a:solidFill>
+                <a:srgbClr val="FF7876"/>
+              </a:solidFill>
+            </a:endParaRPr>
+          </a:p>
+        </p:txBody>
+      </p:sp>
+      <p:sp>
+        <p:nvSpPr>
+          <p:cNvPr id="18" name="TextBox 17">
+            <a:extLst>
+              <a:ext uri="{FF2B5EF4-FFF2-40B4-BE49-F238E27FC236}">
+                <a16:creationId xmlns:a16="http://schemas.microsoft.com/office/drawing/2014/main" id="{6D943C5F-1424-2340-B6C8-02302E05F9D4}"/>
+              </a:ext>
+            </a:extLst>
+          </p:cNvPr>
+          <p:cNvSpPr txBox="1"/>
+          <p:nvPr/>
+        </p:nvSpPr>
+        <p:spPr>
+          <a:xfrm>
+            <a:off x="3516865" y="5463991"/>
+            <a:ext cx="5158265" cy="430887"/>
+          </a:xfrm>
+          <a:prstGeom prst="rect">
+            <a:avLst/>
+          </a:prstGeom>
+          <a:noFill/>
+          <a:ln w="12700">
+            <a:solidFill>
+              <a:srgbClr val="FF7876"/>
+            </a:solidFill>
+          </a:ln>
+        </p:spPr>
+        <p:txBody>
+          <a:bodyPr wrap="square" rtlCol="0">
+            <a:spAutoFit/>
+          </a:bodyPr>
+          <a:lstStyle/>
+          <a:p>
+            <a:pPr algn="ctr"/>
+            <a:r>
+              <a:rPr lang="ko-KR" altLang="en-US" sz="1100" dirty="0"/>
+              <a:t>실행 결과 지정했던 그리기 함수들을 토대로</a:t>
+            </a:r>
+            <a:endParaRPr lang="en-US" altLang="ko-KR" sz="1100" dirty="0"/>
+          </a:p>
+          <a:p>
+            <a:pPr algn="ctr"/>
+            <a:r>
+              <a:rPr lang="ko-KR" altLang="en-US" sz="1100" dirty="0"/>
+              <a:t>공 그리기가 정상적으로 </a:t>
+            </a:r>
+            <a:r>
+              <a:rPr lang="ko-KR" altLang="en-US" sz="1100" dirty="0" err="1"/>
+              <a:t>진행되는것을</a:t>
+            </a:r>
+            <a:r>
+              <a:rPr lang="ko-KR" altLang="en-US" sz="1100" dirty="0"/>
+              <a:t> 알 수 있습니다</a:t>
+            </a:r>
+            <a:r>
+              <a:rPr lang="en-US" altLang="ko-KR" sz="1100" dirty="0"/>
+              <a:t>.</a:t>
+            </a:r>
+          </a:p>
+        </p:txBody>
+      </p:sp>
+      <p:pic>
+        <p:nvPicPr>
+          <p:cNvPr id="2" name="그림 1">
+            <a:extLst>
+              <a:ext uri="{FF2B5EF4-FFF2-40B4-BE49-F238E27FC236}">
+                <a16:creationId xmlns:a16="http://schemas.microsoft.com/office/drawing/2014/main" id="{655AAF36-67C9-744A-A52B-1A332798A436}"/>
+              </a:ext>
+            </a:extLst>
+          </p:cNvPr>
+          <p:cNvPicPr>
+            <a:picLocks noChangeAspect="1"/>
+          </p:cNvPicPr>
+          <p:nvPr/>
+        </p:nvPicPr>
+        <p:blipFill>
+          <a:blip r:embed="rId2"/>
+          <a:stretch>
+            <a:fillRect/>
+          </a:stretch>
+        </p:blipFill>
+        <p:spPr>
+          <a:xfrm>
+            <a:off x="223838" y="1488093"/>
+            <a:ext cx="4098035" cy="3229978"/>
+          </a:xfrm>
+          <a:prstGeom prst="rect">
+            <a:avLst/>
+          </a:prstGeom>
+        </p:spPr>
+      </p:pic>
+      <p:pic>
+        <p:nvPicPr>
+          <p:cNvPr id="4" name="그림 3">
+            <a:extLst>
+              <a:ext uri="{FF2B5EF4-FFF2-40B4-BE49-F238E27FC236}">
+                <a16:creationId xmlns:a16="http://schemas.microsoft.com/office/drawing/2014/main" id="{72825ED1-576A-E242-87F5-8E4B54BBBD17}"/>
+              </a:ext>
+            </a:extLst>
+          </p:cNvPr>
+          <p:cNvPicPr>
+            <a:picLocks noChangeAspect="1"/>
+          </p:cNvPicPr>
+          <p:nvPr/>
+        </p:nvPicPr>
+        <p:blipFill>
+          <a:blip r:embed="rId3"/>
+          <a:stretch>
+            <a:fillRect/>
+          </a:stretch>
+        </p:blipFill>
+        <p:spPr>
+          <a:xfrm>
+            <a:off x="4046981" y="1488093"/>
+            <a:ext cx="4098035" cy="3229978"/>
+          </a:xfrm>
+          <a:prstGeom prst="rect">
+            <a:avLst/>
+          </a:prstGeom>
+        </p:spPr>
+      </p:pic>
+      <p:pic>
+        <p:nvPicPr>
+          <p:cNvPr id="5" name="그림 4">
+            <a:extLst>
+              <a:ext uri="{FF2B5EF4-FFF2-40B4-BE49-F238E27FC236}">
+                <a16:creationId xmlns:a16="http://schemas.microsoft.com/office/drawing/2014/main" id="{1800D747-45B3-2240-9B47-2CE4FCEBA666}"/>
+              </a:ext>
+            </a:extLst>
+          </p:cNvPr>
+          <p:cNvPicPr>
+            <a:picLocks noChangeAspect="1"/>
+          </p:cNvPicPr>
+          <p:nvPr/>
+        </p:nvPicPr>
+        <p:blipFill>
+          <a:blip r:embed="rId4"/>
+          <a:stretch>
+            <a:fillRect/>
+          </a:stretch>
+        </p:blipFill>
+        <p:spPr>
+          <a:xfrm>
+            <a:off x="7991008" y="1537825"/>
+            <a:ext cx="4098035" cy="3180246"/>
+          </a:xfrm>
+          <a:prstGeom prst="rect">
+            <a:avLst/>
+          </a:prstGeom>
+        </p:spPr>
+      </p:pic>
+    </p:spTree>
+    <p:extLst>
+      <p:ext uri="{BB962C8B-B14F-4D97-AF65-F5344CB8AC3E}">
+        <p14:creationId xmlns:p14="http://schemas.microsoft.com/office/powerpoint/2010/main" val="2751868109"/>
+      </p:ext>
+    </p:extLst>
+  </p:cSld>
+  <p:clrMapOvr>
+    <a:masterClrMapping/>
+  </p:clrMapOvr>
+</p:sld>
+</file>
+
+<file path=ppt/slides/slide8.xml><?xml version="1.0" encoding="utf-8"?>
+<p:sld xmlns:a="http://schemas.openxmlformats.org/drawingml/2006/main" xmlns:r="http://schemas.openxmlformats.org/officeDocument/2006/relationships" xmlns:p="http://schemas.openxmlformats.org/presentationml/2006/main">
+  <p:cSld>
+    <p:spTree>
+      <p:nvGrpSpPr>
+        <p:cNvPr id="1" name=""/>
+        <p:cNvGrpSpPr/>
+        <p:nvPr/>
+      </p:nvGrpSpPr>
+      <p:grpSpPr>
+        <a:xfrm>
+          <a:off x="0" y="0"/>
+          <a:ext cx="0" cy="0"/>
+          <a:chOff x="0" y="0"/>
+          <a:chExt cx="0" cy="0"/>
+        </a:xfrm>
+      </p:grpSpPr>
+      <p:pic>
+        <p:nvPicPr>
+          <p:cNvPr id="2" name="그림 1">
+            <a:extLst>
+              <a:ext uri="{FF2B5EF4-FFF2-40B4-BE49-F238E27FC236}">
+                <a16:creationId xmlns:a16="http://schemas.microsoft.com/office/drawing/2014/main" id="{CAC8D626-58CE-0F4C-8199-3827DEFEE232}"/>
+              </a:ext>
+            </a:extLst>
+          </p:cNvPr>
+          <p:cNvPicPr>
+            <a:picLocks noChangeAspect="1"/>
+          </p:cNvPicPr>
+          <p:nvPr/>
+        </p:nvPicPr>
+        <p:blipFill>
+          <a:blip r:embed="rId2"/>
+          <a:stretch>
+            <a:fillRect/>
+          </a:stretch>
+        </p:blipFill>
+        <p:spPr>
+          <a:xfrm>
+            <a:off x="674508" y="1424245"/>
+            <a:ext cx="4185936" cy="5196625"/>
+          </a:xfrm>
+          <a:prstGeom prst="rect">
+            <a:avLst/>
+          </a:prstGeom>
+        </p:spPr>
+      </p:pic>
+      <p:sp>
+        <p:nvSpPr>
+          <p:cNvPr id="37" name="직사각형 36">
+            <a:extLst>
+              <a:ext uri="{FF2B5EF4-FFF2-40B4-BE49-F238E27FC236}">
+                <a16:creationId xmlns:a16="http://schemas.microsoft.com/office/drawing/2014/main" id="{3F15C60C-17FE-422D-AFCF-73C75A021362}"/>
+              </a:ext>
+            </a:extLst>
+          </p:cNvPr>
+          <p:cNvSpPr/>
+          <p:nvPr/>
+        </p:nvSpPr>
+        <p:spPr>
+          <a:xfrm>
+            <a:off x="3697172" y="332194"/>
+            <a:ext cx="4713765" cy="735842"/>
+          </a:xfrm>
+          <a:prstGeom prst="rect">
+            <a:avLst/>
+          </a:prstGeom>
+        </p:spPr>
+        <p:txBody>
+          <a:bodyPr wrap="square">
+            <a:spAutoFit/>
+          </a:bodyPr>
+          <a:lstStyle/>
+          <a:p>
+            <a:pPr algn="ctr" latinLnBrk="0">
+              <a:lnSpc>
+                <a:spcPct val="150000"/>
+              </a:lnSpc>
+              <a:defRPr/>
+            </a:pPr>
+            <a:r>
+              <a:rPr lang="en-US" altLang="ko-KR" sz="3200" b="1" i="1" kern="0" dirty="0">
+                <a:solidFill>
+                  <a:srgbClr val="FF7876"/>
+                </a:solidFill>
+              </a:rPr>
+              <a:t>2</a:t>
+            </a:r>
+          </a:p>
+        </p:txBody>
+      </p:sp>
+      <p:cxnSp>
+        <p:nvCxnSpPr>
+          <p:cNvPr id="38" name="직선 연결선 37">
+            <a:extLst>
+              <a:ext uri="{FF2B5EF4-FFF2-40B4-BE49-F238E27FC236}">
+                <a16:creationId xmlns:a16="http://schemas.microsoft.com/office/drawing/2014/main" id="{940134F4-F272-426A-B50B-8075427DF501}"/>
+              </a:ext>
+            </a:extLst>
+          </p:cNvPr>
+          <p:cNvCxnSpPr>
+            <a:cxnSpLocks/>
+          </p:cNvCxnSpPr>
+          <p:nvPr/>
+        </p:nvCxnSpPr>
+        <p:spPr>
+          <a:xfrm flipV="1">
+            <a:off x="843148" y="847712"/>
+            <a:ext cx="4769087" cy="1"/>
+          </a:xfrm>
+          <a:prstGeom prst="line">
+            <a:avLst/>
+          </a:prstGeom>
+          <a:ln w="6350">
+            <a:solidFill>
+              <a:srgbClr val="FF7876"/>
+            </a:solidFill>
+            <a:prstDash val="sysDash"/>
+            <a:tailEnd type="oval"/>
+          </a:ln>
+        </p:spPr>
+        <p:style>
+          <a:lnRef idx="1">
+            <a:schemeClr val="accent1"/>
+          </a:lnRef>
+          <a:fillRef idx="0">
+            <a:schemeClr val="accent1"/>
+          </a:fillRef>
+          <a:effectRef idx="0">
+            <a:schemeClr val="accent1"/>
+          </a:effectRef>
+          <a:fontRef idx="minor">
+            <a:schemeClr val="tx1"/>
+          </a:fontRef>
+        </p:style>
+      </p:cxnSp>
+      <p:cxnSp>
+        <p:nvCxnSpPr>
+          <p:cNvPr id="39" name="직선 연결선 38">
+            <a:extLst>
+              <a:ext uri="{FF2B5EF4-FFF2-40B4-BE49-F238E27FC236}">
+                <a16:creationId xmlns:a16="http://schemas.microsoft.com/office/drawing/2014/main" id="{55EBD739-0979-4546-8E6B-9CA8052FC540}"/>
+              </a:ext>
+            </a:extLst>
+          </p:cNvPr>
+          <p:cNvCxnSpPr>
+            <a:cxnSpLocks/>
+          </p:cNvCxnSpPr>
+          <p:nvPr/>
+        </p:nvCxnSpPr>
+        <p:spPr>
+          <a:xfrm flipH="1">
+            <a:off x="6579767" y="847712"/>
+            <a:ext cx="4692810" cy="0"/>
+          </a:xfrm>
+          <a:prstGeom prst="line">
+            <a:avLst/>
+          </a:prstGeom>
+          <a:ln w="6350">
+            <a:solidFill>
+              <a:srgbClr val="FF7876"/>
+            </a:solidFill>
+            <a:prstDash val="sysDash"/>
+            <a:tailEnd type="oval"/>
+          </a:ln>
+        </p:spPr>
+        <p:style>
+          <a:lnRef idx="1">
+            <a:schemeClr val="accent1"/>
+          </a:lnRef>
+          <a:fillRef idx="0">
+            <a:schemeClr val="accent1"/>
+          </a:fillRef>
+          <a:effectRef idx="0">
+            <a:schemeClr val="accent1"/>
+          </a:effectRef>
+          <a:fontRef idx="minor">
+            <a:schemeClr val="tx1"/>
+          </a:fontRef>
+        </p:style>
+      </p:cxnSp>
+      <p:sp>
+        <p:nvSpPr>
+          <p:cNvPr id="8" name="TextBox 7">
+            <a:extLst>
+              <a:ext uri="{FF2B5EF4-FFF2-40B4-BE49-F238E27FC236}">
+                <a16:creationId xmlns:a16="http://schemas.microsoft.com/office/drawing/2014/main" id="{C18154B9-4F65-4277-8C17-63D9702FC25F}"/>
+              </a:ext>
+            </a:extLst>
+          </p:cNvPr>
+          <p:cNvSpPr txBox="1"/>
+          <p:nvPr/>
+        </p:nvSpPr>
+        <p:spPr>
+          <a:xfrm>
+            <a:off x="765146" y="963122"/>
+            <a:ext cx="10507430" cy="261610"/>
+          </a:xfrm>
+          <a:prstGeom prst="rect">
+            <a:avLst/>
+          </a:prstGeom>
+          <a:noFill/>
+        </p:spPr>
+        <p:txBody>
+          <a:bodyPr wrap="square" rtlCol="0">
+            <a:spAutoFit/>
+          </a:bodyPr>
+          <a:lstStyle/>
+          <a:p>
+            <a:pPr algn="ctr"/>
+            <a:r>
+              <a:rPr lang="ko-KR" altLang="en-US" sz="1100" i="1" dirty="0">
+                <a:solidFill>
+                  <a:srgbClr val="FF7876"/>
+                </a:solidFill>
+              </a:rPr>
+              <a:t>공 이동과 </a:t>
+            </a:r>
+            <a:r>
+              <a:rPr lang="ko-KR" altLang="en-US" sz="1100" i="1" dirty="0" err="1">
+                <a:solidFill>
+                  <a:srgbClr val="FF7876"/>
+                </a:solidFill>
+              </a:rPr>
+              <a:t>눈내리기</a:t>
+            </a:r>
+            <a:r>
+              <a:rPr lang="ko-KR" altLang="en-US" sz="1100" i="1" dirty="0">
+                <a:solidFill>
+                  <a:srgbClr val="FF7876"/>
+                </a:solidFill>
+              </a:rPr>
+              <a:t> 애니메이션 </a:t>
+            </a:r>
+            <a:r>
+              <a:rPr lang="en-US" altLang="ko-KR" sz="1100" i="1" dirty="0">
+                <a:solidFill>
+                  <a:srgbClr val="FF7876"/>
+                </a:solidFill>
+              </a:rPr>
+              <a:t>–</a:t>
+            </a:r>
+            <a:r>
+              <a:rPr lang="ko-KR" altLang="en-US" sz="1100" i="1" dirty="0">
+                <a:solidFill>
+                  <a:srgbClr val="FF7876"/>
+                </a:solidFill>
+              </a:rPr>
+              <a:t> </a:t>
+            </a:r>
+            <a:r>
+              <a:rPr lang="ko-KR" altLang="en-US" sz="1100" i="1" dirty="0" err="1">
+                <a:solidFill>
+                  <a:srgbClr val="FF7876"/>
+                </a:solidFill>
+              </a:rPr>
+              <a:t>눈그리기</a:t>
+            </a:r>
+            <a:r>
+              <a:rPr lang="ko-KR" altLang="en-US" sz="1100" i="1" dirty="0">
+                <a:solidFill>
+                  <a:srgbClr val="FF7876"/>
+                </a:solidFill>
+              </a:rPr>
+              <a:t> 구현</a:t>
+            </a:r>
+            <a:endParaRPr lang="en-US" altLang="ko-KR" sz="1100" i="1" dirty="0">
+              <a:solidFill>
+                <a:srgbClr val="FF7876"/>
+              </a:solidFill>
+            </a:endParaRPr>
+          </a:p>
+        </p:txBody>
+      </p:sp>
+      <p:sp>
+        <p:nvSpPr>
+          <p:cNvPr id="18" name="TextBox 17">
+            <a:extLst>
+              <a:ext uri="{FF2B5EF4-FFF2-40B4-BE49-F238E27FC236}">
+                <a16:creationId xmlns:a16="http://schemas.microsoft.com/office/drawing/2014/main" id="{6D943C5F-1424-2340-B6C8-02302E05F9D4}"/>
+              </a:ext>
+            </a:extLst>
+          </p:cNvPr>
+          <p:cNvSpPr txBox="1"/>
+          <p:nvPr/>
+        </p:nvSpPr>
+        <p:spPr>
+          <a:xfrm>
+            <a:off x="5612235" y="1811519"/>
+            <a:ext cx="5158265" cy="430887"/>
+          </a:xfrm>
+          <a:prstGeom prst="rect">
+            <a:avLst/>
+          </a:prstGeom>
+          <a:noFill/>
+          <a:ln w="12700">
+            <a:solidFill>
+              <a:srgbClr val="FF7876"/>
+            </a:solidFill>
+          </a:ln>
+        </p:spPr>
+        <p:txBody>
+          <a:bodyPr wrap="square" rtlCol="0">
+            <a:spAutoFit/>
+          </a:bodyPr>
+          <a:lstStyle/>
+          <a:p>
+            <a:pPr algn="ctr"/>
+            <a:r>
+              <a:rPr lang="ko-KR" altLang="en-US" sz="1100" dirty="0"/>
+              <a:t>이번엔 리스트를 이용하여 </a:t>
+            </a:r>
+            <a:r>
+              <a:rPr lang="ko-KR" altLang="en-US" sz="1100" dirty="0" err="1"/>
+              <a:t>여러개의</a:t>
+            </a:r>
+            <a:r>
+              <a:rPr lang="ko-KR" altLang="en-US" sz="1100" dirty="0"/>
+              <a:t> 공들을 그려</a:t>
+            </a:r>
+            <a:endParaRPr lang="en-US" altLang="ko-KR" sz="1100" dirty="0"/>
+          </a:p>
+          <a:p>
+            <a:pPr algn="ctr"/>
+            <a:r>
+              <a:rPr lang="ko-KR" altLang="en-US" sz="1100" dirty="0"/>
+              <a:t>눈들을 구성합니다</a:t>
+            </a:r>
+            <a:r>
+              <a:rPr lang="en-US" altLang="ko-KR" sz="1100" dirty="0"/>
+              <a:t>.</a:t>
+            </a:r>
+            <a:r>
+              <a:rPr lang="ko-KR" altLang="en-US" sz="1100" dirty="0"/>
+              <a:t> 리스트 안의 내용들은 각 원들의 </a:t>
+            </a:r>
+            <a:r>
+              <a:rPr lang="ko-KR" altLang="en-US" sz="1100" dirty="0" err="1"/>
+              <a:t>좌표쌍들을</a:t>
+            </a:r>
+            <a:r>
+              <a:rPr lang="ko-KR" altLang="en-US" sz="1100" dirty="0"/>
+              <a:t> 입력합니다</a:t>
+            </a:r>
+            <a:r>
+              <a:rPr lang="en-US" altLang="ko-KR" sz="1100" dirty="0"/>
+              <a:t>.</a:t>
+            </a:r>
+          </a:p>
+        </p:txBody>
+      </p:sp>
+      <p:cxnSp>
+        <p:nvCxnSpPr>
+          <p:cNvPr id="29" name="직선 화살표 연결선 28">
+            <a:extLst>
+              <a:ext uri="{FF2B5EF4-FFF2-40B4-BE49-F238E27FC236}">
+                <a16:creationId xmlns:a16="http://schemas.microsoft.com/office/drawing/2014/main" id="{D7876963-D856-2645-A890-56B9642502B7}"/>
+              </a:ext>
+            </a:extLst>
+          </p:cNvPr>
+          <p:cNvCxnSpPr>
+            <a:cxnSpLocks/>
+            <a:stCxn id="24" idx="3"/>
+            <a:endCxn id="18" idx="1"/>
+          </p:cNvCxnSpPr>
+          <p:nvPr/>
+        </p:nvCxnSpPr>
+        <p:spPr>
+          <a:xfrm flipV="1">
+            <a:off x="2913133" y="2026963"/>
+            <a:ext cx="2699102" cy="1723"/>
+          </a:xfrm>
+          <a:prstGeom prst="straightConnector1">
+            <a:avLst/>
+          </a:prstGeom>
+          <a:ln w="12700">
+            <a:solidFill>
+              <a:srgbClr val="FF7876"/>
+            </a:solidFill>
+            <a:tailEnd type="triangle"/>
+          </a:ln>
+        </p:spPr>
+        <p:style>
+          <a:lnRef idx="1">
+            <a:schemeClr val="accent1"/>
+          </a:lnRef>
+          <a:fillRef idx="0">
+            <a:schemeClr val="accent1"/>
+          </a:fillRef>
+          <a:effectRef idx="0">
+            <a:schemeClr val="accent1"/>
+          </a:effectRef>
+          <a:fontRef idx="minor">
+            <a:schemeClr val="tx1"/>
+          </a:fontRef>
+        </p:style>
+      </p:cxnSp>
+      <p:sp>
+        <p:nvSpPr>
+          <p:cNvPr id="24" name="TextBox 23">
+            <a:extLst>
+              <a:ext uri="{FF2B5EF4-FFF2-40B4-BE49-F238E27FC236}">
+                <a16:creationId xmlns:a16="http://schemas.microsoft.com/office/drawing/2014/main" id="{342E3ED9-C31A-D84F-94A2-02B7B9456D65}"/>
+              </a:ext>
+            </a:extLst>
+          </p:cNvPr>
+          <p:cNvSpPr txBox="1"/>
+          <p:nvPr/>
+        </p:nvSpPr>
+        <p:spPr>
+          <a:xfrm>
+            <a:off x="674508" y="1427605"/>
+            <a:ext cx="2238625" cy="1202162"/>
+          </a:xfrm>
+          <a:prstGeom prst="rect">
+            <a:avLst/>
+          </a:prstGeom>
+          <a:noFill/>
+          <a:ln w="12700">
+            <a:solidFill>
+              <a:srgbClr val="FF7876"/>
+            </a:solidFill>
+          </a:ln>
+        </p:spPr>
+        <p:txBody>
+          <a:bodyPr wrap="square" rtlCol="0">
+            <a:spAutoFit/>
+          </a:bodyPr>
+          <a:lstStyle/>
+          <a:p>
+            <a:pPr algn="ctr"/>
+            <a:endParaRPr lang="en-US" altLang="ko-Kore-KR" sz="1100" dirty="0"/>
+          </a:p>
+        </p:txBody>
+      </p:sp>
+      <p:sp>
+        <p:nvSpPr>
+          <p:cNvPr id="22" name="TextBox 21">
+            <a:extLst>
+              <a:ext uri="{FF2B5EF4-FFF2-40B4-BE49-F238E27FC236}">
+                <a16:creationId xmlns:a16="http://schemas.microsoft.com/office/drawing/2014/main" id="{6AEC83DB-3FDA-CD47-85ED-EAFD3ABC5F83}"/>
+              </a:ext>
+            </a:extLst>
+          </p:cNvPr>
+          <p:cNvSpPr txBox="1"/>
+          <p:nvPr/>
+        </p:nvSpPr>
+        <p:spPr>
+          <a:xfrm>
+            <a:off x="5822649" y="4588798"/>
+            <a:ext cx="5176576" cy="938719"/>
+          </a:xfrm>
+          <a:prstGeom prst="rect">
+            <a:avLst/>
+          </a:prstGeom>
+          <a:noFill/>
+          <a:ln w="12700">
+            <a:solidFill>
+              <a:srgbClr val="FF7876"/>
+            </a:solidFill>
+          </a:ln>
+        </p:spPr>
+        <p:txBody>
+          <a:bodyPr wrap="square" rtlCol="0">
+            <a:spAutoFit/>
+          </a:bodyPr>
+          <a:lstStyle/>
+          <a:p>
+            <a:pPr algn="ctr"/>
+            <a:r>
+              <a:rPr lang="en-US" altLang="ko-KR" sz="1100" dirty="0"/>
+              <a:t>for </a:t>
+            </a:r>
+            <a:r>
+              <a:rPr lang="ko-KR" altLang="en-US" sz="1100" dirty="0"/>
+              <a:t>문을 통해 눈이 위에서 아래로 떨어지는 것을 </a:t>
+            </a:r>
+            <a:r>
+              <a:rPr lang="ko-KR" altLang="en-US" sz="1100" dirty="0" err="1"/>
+              <a:t>형상화합니다</a:t>
+            </a:r>
+            <a:r>
+              <a:rPr lang="en-US" altLang="ko-KR" sz="1100" dirty="0"/>
+              <a:t>.</a:t>
+            </a:r>
+          </a:p>
+          <a:p>
+            <a:pPr algn="ctr"/>
+            <a:r>
+              <a:rPr lang="ko-KR" altLang="en-US" sz="1100" dirty="0"/>
+              <a:t>그리기를 통해 눈을 그려주고</a:t>
+            </a:r>
+            <a:endParaRPr lang="en-US" altLang="ko-KR" sz="1100" dirty="0"/>
+          </a:p>
+          <a:p>
+            <a:pPr algn="ctr"/>
+            <a:r>
+              <a:rPr lang="en-US" altLang="ko-KR" sz="1100" dirty="0"/>
+              <a:t>y</a:t>
+            </a:r>
+            <a:r>
+              <a:rPr lang="ko-KR" altLang="en-US" sz="1100" dirty="0"/>
+              <a:t>좌표를 </a:t>
+            </a:r>
+            <a:r>
+              <a:rPr lang="en-US" altLang="ko-KR" sz="1100" dirty="0"/>
+              <a:t>1</a:t>
+            </a:r>
+            <a:r>
+              <a:rPr lang="ko-KR" altLang="en-US" sz="1100" dirty="0" err="1"/>
+              <a:t>픽셀씩</a:t>
+            </a:r>
+            <a:r>
+              <a:rPr lang="ko-KR" altLang="en-US" sz="1100" dirty="0"/>
+              <a:t> 이동하여 눈이 </a:t>
+            </a:r>
+            <a:r>
+              <a:rPr lang="ko-KR" altLang="en-US" sz="1100" dirty="0" err="1"/>
+              <a:t>내려가는것을</a:t>
+            </a:r>
+            <a:r>
+              <a:rPr lang="ko-KR" altLang="en-US" sz="1100" dirty="0"/>
+              <a:t> 표현하도록 합니다</a:t>
+            </a:r>
+            <a:r>
+              <a:rPr lang="en-US" altLang="ko-KR" sz="1100" dirty="0"/>
+              <a:t>.</a:t>
+            </a:r>
+          </a:p>
+          <a:p>
+            <a:pPr algn="ctr"/>
+            <a:r>
+              <a:rPr lang="ko-KR" altLang="en-US" sz="1100" dirty="0"/>
+              <a:t>맨 밑에 눈이 도착하면 다시 해당 눈을 맨 위로 옮기고</a:t>
+            </a:r>
+            <a:endParaRPr lang="en-US" altLang="ko-KR" sz="1100" dirty="0"/>
+          </a:p>
+          <a:p>
+            <a:pPr algn="ctr"/>
+            <a:r>
+              <a:rPr lang="en-US" altLang="ko-KR" sz="1100" dirty="0"/>
+              <a:t>x</a:t>
+            </a:r>
+            <a:r>
+              <a:rPr lang="ko-KR" altLang="en-US" sz="1100" dirty="0"/>
+              <a:t>값에 </a:t>
+            </a:r>
+            <a:r>
+              <a:rPr lang="ko-KR" altLang="en-US" sz="1100" dirty="0" err="1"/>
+              <a:t>랜덤하게</a:t>
+            </a:r>
+            <a:r>
+              <a:rPr lang="ko-KR" altLang="en-US" sz="1100" dirty="0"/>
+              <a:t> 부여하여 같은 위치에서 내리지 않도록 하게 합니다</a:t>
+            </a:r>
+            <a:r>
+              <a:rPr lang="en-US" altLang="ko-KR" sz="1100" dirty="0"/>
+              <a:t>.</a:t>
+            </a:r>
+          </a:p>
+        </p:txBody>
+      </p:sp>
+      <p:sp>
+        <p:nvSpPr>
+          <p:cNvPr id="23" name="TextBox 22">
+            <a:extLst>
+              <a:ext uri="{FF2B5EF4-FFF2-40B4-BE49-F238E27FC236}">
+                <a16:creationId xmlns:a16="http://schemas.microsoft.com/office/drawing/2014/main" id="{ACF17F90-2E1E-3E4A-BF98-89244B9B70BB}"/>
+              </a:ext>
+            </a:extLst>
+          </p:cNvPr>
+          <p:cNvSpPr txBox="1"/>
+          <p:nvPr/>
+        </p:nvSpPr>
+        <p:spPr>
+          <a:xfrm>
+            <a:off x="965820" y="4445005"/>
+            <a:ext cx="3894624" cy="2175865"/>
+          </a:xfrm>
+          <a:prstGeom prst="rect">
+            <a:avLst/>
+          </a:prstGeom>
+          <a:noFill/>
+          <a:ln w="12700">
+            <a:solidFill>
+              <a:srgbClr val="FF7876"/>
+            </a:solidFill>
+          </a:ln>
+        </p:spPr>
+        <p:txBody>
+          <a:bodyPr wrap="square" rtlCol="0">
+            <a:spAutoFit/>
+          </a:bodyPr>
+          <a:lstStyle/>
+          <a:p>
+            <a:pPr algn="ctr"/>
+            <a:endParaRPr lang="en-US" altLang="ko-Kore-KR" sz="1100" dirty="0"/>
+          </a:p>
+        </p:txBody>
+      </p:sp>
+      <p:cxnSp>
+        <p:nvCxnSpPr>
+          <p:cNvPr id="25" name="직선 화살표 연결선 24">
+            <a:extLst>
+              <a:ext uri="{FF2B5EF4-FFF2-40B4-BE49-F238E27FC236}">
+                <a16:creationId xmlns:a16="http://schemas.microsoft.com/office/drawing/2014/main" id="{5DC3F944-01F3-1F43-BD4F-395B5A287585}"/>
+              </a:ext>
+            </a:extLst>
+          </p:cNvPr>
+          <p:cNvCxnSpPr>
+            <a:cxnSpLocks/>
+            <a:stCxn id="23" idx="3"/>
+            <a:endCxn id="22" idx="1"/>
+          </p:cNvCxnSpPr>
+          <p:nvPr/>
+        </p:nvCxnSpPr>
+        <p:spPr>
+          <a:xfrm flipV="1">
+            <a:off x="4860444" y="5058158"/>
+            <a:ext cx="962205" cy="474780"/>
+          </a:xfrm>
+          <a:prstGeom prst="straightConnector1">
+            <a:avLst/>
+          </a:prstGeom>
+          <a:ln w="12700">
+            <a:solidFill>
+              <a:srgbClr val="FF7876"/>
+            </a:solidFill>
+            <a:tailEnd type="triangle"/>
+          </a:ln>
+        </p:spPr>
+        <p:style>
+          <a:lnRef idx="1">
+            <a:schemeClr val="accent1"/>
+          </a:lnRef>
+          <a:fillRef idx="0">
+            <a:schemeClr val="accent1"/>
+          </a:fillRef>
+          <a:effectRef idx="0">
+            <a:schemeClr val="accent1"/>
+          </a:effectRef>
+          <a:fontRef idx="minor">
+            <a:schemeClr val="tx1"/>
+          </a:fontRef>
+        </p:style>
+      </p:cxnSp>
+    </p:spTree>
+    <p:extLst>
+      <p:ext uri="{BB962C8B-B14F-4D97-AF65-F5344CB8AC3E}">
+        <p14:creationId xmlns:p14="http://schemas.microsoft.com/office/powerpoint/2010/main" val="3358850522"/>
+      </p:ext>
+    </p:extLst>
+  </p:cSld>
+  <p:clrMapOvr>
+    <a:masterClrMapping/>
+  </p:clrMapOvr>
+</p:sld>
+</file>
+
+<file path=ppt/slides/slide9.xml><?xml version="1.0" encoding="utf-8"?>
+<p:sld xmlns:a="http://schemas.openxmlformats.org/drawingml/2006/main" xmlns:r="http://schemas.openxmlformats.org/officeDocument/2006/relationships" xmlns:p="http://schemas.openxmlformats.org/presentationml/2006/main">
+  <p:cSld>
+    <p:spTree>
+      <p:nvGrpSpPr>
+        <p:cNvPr id="1" name=""/>
+        <p:cNvGrpSpPr/>
+        <p:nvPr/>
+      </p:nvGrpSpPr>
+      <p:grpSpPr>
+        <a:xfrm>
+          <a:off x="0" y="0"/>
+          <a:ext cx="0" cy="0"/>
+          <a:chOff x="0" y="0"/>
+          <a:chExt cx="0" cy="0"/>
+        </a:xfrm>
+      </p:grpSpPr>
+      <p:sp>
+        <p:nvSpPr>
+          <p:cNvPr id="37" name="직사각형 36">
+            <a:extLst>
+              <a:ext uri="{FF2B5EF4-FFF2-40B4-BE49-F238E27FC236}">
+                <a16:creationId xmlns:a16="http://schemas.microsoft.com/office/drawing/2014/main" id="{3F15C60C-17FE-422D-AFCF-73C75A021362}"/>
+              </a:ext>
+            </a:extLst>
+          </p:cNvPr>
+          <p:cNvSpPr/>
+          <p:nvPr/>
+        </p:nvSpPr>
+        <p:spPr>
+          <a:xfrm>
+            <a:off x="3697172" y="332194"/>
+            <a:ext cx="4713765" cy="735842"/>
+          </a:xfrm>
+          <a:prstGeom prst="rect">
+            <a:avLst/>
+          </a:prstGeom>
+        </p:spPr>
+        <p:txBody>
+          <a:bodyPr wrap="square">
+            <a:spAutoFit/>
+          </a:bodyPr>
+          <a:lstStyle/>
+          <a:p>
+            <a:pPr algn="ctr" latinLnBrk="0">
+              <a:lnSpc>
+                <a:spcPct val="150000"/>
+              </a:lnSpc>
+              <a:defRPr/>
+            </a:pPr>
+            <a:r>
+              <a:rPr lang="en-US" altLang="ko-KR" sz="3200" b="1" i="1" kern="0" dirty="0">
+                <a:solidFill>
+                  <a:srgbClr val="FF7876"/>
+                </a:solidFill>
+              </a:rPr>
+              <a:t>2</a:t>
+            </a:r>
+          </a:p>
+        </p:txBody>
+      </p:sp>
+      <p:cxnSp>
+        <p:nvCxnSpPr>
+          <p:cNvPr id="38" name="직선 연결선 37">
+            <a:extLst>
+              <a:ext uri="{FF2B5EF4-FFF2-40B4-BE49-F238E27FC236}">
+                <a16:creationId xmlns:a16="http://schemas.microsoft.com/office/drawing/2014/main" id="{940134F4-F272-426A-B50B-8075427DF501}"/>
+              </a:ext>
+            </a:extLst>
+          </p:cNvPr>
+          <p:cNvCxnSpPr>
+            <a:cxnSpLocks/>
+          </p:cNvCxnSpPr>
+          <p:nvPr/>
+        </p:nvCxnSpPr>
+        <p:spPr>
+          <a:xfrm flipV="1">
+            <a:off x="843148" y="847712"/>
+            <a:ext cx="4769087" cy="1"/>
+          </a:xfrm>
+          <a:prstGeom prst="line">
+            <a:avLst/>
+          </a:prstGeom>
+          <a:ln w="6350">
+            <a:solidFill>
+              <a:srgbClr val="FF7876"/>
+            </a:solidFill>
+            <a:prstDash val="sysDash"/>
+            <a:tailEnd type="oval"/>
+          </a:ln>
+        </p:spPr>
+        <p:style>
+          <a:lnRef idx="1">
+            <a:schemeClr val="accent1"/>
+          </a:lnRef>
+          <a:fillRef idx="0">
+            <a:schemeClr val="accent1"/>
+          </a:fillRef>
+          <a:effectRef idx="0">
+            <a:schemeClr val="accent1"/>
+          </a:effectRef>
+          <a:fontRef idx="minor">
+            <a:schemeClr val="tx1"/>
+          </a:fontRef>
+        </p:style>
+      </p:cxnSp>
+      <p:cxnSp>
+        <p:nvCxnSpPr>
+          <p:cNvPr id="39" name="직선 연결선 38">
+            <a:extLst>
+              <a:ext uri="{FF2B5EF4-FFF2-40B4-BE49-F238E27FC236}">
+                <a16:creationId xmlns:a16="http://schemas.microsoft.com/office/drawing/2014/main" id="{55EBD739-0979-4546-8E6B-9CA8052FC540}"/>
+              </a:ext>
+            </a:extLst>
+          </p:cNvPr>
+          <p:cNvCxnSpPr>
+            <a:cxnSpLocks/>
+          </p:cNvCxnSpPr>
+          <p:nvPr/>
+        </p:nvCxnSpPr>
+        <p:spPr>
+          <a:xfrm flipH="1">
+            <a:off x="6579767" y="847712"/>
+            <a:ext cx="4692810" cy="0"/>
+          </a:xfrm>
+          <a:prstGeom prst="line">
+            <a:avLst/>
+          </a:prstGeom>
+          <a:ln w="6350">
+            <a:solidFill>
+              <a:srgbClr val="FF7876"/>
+            </a:solidFill>
+            <a:prstDash val="sysDash"/>
+            <a:tailEnd type="oval"/>
+          </a:ln>
+        </p:spPr>
+        <p:style>
+          <a:lnRef idx="1">
+            <a:schemeClr val="accent1"/>
+          </a:lnRef>
+          <a:fillRef idx="0">
+            <a:schemeClr val="accent1"/>
+          </a:fillRef>
+          <a:effectRef idx="0">
+            <a:schemeClr val="accent1"/>
+          </a:effectRef>
+          <a:fontRef idx="minor">
+            <a:schemeClr val="tx1"/>
+          </a:fontRef>
+        </p:style>
+      </p:cxnSp>
+      <p:sp>
+        <p:nvSpPr>
+          <p:cNvPr id="8" name="TextBox 7">
+            <a:extLst>
+              <a:ext uri="{FF2B5EF4-FFF2-40B4-BE49-F238E27FC236}">
+                <a16:creationId xmlns:a16="http://schemas.microsoft.com/office/drawing/2014/main" id="{C18154B9-4F65-4277-8C17-63D9702FC25F}"/>
+              </a:ext>
+            </a:extLst>
+          </p:cNvPr>
+          <p:cNvSpPr txBox="1"/>
+          <p:nvPr/>
+        </p:nvSpPr>
+        <p:spPr>
+          <a:xfrm>
+            <a:off x="765146" y="963122"/>
+            <a:ext cx="10507430" cy="261610"/>
+          </a:xfrm>
+          <a:prstGeom prst="rect">
+            <a:avLst/>
+          </a:prstGeom>
+          <a:noFill/>
+        </p:spPr>
+        <p:txBody>
+          <a:bodyPr wrap="square" rtlCol="0">
+            <a:spAutoFit/>
+          </a:bodyPr>
+          <a:lstStyle/>
+          <a:p>
+            <a:pPr algn="ctr"/>
+            <a:r>
+              <a:rPr lang="ko-KR" altLang="en-US" sz="1100" i="1" dirty="0">
+                <a:solidFill>
+                  <a:srgbClr val="FF7876"/>
+                </a:solidFill>
+              </a:rPr>
+              <a:t>공 이동과 </a:t>
+            </a:r>
+            <a:r>
+              <a:rPr lang="ko-KR" altLang="en-US" sz="1100" i="1" dirty="0" err="1">
+                <a:solidFill>
+                  <a:srgbClr val="FF7876"/>
+                </a:solidFill>
+              </a:rPr>
+              <a:t>눈내리기</a:t>
+            </a:r>
+            <a:r>
+              <a:rPr lang="ko-KR" altLang="en-US" sz="1100" i="1" dirty="0">
+                <a:solidFill>
+                  <a:srgbClr val="FF7876"/>
+                </a:solidFill>
+              </a:rPr>
+              <a:t> 애니메이션 </a:t>
+            </a:r>
+            <a:r>
+              <a:rPr lang="en-US" altLang="ko-KR" sz="1100" i="1" dirty="0">
+                <a:solidFill>
+                  <a:srgbClr val="FF7876"/>
+                </a:solidFill>
+              </a:rPr>
+              <a:t>–</a:t>
+            </a:r>
+            <a:r>
+              <a:rPr lang="ko-KR" altLang="en-US" sz="1100" i="1" dirty="0">
+                <a:solidFill>
+                  <a:srgbClr val="FF7876"/>
+                </a:solidFill>
+              </a:rPr>
+              <a:t> </a:t>
+            </a:r>
+            <a:r>
+              <a:rPr lang="ko-KR" altLang="en-US" sz="1100" i="1" dirty="0" err="1">
+                <a:solidFill>
+                  <a:srgbClr val="FF7876"/>
+                </a:solidFill>
+              </a:rPr>
+              <a:t>눈그리기</a:t>
+            </a:r>
+            <a:r>
+              <a:rPr lang="ko-KR" altLang="en-US" sz="1100" i="1" dirty="0">
+                <a:solidFill>
+                  <a:srgbClr val="FF7876"/>
+                </a:solidFill>
+              </a:rPr>
+              <a:t> 구현</a:t>
+            </a:r>
+            <a:endParaRPr lang="en-US" altLang="ko-KR" sz="1100" i="1" dirty="0">
+              <a:solidFill>
+                <a:srgbClr val="FF7876"/>
+              </a:solidFill>
+            </a:endParaRPr>
+          </a:p>
+        </p:txBody>
+      </p:sp>
+      <p:sp>
+        <p:nvSpPr>
+          <p:cNvPr id="18" name="TextBox 17">
+            <a:extLst>
+              <a:ext uri="{FF2B5EF4-FFF2-40B4-BE49-F238E27FC236}">
+                <a16:creationId xmlns:a16="http://schemas.microsoft.com/office/drawing/2014/main" id="{6D943C5F-1424-2340-B6C8-02302E05F9D4}"/>
+              </a:ext>
+            </a:extLst>
+          </p:cNvPr>
+          <p:cNvSpPr txBox="1"/>
+          <p:nvPr/>
+        </p:nvSpPr>
+        <p:spPr>
+          <a:xfrm>
+            <a:off x="3474921" y="5679434"/>
+            <a:ext cx="5158265" cy="600164"/>
+          </a:xfrm>
+          <a:prstGeom prst="rect">
+            <a:avLst/>
+          </a:prstGeom>
+          <a:noFill/>
+          <a:ln w="12700">
+            <a:solidFill>
+              <a:srgbClr val="FF7876"/>
+            </a:solidFill>
+          </a:ln>
+        </p:spPr>
+        <p:txBody>
+          <a:bodyPr wrap="square" rtlCol="0">
+            <a:spAutoFit/>
+          </a:bodyPr>
+          <a:lstStyle/>
+          <a:p>
+            <a:pPr algn="ctr"/>
+            <a:r>
+              <a:rPr lang="ko-KR" altLang="en-US" sz="1100" dirty="0"/>
+              <a:t>실행 화면입니다</a:t>
+            </a:r>
+            <a:r>
+              <a:rPr lang="en-US" altLang="ko-KR" sz="1100" dirty="0"/>
+              <a:t>.</a:t>
+            </a:r>
+          </a:p>
+          <a:p>
+            <a:pPr algn="ctr"/>
+            <a:r>
+              <a:rPr lang="ko-KR" altLang="en-US" sz="1100" dirty="0"/>
+              <a:t>원으로 표현한 눈 객체들이 원하는 </a:t>
+            </a:r>
+            <a:r>
+              <a:rPr lang="ko-KR" altLang="en-US" sz="1100" dirty="0" err="1"/>
+              <a:t>범주내로</a:t>
+            </a:r>
+            <a:r>
+              <a:rPr lang="ko-KR" altLang="en-US" sz="1100" dirty="0"/>
+              <a:t> </a:t>
+            </a:r>
+            <a:r>
+              <a:rPr lang="ko-KR" altLang="en-US" sz="1100" dirty="0" err="1"/>
+              <a:t>출력되는것을</a:t>
+            </a:r>
+            <a:endParaRPr lang="en-US" altLang="ko-KR" sz="1100" dirty="0"/>
+          </a:p>
+          <a:p>
+            <a:pPr algn="ctr"/>
+            <a:r>
+              <a:rPr lang="ko-KR" altLang="en-US" sz="1100" dirty="0"/>
+              <a:t>볼 수 있습니다</a:t>
+            </a:r>
+            <a:r>
+              <a:rPr lang="en-US" altLang="ko-KR" sz="1100"/>
+              <a:t>.</a:t>
+            </a:r>
+            <a:endParaRPr lang="en-US" altLang="ko-KR" sz="1100" dirty="0"/>
+          </a:p>
+        </p:txBody>
+      </p:sp>
+      <p:pic>
+        <p:nvPicPr>
+          <p:cNvPr id="3" name="그림 2">
+            <a:extLst>
+              <a:ext uri="{FF2B5EF4-FFF2-40B4-BE49-F238E27FC236}">
+                <a16:creationId xmlns:a16="http://schemas.microsoft.com/office/drawing/2014/main" id="{4303E404-658A-6F48-A8A9-A379BF6230DB}"/>
+              </a:ext>
+            </a:extLst>
+          </p:cNvPr>
+          <p:cNvPicPr>
+            <a:picLocks noChangeAspect="1"/>
+          </p:cNvPicPr>
+          <p:nvPr/>
+        </p:nvPicPr>
+        <p:blipFill>
+          <a:blip r:embed="rId2"/>
+          <a:stretch>
+            <a:fillRect/>
+          </a:stretch>
+        </p:blipFill>
+        <p:spPr>
+          <a:xfrm>
+            <a:off x="417668" y="1368445"/>
+            <a:ext cx="4178608" cy="4407126"/>
+          </a:xfrm>
+          <a:prstGeom prst="rect">
+            <a:avLst/>
+          </a:prstGeom>
+        </p:spPr>
+      </p:pic>
+      <p:pic>
+        <p:nvPicPr>
+          <p:cNvPr id="5" name="그림 4">
+            <a:extLst>
+              <a:ext uri="{FF2B5EF4-FFF2-40B4-BE49-F238E27FC236}">
+                <a16:creationId xmlns:a16="http://schemas.microsoft.com/office/drawing/2014/main" id="{030E55D4-8353-AA4B-AB8B-F2DC190675CE}"/>
+              </a:ext>
+            </a:extLst>
+          </p:cNvPr>
+          <p:cNvPicPr>
+            <a:picLocks noChangeAspect="1"/>
+          </p:cNvPicPr>
+          <p:nvPr/>
+        </p:nvPicPr>
+        <p:blipFill>
+          <a:blip r:embed="rId3"/>
+          <a:stretch>
+            <a:fillRect/>
+          </a:stretch>
+        </p:blipFill>
+        <p:spPr>
+          <a:xfrm>
+            <a:off x="7595724" y="1368445"/>
+            <a:ext cx="4178608" cy="4407126"/>
+          </a:xfrm>
+          <a:prstGeom prst="rect">
+            <a:avLst/>
+          </a:prstGeom>
+        </p:spPr>
+      </p:pic>
+      <p:pic>
+        <p:nvPicPr>
+          <p:cNvPr id="6" name="그림 5">
+            <a:extLst>
+              <a:ext uri="{FF2B5EF4-FFF2-40B4-BE49-F238E27FC236}">
+                <a16:creationId xmlns:a16="http://schemas.microsoft.com/office/drawing/2014/main" id="{A5380429-9887-E14A-8802-D7B3A54CE346}"/>
+              </a:ext>
+            </a:extLst>
+          </p:cNvPr>
+          <p:cNvPicPr>
+            <a:picLocks noChangeAspect="1"/>
+          </p:cNvPicPr>
+          <p:nvPr/>
+        </p:nvPicPr>
+        <p:blipFill>
+          <a:blip r:embed="rId4"/>
+          <a:stretch>
+            <a:fillRect/>
+          </a:stretch>
+        </p:blipFill>
+        <p:spPr>
+          <a:xfrm>
+            <a:off x="4172133" y="1457781"/>
+            <a:ext cx="3847734" cy="4077940"/>
+          </a:xfrm>
+          <a:prstGeom prst="rect">
+            <a:avLst/>
+          </a:prstGeom>
+        </p:spPr>
+      </p:pic>
+    </p:spTree>
+    <p:extLst>
+      <p:ext uri="{BB962C8B-B14F-4D97-AF65-F5344CB8AC3E}">
+        <p14:creationId xmlns:p14="http://schemas.microsoft.com/office/powerpoint/2010/main" val="2458786708"/>
       </p:ext>
     </p:extLst>
   </p:cSld>

--- a/12장/20164091-송희령-12장 과제.pptx
+++ b/12장/20164091-송희령-12장 과제.pptx
@@ -14,8 +14,14 @@
     <p:sldId id="405" r:id="rId8"/>
     <p:sldId id="406" r:id="rId9"/>
     <p:sldId id="407" r:id="rId10"/>
-    <p:sldId id="394" r:id="rId11"/>
-    <p:sldId id="258" r:id="rId12"/>
+    <p:sldId id="408" r:id="rId11"/>
+    <p:sldId id="409" r:id="rId12"/>
+    <p:sldId id="410" r:id="rId13"/>
+    <p:sldId id="411" r:id="rId14"/>
+    <p:sldId id="412" r:id="rId15"/>
+    <p:sldId id="413" r:id="rId16"/>
+    <p:sldId id="394" r:id="rId17"/>
+    <p:sldId id="258" r:id="rId18"/>
   </p:sldIdLst>
   <p:sldSz cx="12192000" cy="6858000"/>
   <p:notesSz cx="6858000" cy="9144000"/>
@@ -4075,6 +4081,104 @@
           <a:chExt cx="0" cy="0"/>
         </a:xfrm>
       </p:grpSpPr>
+      <p:pic>
+        <p:nvPicPr>
+          <p:cNvPr id="6" name="그림 5">
+            <a:extLst>
+              <a:ext uri="{FF2B5EF4-FFF2-40B4-BE49-F238E27FC236}">
+                <a16:creationId xmlns:a16="http://schemas.microsoft.com/office/drawing/2014/main" id="{37E30BCA-23F6-994D-A95E-E57B84BDE071}"/>
+              </a:ext>
+            </a:extLst>
+          </p:cNvPr>
+          <p:cNvPicPr>
+            <a:picLocks noChangeAspect="1"/>
+          </p:cNvPicPr>
+          <p:nvPr/>
+        </p:nvPicPr>
+        <p:blipFill>
+          <a:blip r:embed="rId2"/>
+          <a:stretch>
+            <a:fillRect/>
+          </a:stretch>
+        </p:blipFill>
+        <p:spPr>
+          <a:xfrm>
+            <a:off x="1591004" y="3535185"/>
+            <a:ext cx="2672611" cy="2731814"/>
+          </a:xfrm>
+          <a:prstGeom prst="rect">
+            <a:avLst/>
+          </a:prstGeom>
+        </p:spPr>
+      </p:pic>
+      <p:sp>
+        <p:nvSpPr>
+          <p:cNvPr id="23" name="TextBox 22">
+            <a:extLst>
+              <a:ext uri="{FF2B5EF4-FFF2-40B4-BE49-F238E27FC236}">
+                <a16:creationId xmlns:a16="http://schemas.microsoft.com/office/drawing/2014/main" id="{ACF17F90-2E1E-3E4A-BF98-89244B9B70BB}"/>
+              </a:ext>
+            </a:extLst>
+          </p:cNvPr>
+          <p:cNvSpPr txBox="1"/>
+          <p:nvPr/>
+        </p:nvSpPr>
+        <p:spPr>
+          <a:xfrm>
+            <a:off x="1591004" y="3517025"/>
+            <a:ext cx="2672611" cy="2749974"/>
+          </a:xfrm>
+          <a:prstGeom prst="rect">
+            <a:avLst/>
+          </a:prstGeom>
+          <a:noFill/>
+          <a:ln w="12700">
+            <a:solidFill>
+              <a:srgbClr val="FF7876"/>
+            </a:solidFill>
+          </a:ln>
+        </p:spPr>
+        <p:txBody>
+          <a:bodyPr wrap="square" rtlCol="0">
+            <a:spAutoFit/>
+          </a:bodyPr>
+          <a:lstStyle/>
+          <a:p>
+            <a:pPr algn="ctr"/>
+            <a:endParaRPr lang="en-US" altLang="ko-Kore-KR" sz="1100" dirty="0"/>
+          </a:p>
+        </p:txBody>
+      </p:sp>
+      <p:pic>
+        <p:nvPicPr>
+          <p:cNvPr id="3" name="그림 2">
+            <a:extLst>
+              <a:ext uri="{FF2B5EF4-FFF2-40B4-BE49-F238E27FC236}">
+                <a16:creationId xmlns:a16="http://schemas.microsoft.com/office/drawing/2014/main" id="{FD967A13-FC5D-9747-B27A-84D4D6C843DD}"/>
+              </a:ext>
+            </a:extLst>
+          </p:cNvPr>
+          <p:cNvPicPr>
+            <a:picLocks noChangeAspect="1"/>
+          </p:cNvPicPr>
+          <p:nvPr/>
+        </p:nvPicPr>
+        <p:blipFill>
+          <a:blip r:embed="rId3"/>
+          <a:stretch>
+            <a:fillRect/>
+          </a:stretch>
+        </p:blipFill>
+        <p:spPr>
+          <a:xfrm>
+            <a:off x="765146" y="1808472"/>
+            <a:ext cx="3764149" cy="1442548"/>
+          </a:xfrm>
+          <a:prstGeom prst="rect">
+            <a:avLst/>
+          </a:prstGeom>
+        </p:spPr>
+      </p:pic>
       <p:sp>
         <p:nvSpPr>
           <p:cNvPr id="37" name="직사각형 36">
@@ -4114,7 +4218,7 @@
                   <a:srgbClr val="FF7876"/>
                 </a:solidFill>
               </a:rPr>
-              <a:t>2</a:t>
+              <a:t>3</a:t>
             </a:r>
           </a:p>
         </p:txBody>
@@ -4211,10 +4315,10 @@
       </p:cxnSp>
       <p:sp>
         <p:nvSpPr>
-          <p:cNvPr id="11" name="TextBox 10">
-            <a:extLst>
-              <a:ext uri="{FF2B5EF4-FFF2-40B4-BE49-F238E27FC236}">
-                <a16:creationId xmlns:a16="http://schemas.microsoft.com/office/drawing/2014/main" id="{4B825D75-47BE-4247-BE4D-F7D4F36F4B08}"/>
+          <p:cNvPr id="8" name="TextBox 7">
+            <a:extLst>
+              <a:ext uri="{FF2B5EF4-FFF2-40B4-BE49-F238E27FC236}">
+                <a16:creationId xmlns:a16="http://schemas.microsoft.com/office/drawing/2014/main" id="{C18154B9-4F65-4277-8C17-63D9702FC25F}"/>
               </a:ext>
             </a:extLst>
           </p:cNvPr>
@@ -4223,8 +4327,101 @@
         </p:nvSpPr>
         <p:spPr>
           <a:xfrm>
-            <a:off x="2752639" y="5463991"/>
-            <a:ext cx="6686722" cy="430887"/>
+            <a:off x="765146" y="963122"/>
+            <a:ext cx="10507430" cy="261610"/>
+          </a:xfrm>
+          <a:prstGeom prst="rect">
+            <a:avLst/>
+          </a:prstGeom>
+          <a:noFill/>
+        </p:spPr>
+        <p:txBody>
+          <a:bodyPr wrap="square" rtlCol="0">
+            <a:spAutoFit/>
+          </a:bodyPr>
+          <a:lstStyle/>
+          <a:p>
+            <a:pPr algn="ctr"/>
+            <a:r>
+              <a:rPr lang="ko-KR" altLang="en-US" sz="1100" i="1" dirty="0">
+                <a:solidFill>
+                  <a:srgbClr val="FF7876"/>
+                </a:solidFill>
+              </a:rPr>
+              <a:t>마우스</a:t>
+            </a:r>
+            <a:r>
+              <a:rPr lang="en-US" altLang="ko-KR" sz="1100" i="1" dirty="0">
+                <a:solidFill>
+                  <a:srgbClr val="FF7876"/>
+                </a:solidFill>
+              </a:rPr>
+              <a:t>,</a:t>
+            </a:r>
+            <a:r>
+              <a:rPr lang="ko-KR" altLang="en-US" sz="1100" i="1" dirty="0">
+                <a:solidFill>
+                  <a:srgbClr val="FF7876"/>
+                </a:solidFill>
+              </a:rPr>
+              <a:t> 키보드 입력 </a:t>
+            </a:r>
+            <a:r>
+              <a:rPr lang="ko-KR" altLang="en-US" sz="1100" i="1" dirty="0" err="1">
+                <a:solidFill>
+                  <a:srgbClr val="FF7876"/>
+                </a:solidFill>
+              </a:rPr>
+              <a:t>스틱맨</a:t>
+            </a:r>
+            <a:r>
+              <a:rPr lang="ko-KR" altLang="en-US" sz="1100" i="1" dirty="0">
+                <a:solidFill>
+                  <a:srgbClr val="FF7876"/>
+                </a:solidFill>
+              </a:rPr>
+              <a:t> </a:t>
+            </a:r>
+            <a:r>
+              <a:rPr lang="en-US" altLang="ko-KR" sz="1100" i="1" dirty="0">
+                <a:solidFill>
+                  <a:srgbClr val="FF7876"/>
+                </a:solidFill>
+              </a:rPr>
+              <a:t>-</a:t>
+            </a:r>
+            <a:r>
+              <a:rPr lang="ko-KR" altLang="en-US" sz="1100" i="1" dirty="0">
+                <a:solidFill>
+                  <a:srgbClr val="FF7876"/>
+                </a:solidFill>
+              </a:rPr>
+              <a:t> 마우스 이용</a:t>
+            </a:r>
+            <a:endParaRPr lang="en-US" altLang="ko-KR" sz="1100" i="1" dirty="0">
+              <a:solidFill>
+                <a:srgbClr val="FF7876"/>
+              </a:solidFill>
+            </a:endParaRPr>
+          </a:p>
+        </p:txBody>
+      </p:sp>
+      <p:sp>
+        <p:nvSpPr>
+          <p:cNvPr id="18" name="TextBox 17">
+            <a:extLst>
+              <a:ext uri="{FF2B5EF4-FFF2-40B4-BE49-F238E27FC236}">
+                <a16:creationId xmlns:a16="http://schemas.microsoft.com/office/drawing/2014/main" id="{6D943C5F-1424-2340-B6C8-02302E05F9D4}"/>
+              </a:ext>
+            </a:extLst>
+          </p:cNvPr>
+          <p:cNvSpPr txBox="1"/>
+          <p:nvPr/>
+        </p:nvSpPr>
+        <p:spPr>
+          <a:xfrm>
+            <a:off x="5653637" y="2223528"/>
+            <a:ext cx="5158265" cy="600164"/>
           </a:xfrm>
           <a:prstGeom prst="rect">
             <a:avLst/>
@@ -4244,37 +4441,100 @@
           <a:p>
             <a:pPr algn="ctr"/>
             <a:r>
-              <a:rPr lang="ko-Kore-KR" altLang="en-US" sz="1100" dirty="0"/>
-              <a:t>이번과제의 최종 코드와 작업물들은 제 깃에서 확인 가능합니다</a:t>
-            </a:r>
-            <a:r>
-              <a:rPr lang="en-US" altLang="ko-Kore-KR" sz="1100" dirty="0"/>
+              <a:rPr lang="ko-KR" altLang="en-US" sz="1100" dirty="0"/>
+              <a:t>먼저 </a:t>
+            </a:r>
+            <a:r>
+              <a:rPr lang="ko-KR" altLang="en-US" sz="1100" dirty="0" err="1"/>
+              <a:t>스틱맨의</a:t>
+            </a:r>
+            <a:r>
+              <a:rPr lang="ko-KR" altLang="en-US" sz="1100" dirty="0"/>
+              <a:t> 각 구조를 그리기 위해</a:t>
+            </a:r>
+            <a:endParaRPr lang="en-US" altLang="ko-KR" sz="1100" dirty="0"/>
+          </a:p>
+          <a:p>
+            <a:pPr algn="ctr"/>
+            <a:r>
+              <a:rPr lang="ko-KR" altLang="en-US" sz="1100" dirty="0" err="1"/>
+              <a:t>스틱맨의</a:t>
+            </a:r>
+            <a:r>
+              <a:rPr lang="ko-KR" altLang="en-US" sz="1100" dirty="0"/>
+              <a:t> 신체부분들의 그리기 요소들을 함수로 묶은</a:t>
+            </a:r>
+            <a:endParaRPr lang="en-US" altLang="ko-KR" sz="1100" dirty="0"/>
+          </a:p>
+          <a:p>
+            <a:pPr algn="ctr"/>
+            <a:r>
+              <a:rPr lang="en-US" altLang="ko-KR" sz="1100" dirty="0" err="1"/>
+              <a:t>draw_stick_figure</a:t>
+            </a:r>
+            <a:r>
+              <a:rPr lang="ko-KR" altLang="en-US" sz="1100" dirty="0"/>
+              <a:t> 함수를 만들어줍니다</a:t>
+            </a:r>
+            <a:r>
+              <a:rPr lang="en-US" altLang="ko-KR" sz="1100" dirty="0"/>
               <a:t>.</a:t>
             </a:r>
           </a:p>
-          <a:p>
-            <a:pPr algn="ctr"/>
-            <a:r>
-              <a:rPr lang="en-US" altLang="ko-Kore-KR" sz="1100" dirty="0"/>
-              <a:t>https://</a:t>
-            </a:r>
-            <a:r>
-              <a:rPr lang="en-US" altLang="ko-Kore-KR" sz="1100" dirty="0" err="1"/>
-              <a:t>github.com</a:t>
-            </a:r>
-            <a:r>
-              <a:rPr lang="en-US" altLang="ko-Kore-KR" sz="1100" dirty="0"/>
-              <a:t>/yooatom2200/Programing_Base_2/tree/main/10%EC%9E%A5</a:t>
-            </a:r>
-          </a:p>
-        </p:txBody>
-      </p:sp>
-      <p:sp>
-        <p:nvSpPr>
-          <p:cNvPr id="12" name="TextBox 11">
-            <a:extLst>
-              <a:ext uri="{FF2B5EF4-FFF2-40B4-BE49-F238E27FC236}">
-                <a16:creationId xmlns:a16="http://schemas.microsoft.com/office/drawing/2014/main" id="{459CFBE9-C6B1-CE4F-BF6A-3075D8B4C5EF}"/>
+        </p:txBody>
+      </p:sp>
+      <p:cxnSp>
+        <p:nvCxnSpPr>
+          <p:cNvPr id="29" name="직선 화살표 연결선 28">
+            <a:extLst>
+              <a:ext uri="{FF2B5EF4-FFF2-40B4-BE49-F238E27FC236}">
+                <a16:creationId xmlns:a16="http://schemas.microsoft.com/office/drawing/2014/main" id="{D7876963-D856-2645-A890-56B9642502B7}"/>
+              </a:ext>
+            </a:extLst>
+          </p:cNvPr>
+          <p:cNvCxnSpPr>
+            <a:cxnSpLocks/>
+            <a:stCxn id="24" idx="3"/>
+            <a:endCxn id="18" idx="1"/>
+          </p:cNvCxnSpPr>
+          <p:nvPr/>
+        </p:nvCxnSpPr>
+        <p:spPr>
+          <a:xfrm flipV="1">
+            <a:off x="4529295" y="2523610"/>
+            <a:ext cx="1124342" cy="6135"/>
+          </a:xfrm>
+          <a:prstGeom prst="straightConnector1">
+            <a:avLst/>
+          </a:prstGeom>
+          <a:ln w="12700">
+            <a:solidFill>
+              <a:srgbClr val="FF7876"/>
+            </a:solidFill>
+            <a:tailEnd type="triangle"/>
+          </a:ln>
+        </p:spPr>
+        <p:style>
+          <a:lnRef idx="1">
+            <a:schemeClr val="accent1"/>
+          </a:lnRef>
+          <a:fillRef idx="0">
+            <a:schemeClr val="accent1"/>
+          </a:fillRef>
+          <a:effectRef idx="0">
+            <a:schemeClr val="accent1"/>
+          </a:effectRef>
+          <a:fontRef idx="minor">
+            <a:schemeClr val="tx1"/>
+          </a:fontRef>
+        </p:style>
+      </p:cxnSp>
+      <p:sp>
+        <p:nvSpPr>
+          <p:cNvPr id="24" name="TextBox 23">
+            <a:extLst>
+              <a:ext uri="{FF2B5EF4-FFF2-40B4-BE49-F238E27FC236}">
+                <a16:creationId xmlns:a16="http://schemas.microsoft.com/office/drawing/2014/main" id="{342E3ED9-C31A-D84F-94A2-02B7B9456D65}"/>
               </a:ext>
             </a:extLst>
           </p:cNvPr>
@@ -4283,13 +4543,18 @@
         </p:nvSpPr>
         <p:spPr>
           <a:xfrm>
-            <a:off x="765146" y="963122"/>
-            <a:ext cx="10507430" cy="261610"/>
+            <a:off x="765146" y="1808471"/>
+            <a:ext cx="3764149" cy="1442547"/>
           </a:xfrm>
           <a:prstGeom prst="rect">
             <a:avLst/>
           </a:prstGeom>
           <a:noFill/>
+          <a:ln w="12700">
+            <a:solidFill>
+              <a:srgbClr val="FF7876"/>
+            </a:solidFill>
+          </a:ln>
         </p:spPr>
         <p:txBody>
           <a:bodyPr wrap="square" rtlCol="0">
@@ -4298,45 +4563,385 @@
           <a:lstStyle/>
           <a:p>
             <a:pPr algn="ctr"/>
+            <a:endParaRPr lang="en-US" altLang="ko-Kore-KR" sz="1100" dirty="0"/>
+          </a:p>
+        </p:txBody>
+      </p:sp>
+      <p:sp>
+        <p:nvSpPr>
+          <p:cNvPr id="22" name="TextBox 21">
+            <a:extLst>
+              <a:ext uri="{FF2B5EF4-FFF2-40B4-BE49-F238E27FC236}">
+                <a16:creationId xmlns:a16="http://schemas.microsoft.com/office/drawing/2014/main" id="{6AEC83DB-3FDA-CD47-85ED-EAFD3ABC5F83}"/>
+              </a:ext>
+            </a:extLst>
+          </p:cNvPr>
+          <p:cNvSpPr txBox="1"/>
+          <p:nvPr/>
+        </p:nvSpPr>
+        <p:spPr>
+          <a:xfrm>
+            <a:off x="5822649" y="4422652"/>
+            <a:ext cx="5176576" cy="600164"/>
+          </a:xfrm>
+          <a:prstGeom prst="rect">
+            <a:avLst/>
+          </a:prstGeom>
+          <a:noFill/>
+          <a:ln w="12700">
+            <a:solidFill>
+              <a:srgbClr val="FF7876"/>
+            </a:solidFill>
+          </a:ln>
+        </p:spPr>
+        <p:txBody>
+          <a:bodyPr wrap="square" rtlCol="0">
+            <a:spAutoFit/>
+          </a:bodyPr>
+          <a:lstStyle/>
+          <a:p>
+            <a:pPr algn="ctr"/>
+            <a:r>
+              <a:rPr lang="ko-KR" altLang="en-US" sz="1100" dirty="0"/>
+              <a:t>이후 마우스의 좌표를 받아올 </a:t>
+            </a:r>
+            <a:r>
+              <a:rPr lang="en-US" altLang="ko-KR" sz="1100" dirty="0" err="1"/>
+              <a:t>mouse.get_pos</a:t>
+            </a:r>
+            <a:r>
+              <a:rPr lang="ko-KR" altLang="en-US" sz="1100" dirty="0" err="1"/>
+              <a:t>를</a:t>
+            </a:r>
+            <a:r>
+              <a:rPr lang="ko-KR" altLang="en-US" sz="1100" dirty="0"/>
+              <a:t> 통해</a:t>
+            </a:r>
+            <a:endParaRPr lang="en-US" altLang="ko-KR" sz="1100" dirty="0"/>
+          </a:p>
+          <a:p>
+            <a:pPr algn="ctr"/>
+            <a:r>
+              <a:rPr lang="ko-KR" altLang="en-US" sz="1100" dirty="0"/>
+              <a:t>마우스의 </a:t>
+            </a:r>
+            <a:r>
+              <a:rPr lang="en-US" altLang="ko-KR" sz="1100" dirty="0"/>
+              <a:t>x</a:t>
+            </a:r>
+            <a:r>
+              <a:rPr lang="ko-KR" altLang="en-US" sz="1100" dirty="0"/>
+              <a:t>와 </a:t>
+            </a:r>
+            <a:r>
+              <a:rPr lang="en-US" altLang="ko-KR" sz="1100" dirty="0"/>
+              <a:t>y</a:t>
+            </a:r>
+            <a:r>
+              <a:rPr lang="ko-KR" altLang="en-US" sz="1100" dirty="0"/>
+              <a:t>좌표를 가져오도록 하고 해당 위치에</a:t>
+            </a:r>
+            <a:endParaRPr lang="en-US" altLang="ko-KR" sz="1100" dirty="0"/>
+          </a:p>
+          <a:p>
+            <a:pPr algn="ctr"/>
+            <a:r>
+              <a:rPr lang="en-US" altLang="ko-KR" sz="1100" dirty="0" err="1"/>
+              <a:t>draw_stick_figure</a:t>
+            </a:r>
+            <a:r>
+              <a:rPr lang="ko-KR" altLang="en-US" sz="1100" dirty="0" err="1"/>
+              <a:t>를</a:t>
+            </a:r>
+            <a:r>
+              <a:rPr lang="ko-KR" altLang="en-US" sz="1100" dirty="0"/>
+              <a:t> 통해 </a:t>
+            </a:r>
+            <a:r>
+              <a:rPr lang="ko-KR" altLang="en-US" sz="1100" dirty="0" err="1"/>
+              <a:t>스틱맨을</a:t>
+            </a:r>
+            <a:r>
+              <a:rPr lang="ko-KR" altLang="en-US" sz="1100" dirty="0"/>
+              <a:t> 그려주도록 합니다</a:t>
+            </a:r>
+            <a:r>
+              <a:rPr lang="en-US" altLang="ko-KR" sz="1100" dirty="0"/>
+              <a:t>.</a:t>
+            </a:r>
+          </a:p>
+        </p:txBody>
+      </p:sp>
+      <p:cxnSp>
+        <p:nvCxnSpPr>
+          <p:cNvPr id="25" name="직선 화살표 연결선 24">
+            <a:extLst>
+              <a:ext uri="{FF2B5EF4-FFF2-40B4-BE49-F238E27FC236}">
+                <a16:creationId xmlns:a16="http://schemas.microsoft.com/office/drawing/2014/main" id="{5DC3F944-01F3-1F43-BD4F-395B5A287585}"/>
+              </a:ext>
+            </a:extLst>
+          </p:cNvPr>
+          <p:cNvCxnSpPr>
+            <a:cxnSpLocks/>
+            <a:stCxn id="23" idx="3"/>
+            <a:endCxn id="22" idx="1"/>
+          </p:cNvCxnSpPr>
+          <p:nvPr/>
+        </p:nvCxnSpPr>
+        <p:spPr>
+          <a:xfrm flipV="1">
+            <a:off x="4263615" y="4722734"/>
+            <a:ext cx="1559034" cy="169278"/>
+          </a:xfrm>
+          <a:prstGeom prst="straightConnector1">
+            <a:avLst/>
+          </a:prstGeom>
+          <a:ln w="12700">
+            <a:solidFill>
+              <a:srgbClr val="FF7876"/>
+            </a:solidFill>
+            <a:tailEnd type="triangle"/>
+          </a:ln>
+        </p:spPr>
+        <p:style>
+          <a:lnRef idx="1">
+            <a:schemeClr val="accent1"/>
+          </a:lnRef>
+          <a:fillRef idx="0">
+            <a:schemeClr val="accent1"/>
+          </a:fillRef>
+          <a:effectRef idx="0">
+            <a:schemeClr val="accent1"/>
+          </a:effectRef>
+          <a:fontRef idx="minor">
+            <a:schemeClr val="tx1"/>
+          </a:fontRef>
+        </p:style>
+      </p:cxnSp>
+    </p:spTree>
+    <p:extLst>
+      <p:ext uri="{BB962C8B-B14F-4D97-AF65-F5344CB8AC3E}">
+        <p14:creationId xmlns:p14="http://schemas.microsoft.com/office/powerpoint/2010/main" val="398900654"/>
+      </p:ext>
+    </p:extLst>
+  </p:cSld>
+  <p:clrMapOvr>
+    <a:masterClrMapping/>
+  </p:clrMapOvr>
+</p:sld>
+</file>
+
+<file path=ppt/slides/slide11.xml><?xml version="1.0" encoding="utf-8"?>
+<p:sld xmlns:a="http://schemas.openxmlformats.org/drawingml/2006/main" xmlns:r="http://schemas.openxmlformats.org/officeDocument/2006/relationships" xmlns:p="http://schemas.openxmlformats.org/presentationml/2006/main">
+  <p:cSld>
+    <p:spTree>
+      <p:nvGrpSpPr>
+        <p:cNvPr id="1" name=""/>
+        <p:cNvGrpSpPr/>
+        <p:nvPr/>
+      </p:nvGrpSpPr>
+      <p:grpSpPr>
+        <a:xfrm>
+          <a:off x="0" y="0"/>
+          <a:ext cx="0" cy="0"/>
+          <a:chOff x="0" y="0"/>
+          <a:chExt cx="0" cy="0"/>
+        </a:xfrm>
+      </p:grpSpPr>
+      <p:sp>
+        <p:nvSpPr>
+          <p:cNvPr id="37" name="직사각형 36">
+            <a:extLst>
+              <a:ext uri="{FF2B5EF4-FFF2-40B4-BE49-F238E27FC236}">
+                <a16:creationId xmlns:a16="http://schemas.microsoft.com/office/drawing/2014/main" id="{3F15C60C-17FE-422D-AFCF-73C75A021362}"/>
+              </a:ext>
+            </a:extLst>
+          </p:cNvPr>
+          <p:cNvSpPr/>
+          <p:nvPr/>
+        </p:nvSpPr>
+        <p:spPr>
+          <a:xfrm>
+            <a:off x="3697172" y="332194"/>
+            <a:ext cx="4713765" cy="735842"/>
+          </a:xfrm>
+          <a:prstGeom prst="rect">
+            <a:avLst/>
+          </a:prstGeom>
+        </p:spPr>
+        <p:txBody>
+          <a:bodyPr wrap="square">
+            <a:spAutoFit/>
+          </a:bodyPr>
+          <a:lstStyle/>
+          <a:p>
+            <a:pPr algn="ctr" latinLnBrk="0">
+              <a:lnSpc>
+                <a:spcPct val="150000"/>
+              </a:lnSpc>
+              <a:defRPr/>
+            </a:pPr>
+            <a:r>
+              <a:rPr lang="en-US" altLang="ko-KR" sz="3200" b="1" i="1" kern="0" dirty="0">
+                <a:solidFill>
+                  <a:srgbClr val="FF7876"/>
+                </a:solidFill>
+              </a:rPr>
+              <a:t>3</a:t>
+            </a:r>
+          </a:p>
+        </p:txBody>
+      </p:sp>
+      <p:cxnSp>
+        <p:nvCxnSpPr>
+          <p:cNvPr id="38" name="직선 연결선 37">
+            <a:extLst>
+              <a:ext uri="{FF2B5EF4-FFF2-40B4-BE49-F238E27FC236}">
+                <a16:creationId xmlns:a16="http://schemas.microsoft.com/office/drawing/2014/main" id="{940134F4-F272-426A-B50B-8075427DF501}"/>
+              </a:ext>
+            </a:extLst>
+          </p:cNvPr>
+          <p:cNvCxnSpPr>
+            <a:cxnSpLocks/>
+          </p:cNvCxnSpPr>
+          <p:nvPr/>
+        </p:nvCxnSpPr>
+        <p:spPr>
+          <a:xfrm flipV="1">
+            <a:off x="843148" y="847712"/>
+            <a:ext cx="4769087" cy="1"/>
+          </a:xfrm>
+          <a:prstGeom prst="line">
+            <a:avLst/>
+          </a:prstGeom>
+          <a:ln w="6350">
+            <a:solidFill>
+              <a:srgbClr val="FF7876"/>
+            </a:solidFill>
+            <a:prstDash val="sysDash"/>
+            <a:tailEnd type="oval"/>
+          </a:ln>
+        </p:spPr>
+        <p:style>
+          <a:lnRef idx="1">
+            <a:schemeClr val="accent1"/>
+          </a:lnRef>
+          <a:fillRef idx="0">
+            <a:schemeClr val="accent1"/>
+          </a:fillRef>
+          <a:effectRef idx="0">
+            <a:schemeClr val="accent1"/>
+          </a:effectRef>
+          <a:fontRef idx="minor">
+            <a:schemeClr val="tx1"/>
+          </a:fontRef>
+        </p:style>
+      </p:cxnSp>
+      <p:cxnSp>
+        <p:nvCxnSpPr>
+          <p:cNvPr id="39" name="직선 연결선 38">
+            <a:extLst>
+              <a:ext uri="{FF2B5EF4-FFF2-40B4-BE49-F238E27FC236}">
+                <a16:creationId xmlns:a16="http://schemas.microsoft.com/office/drawing/2014/main" id="{55EBD739-0979-4546-8E6B-9CA8052FC540}"/>
+              </a:ext>
+            </a:extLst>
+          </p:cNvPr>
+          <p:cNvCxnSpPr>
+            <a:cxnSpLocks/>
+          </p:cNvCxnSpPr>
+          <p:nvPr/>
+        </p:nvCxnSpPr>
+        <p:spPr>
+          <a:xfrm flipH="1">
+            <a:off x="6579767" y="847712"/>
+            <a:ext cx="4692810" cy="0"/>
+          </a:xfrm>
+          <a:prstGeom prst="line">
+            <a:avLst/>
+          </a:prstGeom>
+          <a:ln w="6350">
+            <a:solidFill>
+              <a:srgbClr val="FF7876"/>
+            </a:solidFill>
+            <a:prstDash val="sysDash"/>
+            <a:tailEnd type="oval"/>
+          </a:ln>
+        </p:spPr>
+        <p:style>
+          <a:lnRef idx="1">
+            <a:schemeClr val="accent1"/>
+          </a:lnRef>
+          <a:fillRef idx="0">
+            <a:schemeClr val="accent1"/>
+          </a:fillRef>
+          <a:effectRef idx="0">
+            <a:schemeClr val="accent1"/>
+          </a:effectRef>
+          <a:fontRef idx="minor">
+            <a:schemeClr val="tx1"/>
+          </a:fontRef>
+        </p:style>
+      </p:cxnSp>
+      <p:sp>
+        <p:nvSpPr>
+          <p:cNvPr id="8" name="TextBox 7">
+            <a:extLst>
+              <a:ext uri="{FF2B5EF4-FFF2-40B4-BE49-F238E27FC236}">
+                <a16:creationId xmlns:a16="http://schemas.microsoft.com/office/drawing/2014/main" id="{C18154B9-4F65-4277-8C17-63D9702FC25F}"/>
+              </a:ext>
+            </a:extLst>
+          </p:cNvPr>
+          <p:cNvSpPr txBox="1"/>
+          <p:nvPr/>
+        </p:nvSpPr>
+        <p:spPr>
+          <a:xfrm>
+            <a:off x="765146" y="963122"/>
+            <a:ext cx="10507430" cy="261610"/>
+          </a:xfrm>
+          <a:prstGeom prst="rect">
+            <a:avLst/>
+          </a:prstGeom>
+          <a:noFill/>
+        </p:spPr>
+        <p:txBody>
+          <a:bodyPr wrap="square" rtlCol="0">
+            <a:spAutoFit/>
+          </a:bodyPr>
+          <a:lstStyle/>
+          <a:p>
+            <a:pPr algn="ctr"/>
+            <a:r>
+              <a:rPr lang="ko-KR" altLang="en-US" sz="1100" i="1" dirty="0">
+                <a:solidFill>
+                  <a:srgbClr val="FF7876"/>
+                </a:solidFill>
+              </a:rPr>
+              <a:t>마우스</a:t>
+            </a:r>
+            <a:r>
+              <a:rPr lang="en-US" altLang="ko-KR" sz="1100" i="1" dirty="0">
+                <a:solidFill>
+                  <a:srgbClr val="FF7876"/>
+                </a:solidFill>
+              </a:rPr>
+              <a:t>,</a:t>
+            </a:r>
+            <a:r>
+              <a:rPr lang="ko-KR" altLang="en-US" sz="1100" i="1" dirty="0">
+                <a:solidFill>
+                  <a:srgbClr val="FF7876"/>
+                </a:solidFill>
+              </a:rPr>
+              <a:t> 키보드 입력 </a:t>
+            </a:r>
             <a:r>
               <a:rPr lang="ko-KR" altLang="en-US" sz="1100" i="1" dirty="0" err="1">
                 <a:solidFill>
                   <a:srgbClr val="FF7876"/>
                 </a:solidFill>
               </a:rPr>
-              <a:t>경사하강법</a:t>
-            </a:r>
-            <a:r>
-              <a:rPr lang="ko-KR" altLang="en-US" sz="1100" i="1" dirty="0">
-                <a:solidFill>
-                  <a:srgbClr val="FF7876"/>
-                </a:solidFill>
-              </a:rPr>
-              <a:t> 선형회귀분석 코드 </a:t>
-            </a:r>
-            <a:r>
-              <a:rPr lang="en-US" altLang="ko-KR" sz="1100" i="1" dirty="0">
-                <a:solidFill>
-                  <a:srgbClr val="FF7876"/>
-                </a:solidFill>
-              </a:rPr>
-              <a:t>–</a:t>
-            </a:r>
-            <a:r>
-              <a:rPr lang="ko-KR" altLang="en-US" sz="1100" i="1" dirty="0">
-                <a:solidFill>
-                  <a:srgbClr val="FF7876"/>
-                </a:solidFill>
-              </a:rPr>
-              <a:t> 예시 수정 </a:t>
-            </a:r>
-            <a:r>
-              <a:rPr lang="en-US" altLang="ko-KR" sz="1100" i="1" dirty="0">
-                <a:solidFill>
-                  <a:srgbClr val="FF7876"/>
-                </a:solidFill>
-              </a:rPr>
-              <a:t>(</a:t>
+              <a:t>스틱맨</a:t>
             </a:r>
             <a:r>
               <a:rPr lang="ko-KR" altLang="en-US" sz="1100" i="1" dirty="0">
@@ -4347,12 +4952,391 @@
               <a:t> </a:t>
             </a:r>
             <a:r>
-              <a:rPr lang="ko-KR" altLang="en-US" sz="1100" i="1" dirty="0" err="1">
+              <a:rPr lang="en-US" altLang="ko-KR" sz="1100" i="1" dirty="0">
                 <a:solidFill>
                   <a:srgbClr val="FF7876"/>
                 </a:solidFill>
               </a:rPr>
-              <a:t>학습률</a:t>
+              <a:t>-</a:t>
+            </a:r>
+            <a:r>
+              <a:rPr lang="ko-KR" altLang="en-US" sz="1100" i="1" dirty="0">
+                <a:solidFill>
+                  <a:srgbClr val="FF7876"/>
+                </a:solidFill>
+              </a:rPr>
+              <a:t> 마우스 이용</a:t>
+            </a:r>
+            <a:endParaRPr lang="en-US" altLang="ko-KR" sz="1100" i="1" dirty="0">
+              <a:solidFill>
+                <a:srgbClr val="FF7876"/>
+              </a:solidFill>
+            </a:endParaRPr>
+          </a:p>
+        </p:txBody>
+      </p:sp>
+      <p:sp>
+        <p:nvSpPr>
+          <p:cNvPr id="18" name="TextBox 17">
+            <a:extLst>
+              <a:ext uri="{FF2B5EF4-FFF2-40B4-BE49-F238E27FC236}">
+                <a16:creationId xmlns:a16="http://schemas.microsoft.com/office/drawing/2014/main" id="{6D943C5F-1424-2340-B6C8-02302E05F9D4}"/>
+              </a:ext>
+            </a:extLst>
+          </p:cNvPr>
+          <p:cNvSpPr txBox="1"/>
+          <p:nvPr/>
+        </p:nvSpPr>
+        <p:spPr>
+          <a:xfrm>
+            <a:off x="3474921" y="5679434"/>
+            <a:ext cx="5158265" cy="430887"/>
+          </a:xfrm>
+          <a:prstGeom prst="rect">
+            <a:avLst/>
+          </a:prstGeom>
+          <a:noFill/>
+          <a:ln w="12700">
+            <a:solidFill>
+              <a:srgbClr val="FF7876"/>
+            </a:solidFill>
+          </a:ln>
+        </p:spPr>
+        <p:txBody>
+          <a:bodyPr wrap="square" rtlCol="0">
+            <a:spAutoFit/>
+          </a:bodyPr>
+          <a:lstStyle/>
+          <a:p>
+            <a:pPr algn="ctr"/>
+            <a:r>
+              <a:rPr lang="ko-KR" altLang="en-US" sz="1100" dirty="0"/>
+              <a:t>실행 화면입니다</a:t>
+            </a:r>
+            <a:r>
+              <a:rPr lang="en-US" altLang="ko-KR" sz="1100" dirty="0"/>
+              <a:t>.</a:t>
+            </a:r>
+          </a:p>
+          <a:p>
+            <a:pPr algn="ctr"/>
+            <a:r>
+              <a:rPr lang="ko-KR" altLang="en-US" sz="1100" dirty="0"/>
+              <a:t>마우스 좌표에 </a:t>
+            </a:r>
+            <a:r>
+              <a:rPr lang="ko-KR" altLang="en-US" sz="1100" dirty="0" err="1"/>
+              <a:t>스틱맨이</a:t>
+            </a:r>
+            <a:r>
+              <a:rPr lang="ko-KR" altLang="en-US" sz="1100" dirty="0"/>
+              <a:t> </a:t>
+            </a:r>
+            <a:r>
+              <a:rPr lang="ko-KR" altLang="en-US" sz="1100" dirty="0" err="1"/>
+              <a:t>그려지는것을</a:t>
+            </a:r>
+            <a:r>
+              <a:rPr lang="ko-KR" altLang="en-US" sz="1100" dirty="0"/>
+              <a:t> 볼 수 있습니다</a:t>
+            </a:r>
+            <a:r>
+              <a:rPr lang="en-US" altLang="ko-KR" sz="1100" dirty="0"/>
+              <a:t>.</a:t>
+            </a:r>
+          </a:p>
+        </p:txBody>
+      </p:sp>
+      <p:pic>
+        <p:nvPicPr>
+          <p:cNvPr id="2" name="그림 1">
+            <a:extLst>
+              <a:ext uri="{FF2B5EF4-FFF2-40B4-BE49-F238E27FC236}">
+                <a16:creationId xmlns:a16="http://schemas.microsoft.com/office/drawing/2014/main" id="{37CDC00F-A9F6-6042-B6BC-1C9D6AD57529}"/>
+              </a:ext>
+            </a:extLst>
+          </p:cNvPr>
+          <p:cNvPicPr>
+            <a:picLocks noChangeAspect="1"/>
+          </p:cNvPicPr>
+          <p:nvPr/>
+        </p:nvPicPr>
+        <p:blipFill>
+          <a:blip r:embed="rId2"/>
+          <a:stretch>
+            <a:fillRect/>
+          </a:stretch>
+        </p:blipFill>
+        <p:spPr>
+          <a:xfrm>
+            <a:off x="6579767" y="1478639"/>
+            <a:ext cx="4707312" cy="3710196"/>
+          </a:xfrm>
+          <a:prstGeom prst="rect">
+            <a:avLst/>
+          </a:prstGeom>
+        </p:spPr>
+      </p:pic>
+      <p:pic>
+        <p:nvPicPr>
+          <p:cNvPr id="4" name="그림 3">
+            <a:extLst>
+              <a:ext uri="{FF2B5EF4-FFF2-40B4-BE49-F238E27FC236}">
+                <a16:creationId xmlns:a16="http://schemas.microsoft.com/office/drawing/2014/main" id="{529EF698-8333-1A43-A4DB-84B50A72CC93}"/>
+              </a:ext>
+            </a:extLst>
+          </p:cNvPr>
+          <p:cNvPicPr>
+            <a:picLocks noChangeAspect="1"/>
+          </p:cNvPicPr>
+          <p:nvPr/>
+        </p:nvPicPr>
+        <p:blipFill>
+          <a:blip r:embed="rId3"/>
+          <a:stretch>
+            <a:fillRect/>
+          </a:stretch>
+        </p:blipFill>
+        <p:spPr>
+          <a:xfrm>
+            <a:off x="904921" y="1470549"/>
+            <a:ext cx="4707314" cy="3710198"/>
+          </a:xfrm>
+          <a:prstGeom prst="rect">
+            <a:avLst/>
+          </a:prstGeom>
+        </p:spPr>
+      </p:pic>
+    </p:spTree>
+    <p:extLst>
+      <p:ext uri="{BB962C8B-B14F-4D97-AF65-F5344CB8AC3E}">
+        <p14:creationId xmlns:p14="http://schemas.microsoft.com/office/powerpoint/2010/main" val="3716517124"/>
+      </p:ext>
+    </p:extLst>
+  </p:cSld>
+  <p:clrMapOvr>
+    <a:masterClrMapping/>
+  </p:clrMapOvr>
+</p:sld>
+</file>
+
+<file path=ppt/slides/slide12.xml><?xml version="1.0" encoding="utf-8"?>
+<p:sld xmlns:a="http://schemas.openxmlformats.org/drawingml/2006/main" xmlns:r="http://schemas.openxmlformats.org/officeDocument/2006/relationships" xmlns:p="http://schemas.openxmlformats.org/presentationml/2006/main">
+  <p:cSld>
+    <p:spTree>
+      <p:nvGrpSpPr>
+        <p:cNvPr id="1" name=""/>
+        <p:cNvGrpSpPr/>
+        <p:nvPr/>
+      </p:nvGrpSpPr>
+      <p:grpSpPr>
+        <a:xfrm>
+          <a:off x="0" y="0"/>
+          <a:ext cx="0" cy="0"/>
+          <a:chOff x="0" y="0"/>
+          <a:chExt cx="0" cy="0"/>
+        </a:xfrm>
+      </p:grpSpPr>
+      <p:pic>
+        <p:nvPicPr>
+          <p:cNvPr id="3" name="그림 2">
+            <a:extLst>
+              <a:ext uri="{FF2B5EF4-FFF2-40B4-BE49-F238E27FC236}">
+                <a16:creationId xmlns:a16="http://schemas.microsoft.com/office/drawing/2014/main" id="{FD967A13-FC5D-9747-B27A-84D4D6C843DD}"/>
+              </a:ext>
+            </a:extLst>
+          </p:cNvPr>
+          <p:cNvPicPr>
+            <a:picLocks noChangeAspect="1"/>
+          </p:cNvPicPr>
+          <p:nvPr/>
+        </p:nvPicPr>
+        <p:blipFill>
+          <a:blip r:embed="rId2"/>
+          <a:stretch>
+            <a:fillRect/>
+          </a:stretch>
+        </p:blipFill>
+        <p:spPr>
+          <a:xfrm>
+            <a:off x="765146" y="1808472"/>
+            <a:ext cx="3764149" cy="1442548"/>
+          </a:xfrm>
+          <a:prstGeom prst="rect">
+            <a:avLst/>
+          </a:prstGeom>
+        </p:spPr>
+      </p:pic>
+      <p:sp>
+        <p:nvSpPr>
+          <p:cNvPr id="37" name="직사각형 36">
+            <a:extLst>
+              <a:ext uri="{FF2B5EF4-FFF2-40B4-BE49-F238E27FC236}">
+                <a16:creationId xmlns:a16="http://schemas.microsoft.com/office/drawing/2014/main" id="{3F15C60C-17FE-422D-AFCF-73C75A021362}"/>
+              </a:ext>
+            </a:extLst>
+          </p:cNvPr>
+          <p:cNvSpPr/>
+          <p:nvPr/>
+        </p:nvSpPr>
+        <p:spPr>
+          <a:xfrm>
+            <a:off x="3697172" y="332194"/>
+            <a:ext cx="4713765" cy="735842"/>
+          </a:xfrm>
+          <a:prstGeom prst="rect">
+            <a:avLst/>
+          </a:prstGeom>
+        </p:spPr>
+        <p:txBody>
+          <a:bodyPr wrap="square">
+            <a:spAutoFit/>
+          </a:bodyPr>
+          <a:lstStyle/>
+          <a:p>
+            <a:pPr algn="ctr" latinLnBrk="0">
+              <a:lnSpc>
+                <a:spcPct val="150000"/>
+              </a:lnSpc>
+              <a:defRPr/>
+            </a:pPr>
+            <a:r>
+              <a:rPr lang="en-US" altLang="ko-KR" sz="3200" b="1" i="1" kern="0" dirty="0">
+                <a:solidFill>
+                  <a:srgbClr val="FF7876"/>
+                </a:solidFill>
+              </a:rPr>
+              <a:t>3</a:t>
+            </a:r>
+          </a:p>
+        </p:txBody>
+      </p:sp>
+      <p:cxnSp>
+        <p:nvCxnSpPr>
+          <p:cNvPr id="38" name="직선 연결선 37">
+            <a:extLst>
+              <a:ext uri="{FF2B5EF4-FFF2-40B4-BE49-F238E27FC236}">
+                <a16:creationId xmlns:a16="http://schemas.microsoft.com/office/drawing/2014/main" id="{940134F4-F272-426A-B50B-8075427DF501}"/>
+              </a:ext>
+            </a:extLst>
+          </p:cNvPr>
+          <p:cNvCxnSpPr>
+            <a:cxnSpLocks/>
+          </p:cNvCxnSpPr>
+          <p:nvPr/>
+        </p:nvCxnSpPr>
+        <p:spPr>
+          <a:xfrm flipV="1">
+            <a:off x="843148" y="847712"/>
+            <a:ext cx="4769087" cy="1"/>
+          </a:xfrm>
+          <a:prstGeom prst="line">
+            <a:avLst/>
+          </a:prstGeom>
+          <a:ln w="6350">
+            <a:solidFill>
+              <a:srgbClr val="FF7876"/>
+            </a:solidFill>
+            <a:prstDash val="sysDash"/>
+            <a:tailEnd type="oval"/>
+          </a:ln>
+        </p:spPr>
+        <p:style>
+          <a:lnRef idx="1">
+            <a:schemeClr val="accent1"/>
+          </a:lnRef>
+          <a:fillRef idx="0">
+            <a:schemeClr val="accent1"/>
+          </a:fillRef>
+          <a:effectRef idx="0">
+            <a:schemeClr val="accent1"/>
+          </a:effectRef>
+          <a:fontRef idx="minor">
+            <a:schemeClr val="tx1"/>
+          </a:fontRef>
+        </p:style>
+      </p:cxnSp>
+      <p:cxnSp>
+        <p:nvCxnSpPr>
+          <p:cNvPr id="39" name="직선 연결선 38">
+            <a:extLst>
+              <a:ext uri="{FF2B5EF4-FFF2-40B4-BE49-F238E27FC236}">
+                <a16:creationId xmlns:a16="http://schemas.microsoft.com/office/drawing/2014/main" id="{55EBD739-0979-4546-8E6B-9CA8052FC540}"/>
+              </a:ext>
+            </a:extLst>
+          </p:cNvPr>
+          <p:cNvCxnSpPr>
+            <a:cxnSpLocks/>
+          </p:cNvCxnSpPr>
+          <p:nvPr/>
+        </p:nvCxnSpPr>
+        <p:spPr>
+          <a:xfrm flipH="1">
+            <a:off x="6579767" y="847712"/>
+            <a:ext cx="4692810" cy="0"/>
+          </a:xfrm>
+          <a:prstGeom prst="line">
+            <a:avLst/>
+          </a:prstGeom>
+          <a:ln w="6350">
+            <a:solidFill>
+              <a:srgbClr val="FF7876"/>
+            </a:solidFill>
+            <a:prstDash val="sysDash"/>
+            <a:tailEnd type="oval"/>
+          </a:ln>
+        </p:spPr>
+        <p:style>
+          <a:lnRef idx="1">
+            <a:schemeClr val="accent1"/>
+          </a:lnRef>
+          <a:fillRef idx="0">
+            <a:schemeClr val="accent1"/>
+          </a:fillRef>
+          <a:effectRef idx="0">
+            <a:schemeClr val="accent1"/>
+          </a:effectRef>
+          <a:fontRef idx="minor">
+            <a:schemeClr val="tx1"/>
+          </a:fontRef>
+        </p:style>
+      </p:cxnSp>
+      <p:sp>
+        <p:nvSpPr>
+          <p:cNvPr id="8" name="TextBox 7">
+            <a:extLst>
+              <a:ext uri="{FF2B5EF4-FFF2-40B4-BE49-F238E27FC236}">
+                <a16:creationId xmlns:a16="http://schemas.microsoft.com/office/drawing/2014/main" id="{C18154B9-4F65-4277-8C17-63D9702FC25F}"/>
+              </a:ext>
+            </a:extLst>
+          </p:cNvPr>
+          <p:cNvSpPr txBox="1"/>
+          <p:nvPr/>
+        </p:nvSpPr>
+        <p:spPr>
+          <a:xfrm>
+            <a:off x="765146" y="963122"/>
+            <a:ext cx="10507430" cy="261610"/>
+          </a:xfrm>
+          <a:prstGeom prst="rect">
+            <a:avLst/>
+          </a:prstGeom>
+          <a:noFill/>
+        </p:spPr>
+        <p:txBody>
+          <a:bodyPr wrap="square" rtlCol="0">
+            <a:spAutoFit/>
+          </a:bodyPr>
+          <a:lstStyle/>
+          <a:p>
+            <a:pPr algn="ctr"/>
+            <a:r>
+              <a:rPr lang="ko-KR" altLang="en-US" sz="1100" i="1" dirty="0">
+                <a:solidFill>
+                  <a:srgbClr val="FF7876"/>
+                </a:solidFill>
+              </a:rPr>
+              <a:t>마우스</a:t>
             </a:r>
             <a:r>
               <a:rPr lang="en-US" altLang="ko-KR" sz="1100" i="1" dirty="0">
@@ -4368,15 +5352,607 @@
                   <a:srgbClr val="FF7876"/>
                 </a:solidFill>
               </a:rPr>
+              <a:t> 키보드 입력 </a:t>
+            </a:r>
+            <a:r>
+              <a:rPr lang="ko-KR" altLang="en-US" sz="1100" i="1" dirty="0" err="1">
+                <a:solidFill>
+                  <a:srgbClr val="FF7876"/>
+                </a:solidFill>
+              </a:rPr>
+              <a:t>스틱맨</a:t>
+            </a:r>
+            <a:r>
+              <a:rPr lang="ko-KR" altLang="en-US" sz="1100" i="1" dirty="0">
+                <a:solidFill>
+                  <a:srgbClr val="FF7876"/>
+                </a:solidFill>
+              </a:rPr>
               <a:t> </a:t>
             </a:r>
             <a:r>
-              <a:rPr lang="ko-KR" altLang="en-US" sz="1100" i="1" dirty="0" err="1">
+              <a:rPr lang="en-US" altLang="ko-KR" sz="1100" i="1" dirty="0">
                 <a:solidFill>
                   <a:srgbClr val="FF7876"/>
                 </a:solidFill>
               </a:rPr>
-              <a:t>배치사이즈</a:t>
+              <a:t>-</a:t>
+            </a:r>
+            <a:r>
+              <a:rPr lang="ko-KR" altLang="en-US" sz="1100" i="1" dirty="0">
+                <a:solidFill>
+                  <a:srgbClr val="FF7876"/>
+                </a:solidFill>
+              </a:rPr>
+              <a:t> 키보드 이용</a:t>
+            </a:r>
+            <a:endParaRPr lang="en-US" altLang="ko-KR" sz="1100" i="1" dirty="0">
+              <a:solidFill>
+                <a:srgbClr val="FF7876"/>
+              </a:solidFill>
+            </a:endParaRPr>
+          </a:p>
+        </p:txBody>
+      </p:sp>
+      <p:sp>
+        <p:nvSpPr>
+          <p:cNvPr id="18" name="TextBox 17">
+            <a:extLst>
+              <a:ext uri="{FF2B5EF4-FFF2-40B4-BE49-F238E27FC236}">
+                <a16:creationId xmlns:a16="http://schemas.microsoft.com/office/drawing/2014/main" id="{6D943C5F-1424-2340-B6C8-02302E05F9D4}"/>
+              </a:ext>
+            </a:extLst>
+          </p:cNvPr>
+          <p:cNvSpPr txBox="1"/>
+          <p:nvPr/>
+        </p:nvSpPr>
+        <p:spPr>
+          <a:xfrm>
+            <a:off x="5653637" y="2223528"/>
+            <a:ext cx="5158265" cy="600164"/>
+          </a:xfrm>
+          <a:prstGeom prst="rect">
+            <a:avLst/>
+          </a:prstGeom>
+          <a:noFill/>
+          <a:ln w="12700">
+            <a:solidFill>
+              <a:srgbClr val="FF7876"/>
+            </a:solidFill>
+          </a:ln>
+        </p:spPr>
+        <p:txBody>
+          <a:bodyPr wrap="square" rtlCol="0">
+            <a:spAutoFit/>
+          </a:bodyPr>
+          <a:lstStyle/>
+          <a:p>
+            <a:pPr algn="ctr"/>
+            <a:r>
+              <a:rPr lang="ko-KR" altLang="en-US" sz="1100" dirty="0"/>
+              <a:t>먼저 </a:t>
+            </a:r>
+            <a:r>
+              <a:rPr lang="ko-KR" altLang="en-US" sz="1100" dirty="0" err="1"/>
+              <a:t>스틱맨의</a:t>
+            </a:r>
+            <a:r>
+              <a:rPr lang="ko-KR" altLang="en-US" sz="1100" dirty="0"/>
+              <a:t> 각 구조를 그리기 위해</a:t>
+            </a:r>
+            <a:endParaRPr lang="en-US" altLang="ko-KR" sz="1100" dirty="0"/>
+          </a:p>
+          <a:p>
+            <a:pPr algn="ctr"/>
+            <a:r>
+              <a:rPr lang="ko-KR" altLang="en-US" sz="1100" dirty="0" err="1"/>
+              <a:t>스틱맨의</a:t>
+            </a:r>
+            <a:r>
+              <a:rPr lang="ko-KR" altLang="en-US" sz="1100" dirty="0"/>
+              <a:t> 신체부분들의 그리기 요소들을 함수로 묶은</a:t>
+            </a:r>
+            <a:endParaRPr lang="en-US" altLang="ko-KR" sz="1100" dirty="0"/>
+          </a:p>
+          <a:p>
+            <a:pPr algn="ctr"/>
+            <a:r>
+              <a:rPr lang="en-US" altLang="ko-KR" sz="1100" dirty="0" err="1"/>
+              <a:t>draw_stick_figure</a:t>
+            </a:r>
+            <a:r>
+              <a:rPr lang="ko-KR" altLang="en-US" sz="1100" dirty="0"/>
+              <a:t> 함수를 만들어줍니다</a:t>
+            </a:r>
+            <a:r>
+              <a:rPr lang="en-US" altLang="ko-KR" sz="1100" dirty="0"/>
+              <a:t>.</a:t>
+            </a:r>
+          </a:p>
+        </p:txBody>
+      </p:sp>
+      <p:cxnSp>
+        <p:nvCxnSpPr>
+          <p:cNvPr id="29" name="직선 화살표 연결선 28">
+            <a:extLst>
+              <a:ext uri="{FF2B5EF4-FFF2-40B4-BE49-F238E27FC236}">
+                <a16:creationId xmlns:a16="http://schemas.microsoft.com/office/drawing/2014/main" id="{D7876963-D856-2645-A890-56B9642502B7}"/>
+              </a:ext>
+            </a:extLst>
+          </p:cNvPr>
+          <p:cNvCxnSpPr>
+            <a:cxnSpLocks/>
+            <a:stCxn id="24" idx="3"/>
+            <a:endCxn id="18" idx="1"/>
+          </p:cNvCxnSpPr>
+          <p:nvPr/>
+        </p:nvCxnSpPr>
+        <p:spPr>
+          <a:xfrm flipV="1">
+            <a:off x="4529295" y="2523610"/>
+            <a:ext cx="1124342" cy="6135"/>
+          </a:xfrm>
+          <a:prstGeom prst="straightConnector1">
+            <a:avLst/>
+          </a:prstGeom>
+          <a:ln w="12700">
+            <a:solidFill>
+              <a:srgbClr val="FF7876"/>
+            </a:solidFill>
+            <a:tailEnd type="triangle"/>
+          </a:ln>
+        </p:spPr>
+        <p:style>
+          <a:lnRef idx="1">
+            <a:schemeClr val="accent1"/>
+          </a:lnRef>
+          <a:fillRef idx="0">
+            <a:schemeClr val="accent1"/>
+          </a:fillRef>
+          <a:effectRef idx="0">
+            <a:schemeClr val="accent1"/>
+          </a:effectRef>
+          <a:fontRef idx="minor">
+            <a:schemeClr val="tx1"/>
+          </a:fontRef>
+        </p:style>
+      </p:cxnSp>
+      <p:sp>
+        <p:nvSpPr>
+          <p:cNvPr id="24" name="TextBox 23">
+            <a:extLst>
+              <a:ext uri="{FF2B5EF4-FFF2-40B4-BE49-F238E27FC236}">
+                <a16:creationId xmlns:a16="http://schemas.microsoft.com/office/drawing/2014/main" id="{342E3ED9-C31A-D84F-94A2-02B7B9456D65}"/>
+              </a:ext>
+            </a:extLst>
+          </p:cNvPr>
+          <p:cNvSpPr txBox="1"/>
+          <p:nvPr/>
+        </p:nvSpPr>
+        <p:spPr>
+          <a:xfrm>
+            <a:off x="765146" y="1808471"/>
+            <a:ext cx="3764149" cy="1442547"/>
+          </a:xfrm>
+          <a:prstGeom prst="rect">
+            <a:avLst/>
+          </a:prstGeom>
+          <a:noFill/>
+          <a:ln w="12700">
+            <a:solidFill>
+              <a:srgbClr val="FF7876"/>
+            </a:solidFill>
+          </a:ln>
+        </p:spPr>
+        <p:txBody>
+          <a:bodyPr wrap="square" rtlCol="0">
+            <a:spAutoFit/>
+          </a:bodyPr>
+          <a:lstStyle/>
+          <a:p>
+            <a:pPr algn="ctr"/>
+            <a:endParaRPr lang="en-US" altLang="ko-Kore-KR" sz="1100" dirty="0"/>
+          </a:p>
+        </p:txBody>
+      </p:sp>
+      <p:sp>
+        <p:nvSpPr>
+          <p:cNvPr id="22" name="TextBox 21">
+            <a:extLst>
+              <a:ext uri="{FF2B5EF4-FFF2-40B4-BE49-F238E27FC236}">
+                <a16:creationId xmlns:a16="http://schemas.microsoft.com/office/drawing/2014/main" id="{6AEC83DB-3FDA-CD47-85ED-EAFD3ABC5F83}"/>
+              </a:ext>
+            </a:extLst>
+          </p:cNvPr>
+          <p:cNvSpPr txBox="1"/>
+          <p:nvPr/>
+        </p:nvSpPr>
+        <p:spPr>
+          <a:xfrm>
+            <a:off x="5822649" y="4422652"/>
+            <a:ext cx="5176576" cy="600164"/>
+          </a:xfrm>
+          <a:prstGeom prst="rect">
+            <a:avLst/>
+          </a:prstGeom>
+          <a:noFill/>
+          <a:ln w="12700">
+            <a:solidFill>
+              <a:srgbClr val="FF7876"/>
+            </a:solidFill>
+          </a:ln>
+        </p:spPr>
+        <p:txBody>
+          <a:bodyPr wrap="square" rtlCol="0">
+            <a:spAutoFit/>
+          </a:bodyPr>
+          <a:lstStyle/>
+          <a:p>
+            <a:pPr algn="ctr"/>
+            <a:r>
+              <a:rPr lang="ko-KR" altLang="en-US" sz="1100" dirty="0"/>
+              <a:t>이벤트 중 키보드 키의 입력에 따라 움직이도록 하는 코드입니다</a:t>
+            </a:r>
+            <a:r>
+              <a:rPr lang="en-US" altLang="ko-KR" sz="1100" dirty="0"/>
+              <a:t>.</a:t>
+            </a:r>
+          </a:p>
+          <a:p>
+            <a:pPr algn="ctr"/>
+            <a:r>
+              <a:rPr lang="ko-KR" altLang="en-US" sz="1100" dirty="0" err="1"/>
+              <a:t>키다운과</a:t>
+            </a:r>
+            <a:r>
+              <a:rPr lang="ko-KR" altLang="en-US" sz="1100" dirty="0"/>
+              <a:t> </a:t>
+            </a:r>
+            <a:r>
+              <a:rPr lang="ko-KR" altLang="en-US" sz="1100" dirty="0" err="1"/>
+              <a:t>키업의</a:t>
+            </a:r>
+            <a:r>
+              <a:rPr lang="ko-KR" altLang="en-US" sz="1100" dirty="0"/>
+              <a:t> 이벤트를 통해 </a:t>
+            </a:r>
+            <a:r>
+              <a:rPr lang="ko-KR" altLang="en-US" sz="1100" dirty="0" err="1"/>
+              <a:t>스틱맨의</a:t>
+            </a:r>
+            <a:r>
+              <a:rPr lang="ko-KR" altLang="en-US" sz="1100" dirty="0"/>
+              <a:t> 좌표를 화살표 방향대로</a:t>
+            </a:r>
+            <a:endParaRPr lang="en-US" altLang="ko-KR" sz="1100" dirty="0"/>
+          </a:p>
+          <a:p>
+            <a:pPr algn="ctr"/>
+            <a:r>
+              <a:rPr lang="ko-KR" altLang="en-US" sz="1100" dirty="0"/>
+              <a:t>움직이도록 합니다</a:t>
+            </a:r>
+            <a:r>
+              <a:rPr lang="en-US" altLang="ko-KR" sz="1100" dirty="0"/>
+              <a:t>.</a:t>
+            </a:r>
+          </a:p>
+        </p:txBody>
+      </p:sp>
+      <p:cxnSp>
+        <p:nvCxnSpPr>
+          <p:cNvPr id="25" name="직선 화살표 연결선 24">
+            <a:extLst>
+              <a:ext uri="{FF2B5EF4-FFF2-40B4-BE49-F238E27FC236}">
+                <a16:creationId xmlns:a16="http://schemas.microsoft.com/office/drawing/2014/main" id="{5DC3F944-01F3-1F43-BD4F-395B5A287585}"/>
+              </a:ext>
+            </a:extLst>
+          </p:cNvPr>
+          <p:cNvCxnSpPr>
+            <a:cxnSpLocks/>
+            <a:stCxn id="15" idx="3"/>
+            <a:endCxn id="22" idx="1"/>
+          </p:cNvCxnSpPr>
+          <p:nvPr/>
+        </p:nvCxnSpPr>
+        <p:spPr>
+          <a:xfrm flipV="1">
+            <a:off x="4143661" y="4722734"/>
+            <a:ext cx="1678988" cy="24544"/>
+          </a:xfrm>
+          <a:prstGeom prst="straightConnector1">
+            <a:avLst/>
+          </a:prstGeom>
+          <a:ln w="12700">
+            <a:solidFill>
+              <a:srgbClr val="FF7876"/>
+            </a:solidFill>
+            <a:tailEnd type="triangle"/>
+          </a:ln>
+        </p:spPr>
+        <p:style>
+          <a:lnRef idx="1">
+            <a:schemeClr val="accent1"/>
+          </a:lnRef>
+          <a:fillRef idx="0">
+            <a:schemeClr val="accent1"/>
+          </a:fillRef>
+          <a:effectRef idx="0">
+            <a:schemeClr val="accent1"/>
+          </a:effectRef>
+          <a:fontRef idx="minor">
+            <a:schemeClr val="tx1"/>
+          </a:fontRef>
+        </p:style>
+      </p:cxnSp>
+      <p:pic>
+        <p:nvPicPr>
+          <p:cNvPr id="2" name="그림 1">
+            <a:extLst>
+              <a:ext uri="{FF2B5EF4-FFF2-40B4-BE49-F238E27FC236}">
+                <a16:creationId xmlns:a16="http://schemas.microsoft.com/office/drawing/2014/main" id="{893F3499-E533-854C-806E-67C618CEB47A}"/>
+              </a:ext>
+            </a:extLst>
+          </p:cNvPr>
+          <p:cNvPicPr>
+            <a:picLocks noChangeAspect="1"/>
+          </p:cNvPicPr>
+          <p:nvPr/>
+        </p:nvPicPr>
+        <p:blipFill>
+          <a:blip r:embed="rId3"/>
+          <a:stretch>
+            <a:fillRect/>
+          </a:stretch>
+        </p:blipFill>
+        <p:spPr>
+          <a:xfrm>
+            <a:off x="1150779" y="3364772"/>
+            <a:ext cx="2992882" cy="3316087"/>
+          </a:xfrm>
+          <a:prstGeom prst="rect">
+            <a:avLst/>
+          </a:prstGeom>
+        </p:spPr>
+      </p:pic>
+      <p:sp>
+        <p:nvSpPr>
+          <p:cNvPr id="15" name="TextBox 14">
+            <a:extLst>
+              <a:ext uri="{FF2B5EF4-FFF2-40B4-BE49-F238E27FC236}">
+                <a16:creationId xmlns:a16="http://schemas.microsoft.com/office/drawing/2014/main" id="{F5F095F1-C756-CF45-AD81-113750ABC86D}"/>
+              </a:ext>
+            </a:extLst>
+          </p:cNvPr>
+          <p:cNvSpPr txBox="1"/>
+          <p:nvPr/>
+        </p:nvSpPr>
+        <p:spPr>
+          <a:xfrm>
+            <a:off x="1581093" y="3894867"/>
+            <a:ext cx="2562568" cy="1704821"/>
+          </a:xfrm>
+          <a:prstGeom prst="rect">
+            <a:avLst/>
+          </a:prstGeom>
+          <a:noFill/>
+          <a:ln w="12700">
+            <a:solidFill>
+              <a:srgbClr val="FF7876"/>
+            </a:solidFill>
+          </a:ln>
+        </p:spPr>
+        <p:txBody>
+          <a:bodyPr wrap="square" rtlCol="0">
+            <a:spAutoFit/>
+          </a:bodyPr>
+          <a:lstStyle/>
+          <a:p>
+            <a:pPr algn="ctr"/>
+            <a:endParaRPr lang="en-US" altLang="ko-Kore-KR" sz="1100" dirty="0"/>
+          </a:p>
+        </p:txBody>
+      </p:sp>
+    </p:spTree>
+    <p:extLst>
+      <p:ext uri="{BB962C8B-B14F-4D97-AF65-F5344CB8AC3E}">
+        <p14:creationId xmlns:p14="http://schemas.microsoft.com/office/powerpoint/2010/main" val="685119822"/>
+      </p:ext>
+    </p:extLst>
+  </p:cSld>
+  <p:clrMapOvr>
+    <a:masterClrMapping/>
+  </p:clrMapOvr>
+</p:sld>
+</file>
+
+<file path=ppt/slides/slide13.xml><?xml version="1.0" encoding="utf-8"?>
+<p:sld xmlns:a="http://schemas.openxmlformats.org/drawingml/2006/main" xmlns:r="http://schemas.openxmlformats.org/officeDocument/2006/relationships" xmlns:p="http://schemas.openxmlformats.org/presentationml/2006/main">
+  <p:cSld>
+    <p:spTree>
+      <p:nvGrpSpPr>
+        <p:cNvPr id="1" name=""/>
+        <p:cNvGrpSpPr/>
+        <p:nvPr/>
+      </p:nvGrpSpPr>
+      <p:grpSpPr>
+        <a:xfrm>
+          <a:off x="0" y="0"/>
+          <a:ext cx="0" cy="0"/>
+          <a:chOff x="0" y="0"/>
+          <a:chExt cx="0" cy="0"/>
+        </a:xfrm>
+      </p:grpSpPr>
+      <p:sp>
+        <p:nvSpPr>
+          <p:cNvPr id="37" name="직사각형 36">
+            <a:extLst>
+              <a:ext uri="{FF2B5EF4-FFF2-40B4-BE49-F238E27FC236}">
+                <a16:creationId xmlns:a16="http://schemas.microsoft.com/office/drawing/2014/main" id="{3F15C60C-17FE-422D-AFCF-73C75A021362}"/>
+              </a:ext>
+            </a:extLst>
+          </p:cNvPr>
+          <p:cNvSpPr/>
+          <p:nvPr/>
+        </p:nvSpPr>
+        <p:spPr>
+          <a:xfrm>
+            <a:off x="3697172" y="332194"/>
+            <a:ext cx="4713765" cy="735842"/>
+          </a:xfrm>
+          <a:prstGeom prst="rect">
+            <a:avLst/>
+          </a:prstGeom>
+        </p:spPr>
+        <p:txBody>
+          <a:bodyPr wrap="square">
+            <a:spAutoFit/>
+          </a:bodyPr>
+          <a:lstStyle/>
+          <a:p>
+            <a:pPr algn="ctr" latinLnBrk="0">
+              <a:lnSpc>
+                <a:spcPct val="150000"/>
+              </a:lnSpc>
+              <a:defRPr/>
+            </a:pPr>
+            <a:r>
+              <a:rPr lang="en-US" altLang="ko-KR" sz="3200" b="1" i="1" kern="0" dirty="0">
+                <a:solidFill>
+                  <a:srgbClr val="FF7876"/>
+                </a:solidFill>
+              </a:rPr>
+              <a:t>3</a:t>
+            </a:r>
+          </a:p>
+        </p:txBody>
+      </p:sp>
+      <p:cxnSp>
+        <p:nvCxnSpPr>
+          <p:cNvPr id="38" name="직선 연결선 37">
+            <a:extLst>
+              <a:ext uri="{FF2B5EF4-FFF2-40B4-BE49-F238E27FC236}">
+                <a16:creationId xmlns:a16="http://schemas.microsoft.com/office/drawing/2014/main" id="{940134F4-F272-426A-B50B-8075427DF501}"/>
+              </a:ext>
+            </a:extLst>
+          </p:cNvPr>
+          <p:cNvCxnSpPr>
+            <a:cxnSpLocks/>
+          </p:cNvCxnSpPr>
+          <p:nvPr/>
+        </p:nvCxnSpPr>
+        <p:spPr>
+          <a:xfrm flipV="1">
+            <a:off x="843148" y="847712"/>
+            <a:ext cx="4769087" cy="1"/>
+          </a:xfrm>
+          <a:prstGeom prst="line">
+            <a:avLst/>
+          </a:prstGeom>
+          <a:ln w="6350">
+            <a:solidFill>
+              <a:srgbClr val="FF7876"/>
+            </a:solidFill>
+            <a:prstDash val="sysDash"/>
+            <a:tailEnd type="oval"/>
+          </a:ln>
+        </p:spPr>
+        <p:style>
+          <a:lnRef idx="1">
+            <a:schemeClr val="accent1"/>
+          </a:lnRef>
+          <a:fillRef idx="0">
+            <a:schemeClr val="accent1"/>
+          </a:fillRef>
+          <a:effectRef idx="0">
+            <a:schemeClr val="accent1"/>
+          </a:effectRef>
+          <a:fontRef idx="minor">
+            <a:schemeClr val="tx1"/>
+          </a:fontRef>
+        </p:style>
+      </p:cxnSp>
+      <p:cxnSp>
+        <p:nvCxnSpPr>
+          <p:cNvPr id="39" name="직선 연결선 38">
+            <a:extLst>
+              <a:ext uri="{FF2B5EF4-FFF2-40B4-BE49-F238E27FC236}">
+                <a16:creationId xmlns:a16="http://schemas.microsoft.com/office/drawing/2014/main" id="{55EBD739-0979-4546-8E6B-9CA8052FC540}"/>
+              </a:ext>
+            </a:extLst>
+          </p:cNvPr>
+          <p:cNvCxnSpPr>
+            <a:cxnSpLocks/>
+          </p:cNvCxnSpPr>
+          <p:nvPr/>
+        </p:nvCxnSpPr>
+        <p:spPr>
+          <a:xfrm flipH="1">
+            <a:off x="6579767" y="847712"/>
+            <a:ext cx="4692810" cy="0"/>
+          </a:xfrm>
+          <a:prstGeom prst="line">
+            <a:avLst/>
+          </a:prstGeom>
+          <a:ln w="6350">
+            <a:solidFill>
+              <a:srgbClr val="FF7876"/>
+            </a:solidFill>
+            <a:prstDash val="sysDash"/>
+            <a:tailEnd type="oval"/>
+          </a:ln>
+        </p:spPr>
+        <p:style>
+          <a:lnRef idx="1">
+            <a:schemeClr val="accent1"/>
+          </a:lnRef>
+          <a:fillRef idx="0">
+            <a:schemeClr val="accent1"/>
+          </a:fillRef>
+          <a:effectRef idx="0">
+            <a:schemeClr val="accent1"/>
+          </a:effectRef>
+          <a:fontRef idx="minor">
+            <a:schemeClr val="tx1"/>
+          </a:fontRef>
+        </p:style>
+      </p:cxnSp>
+      <p:sp>
+        <p:nvSpPr>
+          <p:cNvPr id="8" name="TextBox 7">
+            <a:extLst>
+              <a:ext uri="{FF2B5EF4-FFF2-40B4-BE49-F238E27FC236}">
+                <a16:creationId xmlns:a16="http://schemas.microsoft.com/office/drawing/2014/main" id="{C18154B9-4F65-4277-8C17-63D9702FC25F}"/>
+              </a:ext>
+            </a:extLst>
+          </p:cNvPr>
+          <p:cNvSpPr txBox="1"/>
+          <p:nvPr/>
+        </p:nvSpPr>
+        <p:spPr>
+          <a:xfrm>
+            <a:off x="765146" y="963122"/>
+            <a:ext cx="10507430" cy="261610"/>
+          </a:xfrm>
+          <a:prstGeom prst="rect">
+            <a:avLst/>
+          </a:prstGeom>
+          <a:noFill/>
+        </p:spPr>
+        <p:txBody>
+          <a:bodyPr wrap="square" rtlCol="0">
+            <a:spAutoFit/>
+          </a:bodyPr>
+          <a:lstStyle/>
+          <a:p>
+            <a:pPr algn="ctr"/>
+            <a:r>
+              <a:rPr lang="ko-KR" altLang="en-US" sz="1100" i="1" dirty="0">
+                <a:solidFill>
+                  <a:srgbClr val="FF7876"/>
+                </a:solidFill>
+              </a:rPr>
+              <a:t>마우스</a:t>
             </a:r>
             <a:r>
               <a:rPr lang="en-US" altLang="ko-KR" sz="1100" i="1" dirty="0">
@@ -4392,15 +5968,31 @@
                   <a:srgbClr val="FF7876"/>
                 </a:solidFill>
               </a:rPr>
+              <a:t> 키보드 입력 </a:t>
+            </a:r>
+            <a:r>
+              <a:rPr lang="ko-KR" altLang="en-US" sz="1100" i="1" dirty="0" err="1">
+                <a:solidFill>
+                  <a:srgbClr val="FF7876"/>
+                </a:solidFill>
+              </a:rPr>
+              <a:t>스틱맨</a:t>
+            </a:r>
+            <a:r>
+              <a:rPr lang="ko-KR" altLang="en-US" sz="1100" i="1" dirty="0">
+                <a:solidFill>
+                  <a:srgbClr val="FF7876"/>
+                </a:solidFill>
+              </a:rPr>
               <a:t> </a:t>
             </a:r>
             <a:r>
-              <a:rPr lang="ko-KR" altLang="en-US" sz="1100" i="1" dirty="0" err="1">
+              <a:rPr lang="en-US" altLang="ko-KR" sz="1100" i="1" dirty="0">
                 <a:solidFill>
                   <a:srgbClr val="FF7876"/>
                 </a:solidFill>
               </a:rPr>
-              <a:t>에포크</a:t>
+              <a:t>-</a:t>
             </a:r>
             <a:r>
               <a:rPr lang="ko-KR" altLang="en-US" sz="1100" i="1" dirty="0">
@@ -4408,16 +6000,1641 @@
                   <a:srgbClr val="FF7876"/>
                 </a:solidFill>
               </a:rPr>
-              <a:t> 조정 </a:t>
-            </a:r>
-            <a:r>
-              <a:rPr lang="en-US" altLang="ko-KR" sz="1100" i="1" dirty="0">
+              <a:t> 키보드 이용</a:t>
+            </a:r>
+            <a:endParaRPr lang="en-US" altLang="ko-KR" sz="1100" i="1" dirty="0">
+              <a:solidFill>
+                <a:srgbClr val="FF7876"/>
+              </a:solidFill>
+            </a:endParaRPr>
+          </a:p>
+        </p:txBody>
+      </p:sp>
+      <p:sp>
+        <p:nvSpPr>
+          <p:cNvPr id="18" name="TextBox 17">
+            <a:extLst>
+              <a:ext uri="{FF2B5EF4-FFF2-40B4-BE49-F238E27FC236}">
+                <a16:creationId xmlns:a16="http://schemas.microsoft.com/office/drawing/2014/main" id="{6D943C5F-1424-2340-B6C8-02302E05F9D4}"/>
+              </a:ext>
+            </a:extLst>
+          </p:cNvPr>
+          <p:cNvSpPr txBox="1"/>
+          <p:nvPr/>
+        </p:nvSpPr>
+        <p:spPr>
+          <a:xfrm>
+            <a:off x="3516867" y="6094919"/>
+            <a:ext cx="5158265" cy="600164"/>
+          </a:xfrm>
+          <a:prstGeom prst="rect">
+            <a:avLst/>
+          </a:prstGeom>
+          <a:noFill/>
+          <a:ln w="12700">
+            <a:solidFill>
+              <a:srgbClr val="FF7876"/>
+            </a:solidFill>
+          </a:ln>
+        </p:spPr>
+        <p:txBody>
+          <a:bodyPr wrap="square" rtlCol="0">
+            <a:spAutoFit/>
+          </a:bodyPr>
+          <a:lstStyle/>
+          <a:p>
+            <a:pPr algn="ctr"/>
+            <a:r>
+              <a:rPr lang="ko-KR" altLang="en-US" sz="1100" dirty="0"/>
+              <a:t>실행 화면입니다</a:t>
+            </a:r>
+            <a:r>
+              <a:rPr lang="en-US" altLang="ko-KR" sz="1100" dirty="0"/>
+              <a:t>.</a:t>
+            </a:r>
+          </a:p>
+          <a:p>
+            <a:pPr algn="ctr"/>
+            <a:r>
+              <a:rPr lang="ko-KR" altLang="en-US" sz="1100" dirty="0"/>
+              <a:t>키보드의 방향키 </a:t>
+            </a:r>
+            <a:r>
+              <a:rPr lang="ko-KR" altLang="en-US" sz="1100" dirty="0" err="1"/>
+              <a:t>입력대로</a:t>
+            </a:r>
+            <a:r>
+              <a:rPr lang="ko-KR" altLang="en-US" sz="1100" dirty="0"/>
+              <a:t> </a:t>
+            </a:r>
+            <a:r>
+              <a:rPr lang="ko-KR" altLang="en-US" sz="1100" dirty="0" err="1"/>
+              <a:t>스틱맨이</a:t>
+            </a:r>
+            <a:r>
+              <a:rPr lang="ko-KR" altLang="en-US" sz="1100" dirty="0"/>
+              <a:t> </a:t>
+            </a:r>
+            <a:r>
+              <a:rPr lang="ko-KR" altLang="en-US" sz="1100" dirty="0" err="1"/>
+              <a:t>움직이는것을</a:t>
+            </a:r>
+            <a:endParaRPr lang="en-US" altLang="ko-KR" sz="1100" dirty="0"/>
+          </a:p>
+          <a:p>
+            <a:pPr algn="ctr"/>
+            <a:r>
+              <a:rPr lang="ko-KR" altLang="en-US" sz="1100" dirty="0"/>
+              <a:t>볼 수 있습니다</a:t>
+            </a:r>
+            <a:r>
+              <a:rPr lang="en-US" altLang="ko-KR" sz="1100" dirty="0"/>
+              <a:t>.</a:t>
+            </a:r>
+          </a:p>
+        </p:txBody>
+      </p:sp>
+      <p:pic>
+        <p:nvPicPr>
+          <p:cNvPr id="3" name="그림 2">
+            <a:extLst>
+              <a:ext uri="{FF2B5EF4-FFF2-40B4-BE49-F238E27FC236}">
+                <a16:creationId xmlns:a16="http://schemas.microsoft.com/office/drawing/2014/main" id="{06EBF92E-3950-DC46-9AFD-7400D16EDC4D}"/>
+              </a:ext>
+            </a:extLst>
+          </p:cNvPr>
+          <p:cNvPicPr>
+            <a:picLocks noChangeAspect="1"/>
+          </p:cNvPicPr>
+          <p:nvPr/>
+        </p:nvPicPr>
+        <p:blipFill>
+          <a:blip r:embed="rId2"/>
+          <a:stretch>
+            <a:fillRect/>
+          </a:stretch>
+        </p:blipFill>
+        <p:spPr>
+          <a:xfrm>
+            <a:off x="4989649" y="2812206"/>
+            <a:ext cx="2128809" cy="1677879"/>
+          </a:xfrm>
+          <a:prstGeom prst="rect">
+            <a:avLst/>
+          </a:prstGeom>
+        </p:spPr>
+      </p:pic>
+      <p:pic>
+        <p:nvPicPr>
+          <p:cNvPr id="5" name="그림 4">
+            <a:extLst>
+              <a:ext uri="{FF2B5EF4-FFF2-40B4-BE49-F238E27FC236}">
+                <a16:creationId xmlns:a16="http://schemas.microsoft.com/office/drawing/2014/main" id="{EEC32B3C-5C97-8642-9646-607FC2F29024}"/>
+              </a:ext>
+            </a:extLst>
+          </p:cNvPr>
+          <p:cNvPicPr>
+            <a:picLocks noChangeAspect="1"/>
+          </p:cNvPicPr>
+          <p:nvPr/>
+        </p:nvPicPr>
+        <p:blipFill>
+          <a:blip r:embed="rId3"/>
+          <a:stretch>
+            <a:fillRect/>
+          </a:stretch>
+        </p:blipFill>
+        <p:spPr>
+          <a:xfrm>
+            <a:off x="4989648" y="1224732"/>
+            <a:ext cx="2128809" cy="1677879"/>
+          </a:xfrm>
+          <a:prstGeom prst="rect">
+            <a:avLst/>
+          </a:prstGeom>
+        </p:spPr>
+      </p:pic>
+      <p:pic>
+        <p:nvPicPr>
+          <p:cNvPr id="6" name="그림 5">
+            <a:extLst>
+              <a:ext uri="{FF2B5EF4-FFF2-40B4-BE49-F238E27FC236}">
+                <a16:creationId xmlns:a16="http://schemas.microsoft.com/office/drawing/2014/main" id="{4301D73A-51C0-4246-907A-1499A6BEB83D}"/>
+              </a:ext>
+            </a:extLst>
+          </p:cNvPr>
+          <p:cNvPicPr>
+            <a:picLocks noChangeAspect="1"/>
+          </p:cNvPicPr>
+          <p:nvPr/>
+        </p:nvPicPr>
+        <p:blipFill>
+          <a:blip r:embed="rId4"/>
+          <a:stretch>
+            <a:fillRect/>
+          </a:stretch>
+        </p:blipFill>
+        <p:spPr>
+          <a:xfrm>
+            <a:off x="4989648" y="4408983"/>
+            <a:ext cx="2128809" cy="1677878"/>
+          </a:xfrm>
+          <a:prstGeom prst="rect">
+            <a:avLst/>
+          </a:prstGeom>
+        </p:spPr>
+      </p:pic>
+      <p:pic>
+        <p:nvPicPr>
+          <p:cNvPr id="7" name="그림 6">
+            <a:extLst>
+              <a:ext uri="{FF2B5EF4-FFF2-40B4-BE49-F238E27FC236}">
+                <a16:creationId xmlns:a16="http://schemas.microsoft.com/office/drawing/2014/main" id="{E9151B88-D8E0-7747-9513-F582B9172992}"/>
+              </a:ext>
+            </a:extLst>
+          </p:cNvPr>
+          <p:cNvPicPr>
+            <a:picLocks noChangeAspect="1"/>
+          </p:cNvPicPr>
+          <p:nvPr/>
+        </p:nvPicPr>
+        <p:blipFill>
+          <a:blip r:embed="rId5"/>
+          <a:stretch>
+            <a:fillRect/>
+          </a:stretch>
+        </p:blipFill>
+        <p:spPr>
+          <a:xfrm>
+            <a:off x="2773144" y="2812205"/>
+            <a:ext cx="2128809" cy="1677879"/>
+          </a:xfrm>
+          <a:prstGeom prst="rect">
+            <a:avLst/>
+          </a:prstGeom>
+        </p:spPr>
+      </p:pic>
+      <p:pic>
+        <p:nvPicPr>
+          <p:cNvPr id="9" name="그림 8">
+            <a:extLst>
+              <a:ext uri="{FF2B5EF4-FFF2-40B4-BE49-F238E27FC236}">
+                <a16:creationId xmlns:a16="http://schemas.microsoft.com/office/drawing/2014/main" id="{703DFD2C-0EF2-1944-BDE7-74C8D6F115CA}"/>
+              </a:ext>
+            </a:extLst>
+          </p:cNvPr>
+          <p:cNvPicPr>
+            <a:picLocks noChangeAspect="1"/>
+          </p:cNvPicPr>
+          <p:nvPr/>
+        </p:nvPicPr>
+        <p:blipFill>
+          <a:blip r:embed="rId6"/>
+          <a:stretch>
+            <a:fillRect/>
+          </a:stretch>
+        </p:blipFill>
+        <p:spPr>
+          <a:xfrm>
+            <a:off x="7206152" y="2812205"/>
+            <a:ext cx="2128809" cy="1677879"/>
+          </a:xfrm>
+          <a:prstGeom prst="rect">
+            <a:avLst/>
+          </a:prstGeom>
+        </p:spPr>
+      </p:pic>
+    </p:spTree>
+    <p:extLst>
+      <p:ext uri="{BB962C8B-B14F-4D97-AF65-F5344CB8AC3E}">
+        <p14:creationId xmlns:p14="http://schemas.microsoft.com/office/powerpoint/2010/main" val="367804983"/>
+      </p:ext>
+    </p:extLst>
+  </p:cSld>
+  <p:clrMapOvr>
+    <a:masterClrMapping/>
+  </p:clrMapOvr>
+</p:sld>
+</file>
+
+<file path=ppt/slides/slide14.xml><?xml version="1.0" encoding="utf-8"?>
+<p:sld xmlns:a="http://schemas.openxmlformats.org/drawingml/2006/main" xmlns:r="http://schemas.openxmlformats.org/officeDocument/2006/relationships" xmlns:p="http://schemas.openxmlformats.org/presentationml/2006/main">
+  <p:cSld>
+    <p:spTree>
+      <p:nvGrpSpPr>
+        <p:cNvPr id="1" name=""/>
+        <p:cNvGrpSpPr/>
+        <p:nvPr/>
+      </p:nvGrpSpPr>
+      <p:grpSpPr>
+        <a:xfrm>
+          <a:off x="0" y="0"/>
+          <a:ext cx="0" cy="0"/>
+          <a:chOff x="0" y="0"/>
+          <a:chExt cx="0" cy="0"/>
+        </a:xfrm>
+      </p:grpSpPr>
+      <p:pic>
+        <p:nvPicPr>
+          <p:cNvPr id="12" name="그림 11">
+            <a:extLst>
+              <a:ext uri="{FF2B5EF4-FFF2-40B4-BE49-F238E27FC236}">
+                <a16:creationId xmlns:a16="http://schemas.microsoft.com/office/drawing/2014/main" id="{748BCDC7-C68A-594D-AE66-5DA87746CA48}"/>
+              </a:ext>
+            </a:extLst>
+          </p:cNvPr>
+          <p:cNvPicPr>
+            <a:picLocks noChangeAspect="1"/>
+          </p:cNvPicPr>
+          <p:nvPr/>
+        </p:nvPicPr>
+        <p:blipFill>
+          <a:blip r:embed="rId2"/>
+          <a:stretch>
+            <a:fillRect/>
+          </a:stretch>
+        </p:blipFill>
+        <p:spPr>
+          <a:xfrm>
+            <a:off x="664384" y="3001729"/>
+            <a:ext cx="4792948" cy="2935770"/>
+          </a:xfrm>
+          <a:prstGeom prst="rect">
+            <a:avLst/>
+          </a:prstGeom>
+        </p:spPr>
+      </p:pic>
+      <p:pic>
+        <p:nvPicPr>
+          <p:cNvPr id="4" name="그림 3">
+            <a:extLst>
+              <a:ext uri="{FF2B5EF4-FFF2-40B4-BE49-F238E27FC236}">
+                <a16:creationId xmlns:a16="http://schemas.microsoft.com/office/drawing/2014/main" id="{DAC3A7E4-0040-5C4E-9A55-73251E015421}"/>
+              </a:ext>
+            </a:extLst>
+          </p:cNvPr>
+          <p:cNvPicPr>
+            <a:picLocks noChangeAspect="1"/>
+          </p:cNvPicPr>
+          <p:nvPr/>
+        </p:nvPicPr>
+        <p:blipFill>
+          <a:blip r:embed="rId3"/>
+          <a:stretch>
+            <a:fillRect/>
+          </a:stretch>
+        </p:blipFill>
+        <p:spPr>
+          <a:xfrm>
+            <a:off x="1388190" y="1657096"/>
+            <a:ext cx="2307424" cy="754629"/>
+          </a:xfrm>
+          <a:prstGeom prst="rect">
+            <a:avLst/>
+          </a:prstGeom>
+        </p:spPr>
+      </p:pic>
+      <p:sp>
+        <p:nvSpPr>
+          <p:cNvPr id="37" name="직사각형 36">
+            <a:extLst>
+              <a:ext uri="{FF2B5EF4-FFF2-40B4-BE49-F238E27FC236}">
+                <a16:creationId xmlns:a16="http://schemas.microsoft.com/office/drawing/2014/main" id="{3F15C60C-17FE-422D-AFCF-73C75A021362}"/>
+              </a:ext>
+            </a:extLst>
+          </p:cNvPr>
+          <p:cNvSpPr/>
+          <p:nvPr/>
+        </p:nvSpPr>
+        <p:spPr>
+          <a:xfrm>
+            <a:off x="3697172" y="332194"/>
+            <a:ext cx="4713765" cy="735842"/>
+          </a:xfrm>
+          <a:prstGeom prst="rect">
+            <a:avLst/>
+          </a:prstGeom>
+        </p:spPr>
+        <p:txBody>
+          <a:bodyPr wrap="square">
+            <a:spAutoFit/>
+          </a:bodyPr>
+          <a:lstStyle/>
+          <a:p>
+            <a:pPr algn="ctr" latinLnBrk="0">
+              <a:lnSpc>
+                <a:spcPct val="150000"/>
+              </a:lnSpc>
+              <a:defRPr/>
+            </a:pPr>
+            <a:r>
+              <a:rPr lang="en-US" altLang="ko-KR" sz="3200" b="1" i="1" kern="0" dirty="0">
                 <a:solidFill>
                   <a:srgbClr val="FF7876"/>
                 </a:solidFill>
               </a:rPr>
-              <a:t>)</a:t>
-            </a:r>
+              <a:t>4</a:t>
+            </a:r>
+          </a:p>
+        </p:txBody>
+      </p:sp>
+      <p:cxnSp>
+        <p:nvCxnSpPr>
+          <p:cNvPr id="38" name="직선 연결선 37">
+            <a:extLst>
+              <a:ext uri="{FF2B5EF4-FFF2-40B4-BE49-F238E27FC236}">
+                <a16:creationId xmlns:a16="http://schemas.microsoft.com/office/drawing/2014/main" id="{940134F4-F272-426A-B50B-8075427DF501}"/>
+              </a:ext>
+            </a:extLst>
+          </p:cNvPr>
+          <p:cNvCxnSpPr>
+            <a:cxnSpLocks/>
+          </p:cNvCxnSpPr>
+          <p:nvPr/>
+        </p:nvCxnSpPr>
+        <p:spPr>
+          <a:xfrm flipV="1">
+            <a:off x="843148" y="847712"/>
+            <a:ext cx="4769087" cy="1"/>
+          </a:xfrm>
+          <a:prstGeom prst="line">
+            <a:avLst/>
+          </a:prstGeom>
+          <a:ln w="6350">
+            <a:solidFill>
+              <a:srgbClr val="FF7876"/>
+            </a:solidFill>
+            <a:prstDash val="sysDash"/>
+            <a:tailEnd type="oval"/>
+          </a:ln>
+        </p:spPr>
+        <p:style>
+          <a:lnRef idx="1">
+            <a:schemeClr val="accent1"/>
+          </a:lnRef>
+          <a:fillRef idx="0">
+            <a:schemeClr val="accent1"/>
+          </a:fillRef>
+          <a:effectRef idx="0">
+            <a:schemeClr val="accent1"/>
+          </a:effectRef>
+          <a:fontRef idx="minor">
+            <a:schemeClr val="tx1"/>
+          </a:fontRef>
+        </p:style>
+      </p:cxnSp>
+      <p:cxnSp>
+        <p:nvCxnSpPr>
+          <p:cNvPr id="39" name="직선 연결선 38">
+            <a:extLst>
+              <a:ext uri="{FF2B5EF4-FFF2-40B4-BE49-F238E27FC236}">
+                <a16:creationId xmlns:a16="http://schemas.microsoft.com/office/drawing/2014/main" id="{55EBD739-0979-4546-8E6B-9CA8052FC540}"/>
+              </a:ext>
+            </a:extLst>
+          </p:cNvPr>
+          <p:cNvCxnSpPr>
+            <a:cxnSpLocks/>
+          </p:cNvCxnSpPr>
+          <p:nvPr/>
+        </p:nvCxnSpPr>
+        <p:spPr>
+          <a:xfrm flipH="1">
+            <a:off x="6579767" y="847712"/>
+            <a:ext cx="4692810" cy="0"/>
+          </a:xfrm>
+          <a:prstGeom prst="line">
+            <a:avLst/>
+          </a:prstGeom>
+          <a:ln w="6350">
+            <a:solidFill>
+              <a:srgbClr val="FF7876"/>
+            </a:solidFill>
+            <a:prstDash val="sysDash"/>
+            <a:tailEnd type="oval"/>
+          </a:ln>
+        </p:spPr>
+        <p:style>
+          <a:lnRef idx="1">
+            <a:schemeClr val="accent1"/>
+          </a:lnRef>
+          <a:fillRef idx="0">
+            <a:schemeClr val="accent1"/>
+          </a:fillRef>
+          <a:effectRef idx="0">
+            <a:schemeClr val="accent1"/>
+          </a:effectRef>
+          <a:fontRef idx="minor">
+            <a:schemeClr val="tx1"/>
+          </a:fontRef>
+        </p:style>
+      </p:cxnSp>
+      <p:sp>
+        <p:nvSpPr>
+          <p:cNvPr id="8" name="TextBox 7">
+            <a:extLst>
+              <a:ext uri="{FF2B5EF4-FFF2-40B4-BE49-F238E27FC236}">
+                <a16:creationId xmlns:a16="http://schemas.microsoft.com/office/drawing/2014/main" id="{C18154B9-4F65-4277-8C17-63D9702FC25F}"/>
+              </a:ext>
+            </a:extLst>
+          </p:cNvPr>
+          <p:cNvSpPr txBox="1"/>
+          <p:nvPr/>
+        </p:nvSpPr>
+        <p:spPr>
+          <a:xfrm>
+            <a:off x="765146" y="963122"/>
+            <a:ext cx="10507430" cy="261610"/>
+          </a:xfrm>
+          <a:prstGeom prst="rect">
+            <a:avLst/>
+          </a:prstGeom>
+          <a:noFill/>
+        </p:spPr>
+        <p:txBody>
+          <a:bodyPr wrap="square" rtlCol="0">
+            <a:spAutoFit/>
+          </a:bodyPr>
+          <a:lstStyle/>
+          <a:p>
+            <a:pPr algn="ctr"/>
+            <a:r>
+              <a:rPr lang="ko-KR" altLang="en-US" sz="1100" i="1" dirty="0">
+                <a:solidFill>
+                  <a:srgbClr val="FF7876"/>
+                </a:solidFill>
+              </a:rPr>
+              <a:t>그리드 프로그램</a:t>
+            </a:r>
+            <a:endParaRPr lang="en-US" altLang="ko-KR" sz="1100" i="1" dirty="0">
+              <a:solidFill>
+                <a:srgbClr val="FF7876"/>
+              </a:solidFill>
+            </a:endParaRPr>
+          </a:p>
+        </p:txBody>
+      </p:sp>
+      <p:sp>
+        <p:nvSpPr>
+          <p:cNvPr id="18" name="TextBox 17">
+            <a:extLst>
+              <a:ext uri="{FF2B5EF4-FFF2-40B4-BE49-F238E27FC236}">
+                <a16:creationId xmlns:a16="http://schemas.microsoft.com/office/drawing/2014/main" id="{6D943C5F-1424-2340-B6C8-02302E05F9D4}"/>
+              </a:ext>
+            </a:extLst>
+          </p:cNvPr>
+          <p:cNvSpPr txBox="1"/>
+          <p:nvPr/>
+        </p:nvSpPr>
+        <p:spPr>
+          <a:xfrm>
+            <a:off x="5840960" y="1800342"/>
+            <a:ext cx="5158265" cy="430887"/>
+          </a:xfrm>
+          <a:prstGeom prst="rect">
+            <a:avLst/>
+          </a:prstGeom>
+          <a:noFill/>
+          <a:ln w="12700">
+            <a:solidFill>
+              <a:srgbClr val="FF7876"/>
+            </a:solidFill>
+          </a:ln>
+        </p:spPr>
+        <p:txBody>
+          <a:bodyPr wrap="square" rtlCol="0">
+            <a:spAutoFit/>
+          </a:bodyPr>
+          <a:lstStyle/>
+          <a:p>
+            <a:pPr algn="ctr"/>
+            <a:r>
+              <a:rPr lang="en-US" altLang="ko-KR" sz="1100" dirty="0"/>
+              <a:t>10</a:t>
+            </a:r>
+            <a:r>
+              <a:rPr lang="ko-KR" altLang="en-US" sz="1100" dirty="0"/>
+              <a:t> </a:t>
+            </a:r>
+            <a:r>
+              <a:rPr lang="en-US" altLang="ko-KR" sz="1100" dirty="0"/>
+              <a:t>x 10 </a:t>
+            </a:r>
+            <a:r>
+              <a:rPr lang="ko-KR" altLang="en-US" sz="1100" dirty="0"/>
+              <a:t>사이즈의 그리드 배열을 만들어주기 위해</a:t>
+            </a:r>
+            <a:endParaRPr lang="en-US" altLang="ko-KR" sz="1100" dirty="0"/>
+          </a:p>
+          <a:p>
+            <a:pPr algn="ctr"/>
+            <a:r>
+              <a:rPr lang="en-US" altLang="ko-KR" sz="1100" dirty="0"/>
+              <a:t>grid </a:t>
+            </a:r>
+            <a:r>
+              <a:rPr lang="ko-KR" altLang="en-US" sz="1100" dirty="0"/>
+              <a:t>배열에 </a:t>
+            </a:r>
+            <a:r>
+              <a:rPr lang="en-US" altLang="ko-KR" sz="1100" dirty="0"/>
+              <a:t>for</a:t>
+            </a:r>
+            <a:r>
+              <a:rPr lang="ko-KR" altLang="en-US" sz="1100" dirty="0"/>
+              <a:t>문을 통해 </a:t>
+            </a:r>
+            <a:r>
+              <a:rPr lang="en-US" altLang="ko-KR" sz="1100" dirty="0"/>
+              <a:t>2</a:t>
+            </a:r>
+            <a:r>
+              <a:rPr lang="ko-KR" altLang="en-US" sz="1100" dirty="0"/>
+              <a:t>차원 배열로 생성해 줍니다</a:t>
+            </a:r>
+            <a:r>
+              <a:rPr lang="en-US" altLang="ko-KR" sz="1100" dirty="0"/>
+              <a:t>.</a:t>
+            </a:r>
+          </a:p>
+        </p:txBody>
+      </p:sp>
+      <p:cxnSp>
+        <p:nvCxnSpPr>
+          <p:cNvPr id="29" name="직선 화살표 연결선 28">
+            <a:extLst>
+              <a:ext uri="{FF2B5EF4-FFF2-40B4-BE49-F238E27FC236}">
+                <a16:creationId xmlns:a16="http://schemas.microsoft.com/office/drawing/2014/main" id="{D7876963-D856-2645-A890-56B9642502B7}"/>
+              </a:ext>
+            </a:extLst>
+          </p:cNvPr>
+          <p:cNvCxnSpPr>
+            <a:cxnSpLocks/>
+            <a:stCxn id="16" idx="3"/>
+          </p:cNvCxnSpPr>
+          <p:nvPr/>
+        </p:nvCxnSpPr>
+        <p:spPr>
+          <a:xfrm flipV="1">
+            <a:off x="3687522" y="2022131"/>
+            <a:ext cx="2135127" cy="10008"/>
+          </a:xfrm>
+          <a:prstGeom prst="straightConnector1">
+            <a:avLst/>
+          </a:prstGeom>
+          <a:ln w="12700">
+            <a:solidFill>
+              <a:srgbClr val="FF7876"/>
+            </a:solidFill>
+            <a:tailEnd type="triangle"/>
+          </a:ln>
+        </p:spPr>
+        <p:style>
+          <a:lnRef idx="1">
+            <a:schemeClr val="accent1"/>
+          </a:lnRef>
+          <a:fillRef idx="0">
+            <a:schemeClr val="accent1"/>
+          </a:fillRef>
+          <a:effectRef idx="0">
+            <a:schemeClr val="accent1"/>
+          </a:effectRef>
+          <a:fontRef idx="minor">
+            <a:schemeClr val="tx1"/>
+          </a:fontRef>
+        </p:style>
+      </p:cxnSp>
+      <p:sp>
+        <p:nvSpPr>
+          <p:cNvPr id="22" name="TextBox 21">
+            <a:extLst>
+              <a:ext uri="{FF2B5EF4-FFF2-40B4-BE49-F238E27FC236}">
+                <a16:creationId xmlns:a16="http://schemas.microsoft.com/office/drawing/2014/main" id="{6AEC83DB-3FDA-CD47-85ED-EAFD3ABC5F83}"/>
+              </a:ext>
+            </a:extLst>
+          </p:cNvPr>
+          <p:cNvSpPr txBox="1"/>
+          <p:nvPr/>
+        </p:nvSpPr>
+        <p:spPr>
+          <a:xfrm>
+            <a:off x="5840960" y="3689083"/>
+            <a:ext cx="5176576" cy="600164"/>
+          </a:xfrm>
+          <a:prstGeom prst="rect">
+            <a:avLst/>
+          </a:prstGeom>
+          <a:noFill/>
+          <a:ln w="12700">
+            <a:solidFill>
+              <a:srgbClr val="FF7876"/>
+            </a:solidFill>
+          </a:ln>
+        </p:spPr>
+        <p:txBody>
+          <a:bodyPr wrap="square" rtlCol="0">
+            <a:spAutoFit/>
+          </a:bodyPr>
+          <a:lstStyle/>
+          <a:p>
+            <a:pPr algn="ctr"/>
+            <a:r>
+              <a:rPr lang="ko-KR" altLang="en-US" sz="1100" dirty="0"/>
+              <a:t>마우스 </a:t>
+            </a:r>
+            <a:r>
+              <a:rPr lang="ko-KR" altLang="en-US" sz="1100" dirty="0" err="1"/>
+              <a:t>클릭시</a:t>
+            </a:r>
+            <a:r>
+              <a:rPr lang="ko-KR" altLang="en-US" sz="1100" dirty="0"/>
+              <a:t> 해당 칸의 색깔 정보를 바꿔주기 위한 코드입니다</a:t>
+            </a:r>
+            <a:r>
+              <a:rPr lang="en-US" altLang="ko-KR" sz="1100" dirty="0"/>
+              <a:t>.</a:t>
+            </a:r>
+          </a:p>
+          <a:p>
+            <a:pPr algn="ctr"/>
+            <a:r>
+              <a:rPr lang="ko-KR" altLang="en-US" sz="1100" dirty="0"/>
+              <a:t>마우스 클릭 좌표를 가져와 그리드 좌표로 변환시켜준 후 해당</a:t>
+            </a:r>
+            <a:endParaRPr lang="en-US" altLang="ko-KR" sz="1100" dirty="0"/>
+          </a:p>
+          <a:p>
+            <a:pPr algn="ctr"/>
+            <a:r>
+              <a:rPr lang="ko-KR" altLang="en-US" sz="1100" dirty="0" err="1"/>
+              <a:t>배열값을</a:t>
+            </a:r>
+            <a:r>
+              <a:rPr lang="ko-KR" altLang="en-US" sz="1100" dirty="0"/>
+              <a:t> </a:t>
+            </a:r>
+            <a:r>
+              <a:rPr lang="en-US" altLang="ko-KR" sz="1100" dirty="0"/>
+              <a:t>1</a:t>
+            </a:r>
+            <a:r>
+              <a:rPr lang="ko-KR" altLang="en-US" sz="1100" dirty="0"/>
+              <a:t>로 저장시키도록 합니다</a:t>
+            </a:r>
+            <a:r>
+              <a:rPr lang="en-US" altLang="ko-KR" sz="1100" dirty="0"/>
+              <a:t>.</a:t>
+            </a:r>
+          </a:p>
+        </p:txBody>
+      </p:sp>
+      <p:cxnSp>
+        <p:nvCxnSpPr>
+          <p:cNvPr id="25" name="직선 화살표 연결선 24">
+            <a:extLst>
+              <a:ext uri="{FF2B5EF4-FFF2-40B4-BE49-F238E27FC236}">
+                <a16:creationId xmlns:a16="http://schemas.microsoft.com/office/drawing/2014/main" id="{5DC3F944-01F3-1F43-BD4F-395B5A287585}"/>
+              </a:ext>
+            </a:extLst>
+          </p:cNvPr>
+          <p:cNvCxnSpPr>
+            <a:cxnSpLocks/>
+            <a:stCxn id="15" idx="3"/>
+            <a:endCxn id="22" idx="1"/>
+          </p:cNvCxnSpPr>
+          <p:nvPr/>
+        </p:nvCxnSpPr>
+        <p:spPr>
+          <a:xfrm>
+            <a:off x="4491080" y="3981074"/>
+            <a:ext cx="1349880" cy="8091"/>
+          </a:xfrm>
+          <a:prstGeom prst="straightConnector1">
+            <a:avLst/>
+          </a:prstGeom>
+          <a:ln w="12700">
+            <a:solidFill>
+              <a:srgbClr val="FF7876"/>
+            </a:solidFill>
+            <a:tailEnd type="triangle"/>
+          </a:ln>
+        </p:spPr>
+        <p:style>
+          <a:lnRef idx="1">
+            <a:schemeClr val="accent1"/>
+          </a:lnRef>
+          <a:fillRef idx="0">
+            <a:schemeClr val="accent1"/>
+          </a:fillRef>
+          <a:effectRef idx="0">
+            <a:schemeClr val="accent1"/>
+          </a:effectRef>
+          <a:fontRef idx="minor">
+            <a:schemeClr val="tx1"/>
+          </a:fontRef>
+        </p:style>
+      </p:cxnSp>
+      <p:sp>
+        <p:nvSpPr>
+          <p:cNvPr id="15" name="TextBox 14">
+            <a:extLst>
+              <a:ext uri="{FF2B5EF4-FFF2-40B4-BE49-F238E27FC236}">
+                <a16:creationId xmlns:a16="http://schemas.microsoft.com/office/drawing/2014/main" id="{F5F095F1-C756-CF45-AD81-113750ABC86D}"/>
+              </a:ext>
+            </a:extLst>
+          </p:cNvPr>
+          <p:cNvSpPr txBox="1"/>
+          <p:nvPr/>
+        </p:nvSpPr>
+        <p:spPr>
+          <a:xfrm>
+            <a:off x="883608" y="3115018"/>
+            <a:ext cx="3607472" cy="1732112"/>
+          </a:xfrm>
+          <a:prstGeom prst="rect">
+            <a:avLst/>
+          </a:prstGeom>
+          <a:noFill/>
+          <a:ln w="12700">
+            <a:solidFill>
+              <a:srgbClr val="FF7876"/>
+            </a:solidFill>
+          </a:ln>
+        </p:spPr>
+        <p:txBody>
+          <a:bodyPr wrap="square" rtlCol="0">
+            <a:spAutoFit/>
+          </a:bodyPr>
+          <a:lstStyle/>
+          <a:p>
+            <a:pPr algn="ctr"/>
+            <a:endParaRPr lang="en-US" altLang="ko-Kore-KR" sz="1100" dirty="0"/>
+          </a:p>
+        </p:txBody>
+      </p:sp>
+      <p:sp>
+        <p:nvSpPr>
+          <p:cNvPr id="16" name="TextBox 15">
+            <a:extLst>
+              <a:ext uri="{FF2B5EF4-FFF2-40B4-BE49-F238E27FC236}">
+                <a16:creationId xmlns:a16="http://schemas.microsoft.com/office/drawing/2014/main" id="{8B0FEA3D-DED5-364D-A571-F20AE7569628}"/>
+              </a:ext>
+            </a:extLst>
+          </p:cNvPr>
+          <p:cNvSpPr txBox="1"/>
+          <p:nvPr/>
+        </p:nvSpPr>
+        <p:spPr>
+          <a:xfrm>
+            <a:off x="1380098" y="1654824"/>
+            <a:ext cx="2307424" cy="754630"/>
+          </a:xfrm>
+          <a:prstGeom prst="rect">
+            <a:avLst/>
+          </a:prstGeom>
+          <a:noFill/>
+          <a:ln w="12700">
+            <a:solidFill>
+              <a:srgbClr val="FF7876"/>
+            </a:solidFill>
+          </a:ln>
+        </p:spPr>
+        <p:txBody>
+          <a:bodyPr wrap="square" rtlCol="0">
+            <a:spAutoFit/>
+          </a:bodyPr>
+          <a:lstStyle/>
+          <a:p>
+            <a:pPr algn="ctr"/>
+            <a:endParaRPr lang="en-US" altLang="ko-Kore-KR" sz="1100" dirty="0"/>
+          </a:p>
+        </p:txBody>
+      </p:sp>
+      <p:sp>
+        <p:nvSpPr>
+          <p:cNvPr id="26" name="TextBox 25">
+            <a:extLst>
+              <a:ext uri="{FF2B5EF4-FFF2-40B4-BE49-F238E27FC236}">
+                <a16:creationId xmlns:a16="http://schemas.microsoft.com/office/drawing/2014/main" id="{CD170920-9985-B941-BB76-48BB0AB434F6}"/>
+              </a:ext>
+            </a:extLst>
+          </p:cNvPr>
+          <p:cNvSpPr txBox="1"/>
+          <p:nvPr/>
+        </p:nvSpPr>
+        <p:spPr>
+          <a:xfrm>
+            <a:off x="891700" y="4903559"/>
+            <a:ext cx="4565632" cy="1033940"/>
+          </a:xfrm>
+          <a:prstGeom prst="rect">
+            <a:avLst/>
+          </a:prstGeom>
+          <a:noFill/>
+          <a:ln w="12700">
+            <a:solidFill>
+              <a:srgbClr val="FF7876"/>
+            </a:solidFill>
+          </a:ln>
+        </p:spPr>
+        <p:txBody>
+          <a:bodyPr wrap="square" rtlCol="0">
+            <a:spAutoFit/>
+          </a:bodyPr>
+          <a:lstStyle/>
+          <a:p>
+            <a:pPr algn="ctr"/>
+            <a:endParaRPr lang="en-US" altLang="ko-Kore-KR" sz="1100" dirty="0"/>
+          </a:p>
+        </p:txBody>
+      </p:sp>
+      <p:cxnSp>
+        <p:nvCxnSpPr>
+          <p:cNvPr id="27" name="직선 화살표 연결선 26">
+            <a:extLst>
+              <a:ext uri="{FF2B5EF4-FFF2-40B4-BE49-F238E27FC236}">
+                <a16:creationId xmlns:a16="http://schemas.microsoft.com/office/drawing/2014/main" id="{9EBACD63-4E90-BE48-BA73-4D019A6AA00D}"/>
+              </a:ext>
+            </a:extLst>
+          </p:cNvPr>
+          <p:cNvCxnSpPr>
+            <a:cxnSpLocks/>
+          </p:cNvCxnSpPr>
+          <p:nvPr/>
+        </p:nvCxnSpPr>
+        <p:spPr>
+          <a:xfrm>
+            <a:off x="5457332" y="5433295"/>
+            <a:ext cx="935376" cy="0"/>
+          </a:xfrm>
+          <a:prstGeom prst="straightConnector1">
+            <a:avLst/>
+          </a:prstGeom>
+          <a:ln w="12700">
+            <a:solidFill>
+              <a:srgbClr val="FF7876"/>
+            </a:solidFill>
+            <a:tailEnd type="triangle"/>
+          </a:ln>
+        </p:spPr>
+        <p:style>
+          <a:lnRef idx="1">
+            <a:schemeClr val="accent1"/>
+          </a:lnRef>
+          <a:fillRef idx="0">
+            <a:schemeClr val="accent1"/>
+          </a:fillRef>
+          <a:effectRef idx="0">
+            <a:schemeClr val="accent1"/>
+          </a:effectRef>
+          <a:fontRef idx="minor">
+            <a:schemeClr val="tx1"/>
+          </a:fontRef>
+        </p:style>
+      </p:cxnSp>
+      <p:sp>
+        <p:nvSpPr>
+          <p:cNvPr id="28" name="TextBox 27">
+            <a:extLst>
+              <a:ext uri="{FF2B5EF4-FFF2-40B4-BE49-F238E27FC236}">
+                <a16:creationId xmlns:a16="http://schemas.microsoft.com/office/drawing/2014/main" id="{0E6CAEFB-7C05-0240-8EC6-46A761FD720F}"/>
+              </a:ext>
+            </a:extLst>
+          </p:cNvPr>
+          <p:cNvSpPr txBox="1"/>
+          <p:nvPr/>
+        </p:nvSpPr>
+        <p:spPr>
+          <a:xfrm>
+            <a:off x="6454606" y="5120447"/>
+            <a:ext cx="5176576" cy="600164"/>
+          </a:xfrm>
+          <a:prstGeom prst="rect">
+            <a:avLst/>
+          </a:prstGeom>
+          <a:noFill/>
+          <a:ln w="12700">
+            <a:solidFill>
+              <a:srgbClr val="FF7876"/>
+            </a:solidFill>
+          </a:ln>
+        </p:spPr>
+        <p:txBody>
+          <a:bodyPr wrap="square" rtlCol="0">
+            <a:spAutoFit/>
+          </a:bodyPr>
+          <a:lstStyle/>
+          <a:p>
+            <a:pPr algn="ctr"/>
+            <a:r>
+              <a:rPr lang="ko-KR" altLang="en-US" sz="1100" dirty="0"/>
+              <a:t>그리드 칸을 </a:t>
+            </a:r>
+            <a:r>
+              <a:rPr lang="ko-KR" altLang="en-US" sz="1100" dirty="0" err="1"/>
+              <a:t>그릴때</a:t>
+            </a:r>
+            <a:r>
+              <a:rPr lang="ko-KR" altLang="en-US" sz="1100" dirty="0"/>
+              <a:t> 그리드 배열의 값에 따라</a:t>
+            </a:r>
+            <a:endParaRPr lang="en-US" altLang="ko-KR" sz="1100" dirty="0"/>
+          </a:p>
+          <a:p>
+            <a:pPr algn="ctr"/>
+            <a:r>
+              <a:rPr lang="ko-KR" altLang="en-US" sz="1100" dirty="0"/>
+              <a:t>해당 값이 </a:t>
+            </a:r>
+            <a:r>
+              <a:rPr lang="en-US" altLang="ko-KR" sz="1100" dirty="0"/>
+              <a:t>1</a:t>
+            </a:r>
+            <a:r>
+              <a:rPr lang="ko-KR" altLang="en-US" sz="1100" dirty="0"/>
+              <a:t>이면 초록색칸으로 그리도록 하고</a:t>
+            </a:r>
+            <a:endParaRPr lang="en-US" altLang="ko-KR" sz="1100" dirty="0"/>
+          </a:p>
+          <a:p>
+            <a:pPr algn="ctr"/>
+            <a:r>
+              <a:rPr lang="ko-KR" altLang="en-US" sz="1100" dirty="0"/>
+              <a:t>이외의 경우 하얀색바탕으로 그리도록 하게 합니다</a:t>
+            </a:r>
+            <a:r>
+              <a:rPr lang="en-US" altLang="ko-KR" sz="1100" dirty="0"/>
+              <a:t>.</a:t>
+            </a:r>
+          </a:p>
+        </p:txBody>
+      </p:sp>
+    </p:spTree>
+    <p:extLst>
+      <p:ext uri="{BB962C8B-B14F-4D97-AF65-F5344CB8AC3E}">
+        <p14:creationId xmlns:p14="http://schemas.microsoft.com/office/powerpoint/2010/main" val="1461973508"/>
+      </p:ext>
+    </p:extLst>
+  </p:cSld>
+  <p:clrMapOvr>
+    <a:masterClrMapping/>
+  </p:clrMapOvr>
+</p:sld>
+</file>
+
+<file path=ppt/slides/slide15.xml><?xml version="1.0" encoding="utf-8"?>
+<p:sld xmlns:a="http://schemas.openxmlformats.org/drawingml/2006/main" xmlns:r="http://schemas.openxmlformats.org/officeDocument/2006/relationships" xmlns:p="http://schemas.openxmlformats.org/presentationml/2006/main">
+  <p:cSld>
+    <p:spTree>
+      <p:nvGrpSpPr>
+        <p:cNvPr id="1" name=""/>
+        <p:cNvGrpSpPr/>
+        <p:nvPr/>
+      </p:nvGrpSpPr>
+      <p:grpSpPr>
+        <a:xfrm>
+          <a:off x="0" y="0"/>
+          <a:ext cx="0" cy="0"/>
+          <a:chOff x="0" y="0"/>
+          <a:chExt cx="0" cy="0"/>
+        </a:xfrm>
+      </p:grpSpPr>
+      <p:sp>
+        <p:nvSpPr>
+          <p:cNvPr id="37" name="직사각형 36">
+            <a:extLst>
+              <a:ext uri="{FF2B5EF4-FFF2-40B4-BE49-F238E27FC236}">
+                <a16:creationId xmlns:a16="http://schemas.microsoft.com/office/drawing/2014/main" id="{3F15C60C-17FE-422D-AFCF-73C75A021362}"/>
+              </a:ext>
+            </a:extLst>
+          </p:cNvPr>
+          <p:cNvSpPr/>
+          <p:nvPr/>
+        </p:nvSpPr>
+        <p:spPr>
+          <a:xfrm>
+            <a:off x="3697172" y="332194"/>
+            <a:ext cx="4713765" cy="735842"/>
+          </a:xfrm>
+          <a:prstGeom prst="rect">
+            <a:avLst/>
+          </a:prstGeom>
+        </p:spPr>
+        <p:txBody>
+          <a:bodyPr wrap="square">
+            <a:spAutoFit/>
+          </a:bodyPr>
+          <a:lstStyle/>
+          <a:p>
+            <a:pPr algn="ctr" latinLnBrk="0">
+              <a:lnSpc>
+                <a:spcPct val="150000"/>
+              </a:lnSpc>
+              <a:defRPr/>
+            </a:pPr>
+            <a:r>
+              <a:rPr lang="en-US" altLang="ko-KR" sz="3200" b="1" i="1" kern="0" dirty="0">
+                <a:solidFill>
+                  <a:srgbClr val="FF7876"/>
+                </a:solidFill>
+              </a:rPr>
+              <a:t>4</a:t>
+            </a:r>
+          </a:p>
+        </p:txBody>
+      </p:sp>
+      <p:cxnSp>
+        <p:nvCxnSpPr>
+          <p:cNvPr id="38" name="직선 연결선 37">
+            <a:extLst>
+              <a:ext uri="{FF2B5EF4-FFF2-40B4-BE49-F238E27FC236}">
+                <a16:creationId xmlns:a16="http://schemas.microsoft.com/office/drawing/2014/main" id="{940134F4-F272-426A-B50B-8075427DF501}"/>
+              </a:ext>
+            </a:extLst>
+          </p:cNvPr>
+          <p:cNvCxnSpPr>
+            <a:cxnSpLocks/>
+          </p:cNvCxnSpPr>
+          <p:nvPr/>
+        </p:nvCxnSpPr>
+        <p:spPr>
+          <a:xfrm flipV="1">
+            <a:off x="843148" y="847712"/>
+            <a:ext cx="4769087" cy="1"/>
+          </a:xfrm>
+          <a:prstGeom prst="line">
+            <a:avLst/>
+          </a:prstGeom>
+          <a:ln w="6350">
+            <a:solidFill>
+              <a:srgbClr val="FF7876"/>
+            </a:solidFill>
+            <a:prstDash val="sysDash"/>
+            <a:tailEnd type="oval"/>
+          </a:ln>
+        </p:spPr>
+        <p:style>
+          <a:lnRef idx="1">
+            <a:schemeClr val="accent1"/>
+          </a:lnRef>
+          <a:fillRef idx="0">
+            <a:schemeClr val="accent1"/>
+          </a:fillRef>
+          <a:effectRef idx="0">
+            <a:schemeClr val="accent1"/>
+          </a:effectRef>
+          <a:fontRef idx="minor">
+            <a:schemeClr val="tx1"/>
+          </a:fontRef>
+        </p:style>
+      </p:cxnSp>
+      <p:cxnSp>
+        <p:nvCxnSpPr>
+          <p:cNvPr id="39" name="직선 연결선 38">
+            <a:extLst>
+              <a:ext uri="{FF2B5EF4-FFF2-40B4-BE49-F238E27FC236}">
+                <a16:creationId xmlns:a16="http://schemas.microsoft.com/office/drawing/2014/main" id="{55EBD739-0979-4546-8E6B-9CA8052FC540}"/>
+              </a:ext>
+            </a:extLst>
+          </p:cNvPr>
+          <p:cNvCxnSpPr>
+            <a:cxnSpLocks/>
+          </p:cNvCxnSpPr>
+          <p:nvPr/>
+        </p:nvCxnSpPr>
+        <p:spPr>
+          <a:xfrm flipH="1">
+            <a:off x="6579767" y="847712"/>
+            <a:ext cx="4692810" cy="0"/>
+          </a:xfrm>
+          <a:prstGeom prst="line">
+            <a:avLst/>
+          </a:prstGeom>
+          <a:ln w="6350">
+            <a:solidFill>
+              <a:srgbClr val="FF7876"/>
+            </a:solidFill>
+            <a:prstDash val="sysDash"/>
+            <a:tailEnd type="oval"/>
+          </a:ln>
+        </p:spPr>
+        <p:style>
+          <a:lnRef idx="1">
+            <a:schemeClr val="accent1"/>
+          </a:lnRef>
+          <a:fillRef idx="0">
+            <a:schemeClr val="accent1"/>
+          </a:fillRef>
+          <a:effectRef idx="0">
+            <a:schemeClr val="accent1"/>
+          </a:effectRef>
+          <a:fontRef idx="minor">
+            <a:schemeClr val="tx1"/>
+          </a:fontRef>
+        </p:style>
+      </p:cxnSp>
+      <p:sp>
+        <p:nvSpPr>
+          <p:cNvPr id="8" name="TextBox 7">
+            <a:extLst>
+              <a:ext uri="{FF2B5EF4-FFF2-40B4-BE49-F238E27FC236}">
+                <a16:creationId xmlns:a16="http://schemas.microsoft.com/office/drawing/2014/main" id="{C18154B9-4F65-4277-8C17-63D9702FC25F}"/>
+              </a:ext>
+            </a:extLst>
+          </p:cNvPr>
+          <p:cNvSpPr txBox="1"/>
+          <p:nvPr/>
+        </p:nvSpPr>
+        <p:spPr>
+          <a:xfrm>
+            <a:off x="765146" y="963122"/>
+            <a:ext cx="10507430" cy="261610"/>
+          </a:xfrm>
+          <a:prstGeom prst="rect">
+            <a:avLst/>
+          </a:prstGeom>
+          <a:noFill/>
+        </p:spPr>
+        <p:txBody>
+          <a:bodyPr wrap="square" rtlCol="0">
+            <a:spAutoFit/>
+          </a:bodyPr>
+          <a:lstStyle/>
+          <a:p>
+            <a:pPr algn="ctr"/>
+            <a:r>
+              <a:rPr lang="ko-KR" altLang="en-US" sz="1100" i="1" dirty="0">
+                <a:solidFill>
+                  <a:srgbClr val="FF7876"/>
+                </a:solidFill>
+              </a:rPr>
+              <a:t>그리드 프로그램</a:t>
+            </a:r>
+            <a:endParaRPr lang="en-US" altLang="ko-KR" sz="1100" i="1" dirty="0">
+              <a:solidFill>
+                <a:srgbClr val="FF7876"/>
+              </a:solidFill>
+            </a:endParaRPr>
+          </a:p>
+        </p:txBody>
+      </p:sp>
+      <p:sp>
+        <p:nvSpPr>
+          <p:cNvPr id="18" name="TextBox 17">
+            <a:extLst>
+              <a:ext uri="{FF2B5EF4-FFF2-40B4-BE49-F238E27FC236}">
+                <a16:creationId xmlns:a16="http://schemas.microsoft.com/office/drawing/2014/main" id="{6D943C5F-1424-2340-B6C8-02302E05F9D4}"/>
+              </a:ext>
+            </a:extLst>
+          </p:cNvPr>
+          <p:cNvSpPr txBox="1"/>
+          <p:nvPr/>
+        </p:nvSpPr>
+        <p:spPr>
+          <a:xfrm>
+            <a:off x="3516867" y="5594796"/>
+            <a:ext cx="5158265" cy="769441"/>
+          </a:xfrm>
+          <a:prstGeom prst="rect">
+            <a:avLst/>
+          </a:prstGeom>
+          <a:noFill/>
+          <a:ln w="12700">
+            <a:solidFill>
+              <a:srgbClr val="FF7876"/>
+            </a:solidFill>
+          </a:ln>
+        </p:spPr>
+        <p:txBody>
+          <a:bodyPr wrap="square" rtlCol="0">
+            <a:spAutoFit/>
+          </a:bodyPr>
+          <a:lstStyle/>
+          <a:p>
+            <a:pPr algn="ctr"/>
+            <a:r>
+              <a:rPr lang="ko-KR" altLang="en-US" sz="1100" dirty="0"/>
+              <a:t>실행 화면입니다</a:t>
+            </a:r>
+            <a:r>
+              <a:rPr lang="en-US" altLang="ko-KR" sz="1100" dirty="0"/>
+              <a:t>.</a:t>
+            </a:r>
+          </a:p>
+          <a:p>
+            <a:pPr algn="ctr"/>
+            <a:r>
+              <a:rPr lang="ko-KR" altLang="en-US" sz="1100" dirty="0"/>
+              <a:t>기본 그리드 화면에서 </a:t>
+            </a:r>
+            <a:r>
+              <a:rPr lang="ko-KR" altLang="en-US" sz="1100" dirty="0" err="1"/>
+              <a:t>그리드칸을</a:t>
+            </a:r>
+            <a:r>
+              <a:rPr lang="ko-KR" altLang="en-US" sz="1100" dirty="0"/>
+              <a:t> </a:t>
+            </a:r>
+            <a:r>
+              <a:rPr lang="ko-KR" altLang="en-US" sz="1100" dirty="0" err="1"/>
+              <a:t>클릭시</a:t>
+            </a:r>
+            <a:endParaRPr lang="en-US" altLang="ko-KR" sz="1100" dirty="0"/>
+          </a:p>
+          <a:p>
+            <a:pPr algn="ctr"/>
+            <a:r>
+              <a:rPr lang="ko-KR" altLang="en-US" sz="1100" dirty="0"/>
+              <a:t>초록색으로 칠한 칸으로 표현하도록 하고</a:t>
+            </a:r>
+            <a:endParaRPr lang="en-US" altLang="ko-KR" sz="1100" dirty="0"/>
+          </a:p>
+          <a:p>
+            <a:pPr algn="ctr"/>
+            <a:r>
+              <a:rPr lang="ko-KR" altLang="en-US" sz="1100" dirty="0"/>
+              <a:t>클릭 좌표 정보가 함께 </a:t>
+            </a:r>
+            <a:r>
+              <a:rPr lang="ko-KR" altLang="en-US" sz="1100" dirty="0" err="1"/>
+              <a:t>출력되는것을</a:t>
+            </a:r>
+            <a:r>
+              <a:rPr lang="ko-KR" altLang="en-US" sz="1100" dirty="0"/>
+              <a:t> 볼 수 있습니다</a:t>
+            </a:r>
+            <a:r>
+              <a:rPr lang="en-US" altLang="ko-KR" sz="1100" dirty="0"/>
+              <a:t>.</a:t>
+            </a:r>
+          </a:p>
+        </p:txBody>
+      </p:sp>
+      <p:pic>
+        <p:nvPicPr>
+          <p:cNvPr id="2" name="그림 1">
+            <a:extLst>
+              <a:ext uri="{FF2B5EF4-FFF2-40B4-BE49-F238E27FC236}">
+                <a16:creationId xmlns:a16="http://schemas.microsoft.com/office/drawing/2014/main" id="{A0EF8637-806A-2942-AAEB-D3D816427B8E}"/>
+              </a:ext>
+            </a:extLst>
+          </p:cNvPr>
+          <p:cNvPicPr>
+            <a:picLocks noChangeAspect="1"/>
+          </p:cNvPicPr>
+          <p:nvPr/>
+        </p:nvPicPr>
+        <p:blipFill>
+          <a:blip r:embed="rId2"/>
+          <a:stretch>
+            <a:fillRect/>
+          </a:stretch>
+        </p:blipFill>
+        <p:spPr>
+          <a:xfrm>
+            <a:off x="6335396" y="2353428"/>
+            <a:ext cx="5000927" cy="2265921"/>
+          </a:xfrm>
+          <a:prstGeom prst="rect">
+            <a:avLst/>
+          </a:prstGeom>
+        </p:spPr>
+      </p:pic>
+      <p:pic>
+        <p:nvPicPr>
+          <p:cNvPr id="4" name="그림 3">
+            <a:extLst>
+              <a:ext uri="{FF2B5EF4-FFF2-40B4-BE49-F238E27FC236}">
+                <a16:creationId xmlns:a16="http://schemas.microsoft.com/office/drawing/2014/main" id="{B19C04CE-62A3-5D4F-A170-0FE5210284C8}"/>
+              </a:ext>
+            </a:extLst>
+          </p:cNvPr>
+          <p:cNvPicPr>
+            <a:picLocks noChangeAspect="1"/>
+          </p:cNvPicPr>
+          <p:nvPr/>
+        </p:nvPicPr>
+        <p:blipFill>
+          <a:blip r:embed="rId3"/>
+          <a:stretch>
+            <a:fillRect/>
+          </a:stretch>
+        </p:blipFill>
+        <p:spPr>
+          <a:xfrm>
+            <a:off x="2236046" y="2225809"/>
+            <a:ext cx="2561641" cy="2757080"/>
+          </a:xfrm>
+          <a:prstGeom prst="rect">
+            <a:avLst/>
+          </a:prstGeom>
+        </p:spPr>
+      </p:pic>
+    </p:spTree>
+    <p:extLst>
+      <p:ext uri="{BB962C8B-B14F-4D97-AF65-F5344CB8AC3E}">
+        <p14:creationId xmlns:p14="http://schemas.microsoft.com/office/powerpoint/2010/main" val="4182352237"/>
+      </p:ext>
+    </p:extLst>
+  </p:cSld>
+  <p:clrMapOvr>
+    <a:masterClrMapping/>
+  </p:clrMapOvr>
+</p:sld>
+</file>
+
+<file path=ppt/slides/slide16.xml><?xml version="1.0" encoding="utf-8"?>
+<p:sld xmlns:a="http://schemas.openxmlformats.org/drawingml/2006/main" xmlns:r="http://schemas.openxmlformats.org/officeDocument/2006/relationships" xmlns:p="http://schemas.openxmlformats.org/presentationml/2006/main">
+  <p:cSld>
+    <p:spTree>
+      <p:nvGrpSpPr>
+        <p:cNvPr id="1" name=""/>
+        <p:cNvGrpSpPr/>
+        <p:nvPr/>
+      </p:nvGrpSpPr>
+      <p:grpSpPr>
+        <a:xfrm>
+          <a:off x="0" y="0"/>
+          <a:ext cx="0" cy="0"/>
+          <a:chOff x="0" y="0"/>
+          <a:chExt cx="0" cy="0"/>
+        </a:xfrm>
+      </p:grpSpPr>
+      <p:sp>
+        <p:nvSpPr>
+          <p:cNvPr id="37" name="직사각형 36">
+            <a:extLst>
+              <a:ext uri="{FF2B5EF4-FFF2-40B4-BE49-F238E27FC236}">
+                <a16:creationId xmlns:a16="http://schemas.microsoft.com/office/drawing/2014/main" id="{3F15C60C-17FE-422D-AFCF-73C75A021362}"/>
+              </a:ext>
+            </a:extLst>
+          </p:cNvPr>
+          <p:cNvSpPr/>
+          <p:nvPr/>
+        </p:nvSpPr>
+        <p:spPr>
+          <a:xfrm>
+            <a:off x="3697172" y="332194"/>
+            <a:ext cx="4713765" cy="735842"/>
+          </a:xfrm>
+          <a:prstGeom prst="rect">
+            <a:avLst/>
+          </a:prstGeom>
+        </p:spPr>
+        <p:txBody>
+          <a:bodyPr wrap="square">
+            <a:spAutoFit/>
+          </a:bodyPr>
+          <a:lstStyle/>
+          <a:p>
+            <a:pPr algn="ctr" latinLnBrk="0">
+              <a:lnSpc>
+                <a:spcPct val="150000"/>
+              </a:lnSpc>
+              <a:defRPr/>
+            </a:pPr>
+            <a:r>
+              <a:rPr lang="en-US" altLang="ko-KR" sz="3200" b="1" i="1" kern="0" dirty="0">
+                <a:solidFill>
+                  <a:srgbClr val="FF7876"/>
+                </a:solidFill>
+              </a:rPr>
+              <a:t>5</a:t>
+            </a:r>
+          </a:p>
+        </p:txBody>
+      </p:sp>
+      <p:cxnSp>
+        <p:nvCxnSpPr>
+          <p:cNvPr id="38" name="직선 연결선 37">
+            <a:extLst>
+              <a:ext uri="{FF2B5EF4-FFF2-40B4-BE49-F238E27FC236}">
+                <a16:creationId xmlns:a16="http://schemas.microsoft.com/office/drawing/2014/main" id="{940134F4-F272-426A-B50B-8075427DF501}"/>
+              </a:ext>
+            </a:extLst>
+          </p:cNvPr>
+          <p:cNvCxnSpPr>
+            <a:cxnSpLocks/>
+          </p:cNvCxnSpPr>
+          <p:nvPr/>
+        </p:nvCxnSpPr>
+        <p:spPr>
+          <a:xfrm flipV="1">
+            <a:off x="843148" y="847712"/>
+            <a:ext cx="4769087" cy="1"/>
+          </a:xfrm>
+          <a:prstGeom prst="line">
+            <a:avLst/>
+          </a:prstGeom>
+          <a:ln w="6350">
+            <a:solidFill>
+              <a:srgbClr val="FF7876"/>
+            </a:solidFill>
+            <a:prstDash val="sysDash"/>
+            <a:tailEnd type="oval"/>
+          </a:ln>
+        </p:spPr>
+        <p:style>
+          <a:lnRef idx="1">
+            <a:schemeClr val="accent1"/>
+          </a:lnRef>
+          <a:fillRef idx="0">
+            <a:schemeClr val="accent1"/>
+          </a:fillRef>
+          <a:effectRef idx="0">
+            <a:schemeClr val="accent1"/>
+          </a:effectRef>
+          <a:fontRef idx="minor">
+            <a:schemeClr val="tx1"/>
+          </a:fontRef>
+        </p:style>
+      </p:cxnSp>
+      <p:cxnSp>
+        <p:nvCxnSpPr>
+          <p:cNvPr id="39" name="직선 연결선 38">
+            <a:extLst>
+              <a:ext uri="{FF2B5EF4-FFF2-40B4-BE49-F238E27FC236}">
+                <a16:creationId xmlns:a16="http://schemas.microsoft.com/office/drawing/2014/main" id="{55EBD739-0979-4546-8E6B-9CA8052FC540}"/>
+              </a:ext>
+            </a:extLst>
+          </p:cNvPr>
+          <p:cNvCxnSpPr>
+            <a:cxnSpLocks/>
+          </p:cNvCxnSpPr>
+          <p:nvPr/>
+        </p:nvCxnSpPr>
+        <p:spPr>
+          <a:xfrm flipH="1">
+            <a:off x="6579767" y="847712"/>
+            <a:ext cx="4692810" cy="0"/>
+          </a:xfrm>
+          <a:prstGeom prst="line">
+            <a:avLst/>
+          </a:prstGeom>
+          <a:ln w="6350">
+            <a:solidFill>
+              <a:srgbClr val="FF7876"/>
+            </a:solidFill>
+            <a:prstDash val="sysDash"/>
+            <a:tailEnd type="oval"/>
+          </a:ln>
+        </p:spPr>
+        <p:style>
+          <a:lnRef idx="1">
+            <a:schemeClr val="accent1"/>
+          </a:lnRef>
+          <a:fillRef idx="0">
+            <a:schemeClr val="accent1"/>
+          </a:fillRef>
+          <a:effectRef idx="0">
+            <a:schemeClr val="accent1"/>
+          </a:effectRef>
+          <a:fontRef idx="minor">
+            <a:schemeClr val="tx1"/>
+          </a:fontRef>
+        </p:style>
+      </p:cxnSp>
+      <p:sp>
+        <p:nvSpPr>
+          <p:cNvPr id="11" name="TextBox 10">
+            <a:extLst>
+              <a:ext uri="{FF2B5EF4-FFF2-40B4-BE49-F238E27FC236}">
+                <a16:creationId xmlns:a16="http://schemas.microsoft.com/office/drawing/2014/main" id="{4B825D75-47BE-4247-BE4D-F7D4F36F4B08}"/>
+              </a:ext>
+            </a:extLst>
+          </p:cNvPr>
+          <p:cNvSpPr txBox="1"/>
+          <p:nvPr/>
+        </p:nvSpPr>
+        <p:spPr>
+          <a:xfrm>
+            <a:off x="2752639" y="5463991"/>
+            <a:ext cx="6686722" cy="430887"/>
+          </a:xfrm>
+          <a:prstGeom prst="rect">
+            <a:avLst/>
+          </a:prstGeom>
+          <a:noFill/>
+          <a:ln w="12700">
+            <a:solidFill>
+              <a:srgbClr val="FF7876"/>
+            </a:solidFill>
+          </a:ln>
+        </p:spPr>
+        <p:txBody>
+          <a:bodyPr wrap="square" rtlCol="0">
+            <a:spAutoFit/>
+          </a:bodyPr>
+          <a:lstStyle/>
+          <a:p>
+            <a:pPr algn="ctr"/>
+            <a:r>
+              <a:rPr lang="ko-Kore-KR" altLang="en-US" sz="1100" dirty="0"/>
+              <a:t>이번과제의 최종 코드와 작업물들은 제 깃에서 확인 가능합니다</a:t>
+            </a:r>
+            <a:r>
+              <a:rPr lang="en-US" altLang="ko-Kore-KR" sz="1100" dirty="0"/>
+              <a:t>.</a:t>
+            </a:r>
+          </a:p>
+          <a:p>
+            <a:pPr algn="ctr"/>
+            <a:r>
+              <a:rPr lang="en-US" altLang="ko-Kore-KR" sz="1100" dirty="0"/>
+              <a:t>https://</a:t>
+            </a:r>
+            <a:r>
+              <a:rPr lang="en-US" altLang="ko-Kore-KR" sz="1100" dirty="0" err="1"/>
+              <a:t>github.com</a:t>
+            </a:r>
+            <a:r>
+              <a:rPr lang="en-US" altLang="ko-Kore-KR" sz="1100" dirty="0"/>
+              <a:t>/yooatom2200/Programing_Base_2/tree/main/10%EC%9E%A5</a:t>
+            </a:r>
+          </a:p>
+        </p:txBody>
+      </p:sp>
+      <p:sp>
+        <p:nvSpPr>
+          <p:cNvPr id="12" name="TextBox 11">
+            <a:extLst>
+              <a:ext uri="{FF2B5EF4-FFF2-40B4-BE49-F238E27FC236}">
+                <a16:creationId xmlns:a16="http://schemas.microsoft.com/office/drawing/2014/main" id="{459CFBE9-C6B1-CE4F-BF6A-3075D8B4C5EF}"/>
+              </a:ext>
+            </a:extLst>
+          </p:cNvPr>
+          <p:cNvSpPr txBox="1"/>
+          <p:nvPr/>
+        </p:nvSpPr>
+        <p:spPr>
+          <a:xfrm>
+            <a:off x="765146" y="963122"/>
+            <a:ext cx="10507430" cy="261610"/>
+          </a:xfrm>
+          <a:prstGeom prst="rect">
+            <a:avLst/>
+          </a:prstGeom>
+          <a:noFill/>
+        </p:spPr>
+        <p:txBody>
+          <a:bodyPr wrap="square" rtlCol="0">
+            <a:spAutoFit/>
+          </a:bodyPr>
+          <a:lstStyle/>
+          <a:p>
+            <a:pPr algn="ctr"/>
+            <a:r>
+              <a:rPr lang="ko-KR" altLang="en-US" sz="1100" i="1">
+                <a:solidFill>
+                  <a:srgbClr val="FF7876"/>
+                </a:solidFill>
+              </a:rPr>
+              <a:t>임의의 프로그램</a:t>
+            </a:r>
+            <a:endParaRPr lang="en-US" altLang="ko-KR" sz="1100" i="1" dirty="0">
+              <a:solidFill>
+                <a:srgbClr val="FF7876"/>
+              </a:solidFill>
+            </a:endParaRPr>
           </a:p>
         </p:txBody>
       </p:sp>
@@ -4494,7 +7711,7 @@
 </p:sld>
 </file>
 
-<file path=ppt/slides/slide11.xml><?xml version="1.0" encoding="utf-8"?>
+<file path=ppt/slides/slide17.xml><?xml version="1.0" encoding="utf-8"?>
 <p:sld xmlns:a="http://schemas.openxmlformats.org/drawingml/2006/main" xmlns:r="http://schemas.openxmlformats.org/officeDocument/2006/relationships" xmlns:p="http://schemas.openxmlformats.org/presentationml/2006/main">
   <p:cSld>
     <p:spTree>
@@ -9163,10 +12380,9 @@
               <a:t>볼 수 있습니다</a:t>
             </a:r>
             <a:r>
-              <a:rPr lang="en-US" altLang="ko-KR" sz="1100"/>
+              <a:rPr lang="en-US" altLang="ko-KR" sz="1100" dirty="0"/>
               <a:t>.</a:t>
             </a:r>
-            <a:endParaRPr lang="en-US" altLang="ko-KR" sz="1100" dirty="0"/>
           </a:p>
         </p:txBody>
       </p:sp>

--- a/12장/20164091-송희령-12장 과제.pptx
+++ b/12장/20164091-송희령-12장 과제.pptx
@@ -20,8 +20,11 @@
     <p:sldId id="411" r:id="rId14"/>
     <p:sldId id="412" r:id="rId15"/>
     <p:sldId id="413" r:id="rId16"/>
-    <p:sldId id="394" r:id="rId17"/>
-    <p:sldId id="258" r:id="rId18"/>
+    <p:sldId id="416" r:id="rId17"/>
+    <p:sldId id="417" r:id="rId18"/>
+    <p:sldId id="418" r:id="rId19"/>
+    <p:sldId id="394" r:id="rId20"/>
+    <p:sldId id="258" r:id="rId21"/>
   </p:sldIdLst>
   <p:sldSz cx="12192000" cy="6858000"/>
   <p:notesSz cx="6858000" cy="9144000"/>
@@ -7547,8 +7550,8 @@
         </p:nvSpPr>
         <p:spPr>
           <a:xfrm>
-            <a:off x="2752639" y="5463991"/>
-            <a:ext cx="6686722" cy="430887"/>
+            <a:off x="2598890" y="6127368"/>
+            <a:ext cx="6686722" cy="261610"/>
           </a:xfrm>
           <a:prstGeom prst="rect">
             <a:avLst/>
@@ -7568,28 +7571,22 @@
           <a:p>
             <a:pPr algn="ctr"/>
             <a:r>
-              <a:rPr lang="ko-Kore-KR" altLang="en-US" sz="1100" dirty="0"/>
-              <a:t>이번과제의 최종 코드와 작업물들은 제 깃에서 확인 가능합니다</a:t>
-            </a:r>
-            <a:r>
-              <a:rPr lang="en-US" altLang="ko-Kore-KR" sz="1100" dirty="0"/>
+              <a:rPr lang="ko-KR" altLang="en-US" sz="1100" dirty="0"/>
+              <a:t>저는 그리드 예시를 바탕으로 간단한 </a:t>
+            </a:r>
+            <a:r>
+              <a:rPr lang="ko-KR" altLang="en-US" sz="1100" dirty="0" err="1"/>
+              <a:t>오목게임을</a:t>
+            </a:r>
+            <a:r>
+              <a:rPr lang="ko-KR" altLang="en-US" sz="1100" dirty="0"/>
+              <a:t> 구현하였습니다</a:t>
+            </a:r>
+            <a:r>
+              <a:rPr lang="en-US" altLang="ko-KR" sz="1100" dirty="0"/>
               <a:t>.</a:t>
             </a:r>
-          </a:p>
-          <a:p>
-            <a:pPr algn="ctr"/>
-            <a:r>
-              <a:rPr lang="en-US" altLang="ko-Kore-KR" sz="1100" dirty="0"/>
-              <a:t>https://</a:t>
-            </a:r>
-            <a:r>
-              <a:rPr lang="en-US" altLang="ko-Kore-KR" sz="1100" dirty="0" err="1"/>
-              <a:t>github.com</a:t>
-            </a:r>
-            <a:r>
-              <a:rPr lang="en-US" altLang="ko-Kore-KR" sz="1100" dirty="0"/>
-              <a:t>/yooatom2200/Programing_Base_2/tree/main/10%EC%9E%A5</a:t>
-            </a:r>
+            <a:endParaRPr lang="en-US" altLang="ko-Kore-KR" sz="1100" dirty="0"/>
           </a:p>
         </p:txBody>
       </p:sp>
@@ -7623,7 +7620,7 @@
           <a:p>
             <a:pPr algn="ctr"/>
             <a:r>
-              <a:rPr lang="ko-KR" altLang="en-US" sz="1100" i="1">
+              <a:rPr lang="ko-KR" altLang="en-US" sz="1100" i="1" dirty="0">
                 <a:solidFill>
                   <a:srgbClr val="FF7876"/>
                 </a:solidFill>
@@ -7640,10 +7637,10 @@
       </p:sp>
       <p:pic>
         <p:nvPicPr>
-          <p:cNvPr id="2" name="그림 1">
-            <a:extLst>
-              <a:ext uri="{FF2B5EF4-FFF2-40B4-BE49-F238E27FC236}">
-                <a16:creationId xmlns:a16="http://schemas.microsoft.com/office/drawing/2014/main" id="{82598BFB-5043-6A4F-B4CF-E860283D469A}"/>
+          <p:cNvPr id="4" name="그림 3">
+            <a:extLst>
+              <a:ext uri="{FF2B5EF4-FFF2-40B4-BE49-F238E27FC236}">
+                <a16:creationId xmlns:a16="http://schemas.microsoft.com/office/drawing/2014/main" id="{CC672D5B-F580-154C-B61D-00E8EC339B16}"/>
               </a:ext>
             </a:extLst>
           </p:cNvPr>
@@ -7660,8 +7657,8 @@
         </p:blipFill>
         <p:spPr>
           <a:xfrm>
-            <a:off x="6096000" y="1698963"/>
-            <a:ext cx="5874819" cy="3373973"/>
+            <a:off x="6518404" y="1340141"/>
+            <a:ext cx="4480980" cy="4802623"/>
           </a:xfrm>
           <a:prstGeom prst="rect">
             <a:avLst/>
@@ -7670,10 +7667,10 @@
       </p:pic>
       <p:pic>
         <p:nvPicPr>
-          <p:cNvPr id="3" name="그림 2">
-            <a:extLst>
-              <a:ext uri="{FF2B5EF4-FFF2-40B4-BE49-F238E27FC236}">
-                <a16:creationId xmlns:a16="http://schemas.microsoft.com/office/drawing/2014/main" id="{F08E6538-5C0B-7446-911B-C3EC6868F10F}"/>
+          <p:cNvPr id="5" name="그림 4">
+            <a:extLst>
+              <a:ext uri="{FF2B5EF4-FFF2-40B4-BE49-F238E27FC236}">
+                <a16:creationId xmlns:a16="http://schemas.microsoft.com/office/drawing/2014/main" id="{E16F604B-4866-054A-92BD-46E26E5B0052}"/>
               </a:ext>
             </a:extLst>
           </p:cNvPr>
@@ -7690,8 +7687,8 @@
         </p:blipFill>
         <p:spPr>
           <a:xfrm>
-            <a:off x="196741" y="1698963"/>
-            <a:ext cx="5899259" cy="3388009"/>
+            <a:off x="1985011" y="1919191"/>
+            <a:ext cx="3544545" cy="3814974"/>
           </a:xfrm>
           <a:prstGeom prst="rect">
             <a:avLst/>
@@ -7701,7 +7698,7 @@
     </p:spTree>
     <p:extLst>
       <p:ext uri="{BB962C8B-B14F-4D97-AF65-F5344CB8AC3E}">
-        <p14:creationId xmlns:p14="http://schemas.microsoft.com/office/powerpoint/2010/main" val="887750796"/>
+        <p14:creationId xmlns:p14="http://schemas.microsoft.com/office/powerpoint/2010/main" val="225982889"/>
       </p:ext>
     </p:extLst>
   </p:cSld>
@@ -7730,10 +7727,10 @@
       </p:grpSpPr>
       <p:sp>
         <p:nvSpPr>
-          <p:cNvPr id="105" name="직사각형 104">
-            <a:extLst>
-              <a:ext uri="{FF2B5EF4-FFF2-40B4-BE49-F238E27FC236}">
-                <a16:creationId xmlns:a16="http://schemas.microsoft.com/office/drawing/2014/main" id="{92F4E01E-679C-4D6B-8449-8DB2AF7B7D34}"/>
+          <p:cNvPr id="37" name="직사각형 36">
+            <a:extLst>
+              <a:ext uri="{FF2B5EF4-FFF2-40B4-BE49-F238E27FC236}">
+                <a16:creationId xmlns:a16="http://schemas.microsoft.com/office/drawing/2014/main" id="{3F15C60C-17FE-422D-AFCF-73C75A021362}"/>
               </a:ext>
             </a:extLst>
           </p:cNvPr>
@@ -7742,8 +7739,8 @@
         </p:nvSpPr>
         <p:spPr>
           <a:xfrm>
-            <a:off x="3739117" y="3003678"/>
-            <a:ext cx="4713765" cy="1032077"/>
+            <a:off x="3697172" y="332194"/>
+            <a:ext cx="4713765" cy="735842"/>
           </a:xfrm>
           <a:prstGeom prst="rect">
             <a:avLst/>
@@ -7762,79 +7759,22 @@
               <a:defRPr/>
             </a:pPr>
             <a:r>
-              <a:rPr lang="ko-KR" altLang="en-US" sz="3200" b="1" i="1" kern="0">
+              <a:rPr lang="en-US" altLang="ko-KR" sz="3200" b="1" i="1" kern="0" dirty="0">
                 <a:solidFill>
                   <a:srgbClr val="FF7876"/>
                 </a:solidFill>
               </a:rPr>
-              <a:t>감사합니다</a:t>
-            </a:r>
-            <a:r>
-              <a:rPr lang="en-US" altLang="ko-KR" sz="3200" b="1" i="1" kern="0">
-                <a:solidFill>
-                  <a:prstClr val="black">
-                    <a:lumMod val="75000"/>
-                    <a:lumOff val="25000"/>
-                  </a:prstClr>
-                </a:solidFill>
-              </a:rPr>
-              <a:t> </a:t>
-            </a:r>
-            <a:endParaRPr lang="en-US" altLang="ko-KR" sz="3200" b="1" i="1" kern="0" dirty="0">
-              <a:solidFill>
-                <a:prstClr val="black">
-                  <a:lumMod val="75000"/>
-                  <a:lumOff val="25000"/>
-                </a:prstClr>
-              </a:solidFill>
-            </a:endParaRPr>
-          </a:p>
-          <a:p>
-            <a:pPr algn="ctr" latinLnBrk="0">
-              <a:lnSpc>
-                <a:spcPct val="150000"/>
-              </a:lnSpc>
-              <a:defRPr/>
-            </a:pPr>
-            <a:r>
-              <a:rPr lang="en-US" altLang="ko-KR" sz="900" kern="0">
-                <a:solidFill>
-                  <a:prstClr val="black">
-                    <a:lumMod val="75000"/>
-                    <a:lumOff val="25000"/>
-                  </a:prstClr>
-                </a:solidFill>
-              </a:rPr>
-              <a:t>20164091 </a:t>
-            </a:r>
-            <a:r>
-              <a:rPr lang="ko-KR" altLang="en-US" sz="900" kern="0">
-                <a:solidFill>
-                  <a:prstClr val="black">
-                    <a:lumMod val="75000"/>
-                    <a:lumOff val="25000"/>
-                  </a:prstClr>
-                </a:solidFill>
-              </a:rPr>
-              <a:t>송희령</a:t>
-            </a:r>
-            <a:endParaRPr lang="en-US" altLang="ko-KR" sz="900" kern="0" dirty="0">
-              <a:solidFill>
-                <a:prstClr val="black">
-                  <a:lumMod val="75000"/>
-                  <a:lumOff val="25000"/>
-                </a:prstClr>
-              </a:solidFill>
-            </a:endParaRPr>
+              <a:t>5</a:t>
+            </a:r>
           </a:p>
         </p:txBody>
       </p:sp>
       <p:cxnSp>
         <p:nvCxnSpPr>
-          <p:cNvPr id="25" name="직선 연결선 24">
-            <a:extLst>
-              <a:ext uri="{FF2B5EF4-FFF2-40B4-BE49-F238E27FC236}">
-                <a16:creationId xmlns:a16="http://schemas.microsoft.com/office/drawing/2014/main" id="{5C950320-1D5A-4C58-BB46-CEBCD7EA92EE}"/>
+          <p:cNvPr id="38" name="직선 연결선 37">
+            <a:extLst>
+              <a:ext uri="{FF2B5EF4-FFF2-40B4-BE49-F238E27FC236}">
+                <a16:creationId xmlns:a16="http://schemas.microsoft.com/office/drawing/2014/main" id="{940134F4-F272-426A-B50B-8075427DF501}"/>
               </a:ext>
             </a:extLst>
           </p:cNvPr>
@@ -7845,8 +7785,8 @@
         </p:nvCxnSpPr>
         <p:spPr>
           <a:xfrm flipV="1">
-            <a:off x="859926" y="3518678"/>
-            <a:ext cx="3747936" cy="519"/>
+            <a:off x="843148" y="847712"/>
+            <a:ext cx="4769087" cy="1"/>
           </a:xfrm>
           <a:prstGeom prst="line">
             <a:avLst/>
@@ -7876,10 +7816,10 @@
       </p:cxnSp>
       <p:cxnSp>
         <p:nvCxnSpPr>
-          <p:cNvPr id="26" name="직선 연결선 25">
-            <a:extLst>
-              <a:ext uri="{FF2B5EF4-FFF2-40B4-BE49-F238E27FC236}">
-                <a16:creationId xmlns:a16="http://schemas.microsoft.com/office/drawing/2014/main" id="{4BADCF3C-651C-44CD-8DEE-E875CC3C1444}"/>
+          <p:cNvPr id="39" name="직선 연결선 38">
+            <a:extLst>
+              <a:ext uri="{FF2B5EF4-FFF2-40B4-BE49-F238E27FC236}">
+                <a16:creationId xmlns:a16="http://schemas.microsoft.com/office/drawing/2014/main" id="{55EBD739-0979-4546-8E6B-9CA8052FC540}"/>
               </a:ext>
             </a:extLst>
           </p:cNvPr>
@@ -7890,8 +7830,8 @@
         </p:nvCxnSpPr>
         <p:spPr>
           <a:xfrm flipH="1">
-            <a:off x="7584140" y="3519196"/>
-            <a:ext cx="3688436" cy="0"/>
+            <a:off x="6579767" y="847712"/>
+            <a:ext cx="4692810" cy="0"/>
           </a:xfrm>
           <a:prstGeom prst="line">
             <a:avLst/>
@@ -7919,10 +7859,2049 @@
           </a:fontRef>
         </p:style>
       </p:cxnSp>
+      <p:sp>
+        <p:nvSpPr>
+          <p:cNvPr id="12" name="TextBox 11">
+            <a:extLst>
+              <a:ext uri="{FF2B5EF4-FFF2-40B4-BE49-F238E27FC236}">
+                <a16:creationId xmlns:a16="http://schemas.microsoft.com/office/drawing/2014/main" id="{459CFBE9-C6B1-CE4F-BF6A-3075D8B4C5EF}"/>
+              </a:ext>
+            </a:extLst>
+          </p:cNvPr>
+          <p:cNvSpPr txBox="1"/>
+          <p:nvPr/>
+        </p:nvSpPr>
+        <p:spPr>
+          <a:xfrm>
+            <a:off x="765146" y="963122"/>
+            <a:ext cx="10507430" cy="261610"/>
+          </a:xfrm>
+          <a:prstGeom prst="rect">
+            <a:avLst/>
+          </a:prstGeom>
+          <a:noFill/>
+        </p:spPr>
+        <p:txBody>
+          <a:bodyPr wrap="square" rtlCol="0">
+            <a:spAutoFit/>
+          </a:bodyPr>
+          <a:lstStyle/>
+          <a:p>
+            <a:pPr algn="ctr"/>
+            <a:r>
+              <a:rPr lang="ko-KR" altLang="en-US" sz="1100" i="1" dirty="0">
+                <a:solidFill>
+                  <a:srgbClr val="FF7876"/>
+                </a:solidFill>
+              </a:rPr>
+              <a:t>임의의 프로그램</a:t>
+            </a:r>
+            <a:endParaRPr lang="en-US" altLang="ko-KR" sz="1100" i="1" dirty="0">
+              <a:solidFill>
+                <a:srgbClr val="FF7876"/>
+              </a:solidFill>
+            </a:endParaRPr>
+          </a:p>
+        </p:txBody>
+      </p:sp>
+      <p:pic>
+        <p:nvPicPr>
+          <p:cNvPr id="2" name="그림 1">
+            <a:extLst>
+              <a:ext uri="{FF2B5EF4-FFF2-40B4-BE49-F238E27FC236}">
+                <a16:creationId xmlns:a16="http://schemas.microsoft.com/office/drawing/2014/main" id="{29CBD49C-F09B-9B4D-BA4D-E915BEF04583}"/>
+              </a:ext>
+            </a:extLst>
+          </p:cNvPr>
+          <p:cNvPicPr>
+            <a:picLocks noChangeAspect="1"/>
+          </p:cNvPicPr>
+          <p:nvPr/>
+        </p:nvPicPr>
+        <p:blipFill>
+          <a:blip r:embed="rId2"/>
+          <a:stretch>
+            <a:fillRect/>
+          </a:stretch>
+        </p:blipFill>
+        <p:spPr>
+          <a:xfrm>
+            <a:off x="1659613" y="1297931"/>
+            <a:ext cx="2372651" cy="1663840"/>
+          </a:xfrm>
+          <a:prstGeom prst="rect">
+            <a:avLst/>
+          </a:prstGeom>
+        </p:spPr>
+      </p:pic>
+      <p:sp>
+        <p:nvSpPr>
+          <p:cNvPr id="10" name="TextBox 9">
+            <a:extLst>
+              <a:ext uri="{FF2B5EF4-FFF2-40B4-BE49-F238E27FC236}">
+                <a16:creationId xmlns:a16="http://schemas.microsoft.com/office/drawing/2014/main" id="{EEF6952C-CAF5-CE48-B050-E6C4C8FCA928}"/>
+              </a:ext>
+            </a:extLst>
+          </p:cNvPr>
+          <p:cNvSpPr txBox="1"/>
+          <p:nvPr/>
+        </p:nvSpPr>
+        <p:spPr>
+          <a:xfrm>
+            <a:off x="6351042" y="1698964"/>
+            <a:ext cx="5158265" cy="430887"/>
+          </a:xfrm>
+          <a:prstGeom prst="rect">
+            <a:avLst/>
+          </a:prstGeom>
+          <a:noFill/>
+          <a:ln w="12700">
+            <a:solidFill>
+              <a:srgbClr val="FF7876"/>
+            </a:solidFill>
+          </a:ln>
+        </p:spPr>
+        <p:txBody>
+          <a:bodyPr wrap="square" rtlCol="0">
+            <a:spAutoFit/>
+          </a:bodyPr>
+          <a:lstStyle/>
+          <a:p>
+            <a:pPr algn="ctr"/>
+            <a:r>
+              <a:rPr lang="ko-KR" altLang="en-US" sz="1100" dirty="0"/>
+              <a:t>그리드 칸수는 </a:t>
+            </a:r>
+            <a:r>
+              <a:rPr lang="en-US" altLang="ko-KR" sz="1100" dirty="0"/>
+              <a:t>20x20</a:t>
+            </a:r>
+            <a:r>
+              <a:rPr lang="ko-KR" altLang="en-US" sz="1100" dirty="0" err="1"/>
+              <a:t>으로</a:t>
+            </a:r>
+            <a:r>
+              <a:rPr lang="ko-KR" altLang="en-US" sz="1100" dirty="0"/>
+              <a:t> 설정하였으며</a:t>
+            </a:r>
+            <a:endParaRPr lang="en-US" altLang="ko-KR" sz="1100" dirty="0"/>
+          </a:p>
+          <a:p>
+            <a:pPr algn="ctr"/>
+            <a:r>
+              <a:rPr lang="ko-KR" altLang="en-US" sz="1100" dirty="0" err="1"/>
+              <a:t>파이게임</a:t>
+            </a:r>
+            <a:r>
+              <a:rPr lang="ko-KR" altLang="en-US" sz="1100" dirty="0"/>
+              <a:t> 윈도우 크기는 </a:t>
+            </a:r>
+            <a:r>
+              <a:rPr lang="en-US" altLang="ko-KR" sz="1100" dirty="0"/>
+              <a:t>905x950</a:t>
+            </a:r>
+            <a:r>
+              <a:rPr lang="ko-KR" altLang="en-US" sz="1100" dirty="0" err="1"/>
+              <a:t>으로</a:t>
+            </a:r>
+            <a:r>
+              <a:rPr lang="ko-KR" altLang="en-US" sz="1100" dirty="0"/>
+              <a:t> 설정하였습니다</a:t>
+            </a:r>
+            <a:r>
+              <a:rPr lang="en-US" altLang="ko-KR" sz="1100" dirty="0"/>
+              <a:t>.</a:t>
+            </a:r>
+          </a:p>
+        </p:txBody>
+      </p:sp>
+      <p:cxnSp>
+        <p:nvCxnSpPr>
+          <p:cNvPr id="13" name="직선 화살표 연결선 12">
+            <a:extLst>
+              <a:ext uri="{FF2B5EF4-FFF2-40B4-BE49-F238E27FC236}">
+                <a16:creationId xmlns:a16="http://schemas.microsoft.com/office/drawing/2014/main" id="{1B289DDD-532D-4347-9C91-1F6B3ACA43A2}"/>
+              </a:ext>
+            </a:extLst>
+          </p:cNvPr>
+          <p:cNvCxnSpPr>
+            <a:cxnSpLocks/>
+          </p:cNvCxnSpPr>
+          <p:nvPr/>
+        </p:nvCxnSpPr>
+        <p:spPr>
+          <a:xfrm>
+            <a:off x="4032264" y="1908604"/>
+            <a:ext cx="2318778" cy="0"/>
+          </a:xfrm>
+          <a:prstGeom prst="straightConnector1">
+            <a:avLst/>
+          </a:prstGeom>
+          <a:ln w="12700">
+            <a:solidFill>
+              <a:srgbClr val="FF7876"/>
+            </a:solidFill>
+            <a:tailEnd type="triangle"/>
+          </a:ln>
+        </p:spPr>
+        <p:style>
+          <a:lnRef idx="1">
+            <a:schemeClr val="accent1"/>
+          </a:lnRef>
+          <a:fillRef idx="0">
+            <a:schemeClr val="accent1"/>
+          </a:fillRef>
+          <a:effectRef idx="0">
+            <a:schemeClr val="accent1"/>
+          </a:effectRef>
+          <a:fontRef idx="minor">
+            <a:schemeClr val="tx1"/>
+          </a:fontRef>
+        </p:style>
+      </p:cxnSp>
+      <p:sp>
+        <p:nvSpPr>
+          <p:cNvPr id="14" name="TextBox 13">
+            <a:extLst>
+              <a:ext uri="{FF2B5EF4-FFF2-40B4-BE49-F238E27FC236}">
+                <a16:creationId xmlns:a16="http://schemas.microsoft.com/office/drawing/2014/main" id="{3FA9DF80-417B-354A-92EB-9B4374EAFD8F}"/>
+              </a:ext>
+            </a:extLst>
+          </p:cNvPr>
+          <p:cNvSpPr txBox="1"/>
+          <p:nvPr/>
+        </p:nvSpPr>
+        <p:spPr>
+          <a:xfrm>
+            <a:off x="1659613" y="1297931"/>
+            <a:ext cx="2372650" cy="1663840"/>
+          </a:xfrm>
+          <a:prstGeom prst="rect">
+            <a:avLst/>
+          </a:prstGeom>
+          <a:noFill/>
+          <a:ln w="12700">
+            <a:solidFill>
+              <a:srgbClr val="FF7876"/>
+            </a:solidFill>
+          </a:ln>
+        </p:spPr>
+        <p:txBody>
+          <a:bodyPr wrap="square" rtlCol="0">
+            <a:spAutoFit/>
+          </a:bodyPr>
+          <a:lstStyle/>
+          <a:p>
+            <a:pPr algn="ctr"/>
+            <a:endParaRPr lang="en-US" altLang="ko-Kore-KR" sz="1100" dirty="0"/>
+          </a:p>
+        </p:txBody>
+      </p:sp>
+      <p:pic>
+        <p:nvPicPr>
+          <p:cNvPr id="7" name="그림 6">
+            <a:extLst>
+              <a:ext uri="{FF2B5EF4-FFF2-40B4-BE49-F238E27FC236}">
+                <a16:creationId xmlns:a16="http://schemas.microsoft.com/office/drawing/2014/main" id="{BD62D442-450C-BC4C-B25D-B137A7AC0FE1}"/>
+              </a:ext>
+            </a:extLst>
+          </p:cNvPr>
+          <p:cNvPicPr>
+            <a:picLocks noChangeAspect="1"/>
+          </p:cNvPicPr>
+          <p:nvPr/>
+        </p:nvPicPr>
+        <p:blipFill>
+          <a:blip r:embed="rId3"/>
+          <a:stretch>
+            <a:fillRect/>
+          </a:stretch>
+        </p:blipFill>
+        <p:spPr>
+          <a:xfrm>
+            <a:off x="1235755" y="3044828"/>
+            <a:ext cx="3713500" cy="3480979"/>
+          </a:xfrm>
+          <a:prstGeom prst="rect">
+            <a:avLst/>
+          </a:prstGeom>
+        </p:spPr>
+      </p:pic>
+      <p:sp>
+        <p:nvSpPr>
+          <p:cNvPr id="16" name="TextBox 15">
+            <a:extLst>
+              <a:ext uri="{FF2B5EF4-FFF2-40B4-BE49-F238E27FC236}">
+                <a16:creationId xmlns:a16="http://schemas.microsoft.com/office/drawing/2014/main" id="{E6BE93F1-97C1-FF43-9139-8F81011C9483}"/>
+              </a:ext>
+            </a:extLst>
+          </p:cNvPr>
+          <p:cNvSpPr txBox="1"/>
+          <p:nvPr/>
+        </p:nvSpPr>
+        <p:spPr>
+          <a:xfrm>
+            <a:off x="1881903" y="3621367"/>
+            <a:ext cx="2390691" cy="1508983"/>
+          </a:xfrm>
+          <a:prstGeom prst="rect">
+            <a:avLst/>
+          </a:prstGeom>
+          <a:noFill/>
+          <a:ln w="12700">
+            <a:solidFill>
+              <a:srgbClr val="FF7876"/>
+            </a:solidFill>
+          </a:ln>
+        </p:spPr>
+        <p:txBody>
+          <a:bodyPr wrap="square" rtlCol="0">
+            <a:spAutoFit/>
+          </a:bodyPr>
+          <a:lstStyle/>
+          <a:p>
+            <a:pPr algn="ctr"/>
+            <a:endParaRPr lang="en-US" altLang="ko-Kore-KR" sz="1100" dirty="0"/>
+          </a:p>
+        </p:txBody>
+      </p:sp>
+      <p:cxnSp>
+        <p:nvCxnSpPr>
+          <p:cNvPr id="17" name="직선 화살표 연결선 16">
+            <a:extLst>
+              <a:ext uri="{FF2B5EF4-FFF2-40B4-BE49-F238E27FC236}">
+                <a16:creationId xmlns:a16="http://schemas.microsoft.com/office/drawing/2014/main" id="{3CBB2853-A975-D04C-B783-7F5057A56FF9}"/>
+              </a:ext>
+            </a:extLst>
+          </p:cNvPr>
+          <p:cNvCxnSpPr>
+            <a:cxnSpLocks/>
+          </p:cNvCxnSpPr>
+          <p:nvPr/>
+        </p:nvCxnSpPr>
+        <p:spPr>
+          <a:xfrm flipV="1">
+            <a:off x="4272594" y="3621367"/>
+            <a:ext cx="1885445" cy="1762"/>
+          </a:xfrm>
+          <a:prstGeom prst="straightConnector1">
+            <a:avLst/>
+          </a:prstGeom>
+          <a:ln w="12700">
+            <a:solidFill>
+              <a:srgbClr val="FF7876"/>
+            </a:solidFill>
+            <a:tailEnd type="triangle"/>
+          </a:ln>
+        </p:spPr>
+        <p:style>
+          <a:lnRef idx="1">
+            <a:schemeClr val="accent1"/>
+          </a:lnRef>
+          <a:fillRef idx="0">
+            <a:schemeClr val="accent1"/>
+          </a:fillRef>
+          <a:effectRef idx="0">
+            <a:schemeClr val="accent1"/>
+          </a:effectRef>
+          <a:fontRef idx="minor">
+            <a:schemeClr val="tx1"/>
+          </a:fontRef>
+        </p:style>
+      </p:cxnSp>
+      <p:sp>
+        <p:nvSpPr>
+          <p:cNvPr id="18" name="TextBox 17">
+            <a:extLst>
+              <a:ext uri="{FF2B5EF4-FFF2-40B4-BE49-F238E27FC236}">
+                <a16:creationId xmlns:a16="http://schemas.microsoft.com/office/drawing/2014/main" id="{60D08A8B-8C3B-7142-9AAF-A7FBE9B50BAA}"/>
+              </a:ext>
+            </a:extLst>
+          </p:cNvPr>
+          <p:cNvSpPr txBox="1"/>
+          <p:nvPr/>
+        </p:nvSpPr>
+        <p:spPr>
+          <a:xfrm>
+            <a:off x="6158039" y="3490562"/>
+            <a:ext cx="5158265" cy="769441"/>
+          </a:xfrm>
+          <a:prstGeom prst="rect">
+            <a:avLst/>
+          </a:prstGeom>
+          <a:noFill/>
+          <a:ln w="12700">
+            <a:solidFill>
+              <a:srgbClr val="FF7876"/>
+            </a:solidFill>
+          </a:ln>
+        </p:spPr>
+        <p:txBody>
+          <a:bodyPr wrap="square" rtlCol="0">
+            <a:spAutoFit/>
+          </a:bodyPr>
+          <a:lstStyle/>
+          <a:p>
+            <a:pPr lvl="1" algn="ctr"/>
+            <a:r>
+              <a:rPr lang="ko-KR" altLang="en-US" sz="1100" dirty="0"/>
+              <a:t>버튼 </a:t>
+            </a:r>
+            <a:r>
+              <a:rPr lang="ko-KR" altLang="en-US" sz="1100" dirty="0" err="1"/>
+              <a:t>클릭시</a:t>
+            </a:r>
+            <a:r>
+              <a:rPr lang="ko-KR" altLang="en-US" sz="1100" dirty="0"/>
+              <a:t> 진행할 </a:t>
+            </a:r>
+            <a:r>
+              <a:rPr lang="ko-KR" altLang="en-US" sz="1100" dirty="0" err="1"/>
+              <a:t>이벤트중</a:t>
+            </a:r>
+            <a:r>
+              <a:rPr lang="ko-KR" altLang="en-US" sz="1100" dirty="0"/>
+              <a:t> 초기화 버튼 영역 </a:t>
+            </a:r>
+            <a:r>
+              <a:rPr lang="ko-KR" altLang="en-US" sz="1100" dirty="0" err="1"/>
+              <a:t>클릭시</a:t>
+            </a:r>
+            <a:endParaRPr lang="en-US" altLang="ko-KR" sz="1100" dirty="0"/>
+          </a:p>
+          <a:p>
+            <a:pPr lvl="1" algn="ctr"/>
+            <a:r>
+              <a:rPr lang="ko-KR" altLang="en-US" sz="1100" dirty="0"/>
+              <a:t>작동할 문구 입니다</a:t>
+            </a:r>
+            <a:r>
+              <a:rPr lang="en-US" altLang="ko-KR" sz="1100" dirty="0"/>
+              <a:t>.</a:t>
+            </a:r>
+          </a:p>
+          <a:p>
+            <a:pPr lvl="1" algn="ctr"/>
+            <a:r>
+              <a:rPr lang="ko-KR" altLang="en-US" sz="1100" dirty="0"/>
+              <a:t>모든 조건검사요소를 초기화시키고 그리드배열까지 </a:t>
+            </a:r>
+            <a:r>
+              <a:rPr lang="ko-KR" altLang="en-US" sz="1100" dirty="0" err="1"/>
+              <a:t>초기화시켜</a:t>
+            </a:r>
+            <a:endParaRPr lang="en-US" altLang="ko-KR" sz="1100" dirty="0"/>
+          </a:p>
+          <a:p>
+            <a:pPr lvl="1" algn="ctr"/>
+            <a:r>
+              <a:rPr lang="ko-KR" altLang="en-US" sz="1100" dirty="0"/>
+              <a:t>게임을 초기상태로 </a:t>
+            </a:r>
+            <a:r>
+              <a:rPr lang="ko-KR" altLang="en-US" sz="1100" dirty="0" err="1"/>
+              <a:t>설정하게합니다</a:t>
+            </a:r>
+            <a:r>
+              <a:rPr lang="en-US" altLang="ko-KR" sz="1100" dirty="0"/>
+              <a:t>.</a:t>
+            </a:r>
+          </a:p>
+        </p:txBody>
+      </p:sp>
+      <p:sp>
+        <p:nvSpPr>
+          <p:cNvPr id="20" name="TextBox 19">
+            <a:extLst>
+              <a:ext uri="{FF2B5EF4-FFF2-40B4-BE49-F238E27FC236}">
+                <a16:creationId xmlns:a16="http://schemas.microsoft.com/office/drawing/2014/main" id="{F1EBCFC7-AA04-5544-95E9-FF551BDA1B4F}"/>
+              </a:ext>
+            </a:extLst>
+          </p:cNvPr>
+          <p:cNvSpPr txBox="1"/>
+          <p:nvPr/>
+        </p:nvSpPr>
+        <p:spPr>
+          <a:xfrm>
+            <a:off x="2171868" y="5236108"/>
+            <a:ext cx="2777387" cy="1030465"/>
+          </a:xfrm>
+          <a:prstGeom prst="rect">
+            <a:avLst/>
+          </a:prstGeom>
+          <a:noFill/>
+          <a:ln w="12700">
+            <a:solidFill>
+              <a:srgbClr val="FF7876"/>
+            </a:solidFill>
+          </a:ln>
+        </p:spPr>
+        <p:txBody>
+          <a:bodyPr wrap="square" rtlCol="0">
+            <a:spAutoFit/>
+          </a:bodyPr>
+          <a:lstStyle/>
+          <a:p>
+            <a:pPr algn="ctr"/>
+            <a:endParaRPr lang="en-US" altLang="ko-Kore-KR" sz="1100" dirty="0"/>
+          </a:p>
+        </p:txBody>
+      </p:sp>
+      <p:cxnSp>
+        <p:nvCxnSpPr>
+          <p:cNvPr id="21" name="직선 화살표 연결선 20">
+            <a:extLst>
+              <a:ext uri="{FF2B5EF4-FFF2-40B4-BE49-F238E27FC236}">
+                <a16:creationId xmlns:a16="http://schemas.microsoft.com/office/drawing/2014/main" id="{F2B26780-154A-4F4C-999D-F49A0A0C8052}"/>
+              </a:ext>
+            </a:extLst>
+          </p:cNvPr>
+          <p:cNvCxnSpPr>
+            <a:cxnSpLocks/>
+            <a:endCxn id="23" idx="1"/>
+          </p:cNvCxnSpPr>
+          <p:nvPr/>
+        </p:nvCxnSpPr>
+        <p:spPr>
+          <a:xfrm flipV="1">
+            <a:off x="4949255" y="4950276"/>
+            <a:ext cx="1208784" cy="492180"/>
+          </a:xfrm>
+          <a:prstGeom prst="straightConnector1">
+            <a:avLst/>
+          </a:prstGeom>
+          <a:ln w="12700">
+            <a:solidFill>
+              <a:srgbClr val="FF7876"/>
+            </a:solidFill>
+            <a:tailEnd type="triangle"/>
+          </a:ln>
+        </p:spPr>
+        <p:style>
+          <a:lnRef idx="1">
+            <a:schemeClr val="accent1"/>
+          </a:lnRef>
+          <a:fillRef idx="0">
+            <a:schemeClr val="accent1"/>
+          </a:fillRef>
+          <a:effectRef idx="0">
+            <a:schemeClr val="accent1"/>
+          </a:effectRef>
+          <a:fontRef idx="minor">
+            <a:schemeClr val="tx1"/>
+          </a:fontRef>
+        </p:style>
+      </p:cxnSp>
+      <p:sp>
+        <p:nvSpPr>
+          <p:cNvPr id="23" name="TextBox 22">
+            <a:extLst>
+              <a:ext uri="{FF2B5EF4-FFF2-40B4-BE49-F238E27FC236}">
+                <a16:creationId xmlns:a16="http://schemas.microsoft.com/office/drawing/2014/main" id="{12996697-0439-D842-8CFD-64629E472015}"/>
+              </a:ext>
+            </a:extLst>
+          </p:cNvPr>
+          <p:cNvSpPr txBox="1"/>
+          <p:nvPr/>
+        </p:nvSpPr>
+        <p:spPr>
+          <a:xfrm>
+            <a:off x="6158039" y="4734832"/>
+            <a:ext cx="5158265" cy="430887"/>
+          </a:xfrm>
+          <a:prstGeom prst="rect">
+            <a:avLst/>
+          </a:prstGeom>
+          <a:noFill/>
+          <a:ln w="12700">
+            <a:solidFill>
+              <a:srgbClr val="FF7876"/>
+            </a:solidFill>
+          </a:ln>
+        </p:spPr>
+        <p:txBody>
+          <a:bodyPr wrap="square" rtlCol="0">
+            <a:spAutoFit/>
+          </a:bodyPr>
+          <a:lstStyle/>
+          <a:p>
+            <a:pPr lvl="1" algn="ctr"/>
+            <a:r>
+              <a:rPr lang="ko-KR" altLang="en-US" sz="1100" dirty="0"/>
+              <a:t>각 턴에 따라 </a:t>
+            </a:r>
+            <a:r>
+              <a:rPr lang="ko-KR" altLang="en-US" sz="1100" dirty="0" err="1"/>
+              <a:t>흑돌을</a:t>
+            </a:r>
+            <a:r>
+              <a:rPr lang="ko-KR" altLang="en-US" sz="1100" dirty="0"/>
+              <a:t> 놓을지 </a:t>
+            </a:r>
+            <a:r>
+              <a:rPr lang="ko-KR" altLang="en-US" sz="1100" dirty="0" err="1"/>
+              <a:t>백돌을</a:t>
+            </a:r>
+            <a:r>
+              <a:rPr lang="ko-KR" altLang="en-US" sz="1100" dirty="0"/>
+              <a:t> 놓을지 설정하는 문구입니다</a:t>
+            </a:r>
+            <a:r>
+              <a:rPr lang="en-US" altLang="ko-KR" sz="1100" dirty="0"/>
+              <a:t>.</a:t>
+            </a:r>
+          </a:p>
+          <a:p>
+            <a:pPr lvl="1" algn="ctr"/>
+            <a:r>
+              <a:rPr lang="ko-KR" altLang="en-US" sz="1100" dirty="0" err="1"/>
+              <a:t>조건분기에</a:t>
+            </a:r>
+            <a:r>
+              <a:rPr lang="ko-KR" altLang="en-US" sz="1100" dirty="0"/>
+              <a:t> 맞게 그리드에 흑이면 </a:t>
+            </a:r>
+            <a:r>
+              <a:rPr lang="en-US" altLang="ko-KR" sz="1100" dirty="0"/>
+              <a:t>1,</a:t>
+            </a:r>
+            <a:r>
+              <a:rPr lang="ko-KR" altLang="en-US" sz="1100" dirty="0"/>
+              <a:t> 백이면 </a:t>
+            </a:r>
+            <a:r>
+              <a:rPr lang="en-US" altLang="ko-KR" sz="1100" dirty="0"/>
+              <a:t>2</a:t>
+            </a:r>
+            <a:r>
+              <a:rPr lang="ko-KR" altLang="en-US" sz="1100" dirty="0"/>
+              <a:t>로 저장시키게 합니다</a:t>
+            </a:r>
+            <a:r>
+              <a:rPr lang="en-US" altLang="ko-KR" sz="1100" dirty="0"/>
+              <a:t>.</a:t>
+            </a:r>
+          </a:p>
+        </p:txBody>
+      </p:sp>
+      <p:sp>
+        <p:nvSpPr>
+          <p:cNvPr id="25" name="TextBox 24">
+            <a:extLst>
+              <a:ext uri="{FF2B5EF4-FFF2-40B4-BE49-F238E27FC236}">
+                <a16:creationId xmlns:a16="http://schemas.microsoft.com/office/drawing/2014/main" id="{3251F2FF-5D20-EB41-8DA7-25D0E942F1BE}"/>
+              </a:ext>
+            </a:extLst>
+          </p:cNvPr>
+          <p:cNvSpPr txBox="1"/>
+          <p:nvPr/>
+        </p:nvSpPr>
+        <p:spPr>
+          <a:xfrm>
+            <a:off x="1927253" y="6296131"/>
+            <a:ext cx="718843" cy="229676"/>
+          </a:xfrm>
+          <a:prstGeom prst="rect">
+            <a:avLst/>
+          </a:prstGeom>
+          <a:noFill/>
+          <a:ln w="12700">
+            <a:solidFill>
+              <a:srgbClr val="FF7876"/>
+            </a:solidFill>
+          </a:ln>
+        </p:spPr>
+        <p:txBody>
+          <a:bodyPr wrap="square" rtlCol="0">
+            <a:spAutoFit/>
+          </a:bodyPr>
+          <a:lstStyle/>
+          <a:p>
+            <a:pPr algn="ctr"/>
+            <a:endParaRPr lang="en-US" altLang="ko-Kore-KR" sz="1100" dirty="0"/>
+          </a:p>
+        </p:txBody>
+      </p:sp>
+      <p:cxnSp>
+        <p:nvCxnSpPr>
+          <p:cNvPr id="26" name="직선 화살표 연결선 25">
+            <a:extLst>
+              <a:ext uri="{FF2B5EF4-FFF2-40B4-BE49-F238E27FC236}">
+                <a16:creationId xmlns:a16="http://schemas.microsoft.com/office/drawing/2014/main" id="{C72131D7-6698-8044-B1CA-3629BE69FD6B}"/>
+              </a:ext>
+            </a:extLst>
+          </p:cNvPr>
+          <p:cNvCxnSpPr>
+            <a:cxnSpLocks/>
+            <a:stCxn id="25" idx="3"/>
+          </p:cNvCxnSpPr>
+          <p:nvPr/>
+        </p:nvCxnSpPr>
+        <p:spPr>
+          <a:xfrm>
+            <a:off x="2646096" y="6410969"/>
+            <a:ext cx="2966139" cy="0"/>
+          </a:xfrm>
+          <a:prstGeom prst="straightConnector1">
+            <a:avLst/>
+          </a:prstGeom>
+          <a:ln w="12700">
+            <a:solidFill>
+              <a:srgbClr val="FF7876"/>
+            </a:solidFill>
+            <a:tailEnd type="triangle"/>
+          </a:ln>
+        </p:spPr>
+        <p:style>
+          <a:lnRef idx="1">
+            <a:schemeClr val="accent1"/>
+          </a:lnRef>
+          <a:fillRef idx="0">
+            <a:schemeClr val="accent1"/>
+          </a:fillRef>
+          <a:effectRef idx="0">
+            <a:schemeClr val="accent1"/>
+          </a:effectRef>
+          <a:fontRef idx="minor">
+            <a:schemeClr val="tx1"/>
+          </a:fontRef>
+        </p:style>
+      </p:cxnSp>
+      <p:sp>
+        <p:nvSpPr>
+          <p:cNvPr id="30" name="TextBox 29">
+            <a:extLst>
+              <a:ext uri="{FF2B5EF4-FFF2-40B4-BE49-F238E27FC236}">
+                <a16:creationId xmlns:a16="http://schemas.microsoft.com/office/drawing/2014/main" id="{9E711F8B-6CB2-1C45-B6CD-5257D1766017}"/>
+              </a:ext>
+            </a:extLst>
+          </p:cNvPr>
+          <p:cNvSpPr txBox="1"/>
+          <p:nvPr/>
+        </p:nvSpPr>
+        <p:spPr>
+          <a:xfrm>
+            <a:off x="5640753" y="6195525"/>
+            <a:ext cx="5158265" cy="430887"/>
+          </a:xfrm>
+          <a:prstGeom prst="rect">
+            <a:avLst/>
+          </a:prstGeom>
+          <a:noFill/>
+          <a:ln w="12700">
+            <a:solidFill>
+              <a:srgbClr val="FF7876"/>
+            </a:solidFill>
+          </a:ln>
+        </p:spPr>
+        <p:txBody>
+          <a:bodyPr wrap="square" rtlCol="0">
+            <a:spAutoFit/>
+          </a:bodyPr>
+          <a:lstStyle/>
+          <a:p>
+            <a:pPr lvl="1" algn="ctr"/>
+            <a:r>
+              <a:rPr lang="ko-KR" altLang="en-US" sz="1100" dirty="0" err="1"/>
+              <a:t>예외처리로</a:t>
+            </a:r>
+            <a:r>
+              <a:rPr lang="ko-KR" altLang="en-US" sz="1100" dirty="0"/>
+              <a:t> 이외의 영역 </a:t>
+            </a:r>
+            <a:r>
+              <a:rPr lang="ko-KR" altLang="en-US" sz="1100" dirty="0" err="1"/>
+              <a:t>클릭시</a:t>
+            </a:r>
+            <a:r>
+              <a:rPr lang="ko-KR" altLang="en-US" sz="1100" dirty="0"/>
+              <a:t> 오류 발생 대신</a:t>
+            </a:r>
+            <a:endParaRPr lang="en-US" altLang="ko-KR" sz="1100" dirty="0"/>
+          </a:p>
+          <a:p>
+            <a:pPr lvl="1" algn="ctr"/>
+            <a:r>
+              <a:rPr lang="ko-KR" altLang="en-US" sz="1100" dirty="0"/>
+              <a:t>무시하고 진행하도록 하였습니다</a:t>
+            </a:r>
+            <a:r>
+              <a:rPr lang="en-US" altLang="ko-KR" sz="1100" dirty="0"/>
+              <a:t>.</a:t>
+            </a:r>
+          </a:p>
+        </p:txBody>
+      </p:sp>
     </p:spTree>
     <p:extLst>
       <p:ext uri="{BB962C8B-B14F-4D97-AF65-F5344CB8AC3E}">
-        <p14:creationId xmlns:p14="http://schemas.microsoft.com/office/powerpoint/2010/main" val="1066393970"/>
+        <p14:creationId xmlns:p14="http://schemas.microsoft.com/office/powerpoint/2010/main" val="3526294222"/>
+      </p:ext>
+    </p:extLst>
+  </p:cSld>
+  <p:clrMapOvr>
+    <a:masterClrMapping/>
+  </p:clrMapOvr>
+</p:sld>
+</file>
+
+<file path=ppt/slides/slide18.xml><?xml version="1.0" encoding="utf-8"?>
+<p:sld xmlns:a="http://schemas.openxmlformats.org/drawingml/2006/main" xmlns:r="http://schemas.openxmlformats.org/officeDocument/2006/relationships" xmlns:p="http://schemas.openxmlformats.org/presentationml/2006/main">
+  <p:cSld>
+    <p:spTree>
+      <p:nvGrpSpPr>
+        <p:cNvPr id="1" name=""/>
+        <p:cNvGrpSpPr/>
+        <p:nvPr/>
+      </p:nvGrpSpPr>
+      <p:grpSpPr>
+        <a:xfrm>
+          <a:off x="0" y="0"/>
+          <a:ext cx="0" cy="0"/>
+          <a:chOff x="0" y="0"/>
+          <a:chExt cx="0" cy="0"/>
+        </a:xfrm>
+      </p:grpSpPr>
+      <p:sp>
+        <p:nvSpPr>
+          <p:cNvPr id="37" name="직사각형 36">
+            <a:extLst>
+              <a:ext uri="{FF2B5EF4-FFF2-40B4-BE49-F238E27FC236}">
+                <a16:creationId xmlns:a16="http://schemas.microsoft.com/office/drawing/2014/main" id="{3F15C60C-17FE-422D-AFCF-73C75A021362}"/>
+              </a:ext>
+            </a:extLst>
+          </p:cNvPr>
+          <p:cNvSpPr/>
+          <p:nvPr/>
+        </p:nvSpPr>
+        <p:spPr>
+          <a:xfrm>
+            <a:off x="3697172" y="332194"/>
+            <a:ext cx="4713765" cy="735842"/>
+          </a:xfrm>
+          <a:prstGeom prst="rect">
+            <a:avLst/>
+          </a:prstGeom>
+        </p:spPr>
+        <p:txBody>
+          <a:bodyPr wrap="square">
+            <a:spAutoFit/>
+          </a:bodyPr>
+          <a:lstStyle/>
+          <a:p>
+            <a:pPr algn="ctr" latinLnBrk="0">
+              <a:lnSpc>
+                <a:spcPct val="150000"/>
+              </a:lnSpc>
+              <a:defRPr/>
+            </a:pPr>
+            <a:r>
+              <a:rPr lang="en-US" altLang="ko-KR" sz="3200" b="1" i="1" kern="0" dirty="0">
+                <a:solidFill>
+                  <a:srgbClr val="FF7876"/>
+                </a:solidFill>
+              </a:rPr>
+              <a:t>5</a:t>
+            </a:r>
+          </a:p>
+        </p:txBody>
+      </p:sp>
+      <p:cxnSp>
+        <p:nvCxnSpPr>
+          <p:cNvPr id="38" name="직선 연결선 37">
+            <a:extLst>
+              <a:ext uri="{FF2B5EF4-FFF2-40B4-BE49-F238E27FC236}">
+                <a16:creationId xmlns:a16="http://schemas.microsoft.com/office/drawing/2014/main" id="{940134F4-F272-426A-B50B-8075427DF501}"/>
+              </a:ext>
+            </a:extLst>
+          </p:cNvPr>
+          <p:cNvCxnSpPr>
+            <a:cxnSpLocks/>
+          </p:cNvCxnSpPr>
+          <p:nvPr/>
+        </p:nvCxnSpPr>
+        <p:spPr>
+          <a:xfrm flipV="1">
+            <a:off x="843148" y="847712"/>
+            <a:ext cx="4769087" cy="1"/>
+          </a:xfrm>
+          <a:prstGeom prst="line">
+            <a:avLst/>
+          </a:prstGeom>
+          <a:ln w="6350">
+            <a:solidFill>
+              <a:srgbClr val="FF7876"/>
+            </a:solidFill>
+            <a:prstDash val="sysDash"/>
+            <a:tailEnd type="oval"/>
+          </a:ln>
+        </p:spPr>
+        <p:style>
+          <a:lnRef idx="1">
+            <a:schemeClr val="accent1"/>
+          </a:lnRef>
+          <a:fillRef idx="0">
+            <a:schemeClr val="accent1"/>
+          </a:fillRef>
+          <a:effectRef idx="0">
+            <a:schemeClr val="accent1"/>
+          </a:effectRef>
+          <a:fontRef idx="minor">
+            <a:schemeClr val="tx1"/>
+          </a:fontRef>
+        </p:style>
+      </p:cxnSp>
+      <p:cxnSp>
+        <p:nvCxnSpPr>
+          <p:cNvPr id="39" name="직선 연결선 38">
+            <a:extLst>
+              <a:ext uri="{FF2B5EF4-FFF2-40B4-BE49-F238E27FC236}">
+                <a16:creationId xmlns:a16="http://schemas.microsoft.com/office/drawing/2014/main" id="{55EBD739-0979-4546-8E6B-9CA8052FC540}"/>
+              </a:ext>
+            </a:extLst>
+          </p:cNvPr>
+          <p:cNvCxnSpPr>
+            <a:cxnSpLocks/>
+          </p:cNvCxnSpPr>
+          <p:nvPr/>
+        </p:nvCxnSpPr>
+        <p:spPr>
+          <a:xfrm flipH="1">
+            <a:off x="6579767" y="847712"/>
+            <a:ext cx="4692810" cy="0"/>
+          </a:xfrm>
+          <a:prstGeom prst="line">
+            <a:avLst/>
+          </a:prstGeom>
+          <a:ln w="6350">
+            <a:solidFill>
+              <a:srgbClr val="FF7876"/>
+            </a:solidFill>
+            <a:prstDash val="sysDash"/>
+            <a:tailEnd type="oval"/>
+          </a:ln>
+        </p:spPr>
+        <p:style>
+          <a:lnRef idx="1">
+            <a:schemeClr val="accent1"/>
+          </a:lnRef>
+          <a:fillRef idx="0">
+            <a:schemeClr val="accent1"/>
+          </a:fillRef>
+          <a:effectRef idx="0">
+            <a:schemeClr val="accent1"/>
+          </a:effectRef>
+          <a:fontRef idx="minor">
+            <a:schemeClr val="tx1"/>
+          </a:fontRef>
+        </p:style>
+      </p:cxnSp>
+      <p:sp>
+        <p:nvSpPr>
+          <p:cNvPr id="12" name="TextBox 11">
+            <a:extLst>
+              <a:ext uri="{FF2B5EF4-FFF2-40B4-BE49-F238E27FC236}">
+                <a16:creationId xmlns:a16="http://schemas.microsoft.com/office/drawing/2014/main" id="{459CFBE9-C6B1-CE4F-BF6A-3075D8B4C5EF}"/>
+              </a:ext>
+            </a:extLst>
+          </p:cNvPr>
+          <p:cNvSpPr txBox="1"/>
+          <p:nvPr/>
+        </p:nvSpPr>
+        <p:spPr>
+          <a:xfrm>
+            <a:off x="765146" y="963122"/>
+            <a:ext cx="10507430" cy="261610"/>
+          </a:xfrm>
+          <a:prstGeom prst="rect">
+            <a:avLst/>
+          </a:prstGeom>
+          <a:noFill/>
+        </p:spPr>
+        <p:txBody>
+          <a:bodyPr wrap="square" rtlCol="0">
+            <a:spAutoFit/>
+          </a:bodyPr>
+          <a:lstStyle/>
+          <a:p>
+            <a:pPr algn="ctr"/>
+            <a:r>
+              <a:rPr lang="ko-KR" altLang="en-US" sz="1100" i="1" dirty="0">
+                <a:solidFill>
+                  <a:srgbClr val="FF7876"/>
+                </a:solidFill>
+              </a:rPr>
+              <a:t>임의의 프로그램</a:t>
+            </a:r>
+            <a:endParaRPr lang="en-US" altLang="ko-KR" sz="1100" i="1" dirty="0">
+              <a:solidFill>
+                <a:srgbClr val="FF7876"/>
+              </a:solidFill>
+            </a:endParaRPr>
+          </a:p>
+        </p:txBody>
+      </p:sp>
+      <p:pic>
+        <p:nvPicPr>
+          <p:cNvPr id="2" name="그림 1">
+            <a:extLst>
+              <a:ext uri="{FF2B5EF4-FFF2-40B4-BE49-F238E27FC236}">
+                <a16:creationId xmlns:a16="http://schemas.microsoft.com/office/drawing/2014/main" id="{29CBD49C-F09B-9B4D-BA4D-E915BEF04583}"/>
+              </a:ext>
+            </a:extLst>
+          </p:cNvPr>
+          <p:cNvPicPr>
+            <a:picLocks noChangeAspect="1"/>
+          </p:cNvPicPr>
+          <p:nvPr/>
+        </p:nvPicPr>
+        <p:blipFill>
+          <a:blip r:embed="rId2"/>
+          <a:stretch>
+            <a:fillRect/>
+          </a:stretch>
+        </p:blipFill>
+        <p:spPr>
+          <a:xfrm>
+            <a:off x="1659613" y="1297931"/>
+            <a:ext cx="2372651" cy="1663840"/>
+          </a:xfrm>
+          <a:prstGeom prst="rect">
+            <a:avLst/>
+          </a:prstGeom>
+        </p:spPr>
+      </p:pic>
+      <p:sp>
+        <p:nvSpPr>
+          <p:cNvPr id="10" name="TextBox 9">
+            <a:extLst>
+              <a:ext uri="{FF2B5EF4-FFF2-40B4-BE49-F238E27FC236}">
+                <a16:creationId xmlns:a16="http://schemas.microsoft.com/office/drawing/2014/main" id="{EEF6952C-CAF5-CE48-B050-E6C4C8FCA928}"/>
+              </a:ext>
+            </a:extLst>
+          </p:cNvPr>
+          <p:cNvSpPr txBox="1"/>
+          <p:nvPr/>
+        </p:nvSpPr>
+        <p:spPr>
+          <a:xfrm>
+            <a:off x="6351042" y="1698964"/>
+            <a:ext cx="5158265" cy="430887"/>
+          </a:xfrm>
+          <a:prstGeom prst="rect">
+            <a:avLst/>
+          </a:prstGeom>
+          <a:noFill/>
+          <a:ln w="12700">
+            <a:solidFill>
+              <a:srgbClr val="FF7876"/>
+            </a:solidFill>
+          </a:ln>
+        </p:spPr>
+        <p:txBody>
+          <a:bodyPr wrap="square" rtlCol="0">
+            <a:spAutoFit/>
+          </a:bodyPr>
+          <a:lstStyle/>
+          <a:p>
+            <a:pPr algn="ctr"/>
+            <a:r>
+              <a:rPr lang="ko-KR" altLang="en-US" sz="1100" dirty="0"/>
+              <a:t>그리드 칸수는 </a:t>
+            </a:r>
+            <a:r>
+              <a:rPr lang="en-US" altLang="ko-KR" sz="1100" dirty="0"/>
+              <a:t>20x20</a:t>
+            </a:r>
+            <a:r>
+              <a:rPr lang="ko-KR" altLang="en-US" sz="1100" dirty="0" err="1"/>
+              <a:t>으로</a:t>
+            </a:r>
+            <a:r>
+              <a:rPr lang="ko-KR" altLang="en-US" sz="1100" dirty="0"/>
+              <a:t> 설정하였으며</a:t>
+            </a:r>
+            <a:endParaRPr lang="en-US" altLang="ko-KR" sz="1100" dirty="0"/>
+          </a:p>
+          <a:p>
+            <a:pPr algn="ctr"/>
+            <a:r>
+              <a:rPr lang="ko-KR" altLang="en-US" sz="1100" dirty="0" err="1"/>
+              <a:t>파이게임</a:t>
+            </a:r>
+            <a:r>
+              <a:rPr lang="ko-KR" altLang="en-US" sz="1100" dirty="0"/>
+              <a:t> 윈도우 크기는 </a:t>
+            </a:r>
+            <a:r>
+              <a:rPr lang="en-US" altLang="ko-KR" sz="1100" dirty="0"/>
+              <a:t>905x950</a:t>
+            </a:r>
+            <a:r>
+              <a:rPr lang="ko-KR" altLang="en-US" sz="1100" dirty="0" err="1"/>
+              <a:t>으로</a:t>
+            </a:r>
+            <a:r>
+              <a:rPr lang="ko-KR" altLang="en-US" sz="1100" dirty="0"/>
+              <a:t> 설정하였습니다</a:t>
+            </a:r>
+            <a:r>
+              <a:rPr lang="en-US" altLang="ko-KR" sz="1100" dirty="0"/>
+              <a:t>.</a:t>
+            </a:r>
+          </a:p>
+        </p:txBody>
+      </p:sp>
+      <p:cxnSp>
+        <p:nvCxnSpPr>
+          <p:cNvPr id="13" name="직선 화살표 연결선 12">
+            <a:extLst>
+              <a:ext uri="{FF2B5EF4-FFF2-40B4-BE49-F238E27FC236}">
+                <a16:creationId xmlns:a16="http://schemas.microsoft.com/office/drawing/2014/main" id="{1B289DDD-532D-4347-9C91-1F6B3ACA43A2}"/>
+              </a:ext>
+            </a:extLst>
+          </p:cNvPr>
+          <p:cNvCxnSpPr>
+            <a:cxnSpLocks/>
+          </p:cNvCxnSpPr>
+          <p:nvPr/>
+        </p:nvCxnSpPr>
+        <p:spPr>
+          <a:xfrm>
+            <a:off x="4032264" y="1908604"/>
+            <a:ext cx="2318778" cy="0"/>
+          </a:xfrm>
+          <a:prstGeom prst="straightConnector1">
+            <a:avLst/>
+          </a:prstGeom>
+          <a:ln w="12700">
+            <a:solidFill>
+              <a:srgbClr val="FF7876"/>
+            </a:solidFill>
+            <a:tailEnd type="triangle"/>
+          </a:ln>
+        </p:spPr>
+        <p:style>
+          <a:lnRef idx="1">
+            <a:schemeClr val="accent1"/>
+          </a:lnRef>
+          <a:fillRef idx="0">
+            <a:schemeClr val="accent1"/>
+          </a:fillRef>
+          <a:effectRef idx="0">
+            <a:schemeClr val="accent1"/>
+          </a:effectRef>
+          <a:fontRef idx="minor">
+            <a:schemeClr val="tx1"/>
+          </a:fontRef>
+        </p:style>
+      </p:cxnSp>
+      <p:sp>
+        <p:nvSpPr>
+          <p:cNvPr id="14" name="TextBox 13">
+            <a:extLst>
+              <a:ext uri="{FF2B5EF4-FFF2-40B4-BE49-F238E27FC236}">
+                <a16:creationId xmlns:a16="http://schemas.microsoft.com/office/drawing/2014/main" id="{3FA9DF80-417B-354A-92EB-9B4374EAFD8F}"/>
+              </a:ext>
+            </a:extLst>
+          </p:cNvPr>
+          <p:cNvSpPr txBox="1"/>
+          <p:nvPr/>
+        </p:nvSpPr>
+        <p:spPr>
+          <a:xfrm>
+            <a:off x="1659613" y="1297931"/>
+            <a:ext cx="2372650" cy="1663840"/>
+          </a:xfrm>
+          <a:prstGeom prst="rect">
+            <a:avLst/>
+          </a:prstGeom>
+          <a:noFill/>
+          <a:ln w="12700">
+            <a:solidFill>
+              <a:srgbClr val="FF7876"/>
+            </a:solidFill>
+          </a:ln>
+        </p:spPr>
+        <p:txBody>
+          <a:bodyPr wrap="square" rtlCol="0">
+            <a:spAutoFit/>
+          </a:bodyPr>
+          <a:lstStyle/>
+          <a:p>
+            <a:pPr algn="ctr"/>
+            <a:endParaRPr lang="en-US" altLang="ko-Kore-KR" sz="1100" dirty="0"/>
+          </a:p>
+        </p:txBody>
+      </p:sp>
+      <p:pic>
+        <p:nvPicPr>
+          <p:cNvPr id="7" name="그림 6">
+            <a:extLst>
+              <a:ext uri="{FF2B5EF4-FFF2-40B4-BE49-F238E27FC236}">
+                <a16:creationId xmlns:a16="http://schemas.microsoft.com/office/drawing/2014/main" id="{BD62D442-450C-BC4C-B25D-B137A7AC0FE1}"/>
+              </a:ext>
+            </a:extLst>
+          </p:cNvPr>
+          <p:cNvPicPr>
+            <a:picLocks noChangeAspect="1"/>
+          </p:cNvPicPr>
+          <p:nvPr/>
+        </p:nvPicPr>
+        <p:blipFill>
+          <a:blip r:embed="rId3"/>
+          <a:stretch>
+            <a:fillRect/>
+          </a:stretch>
+        </p:blipFill>
+        <p:spPr>
+          <a:xfrm>
+            <a:off x="1235755" y="3044828"/>
+            <a:ext cx="3713500" cy="3480979"/>
+          </a:xfrm>
+          <a:prstGeom prst="rect">
+            <a:avLst/>
+          </a:prstGeom>
+        </p:spPr>
+      </p:pic>
+      <p:sp>
+        <p:nvSpPr>
+          <p:cNvPr id="16" name="TextBox 15">
+            <a:extLst>
+              <a:ext uri="{FF2B5EF4-FFF2-40B4-BE49-F238E27FC236}">
+                <a16:creationId xmlns:a16="http://schemas.microsoft.com/office/drawing/2014/main" id="{E6BE93F1-97C1-FF43-9139-8F81011C9483}"/>
+              </a:ext>
+            </a:extLst>
+          </p:cNvPr>
+          <p:cNvSpPr txBox="1"/>
+          <p:nvPr/>
+        </p:nvSpPr>
+        <p:spPr>
+          <a:xfrm>
+            <a:off x="1881903" y="3621367"/>
+            <a:ext cx="2390691" cy="1508983"/>
+          </a:xfrm>
+          <a:prstGeom prst="rect">
+            <a:avLst/>
+          </a:prstGeom>
+          <a:noFill/>
+          <a:ln w="12700">
+            <a:solidFill>
+              <a:srgbClr val="FF7876"/>
+            </a:solidFill>
+          </a:ln>
+        </p:spPr>
+        <p:txBody>
+          <a:bodyPr wrap="square" rtlCol="0">
+            <a:spAutoFit/>
+          </a:bodyPr>
+          <a:lstStyle/>
+          <a:p>
+            <a:pPr algn="ctr"/>
+            <a:endParaRPr lang="en-US" altLang="ko-Kore-KR" sz="1100" dirty="0"/>
+          </a:p>
+        </p:txBody>
+      </p:sp>
+      <p:cxnSp>
+        <p:nvCxnSpPr>
+          <p:cNvPr id="17" name="직선 화살표 연결선 16">
+            <a:extLst>
+              <a:ext uri="{FF2B5EF4-FFF2-40B4-BE49-F238E27FC236}">
+                <a16:creationId xmlns:a16="http://schemas.microsoft.com/office/drawing/2014/main" id="{3CBB2853-A975-D04C-B783-7F5057A56FF9}"/>
+              </a:ext>
+            </a:extLst>
+          </p:cNvPr>
+          <p:cNvCxnSpPr>
+            <a:cxnSpLocks/>
+          </p:cNvCxnSpPr>
+          <p:nvPr/>
+        </p:nvCxnSpPr>
+        <p:spPr>
+          <a:xfrm flipV="1">
+            <a:off x="4272594" y="3621367"/>
+            <a:ext cx="1885445" cy="1762"/>
+          </a:xfrm>
+          <a:prstGeom prst="straightConnector1">
+            <a:avLst/>
+          </a:prstGeom>
+          <a:ln w="12700">
+            <a:solidFill>
+              <a:srgbClr val="FF7876"/>
+            </a:solidFill>
+            <a:tailEnd type="triangle"/>
+          </a:ln>
+        </p:spPr>
+        <p:style>
+          <a:lnRef idx="1">
+            <a:schemeClr val="accent1"/>
+          </a:lnRef>
+          <a:fillRef idx="0">
+            <a:schemeClr val="accent1"/>
+          </a:fillRef>
+          <a:effectRef idx="0">
+            <a:schemeClr val="accent1"/>
+          </a:effectRef>
+          <a:fontRef idx="minor">
+            <a:schemeClr val="tx1"/>
+          </a:fontRef>
+        </p:style>
+      </p:cxnSp>
+      <p:sp>
+        <p:nvSpPr>
+          <p:cNvPr id="18" name="TextBox 17">
+            <a:extLst>
+              <a:ext uri="{FF2B5EF4-FFF2-40B4-BE49-F238E27FC236}">
+                <a16:creationId xmlns:a16="http://schemas.microsoft.com/office/drawing/2014/main" id="{60D08A8B-8C3B-7142-9AAF-A7FBE9B50BAA}"/>
+              </a:ext>
+            </a:extLst>
+          </p:cNvPr>
+          <p:cNvSpPr txBox="1"/>
+          <p:nvPr/>
+        </p:nvSpPr>
+        <p:spPr>
+          <a:xfrm>
+            <a:off x="6158039" y="3490562"/>
+            <a:ext cx="5158265" cy="769441"/>
+          </a:xfrm>
+          <a:prstGeom prst="rect">
+            <a:avLst/>
+          </a:prstGeom>
+          <a:noFill/>
+          <a:ln w="12700">
+            <a:solidFill>
+              <a:srgbClr val="FF7876"/>
+            </a:solidFill>
+          </a:ln>
+        </p:spPr>
+        <p:txBody>
+          <a:bodyPr wrap="square" rtlCol="0">
+            <a:spAutoFit/>
+          </a:bodyPr>
+          <a:lstStyle/>
+          <a:p>
+            <a:pPr lvl="1" algn="ctr"/>
+            <a:r>
+              <a:rPr lang="ko-KR" altLang="en-US" sz="1100" dirty="0"/>
+              <a:t>버튼 </a:t>
+            </a:r>
+            <a:r>
+              <a:rPr lang="ko-KR" altLang="en-US" sz="1100" dirty="0" err="1"/>
+              <a:t>클릭시</a:t>
+            </a:r>
+            <a:r>
+              <a:rPr lang="ko-KR" altLang="en-US" sz="1100" dirty="0"/>
+              <a:t> 진행할 </a:t>
+            </a:r>
+            <a:r>
+              <a:rPr lang="ko-KR" altLang="en-US" sz="1100" dirty="0" err="1"/>
+              <a:t>이벤트중</a:t>
+            </a:r>
+            <a:r>
+              <a:rPr lang="ko-KR" altLang="en-US" sz="1100" dirty="0"/>
+              <a:t> 초기화 버튼 영역 </a:t>
+            </a:r>
+            <a:r>
+              <a:rPr lang="ko-KR" altLang="en-US" sz="1100" dirty="0" err="1"/>
+              <a:t>클릭시</a:t>
+            </a:r>
+            <a:endParaRPr lang="en-US" altLang="ko-KR" sz="1100" dirty="0"/>
+          </a:p>
+          <a:p>
+            <a:pPr lvl="1" algn="ctr"/>
+            <a:r>
+              <a:rPr lang="ko-KR" altLang="en-US" sz="1100" dirty="0"/>
+              <a:t>작동할 문구 입니다</a:t>
+            </a:r>
+            <a:r>
+              <a:rPr lang="en-US" altLang="ko-KR" sz="1100" dirty="0"/>
+              <a:t>.</a:t>
+            </a:r>
+          </a:p>
+          <a:p>
+            <a:pPr lvl="1" algn="ctr"/>
+            <a:r>
+              <a:rPr lang="ko-KR" altLang="en-US" sz="1100" dirty="0"/>
+              <a:t>모든 조건검사요소를 초기화시키고 그리드배열까지 </a:t>
+            </a:r>
+            <a:r>
+              <a:rPr lang="ko-KR" altLang="en-US" sz="1100" dirty="0" err="1"/>
+              <a:t>초기화시켜</a:t>
+            </a:r>
+            <a:endParaRPr lang="en-US" altLang="ko-KR" sz="1100" dirty="0"/>
+          </a:p>
+          <a:p>
+            <a:pPr lvl="1" algn="ctr"/>
+            <a:r>
+              <a:rPr lang="ko-KR" altLang="en-US" sz="1100" dirty="0"/>
+              <a:t>게임을 초기상태로 </a:t>
+            </a:r>
+            <a:r>
+              <a:rPr lang="ko-KR" altLang="en-US" sz="1100" dirty="0" err="1"/>
+              <a:t>설정하게합니다</a:t>
+            </a:r>
+            <a:r>
+              <a:rPr lang="en-US" altLang="ko-KR" sz="1100" dirty="0"/>
+              <a:t>.</a:t>
+            </a:r>
+          </a:p>
+        </p:txBody>
+      </p:sp>
+      <p:sp>
+        <p:nvSpPr>
+          <p:cNvPr id="20" name="TextBox 19">
+            <a:extLst>
+              <a:ext uri="{FF2B5EF4-FFF2-40B4-BE49-F238E27FC236}">
+                <a16:creationId xmlns:a16="http://schemas.microsoft.com/office/drawing/2014/main" id="{F1EBCFC7-AA04-5544-95E9-FF551BDA1B4F}"/>
+              </a:ext>
+            </a:extLst>
+          </p:cNvPr>
+          <p:cNvSpPr txBox="1"/>
+          <p:nvPr/>
+        </p:nvSpPr>
+        <p:spPr>
+          <a:xfrm>
+            <a:off x="2171868" y="5236108"/>
+            <a:ext cx="2777387" cy="1030465"/>
+          </a:xfrm>
+          <a:prstGeom prst="rect">
+            <a:avLst/>
+          </a:prstGeom>
+          <a:noFill/>
+          <a:ln w="12700">
+            <a:solidFill>
+              <a:srgbClr val="FF7876"/>
+            </a:solidFill>
+          </a:ln>
+        </p:spPr>
+        <p:txBody>
+          <a:bodyPr wrap="square" rtlCol="0">
+            <a:spAutoFit/>
+          </a:bodyPr>
+          <a:lstStyle/>
+          <a:p>
+            <a:pPr algn="ctr"/>
+            <a:endParaRPr lang="en-US" altLang="ko-Kore-KR" sz="1100" dirty="0"/>
+          </a:p>
+        </p:txBody>
+      </p:sp>
+      <p:cxnSp>
+        <p:nvCxnSpPr>
+          <p:cNvPr id="21" name="직선 화살표 연결선 20">
+            <a:extLst>
+              <a:ext uri="{FF2B5EF4-FFF2-40B4-BE49-F238E27FC236}">
+                <a16:creationId xmlns:a16="http://schemas.microsoft.com/office/drawing/2014/main" id="{F2B26780-154A-4F4C-999D-F49A0A0C8052}"/>
+              </a:ext>
+            </a:extLst>
+          </p:cNvPr>
+          <p:cNvCxnSpPr>
+            <a:cxnSpLocks/>
+            <a:endCxn id="23" idx="1"/>
+          </p:cNvCxnSpPr>
+          <p:nvPr/>
+        </p:nvCxnSpPr>
+        <p:spPr>
+          <a:xfrm flipV="1">
+            <a:off x="4949255" y="4950276"/>
+            <a:ext cx="1208784" cy="492180"/>
+          </a:xfrm>
+          <a:prstGeom prst="straightConnector1">
+            <a:avLst/>
+          </a:prstGeom>
+          <a:ln w="12700">
+            <a:solidFill>
+              <a:srgbClr val="FF7876"/>
+            </a:solidFill>
+            <a:tailEnd type="triangle"/>
+          </a:ln>
+        </p:spPr>
+        <p:style>
+          <a:lnRef idx="1">
+            <a:schemeClr val="accent1"/>
+          </a:lnRef>
+          <a:fillRef idx="0">
+            <a:schemeClr val="accent1"/>
+          </a:fillRef>
+          <a:effectRef idx="0">
+            <a:schemeClr val="accent1"/>
+          </a:effectRef>
+          <a:fontRef idx="minor">
+            <a:schemeClr val="tx1"/>
+          </a:fontRef>
+        </p:style>
+      </p:cxnSp>
+      <p:sp>
+        <p:nvSpPr>
+          <p:cNvPr id="23" name="TextBox 22">
+            <a:extLst>
+              <a:ext uri="{FF2B5EF4-FFF2-40B4-BE49-F238E27FC236}">
+                <a16:creationId xmlns:a16="http://schemas.microsoft.com/office/drawing/2014/main" id="{12996697-0439-D842-8CFD-64629E472015}"/>
+              </a:ext>
+            </a:extLst>
+          </p:cNvPr>
+          <p:cNvSpPr txBox="1"/>
+          <p:nvPr/>
+        </p:nvSpPr>
+        <p:spPr>
+          <a:xfrm>
+            <a:off x="6158039" y="4734832"/>
+            <a:ext cx="5158265" cy="430887"/>
+          </a:xfrm>
+          <a:prstGeom prst="rect">
+            <a:avLst/>
+          </a:prstGeom>
+          <a:noFill/>
+          <a:ln w="12700">
+            <a:solidFill>
+              <a:srgbClr val="FF7876"/>
+            </a:solidFill>
+          </a:ln>
+        </p:spPr>
+        <p:txBody>
+          <a:bodyPr wrap="square" rtlCol="0">
+            <a:spAutoFit/>
+          </a:bodyPr>
+          <a:lstStyle/>
+          <a:p>
+            <a:pPr lvl="1" algn="ctr"/>
+            <a:r>
+              <a:rPr lang="ko-KR" altLang="en-US" sz="1100" dirty="0"/>
+              <a:t>각 턴에 따라 </a:t>
+            </a:r>
+            <a:r>
+              <a:rPr lang="ko-KR" altLang="en-US" sz="1100" dirty="0" err="1"/>
+              <a:t>흑돌을</a:t>
+            </a:r>
+            <a:r>
+              <a:rPr lang="ko-KR" altLang="en-US" sz="1100" dirty="0"/>
+              <a:t> 놓을지 </a:t>
+            </a:r>
+            <a:r>
+              <a:rPr lang="ko-KR" altLang="en-US" sz="1100" dirty="0" err="1"/>
+              <a:t>백돌을</a:t>
+            </a:r>
+            <a:r>
+              <a:rPr lang="ko-KR" altLang="en-US" sz="1100" dirty="0"/>
+              <a:t> 놓을지 설정하는 문구입니다</a:t>
+            </a:r>
+            <a:r>
+              <a:rPr lang="en-US" altLang="ko-KR" sz="1100" dirty="0"/>
+              <a:t>.</a:t>
+            </a:r>
+          </a:p>
+          <a:p>
+            <a:pPr lvl="1" algn="ctr"/>
+            <a:r>
+              <a:rPr lang="ko-KR" altLang="en-US" sz="1100" dirty="0" err="1"/>
+              <a:t>조건분기에</a:t>
+            </a:r>
+            <a:r>
+              <a:rPr lang="ko-KR" altLang="en-US" sz="1100" dirty="0"/>
+              <a:t> 맞게 그리드에 흑이면 </a:t>
+            </a:r>
+            <a:r>
+              <a:rPr lang="en-US" altLang="ko-KR" sz="1100" dirty="0"/>
+              <a:t>1,</a:t>
+            </a:r>
+            <a:r>
+              <a:rPr lang="ko-KR" altLang="en-US" sz="1100" dirty="0"/>
+              <a:t> 백이면 </a:t>
+            </a:r>
+            <a:r>
+              <a:rPr lang="en-US" altLang="ko-KR" sz="1100" dirty="0"/>
+              <a:t>2</a:t>
+            </a:r>
+            <a:r>
+              <a:rPr lang="ko-KR" altLang="en-US" sz="1100" dirty="0"/>
+              <a:t>로 저장시키게 합니다</a:t>
+            </a:r>
+            <a:r>
+              <a:rPr lang="en-US" altLang="ko-KR" sz="1100" dirty="0"/>
+              <a:t>.</a:t>
+            </a:r>
+          </a:p>
+        </p:txBody>
+      </p:sp>
+      <p:sp>
+        <p:nvSpPr>
+          <p:cNvPr id="25" name="TextBox 24">
+            <a:extLst>
+              <a:ext uri="{FF2B5EF4-FFF2-40B4-BE49-F238E27FC236}">
+                <a16:creationId xmlns:a16="http://schemas.microsoft.com/office/drawing/2014/main" id="{3251F2FF-5D20-EB41-8DA7-25D0E942F1BE}"/>
+              </a:ext>
+            </a:extLst>
+          </p:cNvPr>
+          <p:cNvSpPr txBox="1"/>
+          <p:nvPr/>
+        </p:nvSpPr>
+        <p:spPr>
+          <a:xfrm>
+            <a:off x="1927253" y="6296131"/>
+            <a:ext cx="718843" cy="229676"/>
+          </a:xfrm>
+          <a:prstGeom prst="rect">
+            <a:avLst/>
+          </a:prstGeom>
+          <a:noFill/>
+          <a:ln w="12700">
+            <a:solidFill>
+              <a:srgbClr val="FF7876"/>
+            </a:solidFill>
+          </a:ln>
+        </p:spPr>
+        <p:txBody>
+          <a:bodyPr wrap="square" rtlCol="0">
+            <a:spAutoFit/>
+          </a:bodyPr>
+          <a:lstStyle/>
+          <a:p>
+            <a:pPr algn="ctr"/>
+            <a:endParaRPr lang="en-US" altLang="ko-Kore-KR" sz="1100" dirty="0"/>
+          </a:p>
+        </p:txBody>
+      </p:sp>
+      <p:cxnSp>
+        <p:nvCxnSpPr>
+          <p:cNvPr id="26" name="직선 화살표 연결선 25">
+            <a:extLst>
+              <a:ext uri="{FF2B5EF4-FFF2-40B4-BE49-F238E27FC236}">
+                <a16:creationId xmlns:a16="http://schemas.microsoft.com/office/drawing/2014/main" id="{C72131D7-6698-8044-B1CA-3629BE69FD6B}"/>
+              </a:ext>
+            </a:extLst>
+          </p:cNvPr>
+          <p:cNvCxnSpPr>
+            <a:cxnSpLocks/>
+            <a:stCxn id="25" idx="3"/>
+          </p:cNvCxnSpPr>
+          <p:nvPr/>
+        </p:nvCxnSpPr>
+        <p:spPr>
+          <a:xfrm>
+            <a:off x="2646096" y="6410969"/>
+            <a:ext cx="2966139" cy="0"/>
+          </a:xfrm>
+          <a:prstGeom prst="straightConnector1">
+            <a:avLst/>
+          </a:prstGeom>
+          <a:ln w="12700">
+            <a:solidFill>
+              <a:srgbClr val="FF7876"/>
+            </a:solidFill>
+            <a:tailEnd type="triangle"/>
+          </a:ln>
+        </p:spPr>
+        <p:style>
+          <a:lnRef idx="1">
+            <a:schemeClr val="accent1"/>
+          </a:lnRef>
+          <a:fillRef idx="0">
+            <a:schemeClr val="accent1"/>
+          </a:fillRef>
+          <a:effectRef idx="0">
+            <a:schemeClr val="accent1"/>
+          </a:effectRef>
+          <a:fontRef idx="minor">
+            <a:schemeClr val="tx1"/>
+          </a:fontRef>
+        </p:style>
+      </p:cxnSp>
+      <p:sp>
+        <p:nvSpPr>
+          <p:cNvPr id="30" name="TextBox 29">
+            <a:extLst>
+              <a:ext uri="{FF2B5EF4-FFF2-40B4-BE49-F238E27FC236}">
+                <a16:creationId xmlns:a16="http://schemas.microsoft.com/office/drawing/2014/main" id="{9E711F8B-6CB2-1C45-B6CD-5257D1766017}"/>
+              </a:ext>
+            </a:extLst>
+          </p:cNvPr>
+          <p:cNvSpPr txBox="1"/>
+          <p:nvPr/>
+        </p:nvSpPr>
+        <p:spPr>
+          <a:xfrm>
+            <a:off x="5640753" y="6195525"/>
+            <a:ext cx="5158265" cy="430887"/>
+          </a:xfrm>
+          <a:prstGeom prst="rect">
+            <a:avLst/>
+          </a:prstGeom>
+          <a:noFill/>
+          <a:ln w="12700">
+            <a:solidFill>
+              <a:srgbClr val="FF7876"/>
+            </a:solidFill>
+          </a:ln>
+        </p:spPr>
+        <p:txBody>
+          <a:bodyPr wrap="square" rtlCol="0">
+            <a:spAutoFit/>
+          </a:bodyPr>
+          <a:lstStyle/>
+          <a:p>
+            <a:pPr lvl="1" algn="ctr"/>
+            <a:r>
+              <a:rPr lang="ko-KR" altLang="en-US" sz="1100" dirty="0" err="1"/>
+              <a:t>예외처리로</a:t>
+            </a:r>
+            <a:r>
+              <a:rPr lang="ko-KR" altLang="en-US" sz="1100" dirty="0"/>
+              <a:t> 이외의 영역 </a:t>
+            </a:r>
+            <a:r>
+              <a:rPr lang="ko-KR" altLang="en-US" sz="1100" dirty="0" err="1"/>
+              <a:t>클릭시</a:t>
+            </a:r>
+            <a:r>
+              <a:rPr lang="ko-KR" altLang="en-US" sz="1100" dirty="0"/>
+              <a:t> 오류 발생 대신</a:t>
+            </a:r>
+            <a:endParaRPr lang="en-US" altLang="ko-KR" sz="1100" dirty="0"/>
+          </a:p>
+          <a:p>
+            <a:pPr lvl="1" algn="ctr"/>
+            <a:r>
+              <a:rPr lang="ko-KR" altLang="en-US" sz="1100" dirty="0"/>
+              <a:t>무시하고 진행하도록 하였습니다</a:t>
+            </a:r>
+            <a:r>
+              <a:rPr lang="en-US" altLang="ko-KR" sz="1100" dirty="0"/>
+              <a:t>.</a:t>
+            </a:r>
+          </a:p>
+        </p:txBody>
+      </p:sp>
+    </p:spTree>
+    <p:extLst>
+      <p:ext uri="{BB962C8B-B14F-4D97-AF65-F5344CB8AC3E}">
+        <p14:creationId xmlns:p14="http://schemas.microsoft.com/office/powerpoint/2010/main" val="3395762674"/>
+      </p:ext>
+    </p:extLst>
+  </p:cSld>
+  <p:clrMapOvr>
+    <a:masterClrMapping/>
+  </p:clrMapOvr>
+</p:sld>
+</file>
+
+<file path=ppt/slides/slide19.xml><?xml version="1.0" encoding="utf-8"?>
+<p:sld xmlns:a="http://schemas.openxmlformats.org/drawingml/2006/main" xmlns:r="http://schemas.openxmlformats.org/officeDocument/2006/relationships" xmlns:p="http://schemas.openxmlformats.org/presentationml/2006/main">
+  <p:cSld>
+    <p:spTree>
+      <p:nvGrpSpPr>
+        <p:cNvPr id="1" name=""/>
+        <p:cNvGrpSpPr/>
+        <p:nvPr/>
+      </p:nvGrpSpPr>
+      <p:grpSpPr>
+        <a:xfrm>
+          <a:off x="0" y="0"/>
+          <a:ext cx="0" cy="0"/>
+          <a:chOff x="0" y="0"/>
+          <a:chExt cx="0" cy="0"/>
+        </a:xfrm>
+      </p:grpSpPr>
+      <p:sp>
+        <p:nvSpPr>
+          <p:cNvPr id="37" name="직사각형 36">
+            <a:extLst>
+              <a:ext uri="{FF2B5EF4-FFF2-40B4-BE49-F238E27FC236}">
+                <a16:creationId xmlns:a16="http://schemas.microsoft.com/office/drawing/2014/main" id="{3F15C60C-17FE-422D-AFCF-73C75A021362}"/>
+              </a:ext>
+            </a:extLst>
+          </p:cNvPr>
+          <p:cNvSpPr/>
+          <p:nvPr/>
+        </p:nvSpPr>
+        <p:spPr>
+          <a:xfrm>
+            <a:off x="3697172" y="332194"/>
+            <a:ext cx="4713765" cy="735842"/>
+          </a:xfrm>
+          <a:prstGeom prst="rect">
+            <a:avLst/>
+          </a:prstGeom>
+        </p:spPr>
+        <p:txBody>
+          <a:bodyPr wrap="square">
+            <a:spAutoFit/>
+          </a:bodyPr>
+          <a:lstStyle/>
+          <a:p>
+            <a:pPr algn="ctr" latinLnBrk="0">
+              <a:lnSpc>
+                <a:spcPct val="150000"/>
+              </a:lnSpc>
+              <a:defRPr/>
+            </a:pPr>
+            <a:r>
+              <a:rPr lang="en-US" altLang="ko-KR" sz="3200" b="1" i="1" kern="0" dirty="0">
+                <a:solidFill>
+                  <a:srgbClr val="FF7876"/>
+                </a:solidFill>
+              </a:rPr>
+              <a:t>5</a:t>
+            </a:r>
+          </a:p>
+        </p:txBody>
+      </p:sp>
+      <p:cxnSp>
+        <p:nvCxnSpPr>
+          <p:cNvPr id="38" name="직선 연결선 37">
+            <a:extLst>
+              <a:ext uri="{FF2B5EF4-FFF2-40B4-BE49-F238E27FC236}">
+                <a16:creationId xmlns:a16="http://schemas.microsoft.com/office/drawing/2014/main" id="{940134F4-F272-426A-B50B-8075427DF501}"/>
+              </a:ext>
+            </a:extLst>
+          </p:cNvPr>
+          <p:cNvCxnSpPr>
+            <a:cxnSpLocks/>
+          </p:cNvCxnSpPr>
+          <p:nvPr/>
+        </p:nvCxnSpPr>
+        <p:spPr>
+          <a:xfrm flipV="1">
+            <a:off x="843148" y="847712"/>
+            <a:ext cx="4769087" cy="1"/>
+          </a:xfrm>
+          <a:prstGeom prst="line">
+            <a:avLst/>
+          </a:prstGeom>
+          <a:ln w="6350">
+            <a:solidFill>
+              <a:srgbClr val="FF7876"/>
+            </a:solidFill>
+            <a:prstDash val="sysDash"/>
+            <a:tailEnd type="oval"/>
+          </a:ln>
+        </p:spPr>
+        <p:style>
+          <a:lnRef idx="1">
+            <a:schemeClr val="accent1"/>
+          </a:lnRef>
+          <a:fillRef idx="0">
+            <a:schemeClr val="accent1"/>
+          </a:fillRef>
+          <a:effectRef idx="0">
+            <a:schemeClr val="accent1"/>
+          </a:effectRef>
+          <a:fontRef idx="minor">
+            <a:schemeClr val="tx1"/>
+          </a:fontRef>
+        </p:style>
+      </p:cxnSp>
+      <p:cxnSp>
+        <p:nvCxnSpPr>
+          <p:cNvPr id="39" name="직선 연결선 38">
+            <a:extLst>
+              <a:ext uri="{FF2B5EF4-FFF2-40B4-BE49-F238E27FC236}">
+                <a16:creationId xmlns:a16="http://schemas.microsoft.com/office/drawing/2014/main" id="{55EBD739-0979-4546-8E6B-9CA8052FC540}"/>
+              </a:ext>
+            </a:extLst>
+          </p:cNvPr>
+          <p:cNvCxnSpPr>
+            <a:cxnSpLocks/>
+          </p:cNvCxnSpPr>
+          <p:nvPr/>
+        </p:nvCxnSpPr>
+        <p:spPr>
+          <a:xfrm flipH="1">
+            <a:off x="6579767" y="847712"/>
+            <a:ext cx="4692810" cy="0"/>
+          </a:xfrm>
+          <a:prstGeom prst="line">
+            <a:avLst/>
+          </a:prstGeom>
+          <a:ln w="6350">
+            <a:solidFill>
+              <a:srgbClr val="FF7876"/>
+            </a:solidFill>
+            <a:prstDash val="sysDash"/>
+            <a:tailEnd type="oval"/>
+          </a:ln>
+        </p:spPr>
+        <p:style>
+          <a:lnRef idx="1">
+            <a:schemeClr val="accent1"/>
+          </a:lnRef>
+          <a:fillRef idx="0">
+            <a:schemeClr val="accent1"/>
+          </a:fillRef>
+          <a:effectRef idx="0">
+            <a:schemeClr val="accent1"/>
+          </a:effectRef>
+          <a:fontRef idx="minor">
+            <a:schemeClr val="tx1"/>
+          </a:fontRef>
+        </p:style>
+      </p:cxnSp>
+      <p:sp>
+        <p:nvSpPr>
+          <p:cNvPr id="11" name="TextBox 10">
+            <a:extLst>
+              <a:ext uri="{FF2B5EF4-FFF2-40B4-BE49-F238E27FC236}">
+                <a16:creationId xmlns:a16="http://schemas.microsoft.com/office/drawing/2014/main" id="{4B825D75-47BE-4247-BE4D-F7D4F36F4B08}"/>
+              </a:ext>
+            </a:extLst>
+          </p:cNvPr>
+          <p:cNvSpPr txBox="1"/>
+          <p:nvPr/>
+        </p:nvSpPr>
+        <p:spPr>
+          <a:xfrm>
+            <a:off x="2752639" y="5463991"/>
+            <a:ext cx="6686722" cy="430887"/>
+          </a:xfrm>
+          <a:prstGeom prst="rect">
+            <a:avLst/>
+          </a:prstGeom>
+          <a:noFill/>
+          <a:ln w="12700">
+            <a:solidFill>
+              <a:srgbClr val="FF7876"/>
+            </a:solidFill>
+          </a:ln>
+        </p:spPr>
+        <p:txBody>
+          <a:bodyPr wrap="square" rtlCol="0">
+            <a:spAutoFit/>
+          </a:bodyPr>
+          <a:lstStyle/>
+          <a:p>
+            <a:pPr algn="ctr"/>
+            <a:r>
+              <a:rPr lang="ko-Kore-KR" altLang="en-US" sz="1100" dirty="0"/>
+              <a:t>이번과제의 최종 코드와 작업물들은 제 깃에서 확인 가능합니다</a:t>
+            </a:r>
+            <a:r>
+              <a:rPr lang="en-US" altLang="ko-Kore-KR" sz="1100" dirty="0"/>
+              <a:t>.</a:t>
+            </a:r>
+          </a:p>
+          <a:p>
+            <a:pPr algn="ctr"/>
+            <a:r>
+              <a:rPr lang="en-US" altLang="ko-Kore-KR" sz="1100" dirty="0"/>
+              <a:t>https://</a:t>
+            </a:r>
+            <a:r>
+              <a:rPr lang="en-US" altLang="ko-Kore-KR" sz="1100" dirty="0" err="1"/>
+              <a:t>github.com</a:t>
+            </a:r>
+            <a:r>
+              <a:rPr lang="en-US" altLang="ko-Kore-KR" sz="1100" dirty="0"/>
+              <a:t>/yooatom2200/Programing_Base_2/tree/main/10%EC%9E%A5</a:t>
+            </a:r>
+          </a:p>
+        </p:txBody>
+      </p:sp>
+      <p:sp>
+        <p:nvSpPr>
+          <p:cNvPr id="12" name="TextBox 11">
+            <a:extLst>
+              <a:ext uri="{FF2B5EF4-FFF2-40B4-BE49-F238E27FC236}">
+                <a16:creationId xmlns:a16="http://schemas.microsoft.com/office/drawing/2014/main" id="{459CFBE9-C6B1-CE4F-BF6A-3075D8B4C5EF}"/>
+              </a:ext>
+            </a:extLst>
+          </p:cNvPr>
+          <p:cNvSpPr txBox="1"/>
+          <p:nvPr/>
+        </p:nvSpPr>
+        <p:spPr>
+          <a:xfrm>
+            <a:off x="765146" y="963122"/>
+            <a:ext cx="10507430" cy="261610"/>
+          </a:xfrm>
+          <a:prstGeom prst="rect">
+            <a:avLst/>
+          </a:prstGeom>
+          <a:noFill/>
+        </p:spPr>
+        <p:txBody>
+          <a:bodyPr wrap="square" rtlCol="0">
+            <a:spAutoFit/>
+          </a:bodyPr>
+          <a:lstStyle/>
+          <a:p>
+            <a:pPr algn="ctr"/>
+            <a:r>
+              <a:rPr lang="ko-KR" altLang="en-US" sz="1100" i="1" dirty="0">
+                <a:solidFill>
+                  <a:srgbClr val="FF7876"/>
+                </a:solidFill>
+              </a:rPr>
+              <a:t>임의의 프로그램</a:t>
+            </a:r>
+            <a:endParaRPr lang="en-US" altLang="ko-KR" sz="1100" i="1" dirty="0">
+              <a:solidFill>
+                <a:srgbClr val="FF7876"/>
+              </a:solidFill>
+            </a:endParaRPr>
+          </a:p>
+        </p:txBody>
+      </p:sp>
+      <p:pic>
+        <p:nvPicPr>
+          <p:cNvPr id="2" name="그림 1">
+            <a:extLst>
+              <a:ext uri="{FF2B5EF4-FFF2-40B4-BE49-F238E27FC236}">
+                <a16:creationId xmlns:a16="http://schemas.microsoft.com/office/drawing/2014/main" id="{82598BFB-5043-6A4F-B4CF-E860283D469A}"/>
+              </a:ext>
+            </a:extLst>
+          </p:cNvPr>
+          <p:cNvPicPr>
+            <a:picLocks noChangeAspect="1"/>
+          </p:cNvPicPr>
+          <p:nvPr/>
+        </p:nvPicPr>
+        <p:blipFill>
+          <a:blip r:embed="rId2"/>
+          <a:stretch>
+            <a:fillRect/>
+          </a:stretch>
+        </p:blipFill>
+        <p:spPr>
+          <a:xfrm>
+            <a:off x="6096000" y="1698963"/>
+            <a:ext cx="5874819" cy="3373973"/>
+          </a:xfrm>
+          <a:prstGeom prst="rect">
+            <a:avLst/>
+          </a:prstGeom>
+        </p:spPr>
+      </p:pic>
+      <p:pic>
+        <p:nvPicPr>
+          <p:cNvPr id="3" name="그림 2">
+            <a:extLst>
+              <a:ext uri="{FF2B5EF4-FFF2-40B4-BE49-F238E27FC236}">
+                <a16:creationId xmlns:a16="http://schemas.microsoft.com/office/drawing/2014/main" id="{F08E6538-5C0B-7446-911B-C3EC6868F10F}"/>
+              </a:ext>
+            </a:extLst>
+          </p:cNvPr>
+          <p:cNvPicPr>
+            <a:picLocks noChangeAspect="1"/>
+          </p:cNvPicPr>
+          <p:nvPr/>
+        </p:nvPicPr>
+        <p:blipFill>
+          <a:blip r:embed="rId3"/>
+          <a:stretch>
+            <a:fillRect/>
+          </a:stretch>
+        </p:blipFill>
+        <p:spPr>
+          <a:xfrm>
+            <a:off x="196741" y="1698963"/>
+            <a:ext cx="5899259" cy="3388009"/>
+          </a:xfrm>
+          <a:prstGeom prst="rect">
+            <a:avLst/>
+          </a:prstGeom>
+        </p:spPr>
+      </p:pic>
+    </p:spTree>
+    <p:extLst>
+      <p:ext uri="{BB962C8B-B14F-4D97-AF65-F5344CB8AC3E}">
+        <p14:creationId xmlns:p14="http://schemas.microsoft.com/office/powerpoint/2010/main" val="887750796"/>
       </p:ext>
     </p:extLst>
   </p:cSld>
@@ -8569,6 +10548,227 @@
     <p:extLst>
       <p:ext uri="{BB962C8B-B14F-4D97-AF65-F5344CB8AC3E}">
         <p14:creationId xmlns:p14="http://schemas.microsoft.com/office/powerpoint/2010/main" val="1755942082"/>
+      </p:ext>
+    </p:extLst>
+  </p:cSld>
+  <p:clrMapOvr>
+    <a:masterClrMapping/>
+  </p:clrMapOvr>
+</p:sld>
+</file>
+
+<file path=ppt/slides/slide20.xml><?xml version="1.0" encoding="utf-8"?>
+<p:sld xmlns:a="http://schemas.openxmlformats.org/drawingml/2006/main" xmlns:r="http://schemas.openxmlformats.org/officeDocument/2006/relationships" xmlns:p="http://schemas.openxmlformats.org/presentationml/2006/main">
+  <p:cSld>
+    <p:spTree>
+      <p:nvGrpSpPr>
+        <p:cNvPr id="1" name=""/>
+        <p:cNvGrpSpPr/>
+        <p:nvPr/>
+      </p:nvGrpSpPr>
+      <p:grpSpPr>
+        <a:xfrm>
+          <a:off x="0" y="0"/>
+          <a:ext cx="0" cy="0"/>
+          <a:chOff x="0" y="0"/>
+          <a:chExt cx="0" cy="0"/>
+        </a:xfrm>
+      </p:grpSpPr>
+      <p:sp>
+        <p:nvSpPr>
+          <p:cNvPr id="105" name="직사각형 104">
+            <a:extLst>
+              <a:ext uri="{FF2B5EF4-FFF2-40B4-BE49-F238E27FC236}">
+                <a16:creationId xmlns:a16="http://schemas.microsoft.com/office/drawing/2014/main" id="{92F4E01E-679C-4D6B-8449-8DB2AF7B7D34}"/>
+              </a:ext>
+            </a:extLst>
+          </p:cNvPr>
+          <p:cNvSpPr/>
+          <p:nvPr/>
+        </p:nvSpPr>
+        <p:spPr>
+          <a:xfrm>
+            <a:off x="3739117" y="3003678"/>
+            <a:ext cx="4713765" cy="1032077"/>
+          </a:xfrm>
+          <a:prstGeom prst="rect">
+            <a:avLst/>
+          </a:prstGeom>
+        </p:spPr>
+        <p:txBody>
+          <a:bodyPr wrap="square">
+            <a:spAutoFit/>
+          </a:bodyPr>
+          <a:lstStyle/>
+          <a:p>
+            <a:pPr algn="ctr" latinLnBrk="0">
+              <a:lnSpc>
+                <a:spcPct val="150000"/>
+              </a:lnSpc>
+              <a:defRPr/>
+            </a:pPr>
+            <a:r>
+              <a:rPr lang="ko-KR" altLang="en-US" sz="3200" b="1" i="1" kern="0">
+                <a:solidFill>
+                  <a:srgbClr val="FF7876"/>
+                </a:solidFill>
+              </a:rPr>
+              <a:t>감사합니다</a:t>
+            </a:r>
+            <a:r>
+              <a:rPr lang="en-US" altLang="ko-KR" sz="3200" b="1" i="1" kern="0">
+                <a:solidFill>
+                  <a:prstClr val="black">
+                    <a:lumMod val="75000"/>
+                    <a:lumOff val="25000"/>
+                  </a:prstClr>
+                </a:solidFill>
+              </a:rPr>
+              <a:t> </a:t>
+            </a:r>
+            <a:endParaRPr lang="en-US" altLang="ko-KR" sz="3200" b="1" i="1" kern="0" dirty="0">
+              <a:solidFill>
+                <a:prstClr val="black">
+                  <a:lumMod val="75000"/>
+                  <a:lumOff val="25000"/>
+                </a:prstClr>
+              </a:solidFill>
+            </a:endParaRPr>
+          </a:p>
+          <a:p>
+            <a:pPr algn="ctr" latinLnBrk="0">
+              <a:lnSpc>
+                <a:spcPct val="150000"/>
+              </a:lnSpc>
+              <a:defRPr/>
+            </a:pPr>
+            <a:r>
+              <a:rPr lang="en-US" altLang="ko-KR" sz="900" kern="0">
+                <a:solidFill>
+                  <a:prstClr val="black">
+                    <a:lumMod val="75000"/>
+                    <a:lumOff val="25000"/>
+                  </a:prstClr>
+                </a:solidFill>
+              </a:rPr>
+              <a:t>20164091 </a:t>
+            </a:r>
+            <a:r>
+              <a:rPr lang="ko-KR" altLang="en-US" sz="900" kern="0">
+                <a:solidFill>
+                  <a:prstClr val="black">
+                    <a:lumMod val="75000"/>
+                    <a:lumOff val="25000"/>
+                  </a:prstClr>
+                </a:solidFill>
+              </a:rPr>
+              <a:t>송희령</a:t>
+            </a:r>
+            <a:endParaRPr lang="en-US" altLang="ko-KR" sz="900" kern="0" dirty="0">
+              <a:solidFill>
+                <a:prstClr val="black">
+                  <a:lumMod val="75000"/>
+                  <a:lumOff val="25000"/>
+                </a:prstClr>
+              </a:solidFill>
+            </a:endParaRPr>
+          </a:p>
+        </p:txBody>
+      </p:sp>
+      <p:cxnSp>
+        <p:nvCxnSpPr>
+          <p:cNvPr id="25" name="직선 연결선 24">
+            <a:extLst>
+              <a:ext uri="{FF2B5EF4-FFF2-40B4-BE49-F238E27FC236}">
+                <a16:creationId xmlns:a16="http://schemas.microsoft.com/office/drawing/2014/main" id="{5C950320-1D5A-4C58-BB46-CEBCD7EA92EE}"/>
+              </a:ext>
+            </a:extLst>
+          </p:cNvPr>
+          <p:cNvCxnSpPr>
+            <a:cxnSpLocks/>
+          </p:cNvCxnSpPr>
+          <p:nvPr/>
+        </p:nvCxnSpPr>
+        <p:spPr>
+          <a:xfrm flipV="1">
+            <a:off x="859926" y="3518678"/>
+            <a:ext cx="3747936" cy="519"/>
+          </a:xfrm>
+          <a:prstGeom prst="line">
+            <a:avLst/>
+          </a:prstGeom>
+          <a:ln w="6350">
+            <a:solidFill>
+              <a:srgbClr val="FF7876"/>
+            </a:solidFill>
+            <a:prstDash val="sysDash"/>
+            <a:tailEnd type="oval"/>
+          </a:ln>
+        </p:spPr>
+        <p:style>
+          <a:lnRef idx="1">
+            <a:schemeClr val="accent1"/>
+          </a:lnRef>
+          <a:fillRef idx="0">
+            <a:schemeClr val="accent1"/>
+          </a:fillRef>
+          <a:effectRef idx="0">
+            <a:schemeClr val="accent1"/>
+          </a:effectRef>
+          <a:fontRef idx="minor">
+            <a:schemeClr val="tx1"/>
+          </a:fontRef>
+        </p:style>
+      </p:cxnSp>
+      <p:cxnSp>
+        <p:nvCxnSpPr>
+          <p:cNvPr id="26" name="직선 연결선 25">
+            <a:extLst>
+              <a:ext uri="{FF2B5EF4-FFF2-40B4-BE49-F238E27FC236}">
+                <a16:creationId xmlns:a16="http://schemas.microsoft.com/office/drawing/2014/main" id="{4BADCF3C-651C-44CD-8DEE-E875CC3C1444}"/>
+              </a:ext>
+            </a:extLst>
+          </p:cNvPr>
+          <p:cNvCxnSpPr>
+            <a:cxnSpLocks/>
+          </p:cNvCxnSpPr>
+          <p:nvPr/>
+        </p:nvCxnSpPr>
+        <p:spPr>
+          <a:xfrm flipH="1">
+            <a:off x="7584140" y="3519196"/>
+            <a:ext cx="3688436" cy="0"/>
+          </a:xfrm>
+          <a:prstGeom prst="line">
+            <a:avLst/>
+          </a:prstGeom>
+          <a:ln w="6350">
+            <a:solidFill>
+              <a:srgbClr val="FF7876"/>
+            </a:solidFill>
+            <a:prstDash val="sysDash"/>
+            <a:tailEnd type="oval"/>
+          </a:ln>
+        </p:spPr>
+        <p:style>
+          <a:lnRef idx="1">
+            <a:schemeClr val="accent1"/>
+          </a:lnRef>
+          <a:fillRef idx="0">
+            <a:schemeClr val="accent1"/>
+          </a:fillRef>
+          <a:effectRef idx="0">
+            <a:schemeClr val="accent1"/>
+          </a:effectRef>
+          <a:fontRef idx="minor">
+            <a:schemeClr val="tx1"/>
+          </a:fontRef>
+        </p:style>
+      </p:cxnSp>
+    </p:spTree>
+    <p:extLst>
+      <p:ext uri="{BB962C8B-B14F-4D97-AF65-F5344CB8AC3E}">
+        <p14:creationId xmlns:p14="http://schemas.microsoft.com/office/powerpoint/2010/main" val="1066393970"/>
       </p:ext>
     </p:extLst>
   </p:cSld>

--- a/12장/20164091-송희령-12장 과제.pptx
+++ b/12장/20164091-송희령-12장 과제.pptx
@@ -23,8 +23,9 @@
     <p:sldId id="416" r:id="rId17"/>
     <p:sldId id="417" r:id="rId18"/>
     <p:sldId id="418" r:id="rId19"/>
-    <p:sldId id="394" r:id="rId20"/>
-    <p:sldId id="258" r:id="rId21"/>
+    <p:sldId id="419" r:id="rId20"/>
+    <p:sldId id="394" r:id="rId21"/>
+    <p:sldId id="258" r:id="rId22"/>
   </p:sldIdLst>
   <p:sldSz cx="12192000" cy="6858000"/>
   <p:notesSz cx="6858000" cy="9144000"/>
@@ -8662,6 +8663,36 @@
           <a:chExt cx="0" cy="0"/>
         </a:xfrm>
       </p:grpSpPr>
+      <p:pic>
+        <p:nvPicPr>
+          <p:cNvPr id="5" name="그림 4">
+            <a:extLst>
+              <a:ext uri="{FF2B5EF4-FFF2-40B4-BE49-F238E27FC236}">
+                <a16:creationId xmlns:a16="http://schemas.microsoft.com/office/drawing/2014/main" id="{5C4BEF17-6C36-5941-9764-C3BD11C4F370}"/>
+              </a:ext>
+            </a:extLst>
+          </p:cNvPr>
+          <p:cNvPicPr>
+            <a:picLocks noChangeAspect="1"/>
+          </p:cNvPicPr>
+          <p:nvPr/>
+        </p:nvPicPr>
+        <p:blipFill>
+          <a:blip r:embed="rId2"/>
+          <a:stretch>
+            <a:fillRect/>
+          </a:stretch>
+        </p:blipFill>
+        <p:spPr>
+          <a:xfrm>
+            <a:off x="843148" y="3005045"/>
+            <a:ext cx="4292841" cy="3621367"/>
+          </a:xfrm>
+          <a:prstGeom prst="rect">
+            <a:avLst/>
+          </a:prstGeom>
+        </p:spPr>
+      </p:pic>
       <p:sp>
         <p:nvSpPr>
           <p:cNvPr id="37" name="직사각형 36">
@@ -8841,36 +8872,6 @@
           </a:p>
         </p:txBody>
       </p:sp>
-      <p:pic>
-        <p:nvPicPr>
-          <p:cNvPr id="2" name="그림 1">
-            <a:extLst>
-              <a:ext uri="{FF2B5EF4-FFF2-40B4-BE49-F238E27FC236}">
-                <a16:creationId xmlns:a16="http://schemas.microsoft.com/office/drawing/2014/main" id="{29CBD49C-F09B-9B4D-BA4D-E915BEF04583}"/>
-              </a:ext>
-            </a:extLst>
-          </p:cNvPr>
-          <p:cNvPicPr>
-            <a:picLocks noChangeAspect="1"/>
-          </p:cNvPicPr>
-          <p:nvPr/>
-        </p:nvPicPr>
-        <p:blipFill>
-          <a:blip r:embed="rId2"/>
-          <a:stretch>
-            <a:fillRect/>
-          </a:stretch>
-        </p:blipFill>
-        <p:spPr>
-          <a:xfrm>
-            <a:off x="1659613" y="1297931"/>
-            <a:ext cx="2372651" cy="1663840"/>
-          </a:xfrm>
-          <a:prstGeom prst="rect">
-            <a:avLst/>
-          </a:prstGeom>
-        </p:spPr>
-      </p:pic>
       <p:sp>
         <p:nvSpPr>
           <p:cNvPr id="10" name="TextBox 9">
@@ -8886,7 +8887,7 @@
         <p:spPr>
           <a:xfrm>
             <a:off x="6351042" y="1698964"/>
-            <a:ext cx="5158265" cy="430887"/>
+            <a:ext cx="5158265" cy="938719"/>
           </a:xfrm>
           <a:prstGeom prst="rect">
             <a:avLst/>
@@ -8906,44 +8907,74 @@
           <a:p>
             <a:pPr algn="ctr"/>
             <a:r>
-              <a:rPr lang="ko-KR" altLang="en-US" sz="1100" dirty="0"/>
-              <a:t>그리드 칸수는 </a:t>
-            </a:r>
-            <a:r>
               <a:rPr lang="en-US" altLang="ko-KR" sz="1100" dirty="0"/>
-              <a:t>20x20</a:t>
+              <a:t>for</a:t>
+            </a:r>
+            <a:r>
+              <a:rPr lang="ko-KR" altLang="en-US" sz="1100" dirty="0"/>
+              <a:t>문을 통해 각 칸과 바둑돌을 표현하도록 합니다</a:t>
+            </a:r>
+            <a:r>
+              <a:rPr lang="en-US" altLang="ko-KR" sz="1100" dirty="0"/>
+              <a:t>.</a:t>
+            </a:r>
+          </a:p>
+          <a:p>
+            <a:pPr algn="ctr"/>
+            <a:r>
+              <a:rPr lang="ko-KR" altLang="en-US" sz="1100" dirty="0"/>
+              <a:t>칸은 </a:t>
+            </a:r>
+            <a:r>
+              <a:rPr lang="en-US" altLang="ko-KR" sz="1100" dirty="0" err="1"/>
+              <a:t>rect</a:t>
+            </a:r>
+            <a:r>
+              <a:rPr lang="ko-KR" altLang="en-US" sz="1100" dirty="0"/>
+              <a:t>로 그리게 하였으며 바둑돌은 색을 </a:t>
             </a:r>
             <a:r>
               <a:rPr lang="ko-KR" altLang="en-US" sz="1100" dirty="0" err="1"/>
-              <a:t>으로</a:t>
-            </a:r>
-            <a:r>
-              <a:rPr lang="ko-KR" altLang="en-US" sz="1100" dirty="0"/>
-              <a:t> 설정하였으며</a:t>
+              <a:t>다르게하여</a:t>
             </a:r>
             <a:endParaRPr lang="en-US" altLang="ko-KR" sz="1100" dirty="0"/>
           </a:p>
           <a:p>
             <a:pPr algn="ctr"/>
             <a:r>
+              <a:rPr lang="en-US" altLang="ko-KR" sz="1100" dirty="0"/>
+              <a:t>ellipse</a:t>
+            </a:r>
+            <a:r>
+              <a:rPr lang="ko-KR" altLang="en-US" sz="1100" dirty="0"/>
+              <a:t>로 그리게 하였습니다</a:t>
+            </a:r>
+            <a:r>
+              <a:rPr lang="en-US" altLang="ko-KR" sz="1100" dirty="0"/>
+              <a:t>.</a:t>
+            </a:r>
+          </a:p>
+          <a:p>
+            <a:pPr algn="ctr"/>
+            <a:r>
+              <a:rPr lang="ko-KR" altLang="en-US" sz="1100" dirty="0"/>
+              <a:t>다음 초기화 버튼을 빨간색으로 지정하여 그리게 하였으며</a:t>
+            </a:r>
+            <a:endParaRPr lang="en-US" altLang="ko-KR" sz="1100" dirty="0"/>
+          </a:p>
+          <a:p>
+            <a:pPr algn="ctr"/>
+            <a:r>
+              <a:rPr lang="ko-KR" altLang="en-US" sz="1100" dirty="0"/>
+              <a:t>하단의 누구의 턴인지를 표시하기 위한 텍스트 </a:t>
+            </a:r>
+            <a:r>
               <a:rPr lang="ko-KR" altLang="en-US" sz="1100" dirty="0" err="1"/>
-              <a:t>파이게임</a:t>
-            </a:r>
-            <a:r>
-              <a:rPr lang="ko-KR" altLang="en-US" sz="1100" dirty="0"/>
-              <a:t> 윈도우 크기는 </a:t>
-            </a:r>
-            <a:r>
-              <a:rPr lang="en-US" altLang="ko-KR" sz="1100" dirty="0"/>
-              <a:t>905x950</a:t>
-            </a:r>
-            <a:r>
-              <a:rPr lang="ko-KR" altLang="en-US" sz="1100" dirty="0" err="1"/>
-              <a:t>으로</a:t>
-            </a:r>
-            <a:r>
-              <a:rPr lang="ko-KR" altLang="en-US" sz="1100" dirty="0"/>
-              <a:t> 설정하였습니다</a:t>
+              <a:t>렌더</a:t>
+            </a:r>
+            <a:r>
+              <a:rPr lang="ko-KR" altLang="en-US" sz="1100" dirty="0"/>
+              <a:t> 역시 추가하였습니다</a:t>
             </a:r>
             <a:r>
               <a:rPr lang="en-US" altLang="ko-KR" sz="1100" dirty="0"/>
@@ -8998,10 +9029,10 @@
       </p:cxnSp>
       <p:sp>
         <p:nvSpPr>
-          <p:cNvPr id="14" name="TextBox 13">
-            <a:extLst>
-              <a:ext uri="{FF2B5EF4-FFF2-40B4-BE49-F238E27FC236}">
-                <a16:creationId xmlns:a16="http://schemas.microsoft.com/office/drawing/2014/main" id="{3FA9DF80-417B-354A-92EB-9B4374EAFD8F}"/>
+          <p:cNvPr id="16" name="TextBox 15">
+            <a:extLst>
+              <a:ext uri="{FF2B5EF4-FFF2-40B4-BE49-F238E27FC236}">
+                <a16:creationId xmlns:a16="http://schemas.microsoft.com/office/drawing/2014/main" id="{E6BE93F1-97C1-FF43-9139-8F81011C9483}"/>
               </a:ext>
             </a:extLst>
           </p:cNvPr>
@@ -9010,8 +9041,8 @@
         </p:nvSpPr>
         <p:spPr>
           <a:xfrm>
-            <a:off x="1659613" y="1297931"/>
-            <a:ext cx="2372650" cy="1663840"/>
+            <a:off x="835625" y="3005045"/>
+            <a:ext cx="4292840" cy="3621364"/>
           </a:xfrm>
           <a:prstGeom prst="rect">
             <a:avLst/>
@@ -9034,12 +9065,57 @@
           </a:p>
         </p:txBody>
       </p:sp>
+      <p:cxnSp>
+        <p:nvCxnSpPr>
+          <p:cNvPr id="17" name="직선 화살표 연결선 16">
+            <a:extLst>
+              <a:ext uri="{FF2B5EF4-FFF2-40B4-BE49-F238E27FC236}">
+                <a16:creationId xmlns:a16="http://schemas.microsoft.com/office/drawing/2014/main" id="{3CBB2853-A975-D04C-B783-7F5057A56FF9}"/>
+              </a:ext>
+            </a:extLst>
+          </p:cNvPr>
+          <p:cNvCxnSpPr>
+            <a:cxnSpLocks/>
+            <a:endCxn id="27" idx="1"/>
+          </p:cNvCxnSpPr>
+          <p:nvPr/>
+        </p:nvCxnSpPr>
+        <p:spPr>
+          <a:xfrm flipV="1">
+            <a:off x="5097448" y="3704378"/>
+            <a:ext cx="1643399" cy="20410"/>
+          </a:xfrm>
+          <a:prstGeom prst="straightConnector1">
+            <a:avLst/>
+          </a:prstGeom>
+          <a:ln w="12700">
+            <a:solidFill>
+              <a:srgbClr val="FF7876"/>
+            </a:solidFill>
+            <a:tailEnd type="triangle"/>
+          </a:ln>
+        </p:spPr>
+        <p:style>
+          <a:lnRef idx="1">
+            <a:schemeClr val="accent1"/>
+          </a:lnRef>
+          <a:fillRef idx="0">
+            <a:schemeClr val="accent1"/>
+          </a:fillRef>
+          <a:effectRef idx="0">
+            <a:schemeClr val="accent1"/>
+          </a:effectRef>
+          <a:fontRef idx="minor">
+            <a:schemeClr val="tx1"/>
+          </a:fontRef>
+        </p:style>
+      </p:cxnSp>
       <p:pic>
         <p:nvPicPr>
-          <p:cNvPr id="7" name="그림 6">
-            <a:extLst>
-              <a:ext uri="{FF2B5EF4-FFF2-40B4-BE49-F238E27FC236}">
-                <a16:creationId xmlns:a16="http://schemas.microsoft.com/office/drawing/2014/main" id="{BD62D442-450C-BC4C-B25D-B137A7AC0FE1}"/>
+          <p:cNvPr id="3" name="그림 2">
+            <a:extLst>
+              <a:ext uri="{FF2B5EF4-FFF2-40B4-BE49-F238E27FC236}">
+                <a16:creationId xmlns:a16="http://schemas.microsoft.com/office/drawing/2014/main" id="{DE6E035E-1B2B-9F4D-8D17-D5DCE60EF2C6}"/>
               </a:ext>
             </a:extLst>
           </p:cNvPr>
@@ -9056,8 +9132,8 @@
         </p:blipFill>
         <p:spPr>
           <a:xfrm>
-            <a:off x="1235755" y="3044828"/>
-            <a:ext cx="3713500" cy="3480979"/>
+            <a:off x="835625" y="1239239"/>
+            <a:ext cx="3196638" cy="1615719"/>
           </a:xfrm>
           <a:prstGeom prst="rect">
             <a:avLst/>
@@ -9066,10 +9142,10 @@
       </p:pic>
       <p:sp>
         <p:nvSpPr>
-          <p:cNvPr id="16" name="TextBox 15">
-            <a:extLst>
-              <a:ext uri="{FF2B5EF4-FFF2-40B4-BE49-F238E27FC236}">
-                <a16:creationId xmlns:a16="http://schemas.microsoft.com/office/drawing/2014/main" id="{E6BE93F1-97C1-FF43-9139-8F81011C9483}"/>
+          <p:cNvPr id="22" name="TextBox 21">
+            <a:extLst>
+              <a:ext uri="{FF2B5EF4-FFF2-40B4-BE49-F238E27FC236}">
+                <a16:creationId xmlns:a16="http://schemas.microsoft.com/office/drawing/2014/main" id="{AF1B491E-1115-F741-A2A1-789AECC1C74A}"/>
               </a:ext>
             </a:extLst>
           </p:cNvPr>
@@ -9078,8 +9154,8 @@
         </p:nvSpPr>
         <p:spPr>
           <a:xfrm>
-            <a:off x="1881903" y="3621367"/>
-            <a:ext cx="2390691" cy="1508983"/>
+            <a:off x="835624" y="1224732"/>
+            <a:ext cx="3196638" cy="1675700"/>
           </a:xfrm>
           <a:prstGeom prst="rect">
             <a:avLst/>
@@ -9102,56 +9178,12 @@
           </a:p>
         </p:txBody>
       </p:sp>
-      <p:cxnSp>
-        <p:nvCxnSpPr>
-          <p:cNvPr id="17" name="직선 화살표 연결선 16">
-            <a:extLst>
-              <a:ext uri="{FF2B5EF4-FFF2-40B4-BE49-F238E27FC236}">
-                <a16:creationId xmlns:a16="http://schemas.microsoft.com/office/drawing/2014/main" id="{3CBB2853-A975-D04C-B783-7F5057A56FF9}"/>
-              </a:ext>
-            </a:extLst>
-          </p:cNvPr>
-          <p:cNvCxnSpPr>
-            <a:cxnSpLocks/>
-          </p:cNvCxnSpPr>
-          <p:nvPr/>
-        </p:nvCxnSpPr>
-        <p:spPr>
-          <a:xfrm flipV="1">
-            <a:off x="4272594" y="3621367"/>
-            <a:ext cx="1885445" cy="1762"/>
-          </a:xfrm>
-          <a:prstGeom prst="straightConnector1">
-            <a:avLst/>
-          </a:prstGeom>
-          <a:ln w="12700">
-            <a:solidFill>
-              <a:srgbClr val="FF7876"/>
-            </a:solidFill>
-            <a:tailEnd type="triangle"/>
-          </a:ln>
-        </p:spPr>
-        <p:style>
-          <a:lnRef idx="1">
-            <a:schemeClr val="accent1"/>
-          </a:lnRef>
-          <a:fillRef idx="0">
-            <a:schemeClr val="accent1"/>
-          </a:fillRef>
-          <a:effectRef idx="0">
-            <a:schemeClr val="accent1"/>
-          </a:effectRef>
-          <a:fontRef idx="minor">
-            <a:schemeClr val="tx1"/>
-          </a:fontRef>
-        </p:style>
-      </p:cxnSp>
-      <p:sp>
-        <p:nvSpPr>
-          <p:cNvPr id="18" name="TextBox 17">
-            <a:extLst>
-              <a:ext uri="{FF2B5EF4-FFF2-40B4-BE49-F238E27FC236}">
-                <a16:creationId xmlns:a16="http://schemas.microsoft.com/office/drawing/2014/main" id="{60D08A8B-8C3B-7142-9AAF-A7FBE9B50BAA}"/>
+      <p:sp>
+        <p:nvSpPr>
+          <p:cNvPr id="27" name="TextBox 26">
+            <a:extLst>
+              <a:ext uri="{FF2B5EF4-FFF2-40B4-BE49-F238E27FC236}">
+                <a16:creationId xmlns:a16="http://schemas.microsoft.com/office/drawing/2014/main" id="{7C4E1C7A-6A66-0D42-98C5-0F03DAB707F4}"/>
               </a:ext>
             </a:extLst>
           </p:cNvPr>
@@ -9160,8 +9192,8 @@
         </p:nvSpPr>
         <p:spPr>
           <a:xfrm>
-            <a:off x="6158039" y="3490562"/>
-            <a:ext cx="5158265" cy="769441"/>
+            <a:off x="6740847" y="3488934"/>
+            <a:ext cx="3082886" cy="430887"/>
           </a:xfrm>
           <a:prstGeom prst="rect">
             <a:avLst/>
@@ -9179,388 +9211,34 @@
           </a:bodyPr>
           <a:lstStyle/>
           <a:p>
-            <a:pPr lvl="1" algn="ctr"/>
-            <a:r>
-              <a:rPr lang="ko-KR" altLang="en-US" sz="1100" dirty="0"/>
-              <a:t>버튼 </a:t>
+            <a:pPr algn="ctr"/>
+            <a:r>
+              <a:rPr lang="ko-KR" altLang="en-US" sz="1100" dirty="0"/>
+              <a:t>오목의 </a:t>
+            </a:r>
+            <a:r>
+              <a:rPr lang="en-US" altLang="ko-KR" sz="1100" dirty="0"/>
+              <a:t>4</a:t>
+            </a:r>
+            <a:r>
+              <a:rPr lang="ko-KR" altLang="en-US" sz="1100" dirty="0"/>
+              <a:t>방향의 </a:t>
             </a:r>
             <a:r>
               <a:rPr lang="ko-KR" altLang="en-US" sz="1100" dirty="0" err="1"/>
-              <a:t>클릭시</a:t>
-            </a:r>
-            <a:r>
-              <a:rPr lang="ko-KR" altLang="en-US" sz="1100" dirty="0"/>
-              <a:t> 진행할 </a:t>
-            </a:r>
-            <a:r>
-              <a:rPr lang="ko-KR" altLang="en-US" sz="1100" dirty="0" err="1"/>
-              <a:t>이벤트중</a:t>
-            </a:r>
-            <a:r>
-              <a:rPr lang="ko-KR" altLang="en-US" sz="1100" dirty="0"/>
-              <a:t> 초기화 버튼 영역 </a:t>
-            </a:r>
-            <a:r>
-              <a:rPr lang="ko-KR" altLang="en-US" sz="1100" dirty="0" err="1"/>
-              <a:t>클릭시</a:t>
+              <a:t>승리조건에</a:t>
+            </a:r>
+            <a:r>
+              <a:rPr lang="ko-KR" altLang="en-US" sz="1100" dirty="0"/>
+              <a:t> 맞게</a:t>
             </a:r>
             <a:endParaRPr lang="en-US" altLang="ko-KR" sz="1100" dirty="0"/>
           </a:p>
           <a:p>
-            <a:pPr lvl="1" algn="ctr"/>
-            <a:r>
-              <a:rPr lang="ko-KR" altLang="en-US" sz="1100" dirty="0"/>
-              <a:t>작동할 문구 입니다</a:t>
-            </a:r>
-            <a:r>
-              <a:rPr lang="en-US" altLang="ko-KR" sz="1100" dirty="0"/>
-              <a:t>.</a:t>
-            </a:r>
-          </a:p>
-          <a:p>
-            <a:pPr lvl="1" algn="ctr"/>
-            <a:r>
-              <a:rPr lang="ko-KR" altLang="en-US" sz="1100" dirty="0"/>
-              <a:t>모든 조건검사요소를 초기화시키고 그리드배열까지 </a:t>
-            </a:r>
-            <a:r>
-              <a:rPr lang="ko-KR" altLang="en-US" sz="1100" dirty="0" err="1"/>
-              <a:t>초기화시켜</a:t>
-            </a:r>
-            <a:endParaRPr lang="en-US" altLang="ko-KR" sz="1100" dirty="0"/>
-          </a:p>
-          <a:p>
-            <a:pPr lvl="1" algn="ctr"/>
-            <a:r>
-              <a:rPr lang="ko-KR" altLang="en-US" sz="1100" dirty="0"/>
-              <a:t>게임을 초기상태로 </a:t>
-            </a:r>
-            <a:r>
-              <a:rPr lang="ko-KR" altLang="en-US" sz="1100" dirty="0" err="1"/>
-              <a:t>설정하게합니다</a:t>
-            </a:r>
-            <a:r>
-              <a:rPr lang="en-US" altLang="ko-KR" sz="1100" dirty="0"/>
-              <a:t>.</a:t>
-            </a:r>
-          </a:p>
-        </p:txBody>
-      </p:sp>
-      <p:sp>
-        <p:nvSpPr>
-          <p:cNvPr id="20" name="TextBox 19">
-            <a:extLst>
-              <a:ext uri="{FF2B5EF4-FFF2-40B4-BE49-F238E27FC236}">
-                <a16:creationId xmlns:a16="http://schemas.microsoft.com/office/drawing/2014/main" id="{F1EBCFC7-AA04-5544-95E9-FF551BDA1B4F}"/>
-              </a:ext>
-            </a:extLst>
-          </p:cNvPr>
-          <p:cNvSpPr txBox="1"/>
-          <p:nvPr/>
-        </p:nvSpPr>
-        <p:spPr>
-          <a:xfrm>
-            <a:off x="2171868" y="5236108"/>
-            <a:ext cx="2777387" cy="1030465"/>
-          </a:xfrm>
-          <a:prstGeom prst="rect">
-            <a:avLst/>
-          </a:prstGeom>
-          <a:noFill/>
-          <a:ln w="12700">
-            <a:solidFill>
-              <a:srgbClr val="FF7876"/>
-            </a:solidFill>
-          </a:ln>
-        </p:spPr>
-        <p:txBody>
-          <a:bodyPr wrap="square" rtlCol="0">
-            <a:spAutoFit/>
-          </a:bodyPr>
-          <a:lstStyle/>
-          <a:p>
             <a:pPr algn="ctr"/>
-            <a:endParaRPr lang="en-US" altLang="ko-Kore-KR" sz="1100" dirty="0"/>
-          </a:p>
-        </p:txBody>
-      </p:sp>
-      <p:cxnSp>
-        <p:nvCxnSpPr>
-          <p:cNvPr id="21" name="직선 화살표 연결선 20">
-            <a:extLst>
-              <a:ext uri="{FF2B5EF4-FFF2-40B4-BE49-F238E27FC236}">
-                <a16:creationId xmlns:a16="http://schemas.microsoft.com/office/drawing/2014/main" id="{F2B26780-154A-4F4C-999D-F49A0A0C8052}"/>
-              </a:ext>
-            </a:extLst>
-          </p:cNvPr>
-          <p:cNvCxnSpPr>
-            <a:cxnSpLocks/>
-            <a:endCxn id="23" idx="1"/>
-          </p:cNvCxnSpPr>
-          <p:nvPr/>
-        </p:nvCxnSpPr>
-        <p:spPr>
-          <a:xfrm flipV="1">
-            <a:off x="4949255" y="4950276"/>
-            <a:ext cx="1208784" cy="492180"/>
-          </a:xfrm>
-          <a:prstGeom prst="straightConnector1">
-            <a:avLst/>
-          </a:prstGeom>
-          <a:ln w="12700">
-            <a:solidFill>
-              <a:srgbClr val="FF7876"/>
-            </a:solidFill>
-            <a:tailEnd type="triangle"/>
-          </a:ln>
-        </p:spPr>
-        <p:style>
-          <a:lnRef idx="1">
-            <a:schemeClr val="accent1"/>
-          </a:lnRef>
-          <a:fillRef idx="0">
-            <a:schemeClr val="accent1"/>
-          </a:fillRef>
-          <a:effectRef idx="0">
-            <a:schemeClr val="accent1"/>
-          </a:effectRef>
-          <a:fontRef idx="minor">
-            <a:schemeClr val="tx1"/>
-          </a:fontRef>
-        </p:style>
-      </p:cxnSp>
-      <p:sp>
-        <p:nvSpPr>
-          <p:cNvPr id="23" name="TextBox 22">
-            <a:extLst>
-              <a:ext uri="{FF2B5EF4-FFF2-40B4-BE49-F238E27FC236}">
-                <a16:creationId xmlns:a16="http://schemas.microsoft.com/office/drawing/2014/main" id="{12996697-0439-D842-8CFD-64629E472015}"/>
-              </a:ext>
-            </a:extLst>
-          </p:cNvPr>
-          <p:cNvSpPr txBox="1"/>
-          <p:nvPr/>
-        </p:nvSpPr>
-        <p:spPr>
-          <a:xfrm>
-            <a:off x="6158039" y="4734832"/>
-            <a:ext cx="5158265" cy="430887"/>
-          </a:xfrm>
-          <a:prstGeom prst="rect">
-            <a:avLst/>
-          </a:prstGeom>
-          <a:noFill/>
-          <a:ln w="12700">
-            <a:solidFill>
-              <a:srgbClr val="FF7876"/>
-            </a:solidFill>
-          </a:ln>
-        </p:spPr>
-        <p:txBody>
-          <a:bodyPr wrap="square" rtlCol="0">
-            <a:spAutoFit/>
-          </a:bodyPr>
-          <a:lstStyle/>
-          <a:p>
-            <a:pPr lvl="1" algn="ctr"/>
-            <a:r>
-              <a:rPr lang="ko-KR" altLang="en-US" sz="1100" dirty="0"/>
-              <a:t>각 턴에 따라 </a:t>
-            </a:r>
-            <a:r>
-              <a:rPr lang="ko-KR" altLang="en-US" sz="1100" dirty="0" err="1"/>
-              <a:t>흑돌을</a:t>
-            </a:r>
-            <a:r>
-              <a:rPr lang="ko-KR" altLang="en-US" sz="1100" dirty="0"/>
-              <a:t> 놓을지 </a:t>
-            </a:r>
-            <a:r>
-              <a:rPr lang="ko-KR" altLang="en-US" sz="1100" dirty="0" err="1"/>
-              <a:t>백돌을</a:t>
-            </a:r>
-            <a:r>
-              <a:rPr lang="ko-KR" altLang="en-US" sz="1100" dirty="0"/>
-              <a:t> 놓을지 설정하는 문구입니다</a:t>
-            </a:r>
-            <a:r>
-              <a:rPr lang="en-US" altLang="ko-KR" sz="1100" dirty="0"/>
-              <a:t>.</a:t>
-            </a:r>
-          </a:p>
-          <a:p>
-            <a:pPr lvl="1" algn="ctr"/>
-            <a:r>
-              <a:rPr lang="ko-KR" altLang="en-US" sz="1100" dirty="0" err="1"/>
-              <a:t>조건분기에</a:t>
-            </a:r>
-            <a:r>
-              <a:rPr lang="ko-KR" altLang="en-US" sz="1100" dirty="0"/>
-              <a:t> 맞게 그리드에 흑이면 </a:t>
-            </a:r>
-            <a:r>
-              <a:rPr lang="en-US" altLang="ko-KR" sz="1100" dirty="0"/>
-              <a:t>1,</a:t>
-            </a:r>
-            <a:r>
-              <a:rPr lang="ko-KR" altLang="en-US" sz="1100" dirty="0"/>
-              <a:t> 백이면 </a:t>
-            </a:r>
-            <a:r>
-              <a:rPr lang="en-US" altLang="ko-KR" sz="1100" dirty="0"/>
-              <a:t>2</a:t>
-            </a:r>
-            <a:r>
-              <a:rPr lang="ko-KR" altLang="en-US" sz="1100" dirty="0"/>
-              <a:t>로 저장시키게 합니다</a:t>
-            </a:r>
-            <a:r>
-              <a:rPr lang="en-US" altLang="ko-KR" sz="1100" dirty="0"/>
-              <a:t>.</a:t>
-            </a:r>
-          </a:p>
-        </p:txBody>
-      </p:sp>
-      <p:sp>
-        <p:nvSpPr>
-          <p:cNvPr id="25" name="TextBox 24">
-            <a:extLst>
-              <a:ext uri="{FF2B5EF4-FFF2-40B4-BE49-F238E27FC236}">
-                <a16:creationId xmlns:a16="http://schemas.microsoft.com/office/drawing/2014/main" id="{3251F2FF-5D20-EB41-8DA7-25D0E942F1BE}"/>
-              </a:ext>
-            </a:extLst>
-          </p:cNvPr>
-          <p:cNvSpPr txBox="1"/>
-          <p:nvPr/>
-        </p:nvSpPr>
-        <p:spPr>
-          <a:xfrm>
-            <a:off x="1927253" y="6296131"/>
-            <a:ext cx="718843" cy="229676"/>
-          </a:xfrm>
-          <a:prstGeom prst="rect">
-            <a:avLst/>
-          </a:prstGeom>
-          <a:noFill/>
-          <a:ln w="12700">
-            <a:solidFill>
-              <a:srgbClr val="FF7876"/>
-            </a:solidFill>
-          </a:ln>
-        </p:spPr>
-        <p:txBody>
-          <a:bodyPr wrap="square" rtlCol="0">
-            <a:spAutoFit/>
-          </a:bodyPr>
-          <a:lstStyle/>
-          <a:p>
-            <a:pPr algn="ctr"/>
-            <a:endParaRPr lang="en-US" altLang="ko-Kore-KR" sz="1100" dirty="0"/>
-          </a:p>
-        </p:txBody>
-      </p:sp>
-      <p:cxnSp>
-        <p:nvCxnSpPr>
-          <p:cNvPr id="26" name="직선 화살표 연결선 25">
-            <a:extLst>
-              <a:ext uri="{FF2B5EF4-FFF2-40B4-BE49-F238E27FC236}">
-                <a16:creationId xmlns:a16="http://schemas.microsoft.com/office/drawing/2014/main" id="{C72131D7-6698-8044-B1CA-3629BE69FD6B}"/>
-              </a:ext>
-            </a:extLst>
-          </p:cNvPr>
-          <p:cNvCxnSpPr>
-            <a:cxnSpLocks/>
-            <a:stCxn id="25" idx="3"/>
-          </p:cNvCxnSpPr>
-          <p:nvPr/>
-        </p:nvCxnSpPr>
-        <p:spPr>
-          <a:xfrm>
-            <a:off x="2646096" y="6410969"/>
-            <a:ext cx="2966139" cy="0"/>
-          </a:xfrm>
-          <a:prstGeom prst="straightConnector1">
-            <a:avLst/>
-          </a:prstGeom>
-          <a:ln w="12700">
-            <a:solidFill>
-              <a:srgbClr val="FF7876"/>
-            </a:solidFill>
-            <a:tailEnd type="triangle"/>
-          </a:ln>
-        </p:spPr>
-        <p:style>
-          <a:lnRef idx="1">
-            <a:schemeClr val="accent1"/>
-          </a:lnRef>
-          <a:fillRef idx="0">
-            <a:schemeClr val="accent1"/>
-          </a:fillRef>
-          <a:effectRef idx="0">
-            <a:schemeClr val="accent1"/>
-          </a:effectRef>
-          <a:fontRef idx="minor">
-            <a:schemeClr val="tx1"/>
-          </a:fontRef>
-        </p:style>
-      </p:cxnSp>
-      <p:sp>
-        <p:nvSpPr>
-          <p:cNvPr id="30" name="TextBox 29">
-            <a:extLst>
-              <a:ext uri="{FF2B5EF4-FFF2-40B4-BE49-F238E27FC236}">
-                <a16:creationId xmlns:a16="http://schemas.microsoft.com/office/drawing/2014/main" id="{9E711F8B-6CB2-1C45-B6CD-5257D1766017}"/>
-              </a:ext>
-            </a:extLst>
-          </p:cNvPr>
-          <p:cNvSpPr txBox="1"/>
-          <p:nvPr/>
-        </p:nvSpPr>
-        <p:spPr>
-          <a:xfrm>
-            <a:off x="5640753" y="6195525"/>
-            <a:ext cx="5158265" cy="430887"/>
-          </a:xfrm>
-          <a:prstGeom prst="rect">
-            <a:avLst/>
-          </a:prstGeom>
-          <a:noFill/>
-          <a:ln w="12700">
-            <a:solidFill>
-              <a:srgbClr val="FF7876"/>
-            </a:solidFill>
-          </a:ln>
-        </p:spPr>
-        <p:txBody>
-          <a:bodyPr wrap="square" rtlCol="0">
-            <a:spAutoFit/>
-          </a:bodyPr>
-          <a:lstStyle/>
-          <a:p>
-            <a:pPr lvl="1" algn="ctr"/>
-            <a:r>
-              <a:rPr lang="ko-KR" altLang="en-US" sz="1100" dirty="0" err="1"/>
-              <a:t>예외처리로</a:t>
-            </a:r>
-            <a:r>
-              <a:rPr lang="ko-KR" altLang="en-US" sz="1100" dirty="0"/>
-              <a:t> 이외의 영역 </a:t>
-            </a:r>
-            <a:r>
-              <a:rPr lang="ko-KR" altLang="en-US" sz="1100" dirty="0" err="1"/>
-              <a:t>클릭시</a:t>
-            </a:r>
-            <a:r>
-              <a:rPr lang="ko-KR" altLang="en-US" sz="1100" dirty="0"/>
-              <a:t> 오류 발생 대신</a:t>
-            </a:r>
-            <a:endParaRPr lang="en-US" altLang="ko-KR" sz="1100" dirty="0"/>
-          </a:p>
-          <a:p>
-            <a:pPr lvl="1" algn="ctr"/>
-            <a:r>
-              <a:rPr lang="ko-KR" altLang="en-US" sz="1100" dirty="0"/>
-              <a:t>무시하고 진행하도록 하였습니다</a:t>
+            <a:r>
+              <a:rPr lang="ko-KR" altLang="en-US" sz="1100" dirty="0"/>
+              <a:t>승리 조건식을 구현한 모습입니다</a:t>
             </a:r>
             <a:r>
               <a:rPr lang="en-US" altLang="ko-KR" sz="1100" dirty="0"/>
@@ -9747,7 +9425,7 @@
         </p:nvSpPr>
         <p:spPr>
           <a:xfrm>
-            <a:off x="2752639" y="5463991"/>
+            <a:off x="2752639" y="6074447"/>
             <a:ext cx="6686722" cy="430887"/>
           </a:xfrm>
           <a:prstGeom prst="rect">
@@ -9768,27 +9446,31 @@
           <a:p>
             <a:pPr algn="ctr"/>
             <a:r>
-              <a:rPr lang="ko-Kore-KR" altLang="en-US" sz="1100" dirty="0"/>
-              <a:t>이번과제의 최종 코드와 작업물들은 제 깃에서 확인 가능합니다</a:t>
-            </a:r>
-            <a:r>
-              <a:rPr lang="en-US" altLang="ko-Kore-KR" sz="1100" dirty="0"/>
+              <a:rPr lang="ko-KR" altLang="en-US" sz="1100" dirty="0"/>
+              <a:t>제작한 오목 프로그램을 실행한 모습입니다</a:t>
+            </a:r>
+            <a:r>
+              <a:rPr lang="en-US" altLang="ko-KR" sz="1100" dirty="0"/>
               <a:t>.</a:t>
             </a:r>
           </a:p>
           <a:p>
             <a:pPr algn="ctr"/>
             <a:r>
-              <a:rPr lang="en-US" altLang="ko-Kore-KR" sz="1100" dirty="0"/>
-              <a:t>https://</a:t>
-            </a:r>
-            <a:r>
-              <a:rPr lang="en-US" altLang="ko-Kore-KR" sz="1100" dirty="0" err="1"/>
-              <a:t>github.com</a:t>
-            </a:r>
-            <a:r>
-              <a:rPr lang="en-US" altLang="ko-Kore-KR" sz="1100" dirty="0"/>
-              <a:t>/yooatom2200/Programing_Base_2/tree/main/10%EC%9E%A5</a:t>
+              <a:rPr lang="ko-KR" altLang="en-US" sz="1100" dirty="0"/>
+              <a:t>승리 트리거와 각 버튼 이벤트가 모두 정상적으로 </a:t>
+            </a:r>
+            <a:r>
+              <a:rPr lang="ko-KR" altLang="en-US" sz="1100" dirty="0" err="1"/>
+              <a:t>작동하는것을</a:t>
+            </a:r>
+            <a:r>
+              <a:rPr lang="ko-KR" altLang="en-US" sz="1100" dirty="0"/>
+              <a:t> 볼 수 있습니다</a:t>
+            </a:r>
+            <a:r>
+              <a:rPr lang="en-US" altLang="ko-KR" sz="1100" dirty="0"/>
+              <a:t>.</a:t>
             </a:r>
           </a:p>
         </p:txBody>
@@ -9843,7 +9525,7 @@
           <p:cNvPr id="2" name="그림 1">
             <a:extLst>
               <a:ext uri="{FF2B5EF4-FFF2-40B4-BE49-F238E27FC236}">
-                <a16:creationId xmlns:a16="http://schemas.microsoft.com/office/drawing/2014/main" id="{82598BFB-5043-6A4F-B4CF-E860283D469A}"/>
+                <a16:creationId xmlns:a16="http://schemas.microsoft.com/office/drawing/2014/main" id="{37871AD7-1C79-0B42-9367-88E26BB6D84A}"/>
               </a:ext>
             </a:extLst>
           </p:cNvPr>
@@ -9860,8 +9542,8 @@
         </p:blipFill>
         <p:spPr>
           <a:xfrm>
-            <a:off x="6096000" y="1698963"/>
-            <a:ext cx="5874819" cy="3373973"/>
+            <a:off x="1184027" y="1517850"/>
+            <a:ext cx="4083888" cy="4377028"/>
           </a:xfrm>
           <a:prstGeom prst="rect">
             <a:avLst/>
@@ -9873,7 +9555,7 @@
           <p:cNvPr id="3" name="그림 2">
             <a:extLst>
               <a:ext uri="{FF2B5EF4-FFF2-40B4-BE49-F238E27FC236}">
-                <a16:creationId xmlns:a16="http://schemas.microsoft.com/office/drawing/2014/main" id="{F08E6538-5C0B-7446-911B-C3EC6868F10F}"/>
+                <a16:creationId xmlns:a16="http://schemas.microsoft.com/office/drawing/2014/main" id="{7E5E6377-4839-6248-9D84-E28EB6780190}"/>
               </a:ext>
             </a:extLst>
           </p:cNvPr>
@@ -9890,8 +9572,8 @@
         </p:blipFill>
         <p:spPr>
           <a:xfrm>
-            <a:off x="196741" y="1698963"/>
-            <a:ext cx="5899259" cy="3388009"/>
+            <a:off x="6851418" y="1457222"/>
+            <a:ext cx="4156555" cy="4454912"/>
           </a:xfrm>
           <a:prstGeom prst="rect">
             <a:avLst/>
@@ -9901,7 +9583,7 @@
     </p:spTree>
     <p:extLst>
       <p:ext uri="{BB962C8B-B14F-4D97-AF65-F5344CB8AC3E}">
-        <p14:creationId xmlns:p14="http://schemas.microsoft.com/office/powerpoint/2010/main" val="887750796"/>
+        <p14:creationId xmlns:p14="http://schemas.microsoft.com/office/powerpoint/2010/main" val="2987006774"/>
       </p:ext>
     </p:extLst>
   </p:cSld>
@@ -10558,6 +10240,335 @@
 </file>
 
 <file path=ppt/slides/slide20.xml><?xml version="1.0" encoding="utf-8"?>
+<p:sld xmlns:a="http://schemas.openxmlformats.org/drawingml/2006/main" xmlns:r="http://schemas.openxmlformats.org/officeDocument/2006/relationships" xmlns:p="http://schemas.openxmlformats.org/presentationml/2006/main">
+  <p:cSld>
+    <p:spTree>
+      <p:nvGrpSpPr>
+        <p:cNvPr id="1" name=""/>
+        <p:cNvGrpSpPr/>
+        <p:nvPr/>
+      </p:nvGrpSpPr>
+      <p:grpSpPr>
+        <a:xfrm>
+          <a:off x="0" y="0"/>
+          <a:ext cx="0" cy="0"/>
+          <a:chOff x="0" y="0"/>
+          <a:chExt cx="0" cy="0"/>
+        </a:xfrm>
+      </p:grpSpPr>
+      <p:sp>
+        <p:nvSpPr>
+          <p:cNvPr id="37" name="직사각형 36">
+            <a:extLst>
+              <a:ext uri="{FF2B5EF4-FFF2-40B4-BE49-F238E27FC236}">
+                <a16:creationId xmlns:a16="http://schemas.microsoft.com/office/drawing/2014/main" id="{3F15C60C-17FE-422D-AFCF-73C75A021362}"/>
+              </a:ext>
+            </a:extLst>
+          </p:cNvPr>
+          <p:cNvSpPr/>
+          <p:nvPr/>
+        </p:nvSpPr>
+        <p:spPr>
+          <a:xfrm>
+            <a:off x="3697172" y="332194"/>
+            <a:ext cx="4713765" cy="735842"/>
+          </a:xfrm>
+          <a:prstGeom prst="rect">
+            <a:avLst/>
+          </a:prstGeom>
+        </p:spPr>
+        <p:txBody>
+          <a:bodyPr wrap="square">
+            <a:spAutoFit/>
+          </a:bodyPr>
+          <a:lstStyle/>
+          <a:p>
+            <a:pPr algn="ctr" latinLnBrk="0">
+              <a:lnSpc>
+                <a:spcPct val="150000"/>
+              </a:lnSpc>
+              <a:defRPr/>
+            </a:pPr>
+            <a:r>
+              <a:rPr lang="en-US" altLang="ko-KR" sz="3200" b="1" i="1" kern="0" dirty="0">
+                <a:solidFill>
+                  <a:srgbClr val="FF7876"/>
+                </a:solidFill>
+              </a:rPr>
+              <a:t>5</a:t>
+            </a:r>
+          </a:p>
+        </p:txBody>
+      </p:sp>
+      <p:cxnSp>
+        <p:nvCxnSpPr>
+          <p:cNvPr id="38" name="직선 연결선 37">
+            <a:extLst>
+              <a:ext uri="{FF2B5EF4-FFF2-40B4-BE49-F238E27FC236}">
+                <a16:creationId xmlns:a16="http://schemas.microsoft.com/office/drawing/2014/main" id="{940134F4-F272-426A-B50B-8075427DF501}"/>
+              </a:ext>
+            </a:extLst>
+          </p:cNvPr>
+          <p:cNvCxnSpPr>
+            <a:cxnSpLocks/>
+          </p:cNvCxnSpPr>
+          <p:nvPr/>
+        </p:nvCxnSpPr>
+        <p:spPr>
+          <a:xfrm flipV="1">
+            <a:off x="843148" y="847712"/>
+            <a:ext cx="4769087" cy="1"/>
+          </a:xfrm>
+          <a:prstGeom prst="line">
+            <a:avLst/>
+          </a:prstGeom>
+          <a:ln w="6350">
+            <a:solidFill>
+              <a:srgbClr val="FF7876"/>
+            </a:solidFill>
+            <a:prstDash val="sysDash"/>
+            <a:tailEnd type="oval"/>
+          </a:ln>
+        </p:spPr>
+        <p:style>
+          <a:lnRef idx="1">
+            <a:schemeClr val="accent1"/>
+          </a:lnRef>
+          <a:fillRef idx="0">
+            <a:schemeClr val="accent1"/>
+          </a:fillRef>
+          <a:effectRef idx="0">
+            <a:schemeClr val="accent1"/>
+          </a:effectRef>
+          <a:fontRef idx="minor">
+            <a:schemeClr val="tx1"/>
+          </a:fontRef>
+        </p:style>
+      </p:cxnSp>
+      <p:cxnSp>
+        <p:nvCxnSpPr>
+          <p:cNvPr id="39" name="직선 연결선 38">
+            <a:extLst>
+              <a:ext uri="{FF2B5EF4-FFF2-40B4-BE49-F238E27FC236}">
+                <a16:creationId xmlns:a16="http://schemas.microsoft.com/office/drawing/2014/main" id="{55EBD739-0979-4546-8E6B-9CA8052FC540}"/>
+              </a:ext>
+            </a:extLst>
+          </p:cNvPr>
+          <p:cNvCxnSpPr>
+            <a:cxnSpLocks/>
+          </p:cNvCxnSpPr>
+          <p:nvPr/>
+        </p:nvCxnSpPr>
+        <p:spPr>
+          <a:xfrm flipH="1">
+            <a:off x="6579767" y="847712"/>
+            <a:ext cx="4692810" cy="0"/>
+          </a:xfrm>
+          <a:prstGeom prst="line">
+            <a:avLst/>
+          </a:prstGeom>
+          <a:ln w="6350">
+            <a:solidFill>
+              <a:srgbClr val="FF7876"/>
+            </a:solidFill>
+            <a:prstDash val="sysDash"/>
+            <a:tailEnd type="oval"/>
+          </a:ln>
+        </p:spPr>
+        <p:style>
+          <a:lnRef idx="1">
+            <a:schemeClr val="accent1"/>
+          </a:lnRef>
+          <a:fillRef idx="0">
+            <a:schemeClr val="accent1"/>
+          </a:fillRef>
+          <a:effectRef idx="0">
+            <a:schemeClr val="accent1"/>
+          </a:effectRef>
+          <a:fontRef idx="minor">
+            <a:schemeClr val="tx1"/>
+          </a:fontRef>
+        </p:style>
+      </p:cxnSp>
+      <p:sp>
+        <p:nvSpPr>
+          <p:cNvPr id="11" name="TextBox 10">
+            <a:extLst>
+              <a:ext uri="{FF2B5EF4-FFF2-40B4-BE49-F238E27FC236}">
+                <a16:creationId xmlns:a16="http://schemas.microsoft.com/office/drawing/2014/main" id="{4B825D75-47BE-4247-BE4D-F7D4F36F4B08}"/>
+              </a:ext>
+            </a:extLst>
+          </p:cNvPr>
+          <p:cNvSpPr txBox="1"/>
+          <p:nvPr/>
+        </p:nvSpPr>
+        <p:spPr>
+          <a:xfrm>
+            <a:off x="2752639" y="5463991"/>
+            <a:ext cx="6686722" cy="430887"/>
+          </a:xfrm>
+          <a:prstGeom prst="rect">
+            <a:avLst/>
+          </a:prstGeom>
+          <a:noFill/>
+          <a:ln w="12700">
+            <a:solidFill>
+              <a:srgbClr val="FF7876"/>
+            </a:solidFill>
+          </a:ln>
+        </p:spPr>
+        <p:txBody>
+          <a:bodyPr wrap="square" rtlCol="0">
+            <a:spAutoFit/>
+          </a:bodyPr>
+          <a:lstStyle/>
+          <a:p>
+            <a:pPr algn="ctr"/>
+            <a:r>
+              <a:rPr lang="ko-Kore-KR" altLang="en-US" sz="1100" dirty="0"/>
+              <a:t>이번과제의 최종 코드와 작업물들은 제 깃에서 확인 가능합니다</a:t>
+            </a:r>
+            <a:r>
+              <a:rPr lang="en-US" altLang="ko-Kore-KR" sz="1100" dirty="0"/>
+              <a:t>.</a:t>
+            </a:r>
+          </a:p>
+          <a:p>
+            <a:pPr algn="ctr"/>
+            <a:r>
+              <a:rPr lang="en-US" altLang="ko-Kore-KR" sz="1100" dirty="0"/>
+              <a:t>https://</a:t>
+            </a:r>
+            <a:r>
+              <a:rPr lang="en-US" altLang="ko-Kore-KR" sz="1100" dirty="0" err="1"/>
+              <a:t>github.com</a:t>
+            </a:r>
+            <a:r>
+              <a:rPr lang="en-US" altLang="ko-Kore-KR" sz="1100" dirty="0"/>
+              <a:t>/yooatom2200/Programing_Base_2/tree/main/12%EC%9E%A5</a:t>
+            </a:r>
+          </a:p>
+        </p:txBody>
+      </p:sp>
+      <p:sp>
+        <p:nvSpPr>
+          <p:cNvPr id="12" name="TextBox 11">
+            <a:extLst>
+              <a:ext uri="{FF2B5EF4-FFF2-40B4-BE49-F238E27FC236}">
+                <a16:creationId xmlns:a16="http://schemas.microsoft.com/office/drawing/2014/main" id="{459CFBE9-C6B1-CE4F-BF6A-3075D8B4C5EF}"/>
+              </a:ext>
+            </a:extLst>
+          </p:cNvPr>
+          <p:cNvSpPr txBox="1"/>
+          <p:nvPr/>
+        </p:nvSpPr>
+        <p:spPr>
+          <a:xfrm>
+            <a:off x="765146" y="963122"/>
+            <a:ext cx="10507430" cy="261610"/>
+          </a:xfrm>
+          <a:prstGeom prst="rect">
+            <a:avLst/>
+          </a:prstGeom>
+          <a:noFill/>
+        </p:spPr>
+        <p:txBody>
+          <a:bodyPr wrap="square" rtlCol="0">
+            <a:spAutoFit/>
+          </a:bodyPr>
+          <a:lstStyle/>
+          <a:p>
+            <a:pPr algn="ctr"/>
+            <a:r>
+              <a:rPr lang="ko-KR" altLang="en-US" sz="1100" i="1" dirty="0">
+                <a:solidFill>
+                  <a:srgbClr val="FF7876"/>
+                </a:solidFill>
+              </a:rPr>
+              <a:t>임의의 프로그램</a:t>
+            </a:r>
+            <a:endParaRPr lang="en-US" altLang="ko-KR" sz="1100" i="1" dirty="0">
+              <a:solidFill>
+                <a:srgbClr val="FF7876"/>
+              </a:solidFill>
+            </a:endParaRPr>
+          </a:p>
+        </p:txBody>
+      </p:sp>
+      <p:pic>
+        <p:nvPicPr>
+          <p:cNvPr id="4" name="그림 3">
+            <a:extLst>
+              <a:ext uri="{FF2B5EF4-FFF2-40B4-BE49-F238E27FC236}">
+                <a16:creationId xmlns:a16="http://schemas.microsoft.com/office/drawing/2014/main" id="{2E783AF0-D627-4847-8435-4E072F2023B6}"/>
+              </a:ext>
+            </a:extLst>
+          </p:cNvPr>
+          <p:cNvPicPr>
+            <a:picLocks noChangeAspect="1"/>
+          </p:cNvPicPr>
+          <p:nvPr/>
+        </p:nvPicPr>
+        <p:blipFill>
+          <a:blip r:embed="rId2"/>
+          <a:stretch>
+            <a:fillRect/>
+          </a:stretch>
+        </p:blipFill>
+        <p:spPr>
+          <a:xfrm>
+            <a:off x="179234" y="1698962"/>
+            <a:ext cx="5874820" cy="3373974"/>
+          </a:xfrm>
+          <a:prstGeom prst="rect">
+            <a:avLst/>
+          </a:prstGeom>
+        </p:spPr>
+      </p:pic>
+      <p:pic>
+        <p:nvPicPr>
+          <p:cNvPr id="5" name="그림 4">
+            <a:extLst>
+              <a:ext uri="{FF2B5EF4-FFF2-40B4-BE49-F238E27FC236}">
+                <a16:creationId xmlns:a16="http://schemas.microsoft.com/office/drawing/2014/main" id="{654923DE-740F-9A45-B378-95291B9A1948}"/>
+              </a:ext>
+            </a:extLst>
+          </p:cNvPr>
+          <p:cNvPicPr>
+            <a:picLocks noChangeAspect="1"/>
+          </p:cNvPicPr>
+          <p:nvPr/>
+        </p:nvPicPr>
+        <p:blipFill>
+          <a:blip r:embed="rId3"/>
+          <a:stretch>
+            <a:fillRect/>
+          </a:stretch>
+        </p:blipFill>
+        <p:spPr>
+          <a:xfrm>
+            <a:off x="6137948" y="1698961"/>
+            <a:ext cx="5874822" cy="3373975"/>
+          </a:xfrm>
+          <a:prstGeom prst="rect">
+            <a:avLst/>
+          </a:prstGeom>
+        </p:spPr>
+      </p:pic>
+    </p:spTree>
+    <p:extLst>
+      <p:ext uri="{BB962C8B-B14F-4D97-AF65-F5344CB8AC3E}">
+        <p14:creationId xmlns:p14="http://schemas.microsoft.com/office/powerpoint/2010/main" val="887750796"/>
+      </p:ext>
+    </p:extLst>
+  </p:cSld>
+  <p:clrMapOvr>
+    <a:masterClrMapping/>
+  </p:clrMapOvr>
+</p:sld>
+</file>
+
+<file path=ppt/slides/slide21.xml><?xml version="1.0" encoding="utf-8"?>
 <p:sld xmlns:a="http://schemas.openxmlformats.org/drawingml/2006/main" xmlns:r="http://schemas.openxmlformats.org/officeDocument/2006/relationships" xmlns:p="http://schemas.openxmlformats.org/presentationml/2006/main">
   <p:cSld>
     <p:spTree>
